--- a/introToAi/FinalPre/人工智能导论 股票预测.pptx
+++ b/introToAi/FinalPre/人工智能导论 股票预测.pptx
@@ -5,20 +5,24 @@
     <p:sldMasterId id="2147483648" r:id="rId1"/>
   </p:sldMasterIdLst>
   <p:notesMasterIdLst>
-    <p:notesMasterId r:id="rId13"/>
+    <p:notesMasterId r:id="rId17"/>
   </p:notesMasterIdLst>
   <p:sldIdLst>
     <p:sldId id="256" r:id="rId2"/>
-    <p:sldId id="257" r:id="rId3"/>
-    <p:sldId id="260" r:id="rId4"/>
-    <p:sldId id="266" r:id="rId5"/>
-    <p:sldId id="267" r:id="rId6"/>
-    <p:sldId id="268" r:id="rId7"/>
-    <p:sldId id="261" r:id="rId8"/>
-    <p:sldId id="262" r:id="rId9"/>
-    <p:sldId id="263" r:id="rId10"/>
-    <p:sldId id="264" r:id="rId11"/>
-    <p:sldId id="265" r:id="rId12"/>
+    <p:sldId id="272" r:id="rId3"/>
+    <p:sldId id="269" r:id="rId4"/>
+    <p:sldId id="268" r:id="rId5"/>
+    <p:sldId id="260" r:id="rId6"/>
+    <p:sldId id="266" r:id="rId7"/>
+    <p:sldId id="267" r:id="rId8"/>
+    <p:sldId id="270" r:id="rId9"/>
+    <p:sldId id="271" r:id="rId10"/>
+    <p:sldId id="273" r:id="rId11"/>
+    <p:sldId id="261" r:id="rId12"/>
+    <p:sldId id="262" r:id="rId13"/>
+    <p:sldId id="263" r:id="rId14"/>
+    <p:sldId id="264" r:id="rId15"/>
+    <p:sldId id="265" r:id="rId16"/>
   </p:sldIdLst>
   <p:sldSz cx="12192000" cy="6858000"/>
   <p:notesSz cx="6858000" cy="9144000"/>
@@ -863,7 +867,7 @@
           <a:p>
             <a:fld id="{737FD16C-0BF2-4D2B-A449-806687E3285D}" type="slidenum">
               <a:rPr lang="zh-CN" altLang="en-US" smtClean="0"/>
-              <a:t>10</a:t>
+              <a:t>14</a:t>
             </a:fld>
             <a:endParaRPr lang="zh-CN" altLang="en-US"/>
           </a:p>
@@ -4140,7 +4144,12 @@
             <p:ph type="subTitle" idx="1"/>
           </p:nvPr>
         </p:nvSpPr>
-        <p:spPr/>
+        <p:spPr>
+          <a:xfrm>
+            <a:off x="1524000" y="4301646"/>
+            <a:ext cx="9144000" cy="1655762"/>
+          </a:xfrm>
+        </p:spPr>
         <p:txBody>
           <a:bodyPr/>
           <a:lstStyle/>
@@ -4184,6 +4193,770 @@
 </file>
 
 <file path=ppt/slides/slide10.xml><?xml version="1.0" encoding="utf-8"?>
+<p:sld xmlns:a="http://schemas.openxmlformats.org/drawingml/2006/main" xmlns:r="http://schemas.openxmlformats.org/officeDocument/2006/relationships" xmlns:p="http://schemas.openxmlformats.org/presentationml/2006/main">
+  <p:cSld>
+    <p:spTree>
+      <p:nvGrpSpPr>
+        <p:cNvPr id="1" name=""/>
+        <p:cNvGrpSpPr/>
+        <p:nvPr/>
+      </p:nvGrpSpPr>
+      <p:grpSpPr>
+        <a:xfrm>
+          <a:off x="0" y="0"/>
+          <a:ext cx="0" cy="0"/>
+          <a:chOff x="0" y="0"/>
+          <a:chExt cx="0" cy="0"/>
+        </a:xfrm>
+      </p:grpSpPr>
+      <p:sp>
+        <p:nvSpPr>
+          <p:cNvPr id="4" name="文本框 3">
+            <a:extLst>
+              <a:ext uri="{FF2B5EF4-FFF2-40B4-BE49-F238E27FC236}">
+                <a16:creationId xmlns:a16="http://schemas.microsoft.com/office/drawing/2014/main" id="{B83DC108-55EE-449D-84B4-4D07E3B05168}"/>
+              </a:ext>
+            </a:extLst>
+          </p:cNvPr>
+          <p:cNvSpPr txBox="1"/>
+          <p:nvPr/>
+        </p:nvSpPr>
+        <p:spPr>
+          <a:xfrm>
+            <a:off x="2387261" y="625966"/>
+            <a:ext cx="2166330" cy="646331"/>
+          </a:xfrm>
+          <a:prstGeom prst="rect">
+            <a:avLst/>
+          </a:prstGeom>
+          <a:noFill/>
+        </p:spPr>
+        <p:txBody>
+          <a:bodyPr wrap="square" rtlCol="0">
+            <a:spAutoFit/>
+          </a:bodyPr>
+          <a:lstStyle/>
+          <a:p>
+            <a:r>
+              <a:rPr lang="en-US" altLang="zh-CN" sz="3600" b="1" dirty="0">
+                <a:latin typeface="Times New Roman" panose="02020603050405020304" pitchFamily="18" charset="0"/>
+                <a:ea typeface="黑体" panose="02010609060101010101" pitchFamily="49" charset="-122"/>
+                <a:cs typeface="Times New Roman" panose="02020603050405020304" pitchFamily="18" charset="0"/>
+              </a:rPr>
+              <a:t>Part 2</a:t>
+            </a:r>
+            <a:endParaRPr lang="zh-CN" altLang="en-US" sz="3600" b="1" dirty="0">
+              <a:latin typeface="Times New Roman" panose="02020603050405020304" pitchFamily="18" charset="0"/>
+              <a:ea typeface="黑体" panose="02010609060101010101" pitchFamily="49" charset="-122"/>
+              <a:cs typeface="Times New Roman" panose="02020603050405020304" pitchFamily="18" charset="0"/>
+            </a:endParaRPr>
+          </a:p>
+        </p:txBody>
+      </p:sp>
+      <p:sp>
+        <p:nvSpPr>
+          <p:cNvPr id="5" name="文本框 4">
+            <a:extLst>
+              <a:ext uri="{FF2B5EF4-FFF2-40B4-BE49-F238E27FC236}">
+                <a16:creationId xmlns:a16="http://schemas.microsoft.com/office/drawing/2014/main" id="{3BD89DC0-29F1-4512-82A8-6232944602AE}"/>
+              </a:ext>
+            </a:extLst>
+          </p:cNvPr>
+          <p:cNvSpPr txBox="1"/>
+          <p:nvPr/>
+        </p:nvSpPr>
+        <p:spPr>
+          <a:xfrm>
+            <a:off x="2352999" y="1278434"/>
+            <a:ext cx="1368532" cy="400110"/>
+          </a:xfrm>
+          <a:prstGeom prst="rect">
+            <a:avLst/>
+          </a:prstGeom>
+          <a:noFill/>
+        </p:spPr>
+        <p:txBody>
+          <a:bodyPr wrap="square" rtlCol="0">
+            <a:spAutoFit/>
+          </a:bodyPr>
+          <a:lstStyle/>
+          <a:p>
+            <a:pPr algn="ctr"/>
+            <a:r>
+              <a:rPr lang="zh-CN" altLang="en-US" sz="2000" dirty="0">
+                <a:latin typeface="宋体" panose="02010600030101010101" pitchFamily="2" charset="-122"/>
+                <a:ea typeface="宋体" panose="02010600030101010101" pitchFamily="2" charset="-122"/>
+              </a:rPr>
+              <a:t>郭锐冰</a:t>
+            </a:r>
+          </a:p>
+        </p:txBody>
+      </p:sp>
+      <p:grpSp>
+        <p:nvGrpSpPr>
+          <p:cNvPr id="6" name="组合 5">
+            <a:extLst>
+              <a:ext uri="{FF2B5EF4-FFF2-40B4-BE49-F238E27FC236}">
+                <a16:creationId xmlns:a16="http://schemas.microsoft.com/office/drawing/2014/main" id="{A1F7C032-9D6B-4EFB-AA66-031E24EAEBD9}"/>
+              </a:ext>
+            </a:extLst>
+          </p:cNvPr>
+          <p:cNvGrpSpPr/>
+          <p:nvPr/>
+        </p:nvGrpSpPr>
+        <p:grpSpPr>
+          <a:xfrm>
+            <a:off x="5615277" y="1908580"/>
+            <a:ext cx="3414168" cy="3283248"/>
+            <a:chOff x="2681832" y="2037455"/>
+            <a:chExt cx="3414168" cy="3283248"/>
+          </a:xfrm>
+        </p:grpSpPr>
+        <p:sp>
+          <p:nvSpPr>
+            <p:cNvPr id="7" name="文本框 6">
+              <a:extLst>
+                <a:ext uri="{FF2B5EF4-FFF2-40B4-BE49-F238E27FC236}">
+                  <a16:creationId xmlns:a16="http://schemas.microsoft.com/office/drawing/2014/main" id="{DDEA1DD3-1524-45FC-BB72-86A1CD0223F8}"/>
+                </a:ext>
+              </a:extLst>
+            </p:cNvPr>
+            <p:cNvSpPr txBox="1"/>
+            <p:nvPr/>
+          </p:nvSpPr>
+          <p:spPr>
+            <a:xfrm>
+              <a:off x="3634075" y="2037455"/>
+              <a:ext cx="2461925" cy="3222998"/>
+            </a:xfrm>
+            <a:prstGeom prst="rect">
+              <a:avLst/>
+            </a:prstGeom>
+            <a:noFill/>
+          </p:spPr>
+          <p:txBody>
+            <a:bodyPr wrap="square" rtlCol="0">
+              <a:spAutoFit/>
+            </a:bodyPr>
+            <a:lstStyle/>
+            <a:p>
+              <a:pPr>
+                <a:lnSpc>
+                  <a:spcPct val="150000"/>
+                </a:lnSpc>
+              </a:pPr>
+              <a:r>
+                <a:rPr lang="en-US" altLang="zh-CN" sz="2800" b="1" dirty="0">
+                  <a:latin typeface="宋体" panose="02010600030101010101" pitchFamily="2" charset="-122"/>
+                  <a:ea typeface="宋体" panose="02010600030101010101" pitchFamily="2" charset="-122"/>
+                </a:rPr>
+                <a:t>Job1</a:t>
+              </a:r>
+            </a:p>
+            <a:p>
+              <a:pPr>
+                <a:lnSpc>
+                  <a:spcPct val="150000"/>
+                </a:lnSpc>
+              </a:pPr>
+              <a:endParaRPr lang="en-US" altLang="zh-CN" sz="2800" b="1" dirty="0">
+                <a:latin typeface="宋体" panose="02010600030101010101" pitchFamily="2" charset="-122"/>
+                <a:ea typeface="宋体" panose="02010600030101010101" pitchFamily="2" charset="-122"/>
+              </a:endParaRPr>
+            </a:p>
+            <a:p>
+              <a:pPr>
+                <a:lnSpc>
+                  <a:spcPct val="150000"/>
+                </a:lnSpc>
+              </a:pPr>
+              <a:r>
+                <a:rPr lang="en-US" altLang="zh-CN" sz="2800" b="1" dirty="0">
+                  <a:latin typeface="宋体" panose="02010600030101010101" pitchFamily="2" charset="-122"/>
+                  <a:ea typeface="宋体" panose="02010600030101010101" pitchFamily="2" charset="-122"/>
+                </a:rPr>
+                <a:t>Job2</a:t>
+              </a:r>
+            </a:p>
+            <a:p>
+              <a:pPr>
+                <a:lnSpc>
+                  <a:spcPct val="150000"/>
+                </a:lnSpc>
+              </a:pPr>
+              <a:endParaRPr lang="en-US" altLang="zh-CN" sz="2800" b="1" dirty="0">
+                <a:latin typeface="宋体" panose="02010600030101010101" pitchFamily="2" charset="-122"/>
+                <a:ea typeface="宋体" panose="02010600030101010101" pitchFamily="2" charset="-122"/>
+              </a:endParaRPr>
+            </a:p>
+            <a:p>
+              <a:pPr>
+                <a:lnSpc>
+                  <a:spcPct val="150000"/>
+                </a:lnSpc>
+              </a:pPr>
+              <a:r>
+                <a:rPr lang="en-US" altLang="zh-CN" sz="2800" b="1" dirty="0">
+                  <a:latin typeface="宋体" panose="02010600030101010101" pitchFamily="2" charset="-122"/>
+                  <a:ea typeface="宋体" panose="02010600030101010101" pitchFamily="2" charset="-122"/>
+                </a:rPr>
+                <a:t>Job3</a:t>
+              </a:r>
+              <a:endParaRPr lang="zh-CN" altLang="en-US" b="1" dirty="0">
+                <a:latin typeface="宋体" panose="02010600030101010101" pitchFamily="2" charset="-122"/>
+                <a:ea typeface="宋体" panose="02010600030101010101" pitchFamily="2" charset="-122"/>
+              </a:endParaRPr>
+            </a:p>
+          </p:txBody>
+        </p:sp>
+        <p:sp>
+          <p:nvSpPr>
+            <p:cNvPr id="8" name="左大括号 7">
+              <a:extLst>
+                <a:ext uri="{FF2B5EF4-FFF2-40B4-BE49-F238E27FC236}">
+                  <a16:creationId xmlns:a16="http://schemas.microsoft.com/office/drawing/2014/main" id="{1E10FCB5-5A1C-425F-81FA-8EDAB1F4BB4D}"/>
+                </a:ext>
+              </a:extLst>
+            </p:cNvPr>
+            <p:cNvSpPr/>
+            <p:nvPr/>
+          </p:nvSpPr>
+          <p:spPr>
+            <a:xfrm>
+              <a:off x="2681832" y="2037455"/>
+              <a:ext cx="711882" cy="3283248"/>
+            </a:xfrm>
+            <a:prstGeom prst="leftBrace">
+              <a:avLst/>
+            </a:prstGeom>
+          </p:spPr>
+          <p:style>
+            <a:lnRef idx="2">
+              <a:schemeClr val="dk1"/>
+            </a:lnRef>
+            <a:fillRef idx="0">
+              <a:schemeClr val="dk1"/>
+            </a:fillRef>
+            <a:effectRef idx="1">
+              <a:schemeClr val="dk1"/>
+            </a:effectRef>
+            <a:fontRef idx="minor">
+              <a:schemeClr val="tx1"/>
+            </a:fontRef>
+          </p:style>
+          <p:txBody>
+            <a:bodyPr rtlCol="0" anchor="ctr"/>
+            <a:lstStyle/>
+            <a:p>
+              <a:pPr algn="ctr"/>
+              <a:endParaRPr lang="zh-CN" altLang="en-US"/>
+            </a:p>
+          </p:txBody>
+        </p:sp>
+      </p:grpSp>
+      <p:cxnSp>
+        <p:nvCxnSpPr>
+          <p:cNvPr id="9" name="直接连接符 8">
+            <a:extLst>
+              <a:ext uri="{FF2B5EF4-FFF2-40B4-BE49-F238E27FC236}">
+                <a16:creationId xmlns:a16="http://schemas.microsoft.com/office/drawing/2014/main" id="{CA02B2B0-28DC-44E2-B492-4BCB2B25F976}"/>
+              </a:ext>
+            </a:extLst>
+          </p:cNvPr>
+          <p:cNvCxnSpPr>
+            <a:cxnSpLocks/>
+          </p:cNvCxnSpPr>
+          <p:nvPr/>
+        </p:nvCxnSpPr>
+        <p:spPr>
+          <a:xfrm>
+            <a:off x="4222198" y="625966"/>
+            <a:ext cx="0" cy="5744150"/>
+          </a:xfrm>
+          <a:prstGeom prst="line">
+            <a:avLst/>
+          </a:prstGeom>
+        </p:spPr>
+        <p:style>
+          <a:lnRef idx="2">
+            <a:schemeClr val="dk1"/>
+          </a:lnRef>
+          <a:fillRef idx="0">
+            <a:schemeClr val="dk1"/>
+          </a:fillRef>
+          <a:effectRef idx="1">
+            <a:schemeClr val="dk1"/>
+          </a:effectRef>
+          <a:fontRef idx="minor">
+            <a:schemeClr val="tx1"/>
+          </a:fontRef>
+        </p:style>
+      </p:cxnSp>
+    </p:spTree>
+    <p:extLst>
+      <p:ext uri="{BB962C8B-B14F-4D97-AF65-F5344CB8AC3E}">
+        <p14:creationId xmlns:p14="http://schemas.microsoft.com/office/powerpoint/2010/main" val="1406152244"/>
+      </p:ext>
+    </p:extLst>
+  </p:cSld>
+  <p:clrMapOvr>
+    <a:masterClrMapping/>
+  </p:clrMapOvr>
+</p:sld>
+</file>
+
+<file path=ppt/slides/slide11.xml><?xml version="1.0" encoding="utf-8"?>
+<p:sld xmlns:a="http://schemas.openxmlformats.org/drawingml/2006/main" xmlns:r="http://schemas.openxmlformats.org/officeDocument/2006/relationships" xmlns:p="http://schemas.openxmlformats.org/presentationml/2006/main">
+  <p:cSld>
+    <p:spTree>
+      <p:nvGrpSpPr>
+        <p:cNvPr id="1" name=""/>
+        <p:cNvGrpSpPr/>
+        <p:nvPr/>
+      </p:nvGrpSpPr>
+      <p:grpSpPr>
+        <a:xfrm>
+          <a:off x="0" y="0"/>
+          <a:ext cx="0" cy="0"/>
+          <a:chOff x="0" y="0"/>
+          <a:chExt cx="0" cy="0"/>
+        </a:xfrm>
+      </p:grpSpPr>
+      <p:sp>
+        <p:nvSpPr>
+          <p:cNvPr id="2" name="标题 1">
+            <a:extLst>
+              <a:ext uri="{FF2B5EF4-FFF2-40B4-BE49-F238E27FC236}">
+                <a16:creationId xmlns:a16="http://schemas.microsoft.com/office/drawing/2014/main" id="{55A31B29-259F-0D0F-D6D9-295AB510EDCB}"/>
+              </a:ext>
+            </a:extLst>
+          </p:cNvPr>
+          <p:cNvSpPr>
+            <a:spLocks noGrp="1"/>
+          </p:cNvSpPr>
+          <p:nvPr>
+            <p:ph type="title"/>
+          </p:nvPr>
+        </p:nvSpPr>
+        <p:spPr/>
+        <p:txBody>
+          <a:bodyPr/>
+          <a:lstStyle/>
+          <a:p>
+            <a:r>
+              <a:rPr lang="zh-CN" altLang="en-US" dirty="0"/>
+              <a:t>优化结果与策略</a:t>
+            </a:r>
+          </a:p>
+        </p:txBody>
+      </p:sp>
+      <p:sp>
+        <p:nvSpPr>
+          <p:cNvPr id="3" name="内容占位符 2">
+            <a:extLst>
+              <a:ext uri="{FF2B5EF4-FFF2-40B4-BE49-F238E27FC236}">
+                <a16:creationId xmlns:a16="http://schemas.microsoft.com/office/drawing/2014/main" id="{E7D6862A-662E-D2DB-33A4-C3A874BA5CD1}"/>
+              </a:ext>
+            </a:extLst>
+          </p:cNvPr>
+          <p:cNvSpPr>
+            <a:spLocks noGrp="1"/>
+          </p:cNvSpPr>
+          <p:nvPr>
+            <p:ph idx="1"/>
+          </p:nvPr>
+        </p:nvSpPr>
+        <p:spPr/>
+        <p:txBody>
+          <a:bodyPr/>
+          <a:lstStyle/>
+          <a:p>
+            <a:r>
+              <a:rPr lang="zh-CN" altLang="en-US" dirty="0"/>
+              <a:t>优化各种超参数，使得测试集正确率与训练集接近。训练成果</a:t>
+            </a:r>
+            <a:endParaRPr lang="en-US" altLang="zh-CN" dirty="0"/>
+          </a:p>
+          <a:p>
+            <a:endParaRPr lang="en-US" altLang="zh-CN" dirty="0"/>
+          </a:p>
+          <a:p>
+            <a:endParaRPr lang="zh-CN" altLang="en-US" dirty="0"/>
+          </a:p>
+        </p:txBody>
+      </p:sp>
+      <p:pic>
+        <p:nvPicPr>
+          <p:cNvPr id="7" name="图片 6">
+            <a:extLst>
+              <a:ext uri="{FF2B5EF4-FFF2-40B4-BE49-F238E27FC236}">
+                <a16:creationId xmlns:a16="http://schemas.microsoft.com/office/drawing/2014/main" id="{6CE0690B-10DC-3314-5C9C-978907CCC68F}"/>
+              </a:ext>
+            </a:extLst>
+          </p:cNvPr>
+          <p:cNvPicPr>
+            <a:picLocks noChangeAspect="1"/>
+          </p:cNvPicPr>
+          <p:nvPr/>
+        </p:nvPicPr>
+        <p:blipFill>
+          <a:blip r:embed="rId2"/>
+          <a:stretch>
+            <a:fillRect/>
+          </a:stretch>
+        </p:blipFill>
+        <p:spPr>
+          <a:xfrm>
+            <a:off x="1365126" y="2617190"/>
+            <a:ext cx="5020376" cy="2048161"/>
+          </a:xfrm>
+          <a:prstGeom prst="rect">
+            <a:avLst/>
+          </a:prstGeom>
+        </p:spPr>
+      </p:pic>
+    </p:spTree>
+    <p:extLst>
+      <p:ext uri="{BB962C8B-B14F-4D97-AF65-F5344CB8AC3E}">
+        <p14:creationId xmlns:p14="http://schemas.microsoft.com/office/powerpoint/2010/main" val="3964041085"/>
+      </p:ext>
+    </p:extLst>
+  </p:cSld>
+  <p:clrMapOvr>
+    <a:masterClrMapping/>
+  </p:clrMapOvr>
+</p:sld>
+</file>
+
+<file path=ppt/slides/slide12.xml><?xml version="1.0" encoding="utf-8"?>
+<p:sld xmlns:a="http://schemas.openxmlformats.org/drawingml/2006/main" xmlns:r="http://schemas.openxmlformats.org/officeDocument/2006/relationships" xmlns:p="http://schemas.openxmlformats.org/presentationml/2006/main">
+  <p:cSld>
+    <p:spTree>
+      <p:nvGrpSpPr>
+        <p:cNvPr id="1" name=""/>
+        <p:cNvGrpSpPr/>
+        <p:nvPr/>
+      </p:nvGrpSpPr>
+      <p:grpSpPr>
+        <a:xfrm>
+          <a:off x="0" y="0"/>
+          <a:ext cx="0" cy="0"/>
+          <a:chOff x="0" y="0"/>
+          <a:chExt cx="0" cy="0"/>
+        </a:xfrm>
+      </p:grpSpPr>
+      <p:sp>
+        <p:nvSpPr>
+          <p:cNvPr id="2" name="标题 1">
+            <a:extLst>
+              <a:ext uri="{FF2B5EF4-FFF2-40B4-BE49-F238E27FC236}">
+                <a16:creationId xmlns:a16="http://schemas.microsoft.com/office/drawing/2014/main" id="{84F03362-BF2A-583F-6086-04703CB3915C}"/>
+              </a:ext>
+            </a:extLst>
+          </p:cNvPr>
+          <p:cNvSpPr>
+            <a:spLocks noGrp="1"/>
+          </p:cNvSpPr>
+          <p:nvPr>
+            <p:ph type="title"/>
+          </p:nvPr>
+        </p:nvSpPr>
+        <p:spPr/>
+        <p:txBody>
+          <a:bodyPr/>
+          <a:lstStyle/>
+          <a:p>
+            <a:r>
+              <a:rPr lang="en-US" altLang="zh-CN" dirty="0"/>
+              <a:t>002765.XSHE</a:t>
+            </a:r>
+            <a:endParaRPr lang="zh-CN" altLang="en-US" dirty="0"/>
+          </a:p>
+        </p:txBody>
+      </p:sp>
+      <p:pic>
+        <p:nvPicPr>
+          <p:cNvPr id="5" name="内容占位符 4">
+            <a:extLst>
+              <a:ext uri="{FF2B5EF4-FFF2-40B4-BE49-F238E27FC236}">
+                <a16:creationId xmlns:a16="http://schemas.microsoft.com/office/drawing/2014/main" id="{C1300B95-16E9-8192-C24F-D0070EDCDBE1}"/>
+              </a:ext>
+            </a:extLst>
+          </p:cNvPr>
+          <p:cNvPicPr>
+            <a:picLocks noGrp="1" noChangeAspect="1"/>
+          </p:cNvPicPr>
+          <p:nvPr>
+            <p:ph idx="1"/>
+          </p:nvPr>
+        </p:nvPicPr>
+        <p:blipFill>
+          <a:blip r:embed="rId2"/>
+          <a:stretch>
+            <a:fillRect/>
+          </a:stretch>
+        </p:blipFill>
+        <p:spPr>
+          <a:xfrm>
+            <a:off x="3152821" y="1825625"/>
+            <a:ext cx="5886358" cy="4351338"/>
+          </a:xfrm>
+        </p:spPr>
+      </p:pic>
+    </p:spTree>
+    <p:extLst>
+      <p:ext uri="{BB962C8B-B14F-4D97-AF65-F5344CB8AC3E}">
+        <p14:creationId xmlns:p14="http://schemas.microsoft.com/office/powerpoint/2010/main" val="3858535594"/>
+      </p:ext>
+    </p:extLst>
+  </p:cSld>
+  <p:clrMapOvr>
+    <a:masterClrMapping/>
+  </p:clrMapOvr>
+</p:sld>
+</file>
+
+<file path=ppt/slides/slide13.xml><?xml version="1.0" encoding="utf-8"?>
+<p:sld xmlns:a="http://schemas.openxmlformats.org/drawingml/2006/main" xmlns:r="http://schemas.openxmlformats.org/officeDocument/2006/relationships" xmlns:p="http://schemas.openxmlformats.org/presentationml/2006/main">
+  <p:cSld>
+    <p:spTree>
+      <p:nvGrpSpPr>
+        <p:cNvPr id="1" name=""/>
+        <p:cNvGrpSpPr/>
+        <p:nvPr/>
+      </p:nvGrpSpPr>
+      <p:grpSpPr>
+        <a:xfrm>
+          <a:off x="0" y="0"/>
+          <a:ext cx="0" cy="0"/>
+          <a:chOff x="0" y="0"/>
+          <a:chExt cx="0" cy="0"/>
+        </a:xfrm>
+      </p:grpSpPr>
+      <p:sp>
+        <p:nvSpPr>
+          <p:cNvPr id="2" name="标题 1">
+            <a:extLst>
+              <a:ext uri="{FF2B5EF4-FFF2-40B4-BE49-F238E27FC236}">
+                <a16:creationId xmlns:a16="http://schemas.microsoft.com/office/drawing/2014/main" id="{92A799F5-019B-441D-2BA7-6AD12367267A}"/>
+              </a:ext>
+            </a:extLst>
+          </p:cNvPr>
+          <p:cNvSpPr>
+            <a:spLocks noGrp="1"/>
+          </p:cNvSpPr>
+          <p:nvPr>
+            <p:ph type="title"/>
+          </p:nvPr>
+        </p:nvSpPr>
+        <p:spPr/>
+        <p:txBody>
+          <a:bodyPr/>
+          <a:lstStyle/>
+          <a:p>
+            <a:r>
+              <a:rPr lang="zh-CN" altLang="en-US" dirty="0"/>
+              <a:t>简单策略</a:t>
+            </a:r>
+          </a:p>
+        </p:txBody>
+      </p:sp>
+      <p:sp>
+        <p:nvSpPr>
+          <p:cNvPr id="3" name="内容占位符 2">
+            <a:extLst>
+              <a:ext uri="{FF2B5EF4-FFF2-40B4-BE49-F238E27FC236}">
+                <a16:creationId xmlns:a16="http://schemas.microsoft.com/office/drawing/2014/main" id="{0C8F96E2-0E6D-174A-A068-C4137E9B679A}"/>
+              </a:ext>
+            </a:extLst>
+          </p:cNvPr>
+          <p:cNvSpPr>
+            <a:spLocks noGrp="1"/>
+          </p:cNvSpPr>
+          <p:nvPr>
+            <p:ph idx="1"/>
+          </p:nvPr>
+        </p:nvSpPr>
+        <p:spPr>
+          <a:xfrm>
+            <a:off x="838200" y="2188029"/>
+            <a:ext cx="4280807" cy="3988934"/>
+          </a:xfrm>
+        </p:spPr>
+        <p:txBody>
+          <a:bodyPr/>
+          <a:lstStyle/>
+          <a:p>
+            <a:r>
+              <a:rPr lang="zh-CN" altLang="en-US" dirty="0"/>
+              <a:t>使用训练的结果，在测试集上尝试建立策略：</a:t>
+            </a:r>
+            <a:endParaRPr lang="en-US" altLang="zh-CN" dirty="0"/>
+          </a:p>
+          <a:p>
+            <a:r>
+              <a:rPr lang="en-US" altLang="zh-CN" dirty="0"/>
+              <a:t>1</a:t>
+            </a:r>
+            <a:r>
+              <a:rPr lang="zh-CN" altLang="en-US" dirty="0"/>
+              <a:t>）当上涨概率大于</a:t>
+            </a:r>
+            <a:r>
+              <a:rPr lang="en-US" altLang="zh-CN" b="0" dirty="0" err="1">
+                <a:solidFill>
+                  <a:srgbClr val="001080"/>
+                </a:solidFill>
+                <a:effectLst/>
+                <a:highlight>
+                  <a:srgbClr val="FFFFFF"/>
+                </a:highlight>
+                <a:latin typeface="Consolas" panose="020B0609020204030204" pitchFamily="49" charset="0"/>
+              </a:rPr>
+              <a:t>P_b</a:t>
+            </a:r>
+            <a:r>
+              <a:rPr lang="zh-CN" altLang="en-US" dirty="0"/>
+              <a:t>时以收盘价买入</a:t>
+            </a:r>
+            <a:endParaRPr lang="en-US" altLang="zh-CN" dirty="0"/>
+          </a:p>
+          <a:p>
+            <a:r>
+              <a:rPr lang="en-US" altLang="zh-CN" dirty="0"/>
+              <a:t>2</a:t>
+            </a:r>
+            <a:r>
+              <a:rPr lang="zh-CN" altLang="en-US" dirty="0"/>
+              <a:t>）买入后若上涨概率小于</a:t>
+            </a:r>
+            <a:r>
+              <a:rPr lang="en-US" altLang="zh-CN" b="0" dirty="0">
+                <a:solidFill>
+                  <a:srgbClr val="001080"/>
+                </a:solidFill>
+                <a:effectLst/>
+                <a:highlight>
+                  <a:srgbClr val="FFFFFF"/>
+                </a:highlight>
+                <a:latin typeface="Consolas" panose="020B0609020204030204" pitchFamily="49" charset="0"/>
+              </a:rPr>
+              <a:t>P_s</a:t>
+            </a:r>
+            <a:r>
+              <a:rPr lang="zh-CN" altLang="en-US" b="0" dirty="0">
+                <a:solidFill>
+                  <a:srgbClr val="001080"/>
+                </a:solidFill>
+                <a:effectLst/>
+                <a:highlight>
+                  <a:srgbClr val="FFFFFF"/>
+                </a:highlight>
+                <a:latin typeface="Consolas" panose="020B0609020204030204" pitchFamily="49" charset="0"/>
+              </a:rPr>
+              <a:t>卖出，或跌幅大于</a:t>
+            </a:r>
+            <a:r>
+              <a:rPr lang="en-US" altLang="zh-CN" b="0" dirty="0">
+                <a:solidFill>
+                  <a:srgbClr val="001080"/>
+                </a:solidFill>
+                <a:effectLst/>
+                <a:highlight>
+                  <a:srgbClr val="FFFFFF"/>
+                </a:highlight>
+                <a:latin typeface="Consolas" panose="020B0609020204030204" pitchFamily="49" charset="0"/>
+              </a:rPr>
+              <a:t>20%</a:t>
+            </a:r>
+            <a:r>
+              <a:rPr lang="zh-CN" altLang="en-US" b="0" dirty="0">
+                <a:solidFill>
+                  <a:srgbClr val="001080"/>
+                </a:solidFill>
+                <a:effectLst/>
+                <a:highlight>
+                  <a:srgbClr val="FFFFFF"/>
+                </a:highlight>
+                <a:latin typeface="Consolas" panose="020B0609020204030204" pitchFamily="49" charset="0"/>
+              </a:rPr>
+              <a:t>止损</a:t>
+            </a:r>
+            <a:endParaRPr lang="en-US" altLang="zh-CN" b="0" dirty="0">
+              <a:solidFill>
+                <a:srgbClr val="001080"/>
+              </a:solidFill>
+              <a:effectLst/>
+              <a:highlight>
+                <a:srgbClr val="FFFFFF"/>
+              </a:highlight>
+              <a:latin typeface="Consolas" panose="020B0609020204030204" pitchFamily="49" charset="0"/>
+            </a:endParaRPr>
+          </a:p>
+          <a:p>
+            <a:endParaRPr lang="en-US" altLang="zh-CN" b="0" dirty="0">
+              <a:solidFill>
+                <a:srgbClr val="3B3B3B"/>
+              </a:solidFill>
+              <a:effectLst/>
+              <a:highlight>
+                <a:srgbClr val="FFFFFF"/>
+              </a:highlight>
+              <a:latin typeface="Consolas" panose="020B0609020204030204" pitchFamily="49" charset="0"/>
+            </a:endParaRPr>
+          </a:p>
+          <a:p>
+            <a:endParaRPr lang="en-US" altLang="zh-CN" dirty="0"/>
+          </a:p>
+          <a:p>
+            <a:endParaRPr lang="zh-CN" altLang="en-US" dirty="0"/>
+          </a:p>
+        </p:txBody>
+      </p:sp>
+      <p:pic>
+        <p:nvPicPr>
+          <p:cNvPr id="5" name="图片 4">
+            <a:extLst>
+              <a:ext uri="{FF2B5EF4-FFF2-40B4-BE49-F238E27FC236}">
+                <a16:creationId xmlns:a16="http://schemas.microsoft.com/office/drawing/2014/main" id="{66FA1B38-3828-B38E-3A3F-30AAD440E259}"/>
+              </a:ext>
+            </a:extLst>
+          </p:cNvPr>
+          <p:cNvPicPr>
+            <a:picLocks noChangeAspect="1"/>
+          </p:cNvPicPr>
+          <p:nvPr/>
+        </p:nvPicPr>
+        <p:blipFill>
+          <a:blip r:embed="rId2"/>
+          <a:stretch>
+            <a:fillRect/>
+          </a:stretch>
+        </p:blipFill>
+        <p:spPr>
+          <a:xfrm>
+            <a:off x="6185309" y="1608156"/>
+            <a:ext cx="5203196" cy="4441579"/>
+          </a:xfrm>
+          <a:prstGeom prst="rect">
+            <a:avLst/>
+          </a:prstGeom>
+        </p:spPr>
+      </p:pic>
+    </p:spTree>
+    <p:extLst>
+      <p:ext uri="{BB962C8B-B14F-4D97-AF65-F5344CB8AC3E}">
+        <p14:creationId xmlns:p14="http://schemas.microsoft.com/office/powerpoint/2010/main" val="421035534"/>
+      </p:ext>
+    </p:extLst>
+  </p:cSld>
+  <p:clrMapOvr>
+    <a:masterClrMapping/>
+  </p:clrMapOvr>
+</p:sld>
+</file>
+
+<file path=ppt/slides/slide14.xml><?xml version="1.0" encoding="utf-8"?>
 <p:sld xmlns:a="http://schemas.openxmlformats.org/drawingml/2006/main" xmlns:r="http://schemas.openxmlformats.org/officeDocument/2006/relationships" xmlns:p="http://schemas.openxmlformats.org/presentationml/2006/main">
   <p:cSld>
     <p:spTree>
@@ -4333,7 +5106,7 @@
 </p:sld>
 </file>
 
-<file path=ppt/slides/slide11.xml><?xml version="1.0" encoding="utf-8"?>
+<file path=ppt/slides/slide15.xml><?xml version="1.0" encoding="utf-8"?>
 <p:sld xmlns:a="http://schemas.openxmlformats.org/drawingml/2006/main" xmlns:r="http://schemas.openxmlformats.org/officeDocument/2006/relationships" xmlns:p="http://schemas.openxmlformats.org/presentationml/2006/main">
   <p:cSld>
     <p:spTree>
@@ -4430,86 +5203,291 @@
       </p:grpSpPr>
       <p:sp>
         <p:nvSpPr>
-          <p:cNvPr id="2" name="标题 1">
-            <a:extLst>
-              <a:ext uri="{FF2B5EF4-FFF2-40B4-BE49-F238E27FC236}">
-                <a16:creationId xmlns:a16="http://schemas.microsoft.com/office/drawing/2014/main" id="{B0922AE4-3663-42AC-2DB7-DC508EB2E187}"/>
-              </a:ext>
-            </a:extLst>
-          </p:cNvPr>
-          <p:cNvSpPr>
-            <a:spLocks noGrp="1"/>
-          </p:cNvSpPr>
-          <p:nvPr>
-            <p:ph type="title"/>
-          </p:nvPr>
-        </p:nvSpPr>
-        <p:spPr/>
-        <p:txBody>
-          <a:bodyPr/>
+          <p:cNvPr id="4" name="文本框 3">
+            <a:extLst>
+              <a:ext uri="{FF2B5EF4-FFF2-40B4-BE49-F238E27FC236}">
+                <a16:creationId xmlns:a16="http://schemas.microsoft.com/office/drawing/2014/main" id="{3F564C77-420C-4DC4-ABAA-C8CC12889A6E}"/>
+              </a:ext>
+            </a:extLst>
+          </p:cNvPr>
+          <p:cNvSpPr txBox="1"/>
+          <p:nvPr/>
+        </p:nvSpPr>
+        <p:spPr>
+          <a:xfrm>
+            <a:off x="2387261" y="625966"/>
+            <a:ext cx="2166330" cy="646331"/>
+          </a:xfrm>
+          <a:prstGeom prst="rect">
+            <a:avLst/>
+          </a:prstGeom>
+          <a:noFill/>
+        </p:spPr>
+        <p:txBody>
+          <a:bodyPr wrap="square" rtlCol="0">
+            <a:spAutoFit/>
+          </a:bodyPr>
           <a:lstStyle/>
           <a:p>
             <a:r>
-              <a:rPr lang="zh-CN" altLang="en-US" dirty="0"/>
-              <a:t>项目背景</a:t>
-            </a:r>
-          </a:p>
-        </p:txBody>
-      </p:sp>
-      <p:sp>
-        <p:nvSpPr>
-          <p:cNvPr id="3" name="内容占位符 2">
-            <a:extLst>
-              <a:ext uri="{FF2B5EF4-FFF2-40B4-BE49-F238E27FC236}">
-                <a16:creationId xmlns:a16="http://schemas.microsoft.com/office/drawing/2014/main" id="{C308F3CC-3672-897B-FD13-31BEE8518DA3}"/>
-              </a:ext>
-            </a:extLst>
-          </p:cNvPr>
-          <p:cNvSpPr>
-            <a:spLocks noGrp="1"/>
-          </p:cNvSpPr>
-          <p:nvPr>
-            <p:ph idx="1"/>
-          </p:nvPr>
-        </p:nvSpPr>
-        <p:spPr/>
-        <p:txBody>
-          <a:bodyPr/>
+              <a:rPr lang="en-US" altLang="zh-CN" sz="3600" b="1" dirty="0">
+                <a:latin typeface="Times New Roman" panose="02020603050405020304" pitchFamily="18" charset="0"/>
+                <a:ea typeface="黑体" panose="02010609060101010101" pitchFamily="49" charset="-122"/>
+                <a:cs typeface="Times New Roman" panose="02020603050405020304" pitchFamily="18" charset="0"/>
+              </a:rPr>
+              <a:t>Part 1</a:t>
+            </a:r>
+            <a:endParaRPr lang="zh-CN" altLang="en-US" sz="3600" b="1" dirty="0">
+              <a:latin typeface="Times New Roman" panose="02020603050405020304" pitchFamily="18" charset="0"/>
+              <a:ea typeface="黑体" panose="02010609060101010101" pitchFamily="49" charset="-122"/>
+              <a:cs typeface="Times New Roman" panose="02020603050405020304" pitchFamily="18" charset="0"/>
+            </a:endParaRPr>
+          </a:p>
+        </p:txBody>
+      </p:sp>
+      <p:grpSp>
+        <p:nvGrpSpPr>
+          <p:cNvPr id="10" name="组合 9">
+            <a:extLst>
+              <a:ext uri="{FF2B5EF4-FFF2-40B4-BE49-F238E27FC236}">
+                <a16:creationId xmlns:a16="http://schemas.microsoft.com/office/drawing/2014/main" id="{A4F8173F-3F34-4A0B-8F68-594B45667F3F}"/>
+              </a:ext>
+            </a:extLst>
+          </p:cNvPr>
+          <p:cNvGrpSpPr/>
+          <p:nvPr/>
+        </p:nvGrpSpPr>
+        <p:grpSpPr>
+          <a:xfrm>
+            <a:off x="5615277" y="1908580"/>
+            <a:ext cx="3414168" cy="3283248"/>
+            <a:chOff x="2681832" y="2037455"/>
+            <a:chExt cx="3414168" cy="3283248"/>
+          </a:xfrm>
+        </p:grpSpPr>
+        <p:sp>
+          <p:nvSpPr>
+            <p:cNvPr id="5" name="文本框 4">
+              <a:extLst>
+                <a:ext uri="{FF2B5EF4-FFF2-40B4-BE49-F238E27FC236}">
+                  <a16:creationId xmlns:a16="http://schemas.microsoft.com/office/drawing/2014/main" id="{ACCA4885-254A-4E77-B864-23C2A9C23985}"/>
+                </a:ext>
+              </a:extLst>
+            </p:cNvPr>
+            <p:cNvSpPr txBox="1"/>
+            <p:nvPr/>
+          </p:nvSpPr>
+          <p:spPr>
+            <a:xfrm>
+              <a:off x="3634075" y="2037455"/>
+              <a:ext cx="2461925" cy="3222998"/>
+            </a:xfrm>
+            <a:prstGeom prst="rect">
+              <a:avLst/>
+            </a:prstGeom>
+            <a:noFill/>
+          </p:spPr>
+          <p:txBody>
+            <a:bodyPr wrap="square" rtlCol="0">
+              <a:spAutoFit/>
+            </a:bodyPr>
+            <a:lstStyle/>
+            <a:p>
+              <a:pPr>
+                <a:lnSpc>
+                  <a:spcPct val="150000"/>
+                </a:lnSpc>
+              </a:pPr>
+              <a:r>
+                <a:rPr lang="zh-CN" altLang="en-US" sz="2800" b="1" dirty="0">
+                  <a:latin typeface="宋体" panose="02010600030101010101" pitchFamily="2" charset="-122"/>
+                  <a:ea typeface="宋体" panose="02010600030101010101" pitchFamily="2" charset="-122"/>
+                </a:rPr>
+                <a:t>模型设计</a:t>
+              </a:r>
+              <a:endParaRPr lang="en-US" altLang="zh-CN" sz="2800" b="1" dirty="0">
+                <a:latin typeface="宋体" panose="02010600030101010101" pitchFamily="2" charset="-122"/>
+                <a:ea typeface="宋体" panose="02010600030101010101" pitchFamily="2" charset="-122"/>
+              </a:endParaRPr>
+            </a:p>
+            <a:p>
+              <a:pPr>
+                <a:lnSpc>
+                  <a:spcPct val="150000"/>
+                </a:lnSpc>
+              </a:pPr>
+              <a:endParaRPr lang="en-US" altLang="zh-CN" sz="2800" b="1" dirty="0">
+                <a:latin typeface="宋体" panose="02010600030101010101" pitchFamily="2" charset="-122"/>
+                <a:ea typeface="宋体" panose="02010600030101010101" pitchFamily="2" charset="-122"/>
+              </a:endParaRPr>
+            </a:p>
+            <a:p>
+              <a:pPr>
+                <a:lnSpc>
+                  <a:spcPct val="150000"/>
+                </a:lnSpc>
+              </a:pPr>
+              <a:r>
+                <a:rPr lang="zh-CN" altLang="en-US" sz="2800" b="1" dirty="0">
+                  <a:latin typeface="宋体" panose="02010600030101010101" pitchFamily="2" charset="-122"/>
+                  <a:ea typeface="宋体" panose="02010600030101010101" pitchFamily="2" charset="-122"/>
+                </a:rPr>
+                <a:t>数据处理</a:t>
+              </a:r>
+              <a:endParaRPr lang="en-US" altLang="zh-CN" sz="2800" b="1" dirty="0">
+                <a:latin typeface="宋体" panose="02010600030101010101" pitchFamily="2" charset="-122"/>
+                <a:ea typeface="宋体" panose="02010600030101010101" pitchFamily="2" charset="-122"/>
+              </a:endParaRPr>
+            </a:p>
+            <a:p>
+              <a:pPr>
+                <a:lnSpc>
+                  <a:spcPct val="150000"/>
+                </a:lnSpc>
+              </a:pPr>
+              <a:endParaRPr lang="en-US" altLang="zh-CN" sz="2800" b="1" dirty="0">
+                <a:latin typeface="宋体" panose="02010600030101010101" pitchFamily="2" charset="-122"/>
+                <a:ea typeface="宋体" panose="02010600030101010101" pitchFamily="2" charset="-122"/>
+              </a:endParaRPr>
+            </a:p>
+            <a:p>
+              <a:pPr>
+                <a:lnSpc>
+                  <a:spcPct val="150000"/>
+                </a:lnSpc>
+              </a:pPr>
+              <a:r>
+                <a:rPr lang="zh-CN" altLang="en-US" sz="2800" b="1" dirty="0">
+                  <a:latin typeface="宋体" panose="02010600030101010101" pitchFamily="2" charset="-122"/>
+                  <a:ea typeface="宋体" panose="02010600030101010101" pitchFamily="2" charset="-122"/>
+                </a:rPr>
+                <a:t>代码实现</a:t>
+              </a:r>
+              <a:endParaRPr lang="zh-CN" altLang="en-US" b="1" dirty="0">
+                <a:latin typeface="宋体" panose="02010600030101010101" pitchFamily="2" charset="-122"/>
+                <a:ea typeface="宋体" panose="02010600030101010101" pitchFamily="2" charset="-122"/>
+              </a:endParaRPr>
+            </a:p>
+          </p:txBody>
+        </p:sp>
+        <p:sp>
+          <p:nvSpPr>
+            <p:cNvPr id="6" name="左大括号 5">
+              <a:extLst>
+                <a:ext uri="{FF2B5EF4-FFF2-40B4-BE49-F238E27FC236}">
+                  <a16:creationId xmlns:a16="http://schemas.microsoft.com/office/drawing/2014/main" id="{B579D9CF-BADF-4BA7-A6E9-FB4619AA643A}"/>
+                </a:ext>
+              </a:extLst>
+            </p:cNvPr>
+            <p:cNvSpPr/>
+            <p:nvPr/>
+          </p:nvSpPr>
+          <p:spPr>
+            <a:xfrm>
+              <a:off x="2681832" y="2037455"/>
+              <a:ext cx="711882" cy="3283248"/>
+            </a:xfrm>
+            <a:prstGeom prst="leftBrace">
+              <a:avLst/>
+            </a:prstGeom>
+          </p:spPr>
+          <p:style>
+            <a:lnRef idx="2">
+              <a:schemeClr val="dk1"/>
+            </a:lnRef>
+            <a:fillRef idx="0">
+              <a:schemeClr val="dk1"/>
+            </a:fillRef>
+            <a:effectRef idx="1">
+              <a:schemeClr val="dk1"/>
+            </a:effectRef>
+            <a:fontRef idx="minor">
+              <a:schemeClr val="tx1"/>
+            </a:fontRef>
+          </p:style>
+          <p:txBody>
+            <a:bodyPr rtlCol="0" anchor="ctr"/>
+            <a:lstStyle/>
+            <a:p>
+              <a:pPr algn="ctr"/>
+              <a:endParaRPr lang="zh-CN" altLang="en-US"/>
+            </a:p>
+          </p:txBody>
+        </p:sp>
+      </p:grpSp>
+      <p:cxnSp>
+        <p:nvCxnSpPr>
+          <p:cNvPr id="8" name="直接连接符 7">
+            <a:extLst>
+              <a:ext uri="{FF2B5EF4-FFF2-40B4-BE49-F238E27FC236}">
+                <a16:creationId xmlns:a16="http://schemas.microsoft.com/office/drawing/2014/main" id="{9ADEC96B-EBE7-427E-9B7D-5952A5927881}"/>
+              </a:ext>
+            </a:extLst>
+          </p:cNvPr>
+          <p:cNvCxnSpPr>
+            <a:cxnSpLocks/>
+          </p:cNvCxnSpPr>
+          <p:nvPr/>
+        </p:nvCxnSpPr>
+        <p:spPr>
+          <a:xfrm>
+            <a:off x="4222198" y="625966"/>
+            <a:ext cx="0" cy="5744150"/>
+          </a:xfrm>
+          <a:prstGeom prst="line">
+            <a:avLst/>
+          </a:prstGeom>
+        </p:spPr>
+        <p:style>
+          <a:lnRef idx="2">
+            <a:schemeClr val="dk1"/>
+          </a:lnRef>
+          <a:fillRef idx="0">
+            <a:schemeClr val="dk1"/>
+          </a:fillRef>
+          <a:effectRef idx="1">
+            <a:schemeClr val="dk1"/>
+          </a:effectRef>
+          <a:fontRef idx="minor">
+            <a:schemeClr val="tx1"/>
+          </a:fontRef>
+        </p:style>
+      </p:cxnSp>
+      <p:sp>
+        <p:nvSpPr>
+          <p:cNvPr id="11" name="文本框 10">
+            <a:extLst>
+              <a:ext uri="{FF2B5EF4-FFF2-40B4-BE49-F238E27FC236}">
+                <a16:creationId xmlns:a16="http://schemas.microsoft.com/office/drawing/2014/main" id="{377AE1E2-8077-4BEE-B6B9-8923E481DC28}"/>
+              </a:ext>
+            </a:extLst>
+          </p:cNvPr>
+          <p:cNvSpPr txBox="1"/>
+          <p:nvPr/>
+        </p:nvSpPr>
+        <p:spPr>
+          <a:xfrm>
+            <a:off x="2352999" y="1278434"/>
+            <a:ext cx="1368532" cy="400110"/>
+          </a:xfrm>
+          <a:prstGeom prst="rect">
+            <a:avLst/>
+          </a:prstGeom>
+          <a:noFill/>
+        </p:spPr>
+        <p:txBody>
+          <a:bodyPr wrap="square" rtlCol="0">
+            <a:spAutoFit/>
+          </a:bodyPr>
           <a:lstStyle/>
           <a:p>
-            <a:r>
-              <a:rPr lang="zh-CN" altLang="en-US" dirty="0"/>
-              <a:t>尝试使用机器学习的方法，用过去股票的数据预测未来，并设计简单的量化交易策略</a:t>
-            </a:r>
-            <a:endParaRPr lang="en-US" altLang="zh-CN" dirty="0"/>
-          </a:p>
-          <a:p>
-            <a:r>
-              <a:rPr lang="zh-CN" altLang="en-US" dirty="0"/>
-              <a:t>简单数据计算，只考虑开盘、收盘、最高、最低价</a:t>
-            </a:r>
-            <a:endParaRPr lang="en-US" altLang="zh-CN" dirty="0"/>
-          </a:p>
-          <a:p>
-            <a:r>
-              <a:rPr lang="zh-CN" altLang="en-US" dirty="0"/>
-              <a:t>使用聚宽（</a:t>
-            </a:r>
-            <a:r>
-              <a:rPr lang="en-US" altLang="zh-CN" dirty="0" err="1"/>
-              <a:t>JoinQuant</a:t>
-            </a:r>
-            <a:r>
-              <a:rPr lang="zh-CN" altLang="en-US" dirty="0"/>
-              <a:t>）获得数据，用</a:t>
-            </a:r>
-            <a:r>
-              <a:rPr lang="en-US" altLang="zh-CN" dirty="0"/>
-              <a:t>Python</a:t>
-            </a:r>
-            <a:r>
-              <a:rPr lang="zh-CN" altLang="en-US" dirty="0"/>
-              <a:t>处理数据</a:t>
+            <a:pPr algn="ctr"/>
+            <a:r>
+              <a:rPr lang="zh-CN" altLang="en-US" sz="2000" dirty="0">
+                <a:latin typeface="宋体" panose="02010600030101010101" pitchFamily="2" charset="-122"/>
+                <a:ea typeface="宋体" panose="02010600030101010101" pitchFamily="2" charset="-122"/>
+              </a:rPr>
+              <a:t>刘锦坤</a:t>
             </a:r>
           </a:p>
         </p:txBody>
@@ -4517,7 +5495,7 @@
     </p:spTree>
     <p:extLst>
       <p:ext uri="{BB962C8B-B14F-4D97-AF65-F5344CB8AC3E}">
-        <p14:creationId xmlns:p14="http://schemas.microsoft.com/office/powerpoint/2010/main" val="2504791971"/>
+        <p14:creationId xmlns:p14="http://schemas.microsoft.com/office/powerpoint/2010/main" val="2866836021"/>
       </p:ext>
     </p:extLst>
   </p:cSld>
@@ -4546,10 +5524,10 @@
       </p:grpSpPr>
       <p:sp>
         <p:nvSpPr>
-          <p:cNvPr id="2" name="标题 1">
-            <a:extLst>
-              <a:ext uri="{FF2B5EF4-FFF2-40B4-BE49-F238E27FC236}">
-                <a16:creationId xmlns:a16="http://schemas.microsoft.com/office/drawing/2014/main" id="{7F9D8106-DEE1-BBF3-AAE7-083D7906F9A9}"/>
+          <p:cNvPr id="4" name="标题 1">
+            <a:extLst>
+              <a:ext uri="{FF2B5EF4-FFF2-40B4-BE49-F238E27FC236}">
+                <a16:creationId xmlns:a16="http://schemas.microsoft.com/office/drawing/2014/main" id="{85317ACB-348F-1AA9-D861-5F82526CEC22}"/>
               </a:ext>
             </a:extLst>
           </p:cNvPr>
@@ -4568,6 +5546,364 @@
         </p:spPr>
         <p:txBody>
           <a:bodyPr>
+            <a:normAutofit fontScale="90000"/>
+          </a:bodyPr>
+          <a:lstStyle/>
+          <a:p>
+            <a:r>
+              <a:rPr lang="en-US" altLang="zh-CN" sz="3600" b="1" u="sng" dirty="0" err="1">
+                <a:latin typeface="Times New Roman" panose="02020603050405020304" pitchFamily="18" charset="0"/>
+                <a:ea typeface="黑体" panose="02010609060101010101" pitchFamily="49" charset="-122"/>
+                <a:cs typeface="Times New Roman" panose="02020603050405020304" pitchFamily="18" charset="0"/>
+              </a:rPr>
+              <a:t>Goal&amp;Implementation</a:t>
+            </a:r>
+            <a:endParaRPr lang="zh-CN" altLang="en-US" sz="3600" b="1" u="sng" dirty="0">
+              <a:latin typeface="Times New Roman" panose="02020603050405020304" pitchFamily="18" charset="0"/>
+              <a:ea typeface="黑体" panose="02010609060101010101" pitchFamily="49" charset="-122"/>
+              <a:cs typeface="Times New Roman" panose="02020603050405020304" pitchFamily="18" charset="0"/>
+            </a:endParaRPr>
+          </a:p>
+        </p:txBody>
+      </p:sp>
+      <p:sp>
+        <p:nvSpPr>
+          <p:cNvPr id="5" name="文本框 4">
+            <a:extLst>
+              <a:ext uri="{FF2B5EF4-FFF2-40B4-BE49-F238E27FC236}">
+                <a16:creationId xmlns:a16="http://schemas.microsoft.com/office/drawing/2014/main" id="{4DD0080B-6C26-4D5C-2217-FDB56FE87E23}"/>
+              </a:ext>
+            </a:extLst>
+          </p:cNvPr>
+          <p:cNvSpPr txBox="1"/>
+          <p:nvPr/>
+        </p:nvSpPr>
+        <p:spPr>
+          <a:xfrm>
+            <a:off x="1127606" y="1135284"/>
+            <a:ext cx="9936787" cy="1497526"/>
+          </a:xfrm>
+          <a:prstGeom prst="rect">
+            <a:avLst/>
+          </a:prstGeom>
+          <a:noFill/>
+        </p:spPr>
+        <p:txBody>
+          <a:bodyPr wrap="square" rtlCol="0">
+            <a:spAutoFit/>
+          </a:bodyPr>
+          <a:lstStyle/>
+          <a:p>
+            <a:pPr>
+              <a:lnSpc>
+                <a:spcPct val="150000"/>
+              </a:lnSpc>
+            </a:pPr>
+            <a:r>
+              <a:rPr lang="en-US" altLang="zh-CN" sz="2400" b="1" dirty="0">
+                <a:latin typeface="Times New Roman" panose="02020603050405020304" pitchFamily="18" charset="0"/>
+                <a:ea typeface="宋体" panose="02010600030101010101" pitchFamily="2" charset="-122"/>
+                <a:cs typeface="Times New Roman" panose="02020603050405020304" pitchFamily="18" charset="0"/>
+              </a:rPr>
+              <a:t>Goal: </a:t>
+            </a:r>
+            <a:r>
+              <a:rPr lang="zh-CN" altLang="en-US" sz="2000" dirty="0">
+                <a:latin typeface="宋体" panose="02010600030101010101" pitchFamily="2" charset="-122"/>
+                <a:ea typeface="宋体" panose="02010600030101010101" pitchFamily="2" charset="-122"/>
+              </a:rPr>
+              <a:t>根据过去一段时间内</a:t>
+            </a:r>
+            <a:r>
+              <a:rPr lang="en-US" altLang="zh-CN" sz="2000" dirty="0">
+                <a:latin typeface="宋体" panose="02010600030101010101" pitchFamily="2" charset="-122"/>
+                <a:ea typeface="宋体" panose="02010600030101010101" pitchFamily="2" charset="-122"/>
+              </a:rPr>
+              <a:t>(</a:t>
+            </a:r>
+            <a:r>
+              <a:rPr lang="en-US" altLang="zh-CN" sz="2000" dirty="0" err="1">
+                <a:latin typeface="Times New Roman" panose="02020603050405020304" pitchFamily="18" charset="0"/>
+                <a:ea typeface="宋体" panose="02010600030101010101" pitchFamily="2" charset="-122"/>
+                <a:cs typeface="Times New Roman" panose="02020603050405020304" pitchFamily="18" charset="0"/>
+              </a:rPr>
+              <a:t>days_before</a:t>
+            </a:r>
+            <a:r>
+              <a:rPr lang="en-US" altLang="zh-CN" sz="2000" dirty="0">
+                <a:latin typeface="宋体" panose="02010600030101010101" pitchFamily="2" charset="-122"/>
+                <a:ea typeface="宋体" panose="02010600030101010101" pitchFamily="2" charset="-122"/>
+              </a:rPr>
+              <a:t>)</a:t>
+            </a:r>
+            <a:r>
+              <a:rPr lang="zh-CN" altLang="en-US" sz="2000" dirty="0">
+                <a:latin typeface="宋体" panose="02010600030101010101" pitchFamily="2" charset="-122"/>
+                <a:ea typeface="宋体" panose="02010600030101010101" pitchFamily="2" charset="-122"/>
+              </a:rPr>
+              <a:t>一支股票的交易数据，判断接下来一段时间</a:t>
+            </a:r>
+            <a:r>
+              <a:rPr lang="en-US" altLang="zh-CN" sz="2000" dirty="0">
+                <a:latin typeface="宋体" panose="02010600030101010101" pitchFamily="2" charset="-122"/>
+                <a:ea typeface="宋体" panose="02010600030101010101" pitchFamily="2" charset="-122"/>
+              </a:rPr>
+              <a:t>(</a:t>
+            </a:r>
+            <a:r>
+              <a:rPr lang="en-US" altLang="zh-CN" sz="2000" dirty="0" err="1">
+                <a:latin typeface="宋体" panose="02010600030101010101" pitchFamily="2" charset="-122"/>
+                <a:ea typeface="宋体" panose="02010600030101010101" pitchFamily="2" charset="-122"/>
+              </a:rPr>
+              <a:t>days_after</a:t>
+            </a:r>
+            <a:r>
+              <a:rPr lang="en-US" altLang="zh-CN" sz="2000" dirty="0">
+                <a:latin typeface="宋体" panose="02010600030101010101" pitchFamily="2" charset="-122"/>
+                <a:ea typeface="宋体" panose="02010600030101010101" pitchFamily="2" charset="-122"/>
+              </a:rPr>
+              <a:t>)</a:t>
+            </a:r>
+            <a:r>
+              <a:rPr lang="zh-CN" altLang="en-US" sz="2000" dirty="0">
+                <a:latin typeface="宋体" panose="02010600030101010101" pitchFamily="2" charset="-122"/>
+                <a:ea typeface="宋体" panose="02010600030101010101" pitchFamily="2" charset="-122"/>
+              </a:rPr>
+              <a:t>内，股票呈现多头趋势还是空头趋势（股价是上涨还是下跌）</a:t>
+            </a:r>
+            <a:r>
+              <a:rPr lang="en-US" altLang="zh-CN" sz="2000" dirty="0">
+                <a:latin typeface="宋体" panose="02010600030101010101" pitchFamily="2" charset="-122"/>
+                <a:ea typeface="宋体" panose="02010600030101010101" pitchFamily="2" charset="-122"/>
+              </a:rPr>
+              <a:t>,</a:t>
+            </a:r>
+            <a:r>
+              <a:rPr lang="zh-CN" altLang="en-US" sz="2000" dirty="0">
+                <a:latin typeface="宋体" panose="02010600030101010101" pitchFamily="2" charset="-122"/>
+                <a:ea typeface="宋体" panose="02010600030101010101" pitchFamily="2" charset="-122"/>
+              </a:rPr>
+              <a:t>根据模型的判断买入和卖出股票，实现经济收益。</a:t>
+            </a:r>
+          </a:p>
+        </p:txBody>
+      </p:sp>
+      <p:sp>
+        <p:nvSpPr>
+          <p:cNvPr id="6" name="文本框 5">
+            <a:extLst>
+              <a:ext uri="{FF2B5EF4-FFF2-40B4-BE49-F238E27FC236}">
+                <a16:creationId xmlns:a16="http://schemas.microsoft.com/office/drawing/2014/main" id="{D3A72288-65C9-4B31-AE27-2A335213EF62}"/>
+              </a:ext>
+            </a:extLst>
+          </p:cNvPr>
+          <p:cNvSpPr txBox="1"/>
+          <p:nvPr/>
+        </p:nvSpPr>
+        <p:spPr>
+          <a:xfrm>
+            <a:off x="1127606" y="2969198"/>
+            <a:ext cx="9936787" cy="1035861"/>
+          </a:xfrm>
+          <a:prstGeom prst="rect">
+            <a:avLst/>
+          </a:prstGeom>
+          <a:noFill/>
+        </p:spPr>
+        <p:txBody>
+          <a:bodyPr wrap="square" rtlCol="0">
+            <a:spAutoFit/>
+          </a:bodyPr>
+          <a:lstStyle/>
+          <a:p>
+            <a:pPr>
+              <a:lnSpc>
+                <a:spcPct val="150000"/>
+              </a:lnSpc>
+            </a:pPr>
+            <a:r>
+              <a:rPr lang="en-US" altLang="zh-CN" sz="2400" b="1" dirty="0">
+                <a:latin typeface="Times New Roman" panose="02020603050405020304" pitchFamily="18" charset="0"/>
+                <a:ea typeface="宋体" panose="02010600030101010101" pitchFamily="2" charset="-122"/>
+                <a:cs typeface="Times New Roman" panose="02020603050405020304" pitchFamily="18" charset="0"/>
+              </a:rPr>
+              <a:t>Implementation:</a:t>
+            </a:r>
+            <a:r>
+              <a:rPr lang="zh-CN" altLang="en-US" sz="2400" b="1" dirty="0">
+                <a:latin typeface="Times New Roman" panose="02020603050405020304" pitchFamily="18" charset="0"/>
+                <a:ea typeface="宋体" panose="02010600030101010101" pitchFamily="2" charset="-122"/>
+                <a:cs typeface="Times New Roman" panose="02020603050405020304" pitchFamily="18" charset="0"/>
+              </a:rPr>
+              <a:t> </a:t>
+            </a:r>
+            <a:r>
+              <a:rPr lang="zh-CN" altLang="en-US" sz="2000" dirty="0">
+                <a:latin typeface="宋体" panose="02010600030101010101" pitchFamily="2" charset="-122"/>
+                <a:ea typeface="宋体" panose="02010600030101010101" pitchFamily="2" charset="-122"/>
+              </a:rPr>
+              <a:t>建立一个神经网络模型，模型输入为过去一段时间的交易数据，预期输出接下来一段时间内股票上涨和下跌的概率。</a:t>
+            </a:r>
+          </a:p>
+        </p:txBody>
+      </p:sp>
+      <p:sp>
+        <p:nvSpPr>
+          <p:cNvPr id="2" name="文本框 1">
+            <a:extLst>
+              <a:ext uri="{FF2B5EF4-FFF2-40B4-BE49-F238E27FC236}">
+                <a16:creationId xmlns:a16="http://schemas.microsoft.com/office/drawing/2014/main" id="{845574DB-9BE3-4B10-92B6-177421289D25}"/>
+              </a:ext>
+            </a:extLst>
+          </p:cNvPr>
+          <p:cNvSpPr txBox="1"/>
+          <p:nvPr/>
+        </p:nvSpPr>
+        <p:spPr>
+          <a:xfrm>
+            <a:off x="1305345" y="4651780"/>
+            <a:ext cx="9581307" cy="707886"/>
+          </a:xfrm>
+          <a:prstGeom prst="rect">
+            <a:avLst/>
+          </a:prstGeom>
+          <a:noFill/>
+        </p:spPr>
+        <p:txBody>
+          <a:bodyPr wrap="square" rtlCol="0">
+            <a:spAutoFit/>
+          </a:bodyPr>
+          <a:lstStyle/>
+          <a:p>
+            <a:pPr algn="ctr"/>
+            <a:r>
+              <a:rPr lang="zh-CN" altLang="en-US" sz="2000" dirty="0">
+                <a:latin typeface="宋体" panose="02010600030101010101" pitchFamily="2" charset="-122"/>
+                <a:ea typeface="宋体" panose="02010600030101010101" pitchFamily="2" charset="-122"/>
+              </a:rPr>
+              <a:t>神经网络的训练是监督学习的过程，我们需要过去交易中股票的买卖数据和股价数据作为训练原始数据。</a:t>
+            </a:r>
+          </a:p>
+        </p:txBody>
+      </p:sp>
+      <p:sp>
+        <p:nvSpPr>
+          <p:cNvPr id="8" name="文本框 7">
+            <a:extLst>
+              <a:ext uri="{FF2B5EF4-FFF2-40B4-BE49-F238E27FC236}">
+                <a16:creationId xmlns:a16="http://schemas.microsoft.com/office/drawing/2014/main" id="{34FDEF46-4223-4F84-A898-FA23E5467E51}"/>
+              </a:ext>
+            </a:extLst>
+          </p:cNvPr>
+          <p:cNvSpPr txBox="1"/>
+          <p:nvPr/>
+        </p:nvSpPr>
+        <p:spPr>
+          <a:xfrm>
+            <a:off x="2053933" y="5823930"/>
+            <a:ext cx="8084133" cy="584775"/>
+          </a:xfrm>
+          <a:prstGeom prst="rect">
+            <a:avLst/>
+          </a:prstGeom>
+          <a:noFill/>
+          <a:ln>
+            <a:solidFill>
+              <a:schemeClr val="tx1"/>
+            </a:solidFill>
+          </a:ln>
+        </p:spPr>
+        <p:txBody>
+          <a:bodyPr wrap="square" rtlCol="0">
+            <a:spAutoFit/>
+          </a:bodyPr>
+          <a:lstStyle/>
+          <a:p>
+            <a:pPr algn="ctr"/>
+            <a:r>
+              <a:rPr lang="en-US" altLang="zh-CN" sz="3200" b="1" strike="sngStrike" dirty="0">
+                <a:latin typeface="Times New Roman" panose="02020603050405020304" pitchFamily="18" charset="0"/>
+                <a:ea typeface="黑体" panose="02010609060101010101" pitchFamily="49" charset="-122"/>
+                <a:cs typeface="Times New Roman" panose="02020603050405020304" pitchFamily="18" charset="0"/>
+              </a:rPr>
+              <a:t>Attention</a:t>
+            </a:r>
+            <a:r>
+              <a:rPr lang="en-US" altLang="zh-CN" sz="3200" b="1" dirty="0">
+                <a:latin typeface="Times New Roman" panose="02020603050405020304" pitchFamily="18" charset="0"/>
+                <a:ea typeface="黑体" panose="02010609060101010101" pitchFamily="49" charset="-122"/>
+                <a:cs typeface="Times New Roman" panose="02020603050405020304" pitchFamily="18" charset="0"/>
+              </a:rPr>
+              <a:t> Data is all we need</a:t>
+            </a:r>
+            <a:r>
+              <a:rPr lang="en-US" altLang="zh-CN" sz="2000" dirty="0">
+                <a:latin typeface="宋体" panose="02010600030101010101" pitchFamily="2" charset="-122"/>
+                <a:ea typeface="宋体" panose="02010600030101010101" pitchFamily="2" charset="-122"/>
+              </a:rPr>
+              <a:t>.</a:t>
+            </a:r>
+            <a:endParaRPr lang="zh-CN" altLang="en-US" sz="2000" dirty="0">
+              <a:latin typeface="宋体" panose="02010600030101010101" pitchFamily="2" charset="-122"/>
+              <a:ea typeface="宋体" panose="02010600030101010101" pitchFamily="2" charset="-122"/>
+            </a:endParaRPr>
+          </a:p>
+        </p:txBody>
+      </p:sp>
+    </p:spTree>
+    <p:extLst>
+      <p:ext uri="{BB962C8B-B14F-4D97-AF65-F5344CB8AC3E}">
+        <p14:creationId xmlns:p14="http://schemas.microsoft.com/office/powerpoint/2010/main" val="2422765380"/>
+      </p:ext>
+    </p:extLst>
+  </p:cSld>
+  <p:clrMapOvr>
+    <a:masterClrMapping/>
+  </p:clrMapOvr>
+</p:sld>
+</file>
+
+<file path=ppt/slides/slide4.xml><?xml version="1.0" encoding="utf-8"?>
+<p:sld xmlns:a="http://schemas.openxmlformats.org/drawingml/2006/main" xmlns:r="http://schemas.openxmlformats.org/officeDocument/2006/relationships" xmlns:p="http://schemas.openxmlformats.org/presentationml/2006/main">
+  <p:cSld>
+    <p:spTree>
+      <p:nvGrpSpPr>
+        <p:cNvPr id="1" name=""/>
+        <p:cNvGrpSpPr/>
+        <p:nvPr/>
+      </p:nvGrpSpPr>
+      <p:grpSpPr>
+        <a:xfrm>
+          <a:off x="0" y="0"/>
+          <a:ext cx="0" cy="0"/>
+          <a:chOff x="0" y="0"/>
+          <a:chExt cx="0" cy="0"/>
+        </a:xfrm>
+      </p:grpSpPr>
+      <p:sp>
+        <p:nvSpPr>
+          <p:cNvPr id="4" name="标题 1">
+            <a:extLst>
+              <a:ext uri="{FF2B5EF4-FFF2-40B4-BE49-F238E27FC236}">
+                <a16:creationId xmlns:a16="http://schemas.microsoft.com/office/drawing/2014/main" id="{85317ACB-348F-1AA9-D861-5F82526CEC22}"/>
+              </a:ext>
+            </a:extLst>
+          </p:cNvPr>
+          <p:cNvSpPr>
+            <a:spLocks noGrp="1"/>
+          </p:cNvSpPr>
+          <p:nvPr>
+            <p:ph type="title"/>
+          </p:nvPr>
+        </p:nvSpPr>
+        <p:spPr>
+          <a:xfrm>
+            <a:off x="353706" y="272956"/>
+            <a:ext cx="4143231" cy="600501"/>
+          </a:xfrm>
+        </p:spPr>
+        <p:txBody>
+          <a:bodyPr>
             <a:normAutofit/>
           </a:bodyPr>
           <a:lstStyle/>
@@ -4578,7 +5914,293 @@
                 <a:ea typeface="黑体" panose="02010609060101010101" pitchFamily="49" charset="-122"/>
                 <a:cs typeface="Times New Roman" panose="02020603050405020304" pitchFamily="18" charset="0"/>
               </a:rPr>
-              <a:t>LSTM</a:t>
+              <a:t>Data Acquisition</a:t>
+            </a:r>
+            <a:endParaRPr lang="zh-CN" altLang="en-US" sz="3600" b="1" u="sng" dirty="0">
+              <a:latin typeface="Times New Roman" panose="02020603050405020304" pitchFamily="18" charset="0"/>
+              <a:ea typeface="黑体" panose="02010609060101010101" pitchFamily="49" charset="-122"/>
+              <a:cs typeface="Times New Roman" panose="02020603050405020304" pitchFamily="18" charset="0"/>
+            </a:endParaRPr>
+          </a:p>
+        </p:txBody>
+      </p:sp>
+      <p:sp>
+        <p:nvSpPr>
+          <p:cNvPr id="2" name="文本框 1">
+            <a:extLst>
+              <a:ext uri="{FF2B5EF4-FFF2-40B4-BE49-F238E27FC236}">
+                <a16:creationId xmlns:a16="http://schemas.microsoft.com/office/drawing/2014/main" id="{E9C0AC8B-54DA-4EE1-B2B6-21853F9EA285}"/>
+              </a:ext>
+            </a:extLst>
+          </p:cNvPr>
+          <p:cNvSpPr txBox="1"/>
+          <p:nvPr/>
+        </p:nvSpPr>
+        <p:spPr>
+          <a:xfrm>
+            <a:off x="1131237" y="873457"/>
+            <a:ext cx="9929525" cy="1296637"/>
+          </a:xfrm>
+          <a:prstGeom prst="rect">
+            <a:avLst/>
+          </a:prstGeom>
+          <a:noFill/>
+        </p:spPr>
+        <p:txBody>
+          <a:bodyPr wrap="square" rtlCol="0">
+            <a:spAutoFit/>
+          </a:bodyPr>
+          <a:lstStyle/>
+          <a:p>
+            <a:pPr>
+              <a:lnSpc>
+                <a:spcPct val="150000"/>
+              </a:lnSpc>
+            </a:pPr>
+            <a:r>
+              <a:rPr lang="zh-CN" altLang="en-US" dirty="0"/>
+              <a:t>为了获取过去的股票交易数据作为训练数据，外联了</a:t>
+            </a:r>
+            <a:r>
+              <a:rPr lang="zh-CN" altLang="en-US" u="sng" dirty="0"/>
+              <a:t>聚宽量化投研平台（</a:t>
+            </a:r>
+            <a:r>
+              <a:rPr lang="en-US" altLang="zh-CN" u="sng" dirty="0" err="1">
+                <a:latin typeface="Times New Roman" panose="02020603050405020304" pitchFamily="18" charset="0"/>
+                <a:cs typeface="Times New Roman" panose="02020603050405020304" pitchFamily="18" charset="0"/>
+              </a:rPr>
+              <a:t>JoinQuant</a:t>
+            </a:r>
+            <a:r>
+              <a:rPr lang="zh-CN" altLang="en-US" u="sng" dirty="0"/>
+              <a:t>平台）</a:t>
+            </a:r>
+            <a:r>
+              <a:rPr lang="zh-CN" altLang="en-US" dirty="0"/>
+              <a:t>，对方愿意为我们提供过往股票交易数据。可以通过其提供的</a:t>
+            </a:r>
+            <a:r>
+              <a:rPr lang="en-US" altLang="zh-CN" dirty="0">
+                <a:latin typeface="Times New Roman" panose="02020603050405020304" pitchFamily="18" charset="0"/>
+                <a:cs typeface="Times New Roman" panose="02020603050405020304" pitchFamily="18" charset="0"/>
+              </a:rPr>
+              <a:t>Python</a:t>
+            </a:r>
+            <a:r>
+              <a:rPr lang="zh-CN" altLang="en-US" dirty="0"/>
+              <a:t>的</a:t>
+            </a:r>
+            <a:r>
+              <a:rPr lang="en-US" altLang="zh-CN" dirty="0">
+                <a:latin typeface="Times New Roman" panose="02020603050405020304" pitchFamily="18" charset="0"/>
+                <a:cs typeface="Times New Roman" panose="02020603050405020304" pitchFamily="18" charset="0"/>
+              </a:rPr>
+              <a:t>API</a:t>
+            </a:r>
+            <a:r>
+              <a:rPr lang="zh-CN" altLang="en-US" dirty="0"/>
+              <a:t>访问获取过往股票交易数据。用于下一步的数据处理。</a:t>
+            </a:r>
+            <a:endParaRPr lang="zh-CN" altLang="en-US" u="sng" dirty="0"/>
+          </a:p>
+        </p:txBody>
+      </p:sp>
+      <p:pic>
+        <p:nvPicPr>
+          <p:cNvPr id="6" name="图片 5">
+            <a:extLst>
+              <a:ext uri="{FF2B5EF4-FFF2-40B4-BE49-F238E27FC236}">
+                <a16:creationId xmlns:a16="http://schemas.microsoft.com/office/drawing/2014/main" id="{76AB3F68-EC8C-4BBA-A101-53AE0A5BACCC}"/>
+              </a:ext>
+            </a:extLst>
+          </p:cNvPr>
+          <p:cNvPicPr>
+            <a:picLocks noChangeAspect="1"/>
+          </p:cNvPicPr>
+          <p:nvPr/>
+        </p:nvPicPr>
+        <p:blipFill>
+          <a:blip r:embed="rId2">
+            <a:extLst>
+              <a:ext uri="{28A0092B-C50C-407E-A947-70E740481C1C}">
+                <a14:useLocalDpi xmlns:a14="http://schemas.microsoft.com/office/drawing/2010/main" val="0"/>
+              </a:ext>
+            </a:extLst>
+          </a:blip>
+          <a:stretch>
+            <a:fillRect/>
+          </a:stretch>
+        </p:blipFill>
+        <p:spPr>
+          <a:xfrm>
+            <a:off x="1528453" y="2313486"/>
+            <a:ext cx="3577457" cy="3577457"/>
+          </a:xfrm>
+          <a:prstGeom prst="rect">
+            <a:avLst/>
+          </a:prstGeom>
+        </p:spPr>
+      </p:pic>
+      <p:pic>
+        <p:nvPicPr>
+          <p:cNvPr id="8" name="图片 7">
+            <a:extLst>
+              <a:ext uri="{FF2B5EF4-FFF2-40B4-BE49-F238E27FC236}">
+                <a16:creationId xmlns:a16="http://schemas.microsoft.com/office/drawing/2014/main" id="{736D725C-A579-4C69-906E-32C73163E82F}"/>
+              </a:ext>
+            </a:extLst>
+          </p:cNvPr>
+          <p:cNvPicPr>
+            <a:picLocks noChangeAspect="1"/>
+          </p:cNvPicPr>
+          <p:nvPr/>
+        </p:nvPicPr>
+        <p:blipFill>
+          <a:blip r:embed="rId3"/>
+          <a:stretch>
+            <a:fillRect/>
+          </a:stretch>
+        </p:blipFill>
+        <p:spPr>
+          <a:xfrm>
+            <a:off x="6357842" y="2270658"/>
+            <a:ext cx="3987707" cy="3620285"/>
+          </a:xfrm>
+          <a:prstGeom prst="rect">
+            <a:avLst/>
+          </a:prstGeom>
+        </p:spPr>
+      </p:pic>
+      <p:sp>
+        <p:nvSpPr>
+          <p:cNvPr id="9" name="文本框 8">
+            <a:extLst>
+              <a:ext uri="{FF2B5EF4-FFF2-40B4-BE49-F238E27FC236}">
+                <a16:creationId xmlns:a16="http://schemas.microsoft.com/office/drawing/2014/main" id="{3B4EE254-3F5E-4381-8375-9FBC07F92655}"/>
+              </a:ext>
+            </a:extLst>
+          </p:cNvPr>
+          <p:cNvSpPr txBox="1"/>
+          <p:nvPr/>
+        </p:nvSpPr>
+        <p:spPr>
+          <a:xfrm>
+            <a:off x="2053932" y="6118502"/>
+            <a:ext cx="8084133" cy="584775"/>
+          </a:xfrm>
+          <a:prstGeom prst="rect">
+            <a:avLst/>
+          </a:prstGeom>
+          <a:noFill/>
+          <a:ln>
+            <a:solidFill>
+              <a:schemeClr val="tx1"/>
+            </a:solidFill>
+          </a:ln>
+        </p:spPr>
+        <p:txBody>
+          <a:bodyPr wrap="square" rtlCol="0">
+            <a:spAutoFit/>
+          </a:bodyPr>
+          <a:lstStyle/>
+          <a:p>
+            <a:pPr algn="ctr"/>
+            <a:r>
+              <a:rPr lang="en-US" altLang="zh-CN" sz="3200" b="1" strike="sngStrike" dirty="0">
+                <a:latin typeface="Times New Roman" panose="02020603050405020304" pitchFamily="18" charset="0"/>
+                <a:ea typeface="黑体" panose="02010609060101010101" pitchFamily="49" charset="-122"/>
+                <a:cs typeface="Times New Roman" panose="02020603050405020304" pitchFamily="18" charset="0"/>
+              </a:rPr>
+              <a:t>Attention</a:t>
+            </a:r>
+            <a:r>
+              <a:rPr lang="en-US" altLang="zh-CN" sz="3200" b="1" dirty="0">
+                <a:latin typeface="Times New Roman" panose="02020603050405020304" pitchFamily="18" charset="0"/>
+                <a:ea typeface="黑体" panose="02010609060101010101" pitchFamily="49" charset="-122"/>
+                <a:cs typeface="Times New Roman" panose="02020603050405020304" pitchFamily="18" charset="0"/>
+              </a:rPr>
+              <a:t> Model is all we need</a:t>
+            </a:r>
+            <a:r>
+              <a:rPr lang="en-US" altLang="zh-CN" sz="2000" b="1" dirty="0">
+                <a:latin typeface="宋体" panose="02010600030101010101" pitchFamily="2" charset="-122"/>
+                <a:ea typeface="宋体" panose="02010600030101010101" pitchFamily="2" charset="-122"/>
+              </a:rPr>
+              <a:t>.</a:t>
+            </a:r>
+            <a:endParaRPr lang="zh-CN" altLang="en-US" sz="2000" b="1" dirty="0">
+              <a:latin typeface="宋体" panose="02010600030101010101" pitchFamily="2" charset="-122"/>
+              <a:ea typeface="宋体" panose="02010600030101010101" pitchFamily="2" charset="-122"/>
+            </a:endParaRPr>
+          </a:p>
+        </p:txBody>
+      </p:sp>
+    </p:spTree>
+    <p:extLst>
+      <p:ext uri="{BB962C8B-B14F-4D97-AF65-F5344CB8AC3E}">
+        <p14:creationId xmlns:p14="http://schemas.microsoft.com/office/powerpoint/2010/main" val="1668058154"/>
+      </p:ext>
+    </p:extLst>
+  </p:cSld>
+  <p:clrMapOvr>
+    <a:masterClrMapping/>
+  </p:clrMapOvr>
+</p:sld>
+</file>
+
+<file path=ppt/slides/slide5.xml><?xml version="1.0" encoding="utf-8"?>
+<p:sld xmlns:a="http://schemas.openxmlformats.org/drawingml/2006/main" xmlns:r="http://schemas.openxmlformats.org/officeDocument/2006/relationships" xmlns:p="http://schemas.openxmlformats.org/presentationml/2006/main">
+  <p:cSld>
+    <p:spTree>
+      <p:nvGrpSpPr>
+        <p:cNvPr id="1" name=""/>
+        <p:cNvGrpSpPr/>
+        <p:nvPr/>
+      </p:nvGrpSpPr>
+      <p:grpSpPr>
+        <a:xfrm>
+          <a:off x="0" y="0"/>
+          <a:ext cx="0" cy="0"/>
+          <a:chOff x="0" y="0"/>
+          <a:chExt cx="0" cy="0"/>
+        </a:xfrm>
+      </p:grpSpPr>
+      <p:sp>
+        <p:nvSpPr>
+          <p:cNvPr id="2" name="标题 1">
+            <a:extLst>
+              <a:ext uri="{FF2B5EF4-FFF2-40B4-BE49-F238E27FC236}">
+                <a16:creationId xmlns:a16="http://schemas.microsoft.com/office/drawing/2014/main" id="{7F9D8106-DEE1-BBF3-AAE7-083D7906F9A9}"/>
+              </a:ext>
+            </a:extLst>
+          </p:cNvPr>
+          <p:cNvSpPr>
+            <a:spLocks noGrp="1"/>
+          </p:cNvSpPr>
+          <p:nvPr>
+            <p:ph type="title"/>
+          </p:nvPr>
+        </p:nvSpPr>
+        <p:spPr>
+          <a:xfrm>
+            <a:off x="353706" y="272956"/>
+            <a:ext cx="4143231" cy="600501"/>
+          </a:xfrm>
+        </p:spPr>
+        <p:txBody>
+          <a:bodyPr>
+            <a:normAutofit/>
+          </a:bodyPr>
+          <a:lstStyle/>
+          <a:p>
+            <a:r>
+              <a:rPr lang="en-US" altLang="zh-CN" sz="3600" b="1" u="sng" dirty="0">
+                <a:latin typeface="Times New Roman" panose="02020603050405020304" pitchFamily="18" charset="0"/>
+                <a:ea typeface="黑体" panose="02010609060101010101" pitchFamily="49" charset="-122"/>
+                <a:cs typeface="Times New Roman" panose="02020603050405020304" pitchFamily="18" charset="0"/>
+              </a:rPr>
+              <a:t>RNN</a:t>
             </a:r>
             <a:r>
               <a:rPr lang="zh-CN" altLang="en-US" sz="3600" b="1" u="sng" dirty="0">
@@ -4640,29 +6262,33 @@
             </a:r>
             <a:r>
               <a:rPr lang="en-US" altLang="zh-CN" sz="2000" b="1" dirty="0">
-                <a:latin typeface="宋体" panose="02010600030101010101" pitchFamily="2" charset="-122"/>
+                <a:latin typeface="Times New Roman" panose="02020603050405020304" pitchFamily="18" charset="0"/>
                 <a:ea typeface="宋体" panose="02010600030101010101" pitchFamily="2" charset="-122"/>
+                <a:cs typeface="Times New Roman" panose="02020603050405020304" pitchFamily="18" charset="0"/>
               </a:rPr>
               <a:t>RNN</a:t>
             </a:r>
             <a:r>
               <a:rPr lang="zh-CN" altLang="en-US" sz="2000" b="1" dirty="0">
-                <a:latin typeface="宋体" panose="02010600030101010101" pitchFamily="2" charset="-122"/>
+                <a:latin typeface="Times New Roman" panose="02020603050405020304" pitchFamily="18" charset="0"/>
                 <a:ea typeface="宋体" panose="02010600030101010101" pitchFamily="2" charset="-122"/>
+                <a:cs typeface="Times New Roman" panose="02020603050405020304" pitchFamily="18" charset="0"/>
               </a:rPr>
               <a:t>（</a:t>
             </a:r>
             <a:r>
               <a:rPr lang="en-US" altLang="zh-CN" sz="2000" b="1" dirty="0">
-                <a:latin typeface="宋体" panose="02010600030101010101" pitchFamily="2" charset="-122"/>
+                <a:latin typeface="Times New Roman" panose="02020603050405020304" pitchFamily="18" charset="0"/>
                 <a:ea typeface="宋体" panose="02010600030101010101" pitchFamily="2" charset="-122"/>
+                <a:cs typeface="Times New Roman" panose="02020603050405020304" pitchFamily="18" charset="0"/>
               </a:rPr>
               <a:t>Recurrent Neural Network</a:t>
             </a:r>
             <a:r>
               <a:rPr lang="zh-CN" altLang="en-US" sz="2000" b="1" dirty="0">
-                <a:latin typeface="宋体" panose="02010600030101010101" pitchFamily="2" charset="-122"/>
+                <a:latin typeface="Times New Roman" panose="02020603050405020304" pitchFamily="18" charset="0"/>
                 <a:ea typeface="宋体" panose="02010600030101010101" pitchFamily="2" charset="-122"/>
+                <a:cs typeface="Times New Roman" panose="02020603050405020304" pitchFamily="18" charset="0"/>
               </a:rPr>
               <a:t>）</a:t>
             </a:r>
@@ -4746,7 +6372,7 @@
           </p:nvSpPr>
           <p:spPr>
             <a:xfrm>
-              <a:off x="3141260" y="6218210"/>
+              <a:off x="3386737" y="6218210"/>
               <a:ext cx="5090615" cy="369332"/>
             </a:xfrm>
             <a:prstGeom prst="rect">
@@ -4799,7 +6425,7 @@
 </p:sld>
 </file>
 
-<file path=ppt/slides/slide4.xml><?xml version="1.0" encoding="utf-8"?>
+<file path=ppt/slides/slide6.xml><?xml version="1.0" encoding="utf-8"?>
 <p:sld xmlns:a="http://schemas.openxmlformats.org/drawingml/2006/main" xmlns:r="http://schemas.openxmlformats.org/officeDocument/2006/relationships" xmlns:p="http://schemas.openxmlformats.org/presentationml/2006/main">
   <p:cSld>
     <p:spTree>
@@ -4927,29 +6553,33 @@
             </a:r>
             <a:r>
               <a:rPr lang="en-US" altLang="zh-CN" sz="2000" b="1" dirty="0">
-                <a:latin typeface="宋体" panose="02010600030101010101" pitchFamily="2" charset="-122"/>
+                <a:latin typeface="Times New Roman" panose="02020603050405020304" pitchFamily="18" charset="0"/>
                 <a:ea typeface="宋体" panose="02010600030101010101" pitchFamily="2" charset="-122"/>
+                <a:cs typeface="Times New Roman" panose="02020603050405020304" pitchFamily="18" charset="0"/>
               </a:rPr>
               <a:t>LSTM</a:t>
             </a:r>
             <a:r>
               <a:rPr lang="zh-CN" altLang="en-US" sz="2000" b="1" dirty="0">
-                <a:latin typeface="宋体" panose="02010600030101010101" pitchFamily="2" charset="-122"/>
+                <a:latin typeface="Times New Roman" panose="02020603050405020304" pitchFamily="18" charset="0"/>
                 <a:ea typeface="宋体" panose="02010600030101010101" pitchFamily="2" charset="-122"/>
+                <a:cs typeface="Times New Roman" panose="02020603050405020304" pitchFamily="18" charset="0"/>
               </a:rPr>
               <a:t>（</a:t>
             </a:r>
             <a:r>
               <a:rPr lang="en-US" altLang="zh-CN" sz="2000" b="1" dirty="0">
-                <a:latin typeface="宋体" panose="02010600030101010101" pitchFamily="2" charset="-122"/>
+                <a:latin typeface="Times New Roman" panose="02020603050405020304" pitchFamily="18" charset="0"/>
                 <a:ea typeface="宋体" panose="02010600030101010101" pitchFamily="2" charset="-122"/>
+                <a:cs typeface="Times New Roman" panose="02020603050405020304" pitchFamily="18" charset="0"/>
               </a:rPr>
               <a:t>Long Short Term Memory</a:t>
             </a:r>
             <a:r>
               <a:rPr lang="zh-CN" altLang="en-US" sz="2000" b="1" dirty="0">
-                <a:latin typeface="宋体" panose="02010600030101010101" pitchFamily="2" charset="-122"/>
+                <a:latin typeface="Times New Roman" panose="02020603050405020304" pitchFamily="18" charset="0"/>
                 <a:ea typeface="宋体" panose="02010600030101010101" pitchFamily="2" charset="-122"/>
+                <a:cs typeface="Times New Roman" panose="02020603050405020304" pitchFamily="18" charset="0"/>
               </a:rPr>
               <a:t>）</a:t>
             </a:r>
@@ -4977,10 +6607,10 @@
         </p:nvGrpSpPr>
         <p:grpSpPr>
           <a:xfrm>
-            <a:off x="2479999" y="2087012"/>
-            <a:ext cx="6387152" cy="4467561"/>
-            <a:chOff x="2479999" y="2087012"/>
-            <a:chExt cx="6387152" cy="4467561"/>
+            <a:off x="2886501" y="2087012"/>
+            <a:ext cx="6418998" cy="4498032"/>
+            <a:chOff x="2886501" y="2087012"/>
+            <a:chExt cx="6418998" cy="4498032"/>
           </a:xfrm>
         </p:grpSpPr>
         <p:pic>
@@ -5033,7 +6663,7 @@
           </p:nvSpPr>
           <p:spPr>
             <a:xfrm>
-              <a:off x="2479999" y="6185241"/>
+              <a:off x="2918347" y="6215712"/>
               <a:ext cx="6387152" cy="369332"/>
             </a:xfrm>
             <a:prstGeom prst="rect">
@@ -5086,910 +6716,6 @@
 </p:sld>
 </file>
 
-<file path=ppt/slides/slide5.xml><?xml version="1.0" encoding="utf-8"?>
-<p:sld xmlns:a="http://schemas.openxmlformats.org/drawingml/2006/main" xmlns:r="http://schemas.openxmlformats.org/officeDocument/2006/relationships" xmlns:p="http://schemas.openxmlformats.org/presentationml/2006/main">
-  <p:cSld>
-    <p:spTree>
-      <p:nvGrpSpPr>
-        <p:cNvPr id="1" name=""/>
-        <p:cNvGrpSpPr/>
-        <p:nvPr/>
-      </p:nvGrpSpPr>
-      <p:grpSpPr>
-        <a:xfrm>
-          <a:off x="0" y="0"/>
-          <a:ext cx="0" cy="0"/>
-          <a:chOff x="0" y="0"/>
-          <a:chExt cx="0" cy="0"/>
-        </a:xfrm>
-      </p:grpSpPr>
-      <p:sp>
-        <p:nvSpPr>
-          <p:cNvPr id="4" name="标题 1">
-            <a:extLst>
-              <a:ext uri="{FF2B5EF4-FFF2-40B4-BE49-F238E27FC236}">
-                <a16:creationId xmlns:a16="http://schemas.microsoft.com/office/drawing/2014/main" id="{08D5872F-1C94-6E41-B8F5-09C6EA3EC814}"/>
-              </a:ext>
-            </a:extLst>
-          </p:cNvPr>
-          <p:cNvSpPr>
-            <a:spLocks noGrp="1"/>
-          </p:cNvSpPr>
-          <p:nvPr>
-            <p:ph type="title"/>
-          </p:nvPr>
-        </p:nvSpPr>
-        <p:spPr>
-          <a:xfrm>
-            <a:off x="353706" y="272956"/>
-            <a:ext cx="4143231" cy="600501"/>
-          </a:xfrm>
-        </p:spPr>
-        <p:txBody>
-          <a:bodyPr>
-            <a:normAutofit/>
-          </a:bodyPr>
-          <a:lstStyle/>
-          <a:p>
-            <a:r>
-              <a:rPr lang="en-US" altLang="zh-CN" sz="3600" b="1" u="sng" dirty="0">
-                <a:latin typeface="Times New Roman" panose="02020603050405020304" pitchFamily="18" charset="0"/>
-                <a:ea typeface="黑体" panose="02010609060101010101" pitchFamily="49" charset="-122"/>
-                <a:cs typeface="Times New Roman" panose="02020603050405020304" pitchFamily="18" charset="0"/>
-              </a:rPr>
-              <a:t>Network Design</a:t>
-            </a:r>
-            <a:endParaRPr lang="zh-CN" altLang="en-US" sz="3600" b="1" u="sng" dirty="0">
-              <a:latin typeface="Times New Roman" panose="02020603050405020304" pitchFamily="18" charset="0"/>
-              <a:ea typeface="黑体" panose="02010609060101010101" pitchFamily="49" charset="-122"/>
-              <a:cs typeface="Times New Roman" panose="02020603050405020304" pitchFamily="18" charset="0"/>
-            </a:endParaRPr>
-          </a:p>
-        </p:txBody>
-      </p:sp>
-      <p:sp>
-        <p:nvSpPr>
-          <p:cNvPr id="9" name="文本框 8">
-            <a:extLst>
-              <a:ext uri="{FF2B5EF4-FFF2-40B4-BE49-F238E27FC236}">
-                <a16:creationId xmlns:a16="http://schemas.microsoft.com/office/drawing/2014/main" id="{1E00BFD7-06EB-A958-F687-E128DC581203}"/>
-              </a:ext>
-            </a:extLst>
-          </p:cNvPr>
-          <p:cNvSpPr txBox="1"/>
-          <p:nvPr/>
-        </p:nvSpPr>
-        <p:spPr>
-          <a:xfrm>
-            <a:off x="758588" y="1159805"/>
-            <a:ext cx="4288353" cy="400110"/>
-          </a:xfrm>
-          <a:prstGeom prst="rect">
-            <a:avLst/>
-          </a:prstGeom>
-          <a:noFill/>
-        </p:spPr>
-        <p:txBody>
-          <a:bodyPr wrap="none" rtlCol="0">
-            <a:spAutoFit/>
-          </a:bodyPr>
-          <a:lstStyle/>
-          <a:p>
-            <a:r>
-              <a:rPr lang="zh-CN" altLang="en-US" sz="2000" dirty="0">
-                <a:latin typeface="宋体" panose="02010600030101010101" pitchFamily="2" charset="-122"/>
-                <a:ea typeface="宋体" panose="02010600030101010101" pitchFamily="2" charset="-122"/>
-              </a:rPr>
-              <a:t>最后设计神经网络结构如下图所示：</a:t>
-            </a:r>
-            <a:endParaRPr lang="en-US" altLang="zh-CN" sz="2000" dirty="0">
-              <a:latin typeface="宋体" panose="02010600030101010101" pitchFamily="2" charset="-122"/>
-              <a:ea typeface="宋体" panose="02010600030101010101" pitchFamily="2" charset="-122"/>
-            </a:endParaRPr>
-          </a:p>
-        </p:txBody>
-      </p:sp>
-      <p:grpSp>
-        <p:nvGrpSpPr>
-          <p:cNvPr id="39" name="组合 38">
-            <a:extLst>
-              <a:ext uri="{FF2B5EF4-FFF2-40B4-BE49-F238E27FC236}">
-                <a16:creationId xmlns:a16="http://schemas.microsoft.com/office/drawing/2014/main" id="{EEF5D73B-ACD7-346E-2E9A-8BCB317286A4}"/>
-              </a:ext>
-            </a:extLst>
-          </p:cNvPr>
-          <p:cNvGrpSpPr/>
-          <p:nvPr/>
-        </p:nvGrpSpPr>
-        <p:grpSpPr>
-          <a:xfrm>
-            <a:off x="2142018" y="1874520"/>
-            <a:ext cx="8648525" cy="3466424"/>
-            <a:chOff x="1806738" y="2510095"/>
-            <a:chExt cx="8648525" cy="3466424"/>
-          </a:xfrm>
-        </p:grpSpPr>
-        <p:sp>
-          <p:nvSpPr>
-            <p:cNvPr id="31" name="矩形 30">
-              <a:extLst>
-                <a:ext uri="{FF2B5EF4-FFF2-40B4-BE49-F238E27FC236}">
-                  <a16:creationId xmlns:a16="http://schemas.microsoft.com/office/drawing/2014/main" id="{7EFE995B-3943-D18F-DC83-4EEB0DCBD168}"/>
-                </a:ext>
-              </a:extLst>
-            </p:cNvPr>
-            <p:cNvSpPr/>
-            <p:nvPr/>
-          </p:nvSpPr>
-          <p:spPr>
-            <a:xfrm>
-              <a:off x="6743701" y="2510095"/>
-              <a:ext cx="2503226" cy="1032798"/>
-            </a:xfrm>
-            <a:prstGeom prst="rect">
-              <a:avLst/>
-            </a:prstGeom>
-            <a:solidFill>
-              <a:schemeClr val="bg1">
-                <a:lumMod val="95000"/>
-              </a:schemeClr>
-            </a:solidFill>
-          </p:spPr>
-          <p:style>
-            <a:lnRef idx="2">
-              <a:schemeClr val="accent1">
-                <a:shade val="15000"/>
-              </a:schemeClr>
-            </a:lnRef>
-            <a:fillRef idx="1">
-              <a:schemeClr val="accent1"/>
-            </a:fillRef>
-            <a:effectRef idx="0">
-              <a:schemeClr val="accent1"/>
-            </a:effectRef>
-            <a:fontRef idx="minor">
-              <a:schemeClr val="lt1"/>
-            </a:fontRef>
-          </p:style>
-          <p:txBody>
-            <a:bodyPr rtlCol="0" anchor="ctr"/>
-            <a:lstStyle/>
-            <a:p>
-              <a:pPr algn="ctr"/>
-              <a:r>
-                <a:rPr lang="en-US" altLang="zh-CN" sz="2800" b="1" dirty="0">
-                  <a:solidFill>
-                    <a:schemeClr val="tx1"/>
-                  </a:solidFill>
-                  <a:latin typeface="Times New Roman" panose="02020603050405020304" pitchFamily="18" charset="0"/>
-                  <a:cs typeface="Times New Roman" panose="02020603050405020304" pitchFamily="18" charset="0"/>
-                </a:rPr>
-                <a:t>FC Layer</a:t>
-              </a:r>
-            </a:p>
-          </p:txBody>
-        </p:sp>
-        <p:sp>
-          <p:nvSpPr>
-            <p:cNvPr id="18" name="矩形 17">
-              <a:extLst>
-                <a:ext uri="{FF2B5EF4-FFF2-40B4-BE49-F238E27FC236}">
-                  <a16:creationId xmlns:a16="http://schemas.microsoft.com/office/drawing/2014/main" id="{18949C03-D914-381E-BDA0-84E66352D1B2}"/>
-                </a:ext>
-              </a:extLst>
-            </p:cNvPr>
-            <p:cNvSpPr/>
-            <p:nvPr/>
-          </p:nvSpPr>
-          <p:spPr>
-            <a:xfrm>
-              <a:off x="1806738" y="2510095"/>
-              <a:ext cx="2503225" cy="1032798"/>
-            </a:xfrm>
-            <a:prstGeom prst="rect">
-              <a:avLst/>
-            </a:prstGeom>
-            <a:solidFill>
-              <a:schemeClr val="bg1">
-                <a:lumMod val="95000"/>
-              </a:schemeClr>
-            </a:solidFill>
-          </p:spPr>
-          <p:style>
-            <a:lnRef idx="2">
-              <a:schemeClr val="accent1">
-                <a:shade val="15000"/>
-              </a:schemeClr>
-            </a:lnRef>
-            <a:fillRef idx="1">
-              <a:schemeClr val="accent1"/>
-            </a:fillRef>
-            <a:effectRef idx="0">
-              <a:schemeClr val="accent1"/>
-            </a:effectRef>
-            <a:fontRef idx="minor">
-              <a:schemeClr val="lt1"/>
-            </a:fontRef>
-          </p:style>
-          <p:txBody>
-            <a:bodyPr rtlCol="0" anchor="ctr"/>
-            <a:lstStyle/>
-            <a:p>
-              <a:pPr algn="ctr"/>
-              <a:r>
-                <a:rPr lang="en-US" altLang="zh-CN" sz="2800" b="1" dirty="0">
-                  <a:solidFill>
-                    <a:schemeClr val="tx1"/>
-                  </a:solidFill>
-                  <a:latin typeface="Times New Roman" panose="02020603050405020304" pitchFamily="18" charset="0"/>
-                  <a:cs typeface="Times New Roman" panose="02020603050405020304" pitchFamily="18" charset="0"/>
-                </a:rPr>
-                <a:t>LSTM Layer</a:t>
-              </a:r>
-            </a:p>
-          </p:txBody>
-        </p:sp>
-        <p:sp>
-          <p:nvSpPr>
-            <p:cNvPr id="13" name="矩形 12">
-              <a:extLst>
-                <a:ext uri="{FF2B5EF4-FFF2-40B4-BE49-F238E27FC236}">
-                  <a16:creationId xmlns:a16="http://schemas.microsoft.com/office/drawing/2014/main" id="{FD3A2994-E04C-A864-DF2D-EBC8A3DE68C1}"/>
-                </a:ext>
-              </a:extLst>
-            </p:cNvPr>
-            <p:cNvSpPr/>
-            <p:nvPr/>
-          </p:nvSpPr>
-          <p:spPr>
-            <a:xfrm>
-              <a:off x="1806738" y="4585465"/>
-              <a:ext cx="2503225" cy="1391054"/>
-            </a:xfrm>
-            <a:prstGeom prst="rect">
-              <a:avLst/>
-            </a:prstGeom>
-            <a:solidFill>
-              <a:schemeClr val="bg1">
-                <a:lumMod val="95000"/>
-              </a:schemeClr>
-            </a:solidFill>
-          </p:spPr>
-          <p:style>
-            <a:lnRef idx="2">
-              <a:schemeClr val="accent1">
-                <a:shade val="15000"/>
-              </a:schemeClr>
-            </a:lnRef>
-            <a:fillRef idx="1">
-              <a:schemeClr val="accent1"/>
-            </a:fillRef>
-            <a:effectRef idx="0">
-              <a:schemeClr val="accent1"/>
-            </a:effectRef>
-            <a:fontRef idx="minor">
-              <a:schemeClr val="lt1"/>
-            </a:fontRef>
-          </p:style>
-          <p:txBody>
-            <a:bodyPr rtlCol="0" anchor="ctr"/>
-            <a:lstStyle/>
-            <a:p>
-              <a:pPr algn="ctr"/>
-              <a:r>
-                <a:rPr lang="en-US" altLang="zh-CN" sz="2800" b="1" dirty="0">
-                  <a:solidFill>
-                    <a:schemeClr val="tx1"/>
-                  </a:solidFill>
-                  <a:latin typeface="Times New Roman" panose="02020603050405020304" pitchFamily="18" charset="0"/>
-                  <a:cs typeface="Times New Roman" panose="02020603050405020304" pitchFamily="18" charset="0"/>
-                </a:rPr>
-                <a:t>Input Tensor</a:t>
-              </a:r>
-            </a:p>
-            <a:p>
-              <a:pPr algn="ctr"/>
-              <a:r>
-                <a:rPr lang="zh-CN" altLang="en-US" sz="2000" dirty="0">
-                  <a:solidFill>
-                    <a:schemeClr val="tx1"/>
-                  </a:solidFill>
-                  <a:latin typeface="Times New Roman" panose="02020603050405020304" pitchFamily="18" charset="0"/>
-                  <a:cs typeface="Times New Roman" panose="02020603050405020304" pitchFamily="18" charset="0"/>
-                </a:rPr>
-                <a:t>（</a:t>
-              </a:r>
-              <a:r>
-                <a:rPr lang="en-US" altLang="zh-CN" sz="2000" dirty="0" err="1">
-                  <a:solidFill>
-                    <a:schemeClr val="tx1"/>
-                  </a:solidFill>
-                  <a:latin typeface="Times New Roman" panose="02020603050405020304" pitchFamily="18" charset="0"/>
-                  <a:cs typeface="Times New Roman" panose="02020603050405020304" pitchFamily="18" charset="0"/>
-                </a:rPr>
-                <a:t>NumSample</a:t>
-              </a:r>
-              <a:r>
-                <a:rPr lang="en-US" altLang="zh-CN" sz="2000" dirty="0">
-                  <a:solidFill>
-                    <a:schemeClr val="tx1"/>
-                  </a:solidFill>
-                  <a:latin typeface="Times New Roman" panose="02020603050405020304" pitchFamily="18" charset="0"/>
-                  <a:cs typeface="Times New Roman" panose="02020603050405020304" pitchFamily="18" charset="0"/>
-                </a:rPr>
-                <a:t>, </a:t>
-              </a:r>
-              <a:r>
-                <a:rPr lang="en-US" altLang="zh-CN" sz="2000" dirty="0" err="1">
-                  <a:solidFill>
-                    <a:schemeClr val="tx1"/>
-                  </a:solidFill>
-                  <a:latin typeface="Times New Roman" panose="02020603050405020304" pitchFamily="18" charset="0"/>
-                  <a:cs typeface="Times New Roman" panose="02020603050405020304" pitchFamily="18" charset="0"/>
-                </a:rPr>
-                <a:t>SequenceLen</a:t>
-              </a:r>
-              <a:r>
-                <a:rPr lang="en-US" altLang="zh-CN" sz="2000" dirty="0">
-                  <a:solidFill>
-                    <a:schemeClr val="tx1"/>
-                  </a:solidFill>
-                  <a:latin typeface="Times New Roman" panose="02020603050405020304" pitchFamily="18" charset="0"/>
-                  <a:cs typeface="Times New Roman" panose="02020603050405020304" pitchFamily="18" charset="0"/>
-                </a:rPr>
-                <a:t>,</a:t>
-              </a:r>
-            </a:p>
-            <a:p>
-              <a:pPr algn="ctr"/>
-              <a:r>
-                <a:rPr lang="en-US" altLang="zh-CN" sz="2000" dirty="0" err="1">
-                  <a:solidFill>
-                    <a:schemeClr val="tx1"/>
-                  </a:solidFill>
-                  <a:latin typeface="Times New Roman" panose="02020603050405020304" pitchFamily="18" charset="0"/>
-                  <a:cs typeface="Times New Roman" panose="02020603050405020304" pitchFamily="18" charset="0"/>
-                </a:rPr>
-                <a:t>FeatureNum</a:t>
-              </a:r>
-              <a:r>
-                <a:rPr lang="zh-CN" altLang="en-US" sz="2000" dirty="0">
-                  <a:solidFill>
-                    <a:schemeClr val="tx1"/>
-                  </a:solidFill>
-                  <a:latin typeface="Times New Roman" panose="02020603050405020304" pitchFamily="18" charset="0"/>
-                  <a:cs typeface="Times New Roman" panose="02020603050405020304" pitchFamily="18" charset="0"/>
-                </a:rPr>
-                <a:t>）</a:t>
-              </a:r>
-              <a:endParaRPr lang="zh-CN" altLang="en-US" sz="2800" dirty="0">
-                <a:solidFill>
-                  <a:schemeClr val="tx1"/>
-                </a:solidFill>
-                <a:latin typeface="Times New Roman" panose="02020603050405020304" pitchFamily="18" charset="0"/>
-                <a:cs typeface="Times New Roman" panose="02020603050405020304" pitchFamily="18" charset="0"/>
-              </a:endParaRPr>
-            </a:p>
-          </p:txBody>
-        </p:sp>
-        <p:cxnSp>
-          <p:nvCxnSpPr>
-            <p:cNvPr id="16" name="直接箭头连接符 15">
-              <a:extLst>
-                <a:ext uri="{FF2B5EF4-FFF2-40B4-BE49-F238E27FC236}">
-                  <a16:creationId xmlns:a16="http://schemas.microsoft.com/office/drawing/2014/main" id="{89090A5A-6E7B-9562-5BC9-8E1ECB91FD84}"/>
-                </a:ext>
-              </a:extLst>
-            </p:cNvPr>
-            <p:cNvCxnSpPr>
-              <a:cxnSpLocks/>
-              <a:stCxn id="13" idx="0"/>
-              <a:endCxn id="18" idx="2"/>
-            </p:cNvCxnSpPr>
-            <p:nvPr/>
-          </p:nvCxnSpPr>
-          <p:spPr>
-            <a:xfrm flipV="1">
-              <a:off x="3058351" y="3542893"/>
-              <a:ext cx="0" cy="1042572"/>
-            </a:xfrm>
-            <a:prstGeom prst="straightConnector1">
-              <a:avLst/>
-            </a:prstGeom>
-            <a:ln>
-              <a:tailEnd type="triangle"/>
-            </a:ln>
-          </p:spPr>
-          <p:style>
-            <a:lnRef idx="2">
-              <a:schemeClr val="accent1"/>
-            </a:lnRef>
-            <a:fillRef idx="0">
-              <a:schemeClr val="accent1"/>
-            </a:fillRef>
-            <a:effectRef idx="1">
-              <a:schemeClr val="accent1"/>
-            </a:effectRef>
-            <a:fontRef idx="minor">
-              <a:schemeClr val="tx1"/>
-            </a:fontRef>
-          </p:style>
-        </p:cxnSp>
-        <p:cxnSp>
-          <p:nvCxnSpPr>
-            <p:cNvPr id="26" name="直接箭头连接符 25">
-              <a:extLst>
-                <a:ext uri="{FF2B5EF4-FFF2-40B4-BE49-F238E27FC236}">
-                  <a16:creationId xmlns:a16="http://schemas.microsoft.com/office/drawing/2014/main" id="{A7E99F9B-711A-4930-4F08-A4B8453F7052}"/>
-                </a:ext>
-              </a:extLst>
-            </p:cNvPr>
-            <p:cNvCxnSpPr>
-              <a:cxnSpLocks/>
-              <a:stCxn id="18" idx="3"/>
-              <a:endCxn id="31" idx="1"/>
-            </p:cNvCxnSpPr>
-            <p:nvPr/>
-          </p:nvCxnSpPr>
-          <p:spPr>
-            <a:xfrm>
-              <a:off x="4309963" y="3026494"/>
-              <a:ext cx="2433738" cy="0"/>
-            </a:xfrm>
-            <a:prstGeom prst="straightConnector1">
-              <a:avLst/>
-            </a:prstGeom>
-            <a:ln>
-              <a:tailEnd type="triangle"/>
-            </a:ln>
-          </p:spPr>
-          <p:style>
-            <a:lnRef idx="2">
-              <a:schemeClr val="accent1"/>
-            </a:lnRef>
-            <a:fillRef idx="0">
-              <a:schemeClr val="accent1"/>
-            </a:fillRef>
-            <a:effectRef idx="1">
-              <a:schemeClr val="accent1"/>
-            </a:effectRef>
-            <a:fontRef idx="minor">
-              <a:schemeClr val="tx1"/>
-            </a:fontRef>
-          </p:style>
-        </p:cxnSp>
-        <p:cxnSp>
-          <p:nvCxnSpPr>
-            <p:cNvPr id="32" name="直接箭头连接符 31">
-              <a:extLst>
-                <a:ext uri="{FF2B5EF4-FFF2-40B4-BE49-F238E27FC236}">
-                  <a16:creationId xmlns:a16="http://schemas.microsoft.com/office/drawing/2014/main" id="{5035EC65-432D-1A0D-E48C-CEF419438F43}"/>
-                </a:ext>
-              </a:extLst>
-            </p:cNvPr>
-            <p:cNvCxnSpPr>
-              <a:cxnSpLocks/>
-              <a:stCxn id="31" idx="2"/>
-              <a:endCxn id="35" idx="0"/>
-            </p:cNvCxnSpPr>
-            <p:nvPr/>
-          </p:nvCxnSpPr>
-          <p:spPr>
-            <a:xfrm>
-              <a:off x="7995314" y="3542893"/>
-              <a:ext cx="0" cy="1042572"/>
-            </a:xfrm>
-            <a:prstGeom prst="straightConnector1">
-              <a:avLst/>
-            </a:prstGeom>
-            <a:ln>
-              <a:tailEnd type="triangle"/>
-            </a:ln>
-          </p:spPr>
-          <p:style>
-            <a:lnRef idx="2">
-              <a:schemeClr val="accent1"/>
-            </a:lnRef>
-            <a:fillRef idx="0">
-              <a:schemeClr val="accent1"/>
-            </a:fillRef>
-            <a:effectRef idx="1">
-              <a:schemeClr val="accent1"/>
-            </a:effectRef>
-            <a:fontRef idx="minor">
-              <a:schemeClr val="tx1"/>
-            </a:fontRef>
-          </p:style>
-        </p:cxnSp>
-        <p:sp>
-          <p:nvSpPr>
-            <p:cNvPr id="35" name="矩形 34">
-              <a:extLst>
-                <a:ext uri="{FF2B5EF4-FFF2-40B4-BE49-F238E27FC236}">
-                  <a16:creationId xmlns:a16="http://schemas.microsoft.com/office/drawing/2014/main" id="{9EF01715-7E78-41E9-9D88-ECEE8C336710}"/>
-                </a:ext>
-              </a:extLst>
-            </p:cNvPr>
-            <p:cNvSpPr/>
-            <p:nvPr/>
-          </p:nvSpPr>
-          <p:spPr>
-            <a:xfrm>
-              <a:off x="6743701" y="4585465"/>
-              <a:ext cx="2503226" cy="1391054"/>
-            </a:xfrm>
-            <a:prstGeom prst="rect">
-              <a:avLst/>
-            </a:prstGeom>
-            <a:solidFill>
-              <a:schemeClr val="bg1">
-                <a:lumMod val="95000"/>
-              </a:schemeClr>
-            </a:solidFill>
-          </p:spPr>
-          <p:style>
-            <a:lnRef idx="2">
-              <a:schemeClr val="accent1">
-                <a:shade val="15000"/>
-              </a:schemeClr>
-            </a:lnRef>
-            <a:fillRef idx="1">
-              <a:schemeClr val="accent1"/>
-            </a:fillRef>
-            <a:effectRef idx="0">
-              <a:schemeClr val="accent1"/>
-            </a:effectRef>
-            <a:fontRef idx="minor">
-              <a:schemeClr val="lt1"/>
-            </a:fontRef>
-          </p:style>
-          <p:txBody>
-            <a:bodyPr rtlCol="0" anchor="ctr"/>
-            <a:lstStyle/>
-            <a:p>
-              <a:pPr algn="ctr"/>
-              <a:r>
-                <a:rPr lang="en-US" altLang="zh-CN" sz="2800" b="1" dirty="0">
-                  <a:solidFill>
-                    <a:schemeClr val="tx1"/>
-                  </a:solidFill>
-                  <a:latin typeface="Times New Roman" panose="02020603050405020304" pitchFamily="18" charset="0"/>
-                  <a:cs typeface="Times New Roman" panose="02020603050405020304" pitchFamily="18" charset="0"/>
-                </a:rPr>
-                <a:t>Probability</a:t>
-              </a:r>
-            </a:p>
-            <a:p>
-              <a:pPr algn="ctr"/>
-              <a:r>
-                <a:rPr lang="en-US" altLang="zh-CN" sz="2400" dirty="0">
-                  <a:solidFill>
-                    <a:schemeClr val="tx1"/>
-                  </a:solidFill>
-                  <a:latin typeface="Times New Roman" panose="02020603050405020304" pitchFamily="18" charset="0"/>
-                  <a:cs typeface="Times New Roman" panose="02020603050405020304" pitchFamily="18" charset="0"/>
-                </a:rPr>
-                <a:t>[</a:t>
-              </a:r>
-              <a:r>
-                <a:rPr lang="en-US" altLang="zh-CN" sz="2400" dirty="0" err="1">
-                  <a:solidFill>
-                    <a:schemeClr val="tx1"/>
-                  </a:solidFill>
-                  <a:latin typeface="Times New Roman" panose="02020603050405020304" pitchFamily="18" charset="0"/>
-                  <a:cs typeface="Times New Roman" panose="02020603050405020304" pitchFamily="18" charset="0"/>
-                </a:rPr>
-                <a:t>RisePro</a:t>
-              </a:r>
-              <a:r>
-                <a:rPr lang="en-US" altLang="zh-CN" sz="2400" dirty="0">
-                  <a:solidFill>
-                    <a:schemeClr val="tx1"/>
-                  </a:solidFill>
-                  <a:latin typeface="Times New Roman" panose="02020603050405020304" pitchFamily="18" charset="0"/>
-                  <a:cs typeface="Times New Roman" panose="02020603050405020304" pitchFamily="18" charset="0"/>
-                </a:rPr>
-                <a:t>, </a:t>
-              </a:r>
-              <a:r>
-                <a:rPr lang="en-US" altLang="zh-CN" sz="2400" dirty="0" err="1">
-                  <a:solidFill>
-                    <a:schemeClr val="tx1"/>
-                  </a:solidFill>
-                  <a:latin typeface="Times New Roman" panose="02020603050405020304" pitchFamily="18" charset="0"/>
-                  <a:cs typeface="Times New Roman" panose="02020603050405020304" pitchFamily="18" charset="0"/>
-                </a:rPr>
-                <a:t>DropPro</a:t>
-              </a:r>
-              <a:r>
-                <a:rPr lang="en-US" altLang="zh-CN" sz="2400" dirty="0">
-                  <a:solidFill>
-                    <a:schemeClr val="tx1"/>
-                  </a:solidFill>
-                  <a:latin typeface="Times New Roman" panose="02020603050405020304" pitchFamily="18" charset="0"/>
-                  <a:cs typeface="Times New Roman" panose="02020603050405020304" pitchFamily="18" charset="0"/>
-                </a:rPr>
-                <a:t>]</a:t>
-              </a:r>
-              <a:endParaRPr lang="zh-CN" altLang="en-US" sz="2400" dirty="0">
-                <a:solidFill>
-                  <a:schemeClr val="tx1"/>
-                </a:solidFill>
-                <a:latin typeface="Times New Roman" panose="02020603050405020304" pitchFamily="18" charset="0"/>
-                <a:cs typeface="Times New Roman" panose="02020603050405020304" pitchFamily="18" charset="0"/>
-              </a:endParaRPr>
-            </a:p>
-          </p:txBody>
-        </p:sp>
-        <p:sp>
-          <p:nvSpPr>
-            <p:cNvPr id="36" name="文本框 35">
-              <a:extLst>
-                <a:ext uri="{FF2B5EF4-FFF2-40B4-BE49-F238E27FC236}">
-                  <a16:creationId xmlns:a16="http://schemas.microsoft.com/office/drawing/2014/main" id="{970C0C5D-0DF7-9BA9-0D40-87AB6B29A373}"/>
-                </a:ext>
-              </a:extLst>
-            </p:cNvPr>
-            <p:cNvSpPr txBox="1"/>
-            <p:nvPr/>
-          </p:nvSpPr>
-          <p:spPr>
-            <a:xfrm>
-              <a:off x="7460603" y="3838310"/>
-              <a:ext cx="2994660" cy="400110"/>
-            </a:xfrm>
-            <a:prstGeom prst="rect">
-              <a:avLst/>
-            </a:prstGeom>
-            <a:noFill/>
-          </p:spPr>
-          <p:txBody>
-            <a:bodyPr wrap="square" rtlCol="0">
-              <a:spAutoFit/>
-            </a:bodyPr>
-            <a:lstStyle/>
-            <a:p>
-              <a:pPr algn="ctr"/>
-              <a:r>
-                <a:rPr lang="en-US" altLang="zh-CN" sz="2000" dirty="0">
-                  <a:latin typeface="Times New Roman" panose="02020603050405020304" pitchFamily="18" charset="0"/>
-                  <a:ea typeface="黑体" panose="02010609060101010101" pitchFamily="49" charset="-122"/>
-                  <a:cs typeface="Times New Roman" panose="02020603050405020304" pitchFamily="18" charset="0"/>
-                </a:rPr>
-                <a:t>SoftMax</a:t>
-              </a:r>
-              <a:endParaRPr lang="zh-CN" altLang="en-US" sz="2000" dirty="0">
-                <a:latin typeface="Times New Roman" panose="02020603050405020304" pitchFamily="18" charset="0"/>
-                <a:ea typeface="黑体" panose="02010609060101010101" pitchFamily="49" charset="-122"/>
-                <a:cs typeface="Times New Roman" panose="02020603050405020304" pitchFamily="18" charset="0"/>
-              </a:endParaRPr>
-            </a:p>
-          </p:txBody>
-        </p:sp>
-        <p:sp>
-          <p:nvSpPr>
-            <p:cNvPr id="30" name="文本框 29">
-              <a:extLst>
-                <a:ext uri="{FF2B5EF4-FFF2-40B4-BE49-F238E27FC236}">
-                  <a16:creationId xmlns:a16="http://schemas.microsoft.com/office/drawing/2014/main" id="{551DAB21-CED7-64A5-A377-94E8EF60701D}"/>
-                </a:ext>
-              </a:extLst>
-            </p:cNvPr>
-            <p:cNvSpPr txBox="1"/>
-            <p:nvPr/>
-          </p:nvSpPr>
-          <p:spPr>
-            <a:xfrm>
-              <a:off x="4283753" y="3188950"/>
-              <a:ext cx="2369335" cy="707886"/>
-            </a:xfrm>
-            <a:prstGeom prst="rect">
-              <a:avLst/>
-            </a:prstGeom>
-            <a:noFill/>
-          </p:spPr>
-          <p:txBody>
-            <a:bodyPr wrap="square" rtlCol="0">
-              <a:spAutoFit/>
-            </a:bodyPr>
-            <a:lstStyle/>
-            <a:p>
-              <a:pPr algn="ctr"/>
-              <a:r>
-                <a:rPr lang="en-US" altLang="zh-CN" sz="2000" dirty="0">
-                  <a:latin typeface="Times New Roman" panose="02020603050405020304" pitchFamily="18" charset="0"/>
-                  <a:ea typeface="黑体" panose="02010609060101010101" pitchFamily="49" charset="-122"/>
-                  <a:cs typeface="Times New Roman" panose="02020603050405020304" pitchFamily="18" charset="0"/>
-                </a:rPr>
-                <a:t>The Last Neuron Output</a:t>
-              </a:r>
-              <a:endParaRPr lang="zh-CN" altLang="en-US" sz="2000" dirty="0">
-                <a:latin typeface="Times New Roman" panose="02020603050405020304" pitchFamily="18" charset="0"/>
-                <a:ea typeface="黑体" panose="02010609060101010101" pitchFamily="49" charset="-122"/>
-                <a:cs typeface="Times New Roman" panose="02020603050405020304" pitchFamily="18" charset="0"/>
-              </a:endParaRPr>
-            </a:p>
-          </p:txBody>
-        </p:sp>
-      </p:grpSp>
-      <p:sp>
-        <p:nvSpPr>
-          <p:cNvPr id="40" name="文本框 39">
-            <a:extLst>
-              <a:ext uri="{FF2B5EF4-FFF2-40B4-BE49-F238E27FC236}">
-                <a16:creationId xmlns:a16="http://schemas.microsoft.com/office/drawing/2014/main" id="{6C78AB09-4512-5673-3D54-70F79E2CF996}"/>
-              </a:ext>
-            </a:extLst>
-          </p:cNvPr>
-          <p:cNvSpPr txBox="1"/>
-          <p:nvPr/>
-        </p:nvSpPr>
-        <p:spPr>
-          <a:xfrm>
-            <a:off x="2655259" y="5519676"/>
-            <a:ext cx="6387152" cy="369332"/>
-          </a:xfrm>
-          <a:prstGeom prst="rect">
-            <a:avLst/>
-          </a:prstGeom>
-          <a:noFill/>
-        </p:spPr>
-        <p:txBody>
-          <a:bodyPr wrap="square" rtlCol="0">
-            <a:spAutoFit/>
-          </a:bodyPr>
-          <a:lstStyle/>
-          <a:p>
-            <a:pPr algn="ctr"/>
-            <a:r>
-              <a:rPr lang="zh-CN" altLang="en-US" b="1" dirty="0">
-                <a:latin typeface="黑体" panose="02010609060101010101" pitchFamily="49" charset="-122"/>
-                <a:ea typeface="黑体" panose="02010609060101010101" pitchFamily="49" charset="-122"/>
-              </a:rPr>
-              <a:t>图</a:t>
-            </a:r>
-            <a:r>
-              <a:rPr lang="en-US" altLang="zh-CN" b="1" dirty="0">
-                <a:latin typeface="黑体" panose="02010609060101010101" pitchFamily="49" charset="-122"/>
-                <a:ea typeface="黑体" panose="02010609060101010101" pitchFamily="49" charset="-122"/>
-              </a:rPr>
-              <a:t>.</a:t>
-            </a:r>
-            <a:r>
-              <a:rPr lang="zh-CN" altLang="en-US" b="1" dirty="0">
-                <a:latin typeface="黑体" panose="02010609060101010101" pitchFamily="49" charset="-122"/>
-                <a:ea typeface="黑体" panose="02010609060101010101" pitchFamily="49" charset="-122"/>
-              </a:rPr>
-              <a:t>网络设计图</a:t>
-            </a:r>
-          </a:p>
-        </p:txBody>
-      </p:sp>
-    </p:spTree>
-    <p:extLst>
-      <p:ext uri="{BB962C8B-B14F-4D97-AF65-F5344CB8AC3E}">
-        <p14:creationId xmlns:p14="http://schemas.microsoft.com/office/powerpoint/2010/main" val="3233867358"/>
-      </p:ext>
-    </p:extLst>
-  </p:cSld>
-  <p:clrMapOvr>
-    <a:masterClrMapping/>
-  </p:clrMapOvr>
-</p:sld>
-</file>
-
-<file path=ppt/slides/slide6.xml><?xml version="1.0" encoding="utf-8"?>
-<p:sld xmlns:a="http://schemas.openxmlformats.org/drawingml/2006/main" xmlns:r="http://schemas.openxmlformats.org/officeDocument/2006/relationships" xmlns:p="http://schemas.openxmlformats.org/presentationml/2006/main">
-  <p:cSld>
-    <p:spTree>
-      <p:nvGrpSpPr>
-        <p:cNvPr id="1" name=""/>
-        <p:cNvGrpSpPr/>
-        <p:nvPr/>
-      </p:nvGrpSpPr>
-      <p:grpSpPr>
-        <a:xfrm>
-          <a:off x="0" y="0"/>
-          <a:ext cx="0" cy="0"/>
-          <a:chOff x="0" y="0"/>
-          <a:chExt cx="0" cy="0"/>
-        </a:xfrm>
-      </p:grpSpPr>
-      <p:sp>
-        <p:nvSpPr>
-          <p:cNvPr id="4" name="标题 1">
-            <a:extLst>
-              <a:ext uri="{FF2B5EF4-FFF2-40B4-BE49-F238E27FC236}">
-                <a16:creationId xmlns:a16="http://schemas.microsoft.com/office/drawing/2014/main" id="{85317ACB-348F-1AA9-D861-5F82526CEC22}"/>
-              </a:ext>
-            </a:extLst>
-          </p:cNvPr>
-          <p:cNvSpPr>
-            <a:spLocks noGrp="1"/>
-          </p:cNvSpPr>
-          <p:nvPr>
-            <p:ph type="title"/>
-          </p:nvPr>
-        </p:nvSpPr>
-        <p:spPr>
-          <a:xfrm>
-            <a:off x="353706" y="272956"/>
-            <a:ext cx="4143231" cy="600501"/>
-          </a:xfrm>
-        </p:spPr>
-        <p:txBody>
-          <a:bodyPr>
-            <a:normAutofit/>
-          </a:bodyPr>
-          <a:lstStyle/>
-          <a:p>
-            <a:r>
-              <a:rPr lang="en-US" altLang="zh-CN" sz="3600" b="1" u="sng" dirty="0">
-                <a:latin typeface="Times New Roman" panose="02020603050405020304" pitchFamily="18" charset="0"/>
-                <a:ea typeface="黑体" panose="02010609060101010101" pitchFamily="49" charset="-122"/>
-                <a:cs typeface="Times New Roman" panose="02020603050405020304" pitchFamily="18" charset="0"/>
-              </a:rPr>
-              <a:t>Data Acquisition</a:t>
-            </a:r>
-            <a:endParaRPr lang="zh-CN" altLang="en-US" sz="3600" b="1" u="sng" dirty="0">
-              <a:latin typeface="Times New Roman" panose="02020603050405020304" pitchFamily="18" charset="0"/>
-              <a:ea typeface="黑体" panose="02010609060101010101" pitchFamily="49" charset="-122"/>
-              <a:cs typeface="Times New Roman" panose="02020603050405020304" pitchFamily="18" charset="0"/>
-            </a:endParaRPr>
-          </a:p>
-        </p:txBody>
-      </p:sp>
-      <p:sp>
-        <p:nvSpPr>
-          <p:cNvPr id="5" name="文本框 4">
-            <a:extLst>
-              <a:ext uri="{FF2B5EF4-FFF2-40B4-BE49-F238E27FC236}">
-                <a16:creationId xmlns:a16="http://schemas.microsoft.com/office/drawing/2014/main" id="{4DD0080B-6C26-4D5C-2217-FDB56FE87E23}"/>
-              </a:ext>
-            </a:extLst>
-          </p:cNvPr>
-          <p:cNvSpPr txBox="1"/>
-          <p:nvPr/>
-        </p:nvSpPr>
-        <p:spPr>
-          <a:xfrm>
-            <a:off x="624840" y="1110734"/>
-            <a:ext cx="4143231" cy="400110"/>
-          </a:xfrm>
-          <a:prstGeom prst="rect">
-            <a:avLst/>
-          </a:prstGeom>
-          <a:noFill/>
-        </p:spPr>
-        <p:txBody>
-          <a:bodyPr wrap="square" rtlCol="0">
-            <a:spAutoFit/>
-          </a:bodyPr>
-          <a:lstStyle/>
-          <a:p>
-            <a:r>
-              <a:rPr lang="zh-CN" altLang="en-US" sz="2000" dirty="0">
-                <a:latin typeface="宋体" panose="02010600030101010101" pitchFamily="2" charset="-122"/>
-                <a:ea typeface="宋体" panose="02010600030101010101" pitchFamily="2" charset="-122"/>
-              </a:rPr>
-              <a:t>联系了聚宽</a:t>
-            </a:r>
-          </a:p>
-        </p:txBody>
-      </p:sp>
-    </p:spTree>
-    <p:extLst>
-      <p:ext uri="{BB962C8B-B14F-4D97-AF65-F5344CB8AC3E}">
-        <p14:creationId xmlns:p14="http://schemas.microsoft.com/office/powerpoint/2010/main" val="1668058154"/>
-      </p:ext>
-    </p:extLst>
-  </p:cSld>
-  <p:clrMapOvr>
-    <a:masterClrMapping/>
-  </p:clrMapOvr>
-</p:sld>
-</file>
-
 <file path=ppt/slides/slide7.xml><?xml version="1.0" encoding="utf-8"?>
 <p:sld xmlns:a="http://schemas.openxmlformats.org/drawingml/2006/main" xmlns:r="http://schemas.openxmlformats.org/officeDocument/2006/relationships" xmlns:p="http://schemas.openxmlformats.org/presentationml/2006/main">
   <p:cSld>
@@ -6009,10 +6735,10 @@
       </p:grpSpPr>
       <p:sp>
         <p:nvSpPr>
-          <p:cNvPr id="2" name="标题 1">
-            <a:extLst>
-              <a:ext uri="{FF2B5EF4-FFF2-40B4-BE49-F238E27FC236}">
-                <a16:creationId xmlns:a16="http://schemas.microsoft.com/office/drawing/2014/main" id="{55A31B29-259F-0D0F-D6D9-295AB510EDCB}"/>
+          <p:cNvPr id="4" name="标题 1">
+            <a:extLst>
+              <a:ext uri="{FF2B5EF4-FFF2-40B4-BE49-F238E27FC236}">
+                <a16:creationId xmlns:a16="http://schemas.microsoft.com/office/drawing/2014/main" id="{08D5872F-1C94-6E41-B8F5-09C6EA3EC814}"/>
               </a:ext>
             </a:extLst>
           </p:cNvPr>
@@ -6023,87 +6749,777 @@
             <p:ph type="title"/>
           </p:nvPr>
         </p:nvSpPr>
-        <p:spPr/>
-        <p:txBody>
-          <a:bodyPr/>
-          <a:lstStyle/>
-          <a:p>
-            <a:r>
-              <a:rPr lang="zh-CN" altLang="en-US" dirty="0"/>
-              <a:t>优化结果与策略</a:t>
-            </a:r>
-          </a:p>
-        </p:txBody>
-      </p:sp>
-      <p:sp>
-        <p:nvSpPr>
-          <p:cNvPr id="3" name="内容占位符 2">
-            <a:extLst>
-              <a:ext uri="{FF2B5EF4-FFF2-40B4-BE49-F238E27FC236}">
-                <a16:creationId xmlns:a16="http://schemas.microsoft.com/office/drawing/2014/main" id="{E7D6862A-662E-D2DB-33A4-C3A874BA5CD1}"/>
-              </a:ext>
-            </a:extLst>
-          </p:cNvPr>
-          <p:cNvSpPr>
-            <a:spLocks noGrp="1"/>
-          </p:cNvSpPr>
-          <p:nvPr>
-            <p:ph idx="1"/>
-          </p:nvPr>
-        </p:nvSpPr>
-        <p:spPr/>
-        <p:txBody>
-          <a:bodyPr/>
-          <a:lstStyle/>
-          <a:p>
-            <a:r>
-              <a:rPr lang="zh-CN" altLang="en-US" dirty="0"/>
-              <a:t>优化各种超参数，使得测试集正确率与训练集接近。训练成果</a:t>
-            </a:r>
-            <a:endParaRPr lang="en-US" altLang="zh-CN" dirty="0"/>
-          </a:p>
-          <a:p>
-            <a:endParaRPr lang="en-US" altLang="zh-CN" dirty="0"/>
-          </a:p>
-          <a:p>
-            <a:endParaRPr lang="zh-CN" altLang="en-US" dirty="0"/>
-          </a:p>
-        </p:txBody>
-      </p:sp>
-      <p:pic>
-        <p:nvPicPr>
-          <p:cNvPr id="7" name="图片 6">
-            <a:extLst>
-              <a:ext uri="{FF2B5EF4-FFF2-40B4-BE49-F238E27FC236}">
-                <a16:creationId xmlns:a16="http://schemas.microsoft.com/office/drawing/2014/main" id="{6CE0690B-10DC-3314-5C9C-978907CCC68F}"/>
-              </a:ext>
-            </a:extLst>
-          </p:cNvPr>
-          <p:cNvPicPr>
-            <a:picLocks noChangeAspect="1"/>
-          </p:cNvPicPr>
-          <p:nvPr/>
-        </p:nvPicPr>
-        <p:blipFill>
-          <a:blip r:embed="rId2"/>
-          <a:stretch>
-            <a:fillRect/>
-          </a:stretch>
-        </p:blipFill>
         <p:spPr>
           <a:xfrm>
-            <a:off x="1365126" y="2617190"/>
-            <a:ext cx="5020376" cy="2048161"/>
+            <a:off x="353706" y="272956"/>
+            <a:ext cx="4143231" cy="600501"/>
+          </a:xfrm>
+        </p:spPr>
+        <p:txBody>
+          <a:bodyPr>
+            <a:normAutofit/>
+          </a:bodyPr>
+          <a:lstStyle/>
+          <a:p>
+            <a:r>
+              <a:rPr lang="en-US" altLang="zh-CN" sz="3600" b="1" u="sng" dirty="0">
+                <a:latin typeface="Times New Roman" panose="02020603050405020304" pitchFamily="18" charset="0"/>
+                <a:ea typeface="黑体" panose="02010609060101010101" pitchFamily="49" charset="-122"/>
+                <a:cs typeface="Times New Roman" panose="02020603050405020304" pitchFamily="18" charset="0"/>
+              </a:rPr>
+              <a:t>Network Design</a:t>
+            </a:r>
+            <a:endParaRPr lang="zh-CN" altLang="en-US" sz="3600" b="1" u="sng" dirty="0">
+              <a:latin typeface="Times New Roman" panose="02020603050405020304" pitchFamily="18" charset="0"/>
+              <a:ea typeface="黑体" panose="02010609060101010101" pitchFamily="49" charset="-122"/>
+              <a:cs typeface="Times New Roman" panose="02020603050405020304" pitchFamily="18" charset="0"/>
+            </a:endParaRPr>
+          </a:p>
+        </p:txBody>
+      </p:sp>
+      <p:sp>
+        <p:nvSpPr>
+          <p:cNvPr id="9" name="文本框 8">
+            <a:extLst>
+              <a:ext uri="{FF2B5EF4-FFF2-40B4-BE49-F238E27FC236}">
+                <a16:creationId xmlns:a16="http://schemas.microsoft.com/office/drawing/2014/main" id="{1E00BFD7-06EB-A958-F687-E128DC581203}"/>
+              </a:ext>
+            </a:extLst>
+          </p:cNvPr>
+          <p:cNvSpPr txBox="1"/>
+          <p:nvPr/>
+        </p:nvSpPr>
+        <p:spPr>
+          <a:xfrm>
+            <a:off x="758588" y="1159805"/>
+            <a:ext cx="4288353" cy="400110"/>
           </a:xfrm>
           <a:prstGeom prst="rect">
             <a:avLst/>
           </a:prstGeom>
+          <a:noFill/>
         </p:spPr>
-      </p:pic>
+        <p:txBody>
+          <a:bodyPr wrap="none" rtlCol="0">
+            <a:spAutoFit/>
+          </a:bodyPr>
+          <a:lstStyle/>
+          <a:p>
+            <a:r>
+              <a:rPr lang="zh-CN" altLang="en-US" sz="2000" dirty="0">
+                <a:latin typeface="宋体" panose="02010600030101010101" pitchFamily="2" charset="-122"/>
+                <a:ea typeface="宋体" panose="02010600030101010101" pitchFamily="2" charset="-122"/>
+              </a:rPr>
+              <a:t>最后设计神经网络结构如下图所示：</a:t>
+            </a:r>
+            <a:endParaRPr lang="en-US" altLang="zh-CN" sz="2000" dirty="0">
+              <a:latin typeface="宋体" panose="02010600030101010101" pitchFamily="2" charset="-122"/>
+              <a:ea typeface="宋体" panose="02010600030101010101" pitchFamily="2" charset="-122"/>
+            </a:endParaRPr>
+          </a:p>
+        </p:txBody>
+      </p:sp>
+      <p:grpSp>
+        <p:nvGrpSpPr>
+          <p:cNvPr id="3" name="组合 2">
+            <a:extLst>
+              <a:ext uri="{FF2B5EF4-FFF2-40B4-BE49-F238E27FC236}">
+                <a16:creationId xmlns:a16="http://schemas.microsoft.com/office/drawing/2014/main" id="{4D5914BE-02FD-4CE5-B0F3-F82AD622B072}"/>
+              </a:ext>
+            </a:extLst>
+          </p:cNvPr>
+          <p:cNvGrpSpPr/>
+          <p:nvPr/>
+        </p:nvGrpSpPr>
+        <p:grpSpPr>
+          <a:xfrm>
+            <a:off x="2463065" y="2281990"/>
+            <a:ext cx="7265869" cy="3298813"/>
+            <a:chOff x="2540917" y="1765279"/>
+            <a:chExt cx="7265869" cy="3298813"/>
+          </a:xfrm>
+        </p:grpSpPr>
+        <p:grpSp>
+          <p:nvGrpSpPr>
+            <p:cNvPr id="39" name="组合 38">
+              <a:extLst>
+                <a:ext uri="{FF2B5EF4-FFF2-40B4-BE49-F238E27FC236}">
+                  <a16:creationId xmlns:a16="http://schemas.microsoft.com/office/drawing/2014/main" id="{EEF5D73B-ACD7-346E-2E9A-8BCB317286A4}"/>
+                </a:ext>
+              </a:extLst>
+            </p:cNvPr>
+            <p:cNvGrpSpPr/>
+            <p:nvPr/>
+          </p:nvGrpSpPr>
+          <p:grpSpPr>
+            <a:xfrm>
+              <a:off x="2540917" y="1765279"/>
+              <a:ext cx="7265869" cy="2671387"/>
+              <a:chOff x="1806738" y="2510095"/>
+              <a:chExt cx="8648525" cy="3466424"/>
+            </a:xfrm>
+          </p:grpSpPr>
+          <p:sp>
+            <p:nvSpPr>
+              <p:cNvPr id="31" name="矩形 30">
+                <a:extLst>
+                  <a:ext uri="{FF2B5EF4-FFF2-40B4-BE49-F238E27FC236}">
+                    <a16:creationId xmlns:a16="http://schemas.microsoft.com/office/drawing/2014/main" id="{7EFE995B-3943-D18F-DC83-4EEB0DCBD168}"/>
+                  </a:ext>
+                </a:extLst>
+              </p:cNvPr>
+              <p:cNvSpPr/>
+              <p:nvPr/>
+            </p:nvSpPr>
+            <p:spPr>
+              <a:xfrm>
+                <a:off x="6743701" y="2510095"/>
+                <a:ext cx="2503226" cy="1032798"/>
+              </a:xfrm>
+              <a:prstGeom prst="rect">
+                <a:avLst/>
+              </a:prstGeom>
+              <a:solidFill>
+                <a:schemeClr val="bg1">
+                  <a:lumMod val="95000"/>
+                </a:schemeClr>
+              </a:solidFill>
+            </p:spPr>
+            <p:style>
+              <a:lnRef idx="2">
+                <a:schemeClr val="accent1">
+                  <a:shade val="15000"/>
+                </a:schemeClr>
+              </a:lnRef>
+              <a:fillRef idx="1">
+                <a:schemeClr val="accent1"/>
+              </a:fillRef>
+              <a:effectRef idx="0">
+                <a:schemeClr val="accent1"/>
+              </a:effectRef>
+              <a:fontRef idx="minor">
+                <a:schemeClr val="lt1"/>
+              </a:fontRef>
+            </p:style>
+            <p:txBody>
+              <a:bodyPr rtlCol="0" anchor="ctr"/>
+              <a:lstStyle/>
+              <a:p>
+                <a:pPr algn="ctr"/>
+                <a:r>
+                  <a:rPr lang="en-US" altLang="zh-CN" sz="2400" b="1" dirty="0">
+                    <a:solidFill>
+                      <a:schemeClr val="tx1"/>
+                    </a:solidFill>
+                    <a:latin typeface="Times New Roman" panose="02020603050405020304" pitchFamily="18" charset="0"/>
+                    <a:cs typeface="Times New Roman" panose="02020603050405020304" pitchFamily="18" charset="0"/>
+                  </a:rPr>
+                  <a:t>FC Layer</a:t>
+                </a:r>
+              </a:p>
+            </p:txBody>
+          </p:sp>
+          <p:sp>
+            <p:nvSpPr>
+              <p:cNvPr id="18" name="矩形 17">
+                <a:extLst>
+                  <a:ext uri="{FF2B5EF4-FFF2-40B4-BE49-F238E27FC236}">
+                    <a16:creationId xmlns:a16="http://schemas.microsoft.com/office/drawing/2014/main" id="{18949C03-D914-381E-BDA0-84E66352D1B2}"/>
+                  </a:ext>
+                </a:extLst>
+              </p:cNvPr>
+              <p:cNvSpPr/>
+              <p:nvPr/>
+            </p:nvSpPr>
+            <p:spPr>
+              <a:xfrm>
+                <a:off x="1806738" y="2510095"/>
+                <a:ext cx="2503225" cy="1032798"/>
+              </a:xfrm>
+              <a:prstGeom prst="rect">
+                <a:avLst/>
+              </a:prstGeom>
+              <a:solidFill>
+                <a:schemeClr val="bg1">
+                  <a:lumMod val="95000"/>
+                </a:schemeClr>
+              </a:solidFill>
+            </p:spPr>
+            <p:style>
+              <a:lnRef idx="2">
+                <a:schemeClr val="accent1">
+                  <a:shade val="15000"/>
+                </a:schemeClr>
+              </a:lnRef>
+              <a:fillRef idx="1">
+                <a:schemeClr val="accent1"/>
+              </a:fillRef>
+              <a:effectRef idx="0">
+                <a:schemeClr val="accent1"/>
+              </a:effectRef>
+              <a:fontRef idx="minor">
+                <a:schemeClr val="lt1"/>
+              </a:fontRef>
+            </p:style>
+            <p:txBody>
+              <a:bodyPr rtlCol="0" anchor="ctr"/>
+              <a:lstStyle/>
+              <a:p>
+                <a:pPr algn="ctr"/>
+                <a:r>
+                  <a:rPr lang="en-US" altLang="zh-CN" sz="2000" b="1" dirty="0">
+                    <a:solidFill>
+                      <a:schemeClr val="tx1"/>
+                    </a:solidFill>
+                    <a:latin typeface="Times New Roman" panose="02020603050405020304" pitchFamily="18" charset="0"/>
+                    <a:cs typeface="Times New Roman" panose="02020603050405020304" pitchFamily="18" charset="0"/>
+                  </a:rPr>
+                  <a:t>LSTM Layer</a:t>
+                </a:r>
+              </a:p>
+            </p:txBody>
+          </p:sp>
+          <p:sp>
+            <p:nvSpPr>
+              <p:cNvPr id="13" name="矩形 12">
+                <a:extLst>
+                  <a:ext uri="{FF2B5EF4-FFF2-40B4-BE49-F238E27FC236}">
+                    <a16:creationId xmlns:a16="http://schemas.microsoft.com/office/drawing/2014/main" id="{FD3A2994-E04C-A864-DF2D-EBC8A3DE68C1}"/>
+                  </a:ext>
+                </a:extLst>
+              </p:cNvPr>
+              <p:cNvSpPr/>
+              <p:nvPr/>
+            </p:nvSpPr>
+            <p:spPr>
+              <a:xfrm>
+                <a:off x="1806738" y="4585465"/>
+                <a:ext cx="2503225" cy="1391054"/>
+              </a:xfrm>
+              <a:prstGeom prst="rect">
+                <a:avLst/>
+              </a:prstGeom>
+              <a:solidFill>
+                <a:schemeClr val="bg1">
+                  <a:lumMod val="95000"/>
+                </a:schemeClr>
+              </a:solidFill>
+            </p:spPr>
+            <p:style>
+              <a:lnRef idx="2">
+                <a:schemeClr val="accent1">
+                  <a:shade val="15000"/>
+                </a:schemeClr>
+              </a:lnRef>
+              <a:fillRef idx="1">
+                <a:schemeClr val="accent1"/>
+              </a:fillRef>
+              <a:effectRef idx="0">
+                <a:schemeClr val="accent1"/>
+              </a:effectRef>
+              <a:fontRef idx="minor">
+                <a:schemeClr val="lt1"/>
+              </a:fontRef>
+            </p:style>
+            <p:txBody>
+              <a:bodyPr rtlCol="0" anchor="ctr"/>
+              <a:lstStyle/>
+              <a:p>
+                <a:pPr algn="ctr"/>
+                <a:r>
+                  <a:rPr lang="en-US" altLang="zh-CN" sz="2000" b="1" dirty="0">
+                    <a:solidFill>
+                      <a:schemeClr val="tx1"/>
+                    </a:solidFill>
+                    <a:latin typeface="Times New Roman" panose="02020603050405020304" pitchFamily="18" charset="0"/>
+                    <a:cs typeface="Times New Roman" panose="02020603050405020304" pitchFamily="18" charset="0"/>
+                  </a:rPr>
+                  <a:t>Input Tensor</a:t>
+                </a:r>
+              </a:p>
+              <a:p>
+                <a:pPr algn="ctr"/>
+                <a:r>
+                  <a:rPr lang="zh-CN" altLang="en-US" sz="1600" dirty="0">
+                    <a:solidFill>
+                      <a:schemeClr val="tx1"/>
+                    </a:solidFill>
+                    <a:latin typeface="Times New Roman" panose="02020603050405020304" pitchFamily="18" charset="0"/>
+                    <a:cs typeface="Times New Roman" panose="02020603050405020304" pitchFamily="18" charset="0"/>
+                  </a:rPr>
+                  <a:t>（</a:t>
+                </a:r>
+                <a:r>
+                  <a:rPr lang="en-US" altLang="zh-CN" sz="1600" dirty="0" err="1">
+                    <a:solidFill>
+                      <a:schemeClr val="tx1"/>
+                    </a:solidFill>
+                    <a:latin typeface="Times New Roman" panose="02020603050405020304" pitchFamily="18" charset="0"/>
+                    <a:cs typeface="Times New Roman" panose="02020603050405020304" pitchFamily="18" charset="0"/>
+                  </a:rPr>
+                  <a:t>NumSample</a:t>
+                </a:r>
+                <a:r>
+                  <a:rPr lang="en-US" altLang="zh-CN" sz="1600" dirty="0">
+                    <a:solidFill>
+                      <a:schemeClr val="tx1"/>
+                    </a:solidFill>
+                    <a:latin typeface="Times New Roman" panose="02020603050405020304" pitchFamily="18" charset="0"/>
+                    <a:cs typeface="Times New Roman" panose="02020603050405020304" pitchFamily="18" charset="0"/>
+                  </a:rPr>
+                  <a:t>, </a:t>
+                </a:r>
+                <a:r>
+                  <a:rPr lang="en-US" altLang="zh-CN" sz="1600" dirty="0" err="1">
+                    <a:solidFill>
+                      <a:schemeClr val="tx1"/>
+                    </a:solidFill>
+                    <a:latin typeface="Times New Roman" panose="02020603050405020304" pitchFamily="18" charset="0"/>
+                    <a:cs typeface="Times New Roman" panose="02020603050405020304" pitchFamily="18" charset="0"/>
+                  </a:rPr>
+                  <a:t>SequenceLen</a:t>
+                </a:r>
+                <a:r>
+                  <a:rPr lang="en-US" altLang="zh-CN" sz="1600" dirty="0">
+                    <a:solidFill>
+                      <a:schemeClr val="tx1"/>
+                    </a:solidFill>
+                    <a:latin typeface="Times New Roman" panose="02020603050405020304" pitchFamily="18" charset="0"/>
+                    <a:cs typeface="Times New Roman" panose="02020603050405020304" pitchFamily="18" charset="0"/>
+                  </a:rPr>
+                  <a:t>,</a:t>
+                </a:r>
+              </a:p>
+              <a:p>
+                <a:pPr algn="ctr"/>
+                <a:r>
+                  <a:rPr lang="en-US" altLang="zh-CN" sz="1600" dirty="0" err="1">
+                    <a:solidFill>
+                      <a:schemeClr val="tx1"/>
+                    </a:solidFill>
+                    <a:latin typeface="Times New Roman" panose="02020603050405020304" pitchFamily="18" charset="0"/>
+                    <a:cs typeface="Times New Roman" panose="02020603050405020304" pitchFamily="18" charset="0"/>
+                  </a:rPr>
+                  <a:t>FeatureNum</a:t>
+                </a:r>
+                <a:r>
+                  <a:rPr lang="zh-CN" altLang="en-US" sz="1600" dirty="0">
+                    <a:solidFill>
+                      <a:schemeClr val="tx1"/>
+                    </a:solidFill>
+                    <a:latin typeface="Times New Roman" panose="02020603050405020304" pitchFamily="18" charset="0"/>
+                    <a:cs typeface="Times New Roman" panose="02020603050405020304" pitchFamily="18" charset="0"/>
+                  </a:rPr>
+                  <a:t>）</a:t>
+                </a:r>
+                <a:endParaRPr lang="zh-CN" altLang="en-US" sz="2800" dirty="0">
+                  <a:solidFill>
+                    <a:schemeClr val="tx1"/>
+                  </a:solidFill>
+                  <a:latin typeface="Times New Roman" panose="02020603050405020304" pitchFamily="18" charset="0"/>
+                  <a:cs typeface="Times New Roman" panose="02020603050405020304" pitchFamily="18" charset="0"/>
+                </a:endParaRPr>
+              </a:p>
+            </p:txBody>
+          </p:sp>
+          <p:cxnSp>
+            <p:nvCxnSpPr>
+              <p:cNvPr id="16" name="直接箭头连接符 15">
+                <a:extLst>
+                  <a:ext uri="{FF2B5EF4-FFF2-40B4-BE49-F238E27FC236}">
+                    <a16:creationId xmlns:a16="http://schemas.microsoft.com/office/drawing/2014/main" id="{89090A5A-6E7B-9562-5BC9-8E1ECB91FD84}"/>
+                  </a:ext>
+                </a:extLst>
+              </p:cNvPr>
+              <p:cNvCxnSpPr>
+                <a:cxnSpLocks/>
+                <a:stCxn id="13" idx="0"/>
+                <a:endCxn id="18" idx="2"/>
+              </p:cNvCxnSpPr>
+              <p:nvPr/>
+            </p:nvCxnSpPr>
+            <p:spPr>
+              <a:xfrm flipV="1">
+                <a:off x="3058351" y="3542893"/>
+                <a:ext cx="0" cy="1042572"/>
+              </a:xfrm>
+              <a:prstGeom prst="straightConnector1">
+                <a:avLst/>
+              </a:prstGeom>
+              <a:ln>
+                <a:tailEnd type="triangle"/>
+              </a:ln>
+            </p:spPr>
+            <p:style>
+              <a:lnRef idx="2">
+                <a:schemeClr val="accent1"/>
+              </a:lnRef>
+              <a:fillRef idx="0">
+                <a:schemeClr val="accent1"/>
+              </a:fillRef>
+              <a:effectRef idx="1">
+                <a:schemeClr val="accent1"/>
+              </a:effectRef>
+              <a:fontRef idx="minor">
+                <a:schemeClr val="tx1"/>
+              </a:fontRef>
+            </p:style>
+          </p:cxnSp>
+          <p:cxnSp>
+            <p:nvCxnSpPr>
+              <p:cNvPr id="26" name="直接箭头连接符 25">
+                <a:extLst>
+                  <a:ext uri="{FF2B5EF4-FFF2-40B4-BE49-F238E27FC236}">
+                    <a16:creationId xmlns:a16="http://schemas.microsoft.com/office/drawing/2014/main" id="{A7E99F9B-711A-4930-4F08-A4B8453F7052}"/>
+                  </a:ext>
+                </a:extLst>
+              </p:cNvPr>
+              <p:cNvCxnSpPr>
+                <a:cxnSpLocks/>
+                <a:stCxn id="18" idx="3"/>
+                <a:endCxn id="31" idx="1"/>
+              </p:cNvCxnSpPr>
+              <p:nvPr/>
+            </p:nvCxnSpPr>
+            <p:spPr>
+              <a:xfrm>
+                <a:off x="4309963" y="3026494"/>
+                <a:ext cx="2433738" cy="0"/>
+              </a:xfrm>
+              <a:prstGeom prst="straightConnector1">
+                <a:avLst/>
+              </a:prstGeom>
+              <a:ln>
+                <a:tailEnd type="triangle"/>
+              </a:ln>
+            </p:spPr>
+            <p:style>
+              <a:lnRef idx="2">
+                <a:schemeClr val="accent1"/>
+              </a:lnRef>
+              <a:fillRef idx="0">
+                <a:schemeClr val="accent1"/>
+              </a:fillRef>
+              <a:effectRef idx="1">
+                <a:schemeClr val="accent1"/>
+              </a:effectRef>
+              <a:fontRef idx="minor">
+                <a:schemeClr val="tx1"/>
+              </a:fontRef>
+            </p:style>
+          </p:cxnSp>
+          <p:cxnSp>
+            <p:nvCxnSpPr>
+              <p:cNvPr id="32" name="直接箭头连接符 31">
+                <a:extLst>
+                  <a:ext uri="{FF2B5EF4-FFF2-40B4-BE49-F238E27FC236}">
+                    <a16:creationId xmlns:a16="http://schemas.microsoft.com/office/drawing/2014/main" id="{5035EC65-432D-1A0D-E48C-CEF419438F43}"/>
+                  </a:ext>
+                </a:extLst>
+              </p:cNvPr>
+              <p:cNvCxnSpPr>
+                <a:cxnSpLocks/>
+                <a:stCxn id="31" idx="2"/>
+                <a:endCxn id="35" idx="0"/>
+              </p:cNvCxnSpPr>
+              <p:nvPr/>
+            </p:nvCxnSpPr>
+            <p:spPr>
+              <a:xfrm>
+                <a:off x="7995314" y="3542893"/>
+                <a:ext cx="0" cy="1042572"/>
+              </a:xfrm>
+              <a:prstGeom prst="straightConnector1">
+                <a:avLst/>
+              </a:prstGeom>
+              <a:ln>
+                <a:tailEnd type="triangle"/>
+              </a:ln>
+            </p:spPr>
+            <p:style>
+              <a:lnRef idx="2">
+                <a:schemeClr val="accent1"/>
+              </a:lnRef>
+              <a:fillRef idx="0">
+                <a:schemeClr val="accent1"/>
+              </a:fillRef>
+              <a:effectRef idx="1">
+                <a:schemeClr val="accent1"/>
+              </a:effectRef>
+              <a:fontRef idx="minor">
+                <a:schemeClr val="tx1"/>
+              </a:fontRef>
+            </p:style>
+          </p:cxnSp>
+          <p:sp>
+            <p:nvSpPr>
+              <p:cNvPr id="35" name="矩形 34">
+                <a:extLst>
+                  <a:ext uri="{FF2B5EF4-FFF2-40B4-BE49-F238E27FC236}">
+                    <a16:creationId xmlns:a16="http://schemas.microsoft.com/office/drawing/2014/main" id="{9EF01715-7E78-41E9-9D88-ECEE8C336710}"/>
+                  </a:ext>
+                </a:extLst>
+              </p:cNvPr>
+              <p:cNvSpPr/>
+              <p:nvPr/>
+            </p:nvSpPr>
+            <p:spPr>
+              <a:xfrm>
+                <a:off x="6743701" y="4585465"/>
+                <a:ext cx="2503226" cy="1391054"/>
+              </a:xfrm>
+              <a:prstGeom prst="rect">
+                <a:avLst/>
+              </a:prstGeom>
+              <a:solidFill>
+                <a:schemeClr val="bg1">
+                  <a:lumMod val="95000"/>
+                </a:schemeClr>
+              </a:solidFill>
+            </p:spPr>
+            <p:style>
+              <a:lnRef idx="2">
+                <a:schemeClr val="accent1">
+                  <a:shade val="15000"/>
+                </a:schemeClr>
+              </a:lnRef>
+              <a:fillRef idx="1">
+                <a:schemeClr val="accent1"/>
+              </a:fillRef>
+              <a:effectRef idx="0">
+                <a:schemeClr val="accent1"/>
+              </a:effectRef>
+              <a:fontRef idx="minor">
+                <a:schemeClr val="lt1"/>
+              </a:fontRef>
+            </p:style>
+            <p:txBody>
+              <a:bodyPr rtlCol="0" anchor="ctr"/>
+              <a:lstStyle/>
+              <a:p>
+                <a:pPr algn="ctr"/>
+                <a:r>
+                  <a:rPr lang="en-US" altLang="zh-CN" sz="2400" b="1" dirty="0">
+                    <a:solidFill>
+                      <a:schemeClr val="tx1"/>
+                    </a:solidFill>
+                    <a:latin typeface="Times New Roman" panose="02020603050405020304" pitchFamily="18" charset="0"/>
+                    <a:cs typeface="Times New Roman" panose="02020603050405020304" pitchFamily="18" charset="0"/>
+                  </a:rPr>
+                  <a:t>Probability</a:t>
+                </a:r>
+              </a:p>
+              <a:p>
+                <a:pPr algn="ctr"/>
+                <a:r>
+                  <a:rPr lang="en-US" altLang="zh-CN" sz="2000" dirty="0">
+                    <a:solidFill>
+                      <a:schemeClr val="tx1"/>
+                    </a:solidFill>
+                    <a:latin typeface="Times New Roman" panose="02020603050405020304" pitchFamily="18" charset="0"/>
+                    <a:cs typeface="Times New Roman" panose="02020603050405020304" pitchFamily="18" charset="0"/>
+                  </a:rPr>
+                  <a:t>[</a:t>
+                </a:r>
+                <a:r>
+                  <a:rPr lang="en-US" altLang="zh-CN" sz="2000" dirty="0" err="1">
+                    <a:solidFill>
+                      <a:schemeClr val="tx1"/>
+                    </a:solidFill>
+                    <a:latin typeface="Times New Roman" panose="02020603050405020304" pitchFamily="18" charset="0"/>
+                    <a:cs typeface="Times New Roman" panose="02020603050405020304" pitchFamily="18" charset="0"/>
+                  </a:rPr>
+                  <a:t>RisePro</a:t>
+                </a:r>
+                <a:r>
+                  <a:rPr lang="en-US" altLang="zh-CN" sz="2000" dirty="0">
+                    <a:solidFill>
+                      <a:schemeClr val="tx1"/>
+                    </a:solidFill>
+                    <a:latin typeface="Times New Roman" panose="02020603050405020304" pitchFamily="18" charset="0"/>
+                    <a:cs typeface="Times New Roman" panose="02020603050405020304" pitchFamily="18" charset="0"/>
+                  </a:rPr>
+                  <a:t>, </a:t>
+                </a:r>
+                <a:r>
+                  <a:rPr lang="en-US" altLang="zh-CN" sz="2000" dirty="0" err="1">
+                    <a:solidFill>
+                      <a:schemeClr val="tx1"/>
+                    </a:solidFill>
+                    <a:latin typeface="Times New Roman" panose="02020603050405020304" pitchFamily="18" charset="0"/>
+                    <a:cs typeface="Times New Roman" panose="02020603050405020304" pitchFamily="18" charset="0"/>
+                  </a:rPr>
+                  <a:t>DropPro</a:t>
+                </a:r>
+                <a:r>
+                  <a:rPr lang="en-US" altLang="zh-CN" sz="2000" dirty="0">
+                    <a:solidFill>
+                      <a:schemeClr val="tx1"/>
+                    </a:solidFill>
+                    <a:latin typeface="Times New Roman" panose="02020603050405020304" pitchFamily="18" charset="0"/>
+                    <a:cs typeface="Times New Roman" panose="02020603050405020304" pitchFamily="18" charset="0"/>
+                  </a:rPr>
+                  <a:t>]</a:t>
+                </a:r>
+                <a:endParaRPr lang="zh-CN" altLang="en-US" sz="2000" dirty="0">
+                  <a:solidFill>
+                    <a:schemeClr val="tx1"/>
+                  </a:solidFill>
+                  <a:latin typeface="Times New Roman" panose="02020603050405020304" pitchFamily="18" charset="0"/>
+                  <a:cs typeface="Times New Roman" panose="02020603050405020304" pitchFamily="18" charset="0"/>
+                </a:endParaRPr>
+              </a:p>
+            </p:txBody>
+          </p:sp>
+          <p:sp>
+            <p:nvSpPr>
+              <p:cNvPr id="36" name="文本框 35">
+                <a:extLst>
+                  <a:ext uri="{FF2B5EF4-FFF2-40B4-BE49-F238E27FC236}">
+                    <a16:creationId xmlns:a16="http://schemas.microsoft.com/office/drawing/2014/main" id="{970C0C5D-0DF7-9BA9-0D40-87AB6B29A373}"/>
+                  </a:ext>
+                </a:extLst>
+              </p:cNvPr>
+              <p:cNvSpPr txBox="1"/>
+              <p:nvPr/>
+            </p:nvSpPr>
+            <p:spPr>
+              <a:xfrm>
+                <a:off x="7460603" y="3838310"/>
+                <a:ext cx="2994660" cy="400110"/>
+              </a:xfrm>
+              <a:prstGeom prst="rect">
+                <a:avLst/>
+              </a:prstGeom>
+              <a:noFill/>
+            </p:spPr>
+            <p:txBody>
+              <a:bodyPr wrap="square" rtlCol="0">
+                <a:spAutoFit/>
+              </a:bodyPr>
+              <a:lstStyle/>
+              <a:p>
+                <a:pPr algn="ctr"/>
+                <a:r>
+                  <a:rPr lang="en-US" altLang="zh-CN" sz="2000" dirty="0">
+                    <a:latin typeface="Times New Roman" panose="02020603050405020304" pitchFamily="18" charset="0"/>
+                    <a:ea typeface="黑体" panose="02010609060101010101" pitchFamily="49" charset="-122"/>
+                    <a:cs typeface="Times New Roman" panose="02020603050405020304" pitchFamily="18" charset="0"/>
+                  </a:rPr>
+                  <a:t>SoftMax</a:t>
+                </a:r>
+                <a:endParaRPr lang="zh-CN" altLang="en-US" sz="2000" dirty="0">
+                  <a:latin typeface="Times New Roman" panose="02020603050405020304" pitchFamily="18" charset="0"/>
+                  <a:ea typeface="黑体" panose="02010609060101010101" pitchFamily="49" charset="-122"/>
+                  <a:cs typeface="Times New Roman" panose="02020603050405020304" pitchFamily="18" charset="0"/>
+                </a:endParaRPr>
+              </a:p>
+            </p:txBody>
+          </p:sp>
+          <p:sp>
+            <p:nvSpPr>
+              <p:cNvPr id="30" name="文本框 29">
+                <a:extLst>
+                  <a:ext uri="{FF2B5EF4-FFF2-40B4-BE49-F238E27FC236}">
+                    <a16:creationId xmlns:a16="http://schemas.microsoft.com/office/drawing/2014/main" id="{551DAB21-CED7-64A5-A377-94E8EF60701D}"/>
+                  </a:ext>
+                </a:extLst>
+              </p:cNvPr>
+              <p:cNvSpPr txBox="1"/>
+              <p:nvPr/>
+            </p:nvSpPr>
+            <p:spPr>
+              <a:xfrm>
+                <a:off x="4283753" y="3188950"/>
+                <a:ext cx="2369335" cy="707886"/>
+              </a:xfrm>
+              <a:prstGeom prst="rect">
+                <a:avLst/>
+              </a:prstGeom>
+              <a:noFill/>
+            </p:spPr>
+            <p:txBody>
+              <a:bodyPr wrap="square" rtlCol="0">
+                <a:spAutoFit/>
+              </a:bodyPr>
+              <a:lstStyle/>
+              <a:p>
+                <a:pPr algn="ctr"/>
+                <a:r>
+                  <a:rPr lang="en-US" altLang="zh-CN" sz="2000" dirty="0">
+                    <a:latin typeface="Times New Roman" panose="02020603050405020304" pitchFamily="18" charset="0"/>
+                    <a:ea typeface="黑体" panose="02010609060101010101" pitchFamily="49" charset="-122"/>
+                    <a:cs typeface="Times New Roman" panose="02020603050405020304" pitchFamily="18" charset="0"/>
+                  </a:rPr>
+                  <a:t>The Last Neuron Output</a:t>
+                </a:r>
+                <a:endParaRPr lang="zh-CN" altLang="en-US" sz="2000" dirty="0">
+                  <a:latin typeface="Times New Roman" panose="02020603050405020304" pitchFamily="18" charset="0"/>
+                  <a:ea typeface="黑体" panose="02010609060101010101" pitchFamily="49" charset="-122"/>
+                  <a:cs typeface="Times New Roman" panose="02020603050405020304" pitchFamily="18" charset="0"/>
+                </a:endParaRPr>
+              </a:p>
+            </p:txBody>
+          </p:sp>
+        </p:grpSp>
+        <p:sp>
+          <p:nvSpPr>
+            <p:cNvPr id="40" name="文本框 39">
+              <a:extLst>
+                <a:ext uri="{FF2B5EF4-FFF2-40B4-BE49-F238E27FC236}">
+                  <a16:creationId xmlns:a16="http://schemas.microsoft.com/office/drawing/2014/main" id="{6C78AB09-4512-5673-3D54-70F79E2CF996}"/>
+                </a:ext>
+              </a:extLst>
+            </p:cNvPr>
+            <p:cNvSpPr txBox="1"/>
+            <p:nvPr/>
+          </p:nvSpPr>
+          <p:spPr>
+            <a:xfrm>
+              <a:off x="2663656" y="4694760"/>
+              <a:ext cx="6387152" cy="369332"/>
+            </a:xfrm>
+            <a:prstGeom prst="rect">
+              <a:avLst/>
+            </a:prstGeom>
+            <a:noFill/>
+          </p:spPr>
+          <p:txBody>
+            <a:bodyPr wrap="square" rtlCol="0">
+              <a:spAutoFit/>
+            </a:bodyPr>
+            <a:lstStyle/>
+            <a:p>
+              <a:pPr algn="ctr"/>
+              <a:r>
+                <a:rPr lang="zh-CN" altLang="en-US" b="1" dirty="0">
+                  <a:latin typeface="黑体" panose="02010609060101010101" pitchFamily="49" charset="-122"/>
+                  <a:ea typeface="黑体" panose="02010609060101010101" pitchFamily="49" charset="-122"/>
+                </a:rPr>
+                <a:t>图</a:t>
+              </a:r>
+              <a:r>
+                <a:rPr lang="en-US" altLang="zh-CN" b="1" dirty="0">
+                  <a:latin typeface="黑体" panose="02010609060101010101" pitchFamily="49" charset="-122"/>
+                  <a:ea typeface="黑体" panose="02010609060101010101" pitchFamily="49" charset="-122"/>
+                </a:rPr>
+                <a:t>.</a:t>
+              </a:r>
+              <a:r>
+                <a:rPr lang="zh-CN" altLang="en-US" b="1" dirty="0">
+                  <a:latin typeface="黑体" panose="02010609060101010101" pitchFamily="49" charset="-122"/>
+                  <a:ea typeface="黑体" panose="02010609060101010101" pitchFamily="49" charset="-122"/>
+                </a:rPr>
+                <a:t>网络设计图</a:t>
+              </a:r>
+            </a:p>
+          </p:txBody>
+        </p:sp>
+      </p:grpSp>
     </p:spTree>
     <p:extLst>
       <p:ext uri="{BB962C8B-B14F-4D97-AF65-F5344CB8AC3E}">
-        <p14:creationId xmlns:p14="http://schemas.microsoft.com/office/powerpoint/2010/main" val="3964041085"/>
+        <p14:creationId xmlns:p14="http://schemas.microsoft.com/office/powerpoint/2010/main" val="3233867358"/>
       </p:ext>
     </p:extLst>
   </p:cSld>
@@ -6132,10 +7548,10 @@
       </p:grpSpPr>
       <p:sp>
         <p:nvSpPr>
-          <p:cNvPr id="2" name="标题 1">
-            <a:extLst>
-              <a:ext uri="{FF2B5EF4-FFF2-40B4-BE49-F238E27FC236}">
-                <a16:creationId xmlns:a16="http://schemas.microsoft.com/office/drawing/2014/main" id="{84F03362-BF2A-583F-6086-04703CB3915C}"/>
+          <p:cNvPr id="4" name="标题 1">
+            <a:extLst>
+              <a:ext uri="{FF2B5EF4-FFF2-40B4-BE49-F238E27FC236}">
+                <a16:creationId xmlns:a16="http://schemas.microsoft.com/office/drawing/2014/main" id="{2086FC6B-64BD-43C0-BFDB-2F3F3A3587E6}"/>
               </a:ext>
             </a:extLst>
           </p:cNvPr>
@@ -6146,52 +7562,498 @@
             <p:ph type="title"/>
           </p:nvPr>
         </p:nvSpPr>
-        <p:spPr/>
-        <p:txBody>
-          <a:bodyPr/>
+        <p:spPr>
+          <a:xfrm>
+            <a:off x="353706" y="272956"/>
+            <a:ext cx="4143231" cy="600501"/>
+          </a:xfrm>
+        </p:spPr>
+        <p:txBody>
+          <a:bodyPr>
+            <a:normAutofit/>
+          </a:bodyPr>
           <a:lstStyle/>
           <a:p>
             <a:r>
-              <a:rPr lang="en-US" altLang="zh-CN" dirty="0"/>
-              <a:t>002765.XSHE</a:t>
-            </a:r>
-            <a:endParaRPr lang="zh-CN" altLang="en-US" dirty="0"/>
+              <a:rPr lang="en-US" altLang="zh-CN" sz="3600" b="1" u="sng" dirty="0">
+                <a:latin typeface="Times New Roman" panose="02020603050405020304" pitchFamily="18" charset="0"/>
+                <a:ea typeface="黑体" panose="02010609060101010101" pitchFamily="49" charset="-122"/>
+                <a:cs typeface="Times New Roman" panose="02020603050405020304" pitchFamily="18" charset="0"/>
+              </a:rPr>
+              <a:t>Data Processing</a:t>
+            </a:r>
+            <a:endParaRPr lang="zh-CN" altLang="en-US" sz="3600" b="1" u="sng" dirty="0">
+              <a:latin typeface="Times New Roman" panose="02020603050405020304" pitchFamily="18" charset="0"/>
+              <a:ea typeface="黑体" panose="02010609060101010101" pitchFamily="49" charset="-122"/>
+              <a:cs typeface="Times New Roman" panose="02020603050405020304" pitchFamily="18" charset="0"/>
+            </a:endParaRPr>
+          </a:p>
+        </p:txBody>
+      </p:sp>
+      <p:sp>
+        <p:nvSpPr>
+          <p:cNvPr id="8" name="文本框 7">
+            <a:extLst>
+              <a:ext uri="{FF2B5EF4-FFF2-40B4-BE49-F238E27FC236}">
+                <a16:creationId xmlns:a16="http://schemas.microsoft.com/office/drawing/2014/main" id="{AE302547-B465-4B37-9908-1163496BB91A}"/>
+              </a:ext>
+            </a:extLst>
+          </p:cNvPr>
+          <p:cNvSpPr txBox="1"/>
+          <p:nvPr/>
+        </p:nvSpPr>
+        <p:spPr>
+          <a:xfrm>
+            <a:off x="1717313" y="1141467"/>
+            <a:ext cx="8757374" cy="707886"/>
+          </a:xfrm>
+          <a:prstGeom prst="rect">
+            <a:avLst/>
+          </a:prstGeom>
+          <a:noFill/>
+        </p:spPr>
+        <p:txBody>
+          <a:bodyPr wrap="square" rtlCol="0">
+            <a:spAutoFit/>
+          </a:bodyPr>
+          <a:lstStyle/>
+          <a:p>
+            <a:r>
+              <a:rPr lang="zh-CN" altLang="en-US" sz="2000" dirty="0">
+                <a:latin typeface="宋体" panose="02010600030101010101" pitchFamily="2" charset="-122"/>
+                <a:ea typeface="宋体" panose="02010600030101010101" pitchFamily="2" charset="-122"/>
+              </a:rPr>
+              <a:t>最终汇集了目标股票在过去每天的</a:t>
+            </a:r>
+            <a:r>
+              <a:rPr lang="zh-CN" altLang="en-US" sz="2000" b="1" dirty="0">
+                <a:latin typeface="宋体" panose="02010600030101010101" pitchFamily="2" charset="-122"/>
+                <a:ea typeface="宋体" panose="02010600030101010101" pitchFamily="2" charset="-122"/>
+              </a:rPr>
+              <a:t>开盘价、收盘价、盘中高价、盘中低价、成交量、成交额、前天收盘价、成交均价</a:t>
+            </a:r>
+            <a:r>
+              <a:rPr lang="zh-CN" altLang="en-US" sz="2000" dirty="0">
+                <a:latin typeface="宋体" panose="02010600030101010101" pitchFamily="2" charset="-122"/>
+                <a:ea typeface="宋体" panose="02010600030101010101" pitchFamily="2" charset="-122"/>
+              </a:rPr>
+              <a:t>八大数据作为原始特征数据。</a:t>
+            </a:r>
           </a:p>
         </p:txBody>
       </p:sp>
       <p:pic>
         <p:nvPicPr>
-          <p:cNvPr id="5" name="内容占位符 4">
-            <a:extLst>
-              <a:ext uri="{FF2B5EF4-FFF2-40B4-BE49-F238E27FC236}">
-                <a16:creationId xmlns:a16="http://schemas.microsoft.com/office/drawing/2014/main" id="{C1300B95-16E9-8192-C24F-D0070EDCDBE1}"/>
+          <p:cNvPr id="10" name="图片 9">
+            <a:extLst>
+              <a:ext uri="{FF2B5EF4-FFF2-40B4-BE49-F238E27FC236}">
+                <a16:creationId xmlns:a16="http://schemas.microsoft.com/office/drawing/2014/main" id="{AC9AAB93-D243-4D2F-BC46-48F36E2D99EC}"/>
               </a:ext>
             </a:extLst>
           </p:cNvPr>
           <p:cNvPicPr>
-            <a:picLocks noGrp="1" noChangeAspect="1"/>
+            <a:picLocks noChangeAspect="1"/>
           </p:cNvPicPr>
-          <p:nvPr>
-            <p:ph idx="1"/>
-          </p:nvPr>
+          <p:nvPr/>
         </p:nvPicPr>
-        <p:blipFill>
+        <p:blipFill rotWithShape="1">
           <a:blip r:embed="rId2"/>
-          <a:stretch>
-            <a:fillRect/>
-          </a:stretch>
+          <a:srcRect b="44208"/>
+          <a:stretch/>
         </p:blipFill>
         <p:spPr>
           <a:xfrm>
-            <a:off x="3152821" y="1825625"/>
-            <a:ext cx="5886358" cy="4351338"/>
+            <a:off x="1948470" y="1849353"/>
+            <a:ext cx="7815359" cy="1476854"/>
           </a:xfrm>
+          <a:prstGeom prst="rect">
+            <a:avLst/>
+          </a:prstGeom>
         </p:spPr>
       </p:pic>
+      <p:sp>
+        <p:nvSpPr>
+          <p:cNvPr id="12" name="文本框 11">
+            <a:extLst>
+              <a:ext uri="{FF2B5EF4-FFF2-40B4-BE49-F238E27FC236}">
+                <a16:creationId xmlns:a16="http://schemas.microsoft.com/office/drawing/2014/main" id="{F18E0FF9-E484-4927-AAC0-C731B41A5DDB}"/>
+              </a:ext>
+            </a:extLst>
+          </p:cNvPr>
+          <p:cNvSpPr txBox="1"/>
+          <p:nvPr/>
+        </p:nvSpPr>
+        <p:spPr>
+          <a:xfrm>
+            <a:off x="693473" y="3654763"/>
+            <a:ext cx="10322286" cy="1231106"/>
+          </a:xfrm>
+          <a:prstGeom prst="rect">
+            <a:avLst/>
+          </a:prstGeom>
+          <a:noFill/>
+        </p:spPr>
+        <p:txBody>
+          <a:bodyPr wrap="square" rtlCol="0">
+            <a:spAutoFit/>
+          </a:bodyPr>
+          <a:lstStyle/>
+          <a:p>
+            <a:r>
+              <a:rPr lang="zh-CN" altLang="en-US" sz="2000" b="1" dirty="0">
+                <a:latin typeface="黑体" panose="02010609060101010101" pitchFamily="49" charset="-122"/>
+                <a:ea typeface="黑体" panose="02010609060101010101" pitchFamily="49" charset="-122"/>
+              </a:rPr>
+              <a:t>数据预处理：</a:t>
+            </a:r>
+            <a:r>
+              <a:rPr lang="zh-CN" altLang="en-US" dirty="0">
+                <a:latin typeface="宋体" panose="02010600030101010101" pitchFamily="2" charset="-122"/>
+                <a:ea typeface="宋体" panose="02010600030101010101" pitchFamily="2" charset="-122"/>
+              </a:rPr>
+              <a:t>为了使数据中的特征能够更好的被模型捕捉，对数据进行了预处理。借鉴到股票市场常用的一些技术形态（放量上涨，缩量下跌），（尤其是</a:t>
+            </a:r>
+            <a:r>
+              <a:rPr lang="en-US" altLang="zh-CN" dirty="0">
+                <a:latin typeface="宋体" panose="02010600030101010101" pitchFamily="2" charset="-122"/>
+                <a:ea typeface="宋体" panose="02010600030101010101" pitchFamily="2" charset="-122"/>
+              </a:rPr>
+              <a:t>A</a:t>
+            </a:r>
+            <a:r>
+              <a:rPr lang="zh-CN" altLang="en-US" dirty="0">
+                <a:latin typeface="宋体" panose="02010600030101010101" pitchFamily="2" charset="-122"/>
+                <a:ea typeface="宋体" panose="02010600030101010101" pitchFamily="2" charset="-122"/>
+              </a:rPr>
+              <a:t>股市场）交易数据直接的值并不很好的反应多头空头趋势，其量比更反应市场情绪（例如今日交易量与昨日交易量的比值），因此将上述八项数据分别与前一天的比值作为每天的处理后数据，得到预处理后的数据。</a:t>
+            </a:r>
+            <a:endParaRPr lang="zh-CN" altLang="en-US" sz="2000" dirty="0">
+              <a:latin typeface="宋体" panose="02010600030101010101" pitchFamily="2" charset="-122"/>
+              <a:ea typeface="宋体" panose="02010600030101010101" pitchFamily="2" charset="-122"/>
+            </a:endParaRPr>
+          </a:p>
+        </p:txBody>
+      </p:sp>
+      <p:sp>
+        <p:nvSpPr>
+          <p:cNvPr id="13" name="文本框 12">
+            <a:extLst>
+              <a:ext uri="{FF2B5EF4-FFF2-40B4-BE49-F238E27FC236}">
+                <a16:creationId xmlns:a16="http://schemas.microsoft.com/office/drawing/2014/main" id="{282E2C29-DF12-4382-AA1D-10F5B885F28C}"/>
+              </a:ext>
+            </a:extLst>
+          </p:cNvPr>
+          <p:cNvSpPr txBox="1"/>
+          <p:nvPr/>
+        </p:nvSpPr>
+        <p:spPr>
+          <a:xfrm>
+            <a:off x="693473" y="4950539"/>
+            <a:ext cx="10969732" cy="923330"/>
+          </a:xfrm>
+          <a:prstGeom prst="rect">
+            <a:avLst/>
+          </a:prstGeom>
+          <a:noFill/>
+        </p:spPr>
+        <p:txBody>
+          <a:bodyPr wrap="square" rtlCol="0">
+            <a:spAutoFit/>
+          </a:bodyPr>
+          <a:lstStyle/>
+          <a:p>
+            <a:r>
+              <a:rPr lang="en-US" altLang="zh-CN" b="0" dirty="0">
+                <a:solidFill>
+                  <a:srgbClr val="C586C0"/>
+                </a:solidFill>
+                <a:effectLst/>
+                <a:latin typeface="Consolas" panose="020B0609020204030204" pitchFamily="49" charset="0"/>
+              </a:rPr>
+              <a:t>for </a:t>
+            </a:r>
+            <a:r>
+              <a:rPr lang="en-US" altLang="zh-CN" b="0" dirty="0" err="1">
+                <a:solidFill>
+                  <a:srgbClr val="C586C0"/>
+                </a:solidFill>
+                <a:effectLst/>
+                <a:latin typeface="Consolas" panose="020B0609020204030204" pitchFamily="49" charset="0"/>
+              </a:rPr>
+              <a:t>i</a:t>
+            </a:r>
+            <a:r>
+              <a:rPr lang="en-US" altLang="zh-CN" b="0" dirty="0">
+                <a:solidFill>
+                  <a:srgbClr val="C586C0"/>
+                </a:solidFill>
+                <a:effectLst/>
+                <a:latin typeface="Consolas" panose="020B0609020204030204" pitchFamily="49" charset="0"/>
+              </a:rPr>
+              <a:t> in range(</a:t>
+            </a:r>
+            <a:r>
+              <a:rPr lang="en-US" altLang="zh-CN" b="0" dirty="0" err="1">
+                <a:solidFill>
+                  <a:srgbClr val="C586C0"/>
+                </a:solidFill>
+                <a:effectLst/>
+                <a:latin typeface="Consolas" panose="020B0609020204030204" pitchFamily="49" charset="0"/>
+              </a:rPr>
+              <a:t>num_samples</a:t>
+            </a:r>
+            <a:r>
+              <a:rPr lang="en-US" altLang="zh-CN" b="0" dirty="0">
+                <a:solidFill>
+                  <a:srgbClr val="C586C0"/>
+                </a:solidFill>
+                <a:effectLst/>
+                <a:latin typeface="Consolas" panose="020B0609020204030204" pitchFamily="49" charset="0"/>
+              </a:rPr>
+              <a:t>):</a:t>
+            </a:r>
+          </a:p>
+          <a:p>
+            <a:r>
+              <a:rPr lang="en-US" altLang="zh-CN" b="0" dirty="0">
+                <a:solidFill>
+                  <a:srgbClr val="C586C0"/>
+                </a:solidFill>
+                <a:effectLst/>
+                <a:latin typeface="Consolas" panose="020B0609020204030204" pitchFamily="49" charset="0"/>
+              </a:rPr>
+              <a:t>    x[</a:t>
+            </a:r>
+            <a:r>
+              <a:rPr lang="en-US" altLang="zh-CN" b="0" dirty="0" err="1">
+                <a:solidFill>
+                  <a:srgbClr val="C586C0"/>
+                </a:solidFill>
+                <a:effectLst/>
+                <a:latin typeface="Consolas" panose="020B0609020204030204" pitchFamily="49" charset="0"/>
+              </a:rPr>
+              <a:t>i</a:t>
+            </a:r>
+            <a:r>
+              <a:rPr lang="en-US" altLang="zh-CN" b="0" dirty="0">
+                <a:solidFill>
+                  <a:srgbClr val="C586C0"/>
+                </a:solidFill>
+                <a:effectLst/>
+                <a:latin typeface="Consolas" panose="020B0609020204030204" pitchFamily="49" charset="0"/>
+              </a:rPr>
+              <a:t>] = </a:t>
+            </a:r>
+            <a:r>
+              <a:rPr lang="en-US" altLang="zh-CN" b="0" dirty="0" err="1">
+                <a:solidFill>
+                  <a:srgbClr val="C586C0"/>
+                </a:solidFill>
+                <a:effectLst/>
+                <a:latin typeface="Consolas" panose="020B0609020204030204" pitchFamily="49" charset="0"/>
+              </a:rPr>
+              <a:t>original_data.loc</a:t>
+            </a:r>
+            <a:r>
+              <a:rPr lang="en-US" altLang="zh-CN" b="0" dirty="0">
+                <a:solidFill>
+                  <a:srgbClr val="C586C0"/>
+                </a:solidFill>
+                <a:effectLst/>
+                <a:latin typeface="Consolas" panose="020B0609020204030204" pitchFamily="49" charset="0"/>
+              </a:rPr>
+              <a:t>[i+1:i + </a:t>
+            </a:r>
+            <a:r>
+              <a:rPr lang="en-US" altLang="zh-CN" b="0" dirty="0" err="1">
+                <a:solidFill>
+                  <a:srgbClr val="C586C0"/>
+                </a:solidFill>
+                <a:effectLst/>
+                <a:latin typeface="Consolas" panose="020B0609020204030204" pitchFamily="49" charset="0"/>
+              </a:rPr>
+              <a:t>days_before,‘open</a:t>
+            </a:r>
+            <a:r>
+              <a:rPr lang="en-US" altLang="zh-CN" b="0" dirty="0">
+                <a:solidFill>
+                  <a:srgbClr val="C586C0"/>
+                </a:solidFill>
+                <a:effectLst/>
+                <a:latin typeface="Consolas" panose="020B0609020204030204" pitchFamily="49" charset="0"/>
+              </a:rPr>
+              <a:t>’:].values/</a:t>
+            </a:r>
+            <a:r>
+              <a:rPr lang="zh-CN" altLang="en-US" dirty="0">
+                <a:solidFill>
+                  <a:srgbClr val="C586C0"/>
+                </a:solidFill>
+                <a:latin typeface="Consolas" panose="020B0609020204030204" pitchFamily="49" charset="0"/>
+              </a:rPr>
+              <a:t> </a:t>
+            </a:r>
+            <a:r>
+              <a:rPr lang="en-US" altLang="zh-CN" dirty="0">
+                <a:solidFill>
+                  <a:srgbClr val="C586C0"/>
+                </a:solidFill>
+                <a:latin typeface="Consolas" panose="020B0609020204030204" pitchFamily="49" charset="0"/>
+              </a:rPr>
+              <a:t>\...</a:t>
+            </a:r>
+            <a:endParaRPr lang="en-US" altLang="zh-CN" b="0" dirty="0">
+              <a:solidFill>
+                <a:srgbClr val="C586C0"/>
+              </a:solidFill>
+              <a:effectLst/>
+              <a:latin typeface="Consolas" panose="020B0609020204030204" pitchFamily="49" charset="0"/>
+            </a:endParaRPr>
+          </a:p>
+          <a:p>
+            <a:r>
+              <a:rPr lang="en-US" altLang="zh-CN" dirty="0">
+                <a:solidFill>
+                  <a:srgbClr val="C586C0"/>
+                </a:solidFill>
+                <a:latin typeface="Consolas" panose="020B0609020204030204" pitchFamily="49" charset="0"/>
+              </a:rPr>
+              <a:t>           </a:t>
+            </a:r>
+            <a:r>
+              <a:rPr lang="en-US" altLang="zh-CN" b="0" dirty="0" err="1">
+                <a:solidFill>
+                  <a:srgbClr val="C586C0"/>
+                </a:solidFill>
+                <a:effectLst/>
+                <a:latin typeface="Consolas" panose="020B0609020204030204" pitchFamily="49" charset="0"/>
+              </a:rPr>
+              <a:t>original_data.loc</a:t>
+            </a:r>
+            <a:r>
+              <a:rPr lang="en-US" altLang="zh-CN" b="0" dirty="0">
+                <a:solidFill>
+                  <a:srgbClr val="C586C0"/>
+                </a:solidFill>
+                <a:effectLst/>
+                <a:latin typeface="Consolas" panose="020B0609020204030204" pitchFamily="49" charset="0"/>
+              </a:rPr>
+              <a:t>[</a:t>
+            </a:r>
+            <a:r>
+              <a:rPr lang="en-US" altLang="zh-CN" b="0" dirty="0" err="1">
+                <a:solidFill>
+                  <a:srgbClr val="C586C0"/>
+                </a:solidFill>
+                <a:effectLst/>
+                <a:latin typeface="Consolas" panose="020B0609020204030204" pitchFamily="49" charset="0"/>
+              </a:rPr>
+              <a:t>i:i</a:t>
+            </a:r>
+            <a:r>
+              <a:rPr lang="en-US" altLang="zh-CN" b="0" dirty="0">
+                <a:solidFill>
+                  <a:srgbClr val="C586C0"/>
+                </a:solidFill>
+                <a:effectLst/>
+                <a:latin typeface="Consolas" panose="020B0609020204030204" pitchFamily="49" charset="0"/>
+              </a:rPr>
+              <a:t> + days_before-1, 'open':].values</a:t>
+            </a:r>
+            <a:endParaRPr lang="en-US" altLang="zh-CN" b="0" dirty="0">
+              <a:solidFill>
+                <a:srgbClr val="CCCCCC"/>
+              </a:solidFill>
+              <a:effectLst/>
+              <a:latin typeface="Consolas" panose="020B0609020204030204" pitchFamily="49" charset="0"/>
+            </a:endParaRPr>
+          </a:p>
+        </p:txBody>
+      </p:sp>
+      <p:sp>
+        <p:nvSpPr>
+          <p:cNvPr id="14" name="文本框 13">
+            <a:extLst>
+              <a:ext uri="{FF2B5EF4-FFF2-40B4-BE49-F238E27FC236}">
+                <a16:creationId xmlns:a16="http://schemas.microsoft.com/office/drawing/2014/main" id="{B9CA6E58-6957-41F2-9998-909CD4D667D4}"/>
+              </a:ext>
+            </a:extLst>
+          </p:cNvPr>
+          <p:cNvSpPr txBox="1"/>
+          <p:nvPr/>
+        </p:nvSpPr>
+        <p:spPr>
+          <a:xfrm>
+            <a:off x="583007" y="6044859"/>
+            <a:ext cx="10549354" cy="646331"/>
+          </a:xfrm>
+          <a:prstGeom prst="rect">
+            <a:avLst/>
+          </a:prstGeom>
+          <a:noFill/>
+        </p:spPr>
+        <p:txBody>
+          <a:bodyPr wrap="square" rtlCol="0">
+            <a:spAutoFit/>
+          </a:bodyPr>
+          <a:lstStyle/>
+          <a:p>
+            <a:r>
+              <a:rPr lang="zh-CN" altLang="en-US" dirty="0">
+                <a:latin typeface="宋体" panose="02010600030101010101" pitchFamily="2" charset="-122"/>
+                <a:ea typeface="宋体" panose="02010600030101010101" pitchFamily="2" charset="-122"/>
+              </a:rPr>
+              <a:t>而每个样本的训练标签则由</a:t>
+            </a:r>
+            <a:r>
+              <a:rPr lang="en-US" altLang="zh-CN" dirty="0" err="1">
+                <a:latin typeface="宋体" panose="02010600030101010101" pitchFamily="2" charset="-122"/>
+                <a:ea typeface="宋体" panose="02010600030101010101" pitchFamily="2" charset="-122"/>
+              </a:rPr>
+              <a:t>days_after</a:t>
+            </a:r>
+            <a:r>
+              <a:rPr lang="zh-CN" altLang="en-US" dirty="0">
+                <a:latin typeface="宋体" panose="02010600030101010101" pitchFamily="2" charset="-122"/>
+                <a:ea typeface="宋体" panose="02010600030101010101" pitchFamily="2" charset="-122"/>
+              </a:rPr>
+              <a:t>后股票涨跌决定，相对今日上涨涨则为</a:t>
+            </a:r>
+            <a:r>
+              <a:rPr lang="en-US" altLang="zh-CN" dirty="0">
+                <a:latin typeface="宋体" panose="02010600030101010101" pitchFamily="2" charset="-122"/>
+                <a:ea typeface="宋体" panose="02010600030101010101" pitchFamily="2" charset="-122"/>
+              </a:rPr>
+              <a:t>[0, 1]</a:t>
+            </a:r>
+            <a:r>
+              <a:rPr lang="zh-CN" altLang="en-US" dirty="0">
+                <a:latin typeface="宋体" panose="02010600030101010101" pitchFamily="2" charset="-122"/>
+                <a:ea typeface="宋体" panose="02010600030101010101" pitchFamily="2" charset="-122"/>
+              </a:rPr>
+              <a:t>，下跌则为</a:t>
+            </a:r>
+            <a:r>
+              <a:rPr lang="en-US" altLang="zh-CN" dirty="0">
+                <a:latin typeface="宋体" panose="02010600030101010101" pitchFamily="2" charset="-122"/>
+                <a:ea typeface="宋体" panose="02010600030101010101" pitchFamily="2" charset="-122"/>
+              </a:rPr>
+              <a:t>[1, 0],</a:t>
+            </a:r>
+            <a:r>
+              <a:rPr lang="zh-CN" altLang="en-US" dirty="0">
+                <a:latin typeface="宋体" panose="02010600030101010101" pitchFamily="2" charset="-122"/>
+                <a:ea typeface="宋体" panose="02010600030101010101" pitchFamily="2" charset="-122"/>
+              </a:rPr>
+              <a:t>这使模型的训练目标输出。</a:t>
+            </a:r>
+          </a:p>
+        </p:txBody>
+      </p:sp>
     </p:spTree>
     <p:extLst>
       <p:ext uri="{BB962C8B-B14F-4D97-AF65-F5344CB8AC3E}">
-        <p14:creationId xmlns:p14="http://schemas.microsoft.com/office/powerpoint/2010/main" val="3858535594"/>
+        <p14:creationId xmlns:p14="http://schemas.microsoft.com/office/powerpoint/2010/main" val="2711404437"/>
       </p:ext>
     </p:extLst>
   </p:cSld>
@@ -6220,10 +8082,10 @@
       </p:grpSpPr>
       <p:sp>
         <p:nvSpPr>
-          <p:cNvPr id="2" name="标题 1">
-            <a:extLst>
-              <a:ext uri="{FF2B5EF4-FFF2-40B4-BE49-F238E27FC236}">
-                <a16:creationId xmlns:a16="http://schemas.microsoft.com/office/drawing/2014/main" id="{92A799F5-019B-441D-2BA7-6AD12367267A}"/>
+          <p:cNvPr id="4" name="标题 1">
+            <a:extLst>
+              <a:ext uri="{FF2B5EF4-FFF2-40B4-BE49-F238E27FC236}">
+                <a16:creationId xmlns:a16="http://schemas.microsoft.com/office/drawing/2014/main" id="{0F0E57E2-86DB-40C1-876E-D9F3864E1A5A}"/>
               </a:ext>
             </a:extLst>
           </p:cNvPr>
@@ -6234,204 +8096,535 @@
             <p:ph type="title"/>
           </p:nvPr>
         </p:nvSpPr>
-        <p:spPr/>
-        <p:txBody>
-          <a:bodyPr/>
-          <a:lstStyle/>
-          <a:p>
-            <a:r>
-              <a:rPr lang="zh-CN" altLang="en-US" dirty="0"/>
-              <a:t>简单策略</a:t>
-            </a:r>
-          </a:p>
-        </p:txBody>
-      </p:sp>
-      <p:sp>
-        <p:nvSpPr>
-          <p:cNvPr id="3" name="内容占位符 2">
-            <a:extLst>
-              <a:ext uri="{FF2B5EF4-FFF2-40B4-BE49-F238E27FC236}">
-                <a16:creationId xmlns:a16="http://schemas.microsoft.com/office/drawing/2014/main" id="{0C8F96E2-0E6D-174A-A068-C4137E9B679A}"/>
-              </a:ext>
-            </a:extLst>
-          </p:cNvPr>
-          <p:cNvSpPr>
-            <a:spLocks noGrp="1"/>
-          </p:cNvSpPr>
-          <p:nvPr>
-            <p:ph idx="1"/>
-          </p:nvPr>
-        </p:nvSpPr>
         <p:spPr>
           <a:xfrm>
-            <a:off x="838200" y="2188029"/>
-            <a:ext cx="4280807" cy="3988934"/>
+            <a:off x="353706" y="272956"/>
+            <a:ext cx="5617510" cy="672129"/>
           </a:xfrm>
         </p:spPr>
         <p:txBody>
-          <a:bodyPr/>
+          <a:bodyPr>
+            <a:normAutofit/>
+          </a:bodyPr>
           <a:lstStyle/>
           <a:p>
             <a:r>
-              <a:rPr lang="zh-CN" altLang="en-US" dirty="0"/>
-              <a:t>使用训练的结果，在测试集上尝试建立策略：</a:t>
-            </a:r>
-            <a:endParaRPr lang="en-US" altLang="zh-CN" dirty="0"/>
-          </a:p>
-          <a:p>
-            <a:r>
-              <a:rPr lang="en-US" altLang="zh-CN" dirty="0"/>
-              <a:t>1</a:t>
-            </a:r>
-            <a:r>
-              <a:rPr lang="zh-CN" altLang="en-US" dirty="0"/>
-              <a:t>）当上涨概率大于</a:t>
-            </a:r>
-            <a:r>
-              <a:rPr lang="en-US" altLang="zh-CN" b="0" dirty="0" err="1">
-                <a:solidFill>
-                  <a:srgbClr val="001080"/>
-                </a:solidFill>
-                <a:effectLst/>
-                <a:highlight>
-                  <a:srgbClr val="FFFFFF"/>
-                </a:highlight>
-                <a:latin typeface="Consolas" panose="020B0609020204030204" pitchFamily="49" charset="0"/>
-              </a:rPr>
-              <a:t>P_b</a:t>
-            </a:r>
-            <a:r>
-              <a:rPr lang="zh-CN" altLang="en-US" dirty="0"/>
-              <a:t>时以收盘价买入</a:t>
-            </a:r>
-            <a:endParaRPr lang="en-US" altLang="zh-CN" dirty="0"/>
-          </a:p>
-          <a:p>
-            <a:r>
-              <a:rPr lang="en-US" altLang="zh-CN" dirty="0"/>
-              <a:t>2</a:t>
-            </a:r>
-            <a:r>
-              <a:rPr lang="zh-CN" altLang="en-US" dirty="0"/>
-              <a:t>）买入后若上涨概率小于</a:t>
-            </a:r>
-            <a:r>
-              <a:rPr lang="en-US" altLang="zh-CN" b="0" dirty="0">
-                <a:solidFill>
-                  <a:srgbClr val="001080"/>
-                </a:solidFill>
-                <a:effectLst/>
-                <a:highlight>
-                  <a:srgbClr val="FFFFFF"/>
-                </a:highlight>
-                <a:latin typeface="Consolas" panose="020B0609020204030204" pitchFamily="49" charset="0"/>
-              </a:rPr>
-              <a:t>P_s</a:t>
-            </a:r>
-            <a:r>
-              <a:rPr lang="zh-CN" altLang="en-US" b="0" dirty="0">
-                <a:solidFill>
-                  <a:srgbClr val="001080"/>
-                </a:solidFill>
-                <a:effectLst/>
-                <a:highlight>
-                  <a:srgbClr val="FFFFFF"/>
-                </a:highlight>
-                <a:latin typeface="Consolas" panose="020B0609020204030204" pitchFamily="49" charset="0"/>
-              </a:rPr>
-              <a:t>卖出，或跌幅大于</a:t>
-            </a:r>
-            <a:r>
-              <a:rPr lang="en-US" altLang="zh-CN" b="0" dirty="0">
-                <a:solidFill>
-                  <a:srgbClr val="001080"/>
-                </a:solidFill>
-                <a:effectLst/>
-                <a:highlight>
-                  <a:srgbClr val="FFFFFF"/>
-                </a:highlight>
-                <a:latin typeface="Consolas" panose="020B0609020204030204" pitchFamily="49" charset="0"/>
-              </a:rPr>
-              <a:t>20%</a:t>
-            </a:r>
-            <a:r>
-              <a:rPr lang="zh-CN" altLang="en-US" b="0" dirty="0">
-                <a:solidFill>
-                  <a:srgbClr val="001080"/>
-                </a:solidFill>
-                <a:effectLst/>
-                <a:highlight>
-                  <a:srgbClr val="FFFFFF"/>
-                </a:highlight>
-                <a:latin typeface="Consolas" panose="020B0609020204030204" pitchFamily="49" charset="0"/>
-              </a:rPr>
-              <a:t>止损</a:t>
-            </a:r>
-            <a:endParaRPr lang="en-US" altLang="zh-CN" b="0" dirty="0">
-              <a:solidFill>
-                <a:srgbClr val="001080"/>
-              </a:solidFill>
-              <a:effectLst/>
-              <a:highlight>
-                <a:srgbClr val="FFFFFF"/>
-              </a:highlight>
-              <a:latin typeface="Consolas" panose="020B0609020204030204" pitchFamily="49" charset="0"/>
+              <a:rPr lang="en-US" altLang="zh-CN" sz="3600" b="1" u="sng" dirty="0" err="1">
+                <a:latin typeface="Times New Roman" panose="02020603050405020304" pitchFamily="18" charset="0"/>
+                <a:ea typeface="黑体" panose="02010609060101010101" pitchFamily="49" charset="-122"/>
+                <a:cs typeface="Times New Roman" panose="02020603050405020304" pitchFamily="18" charset="0"/>
+              </a:rPr>
+              <a:t>Implementation&amp;Training</a:t>
+            </a:r>
+            <a:endParaRPr lang="zh-CN" altLang="en-US" sz="3600" b="1" u="sng" dirty="0">
+              <a:latin typeface="Times New Roman" panose="02020603050405020304" pitchFamily="18" charset="0"/>
+              <a:ea typeface="黑体" panose="02010609060101010101" pitchFamily="49" charset="-122"/>
+              <a:cs typeface="Times New Roman" panose="02020603050405020304" pitchFamily="18" charset="0"/>
             </a:endParaRPr>
           </a:p>
-          <a:p>
-            <a:endParaRPr lang="en-US" altLang="zh-CN" b="0" dirty="0">
-              <a:solidFill>
-                <a:srgbClr val="3B3B3B"/>
-              </a:solidFill>
-              <a:effectLst/>
-              <a:highlight>
-                <a:srgbClr val="FFFFFF"/>
-              </a:highlight>
-              <a:latin typeface="Consolas" panose="020B0609020204030204" pitchFamily="49" charset="0"/>
-            </a:endParaRPr>
-          </a:p>
-          <a:p>
-            <a:endParaRPr lang="en-US" altLang="zh-CN" dirty="0"/>
-          </a:p>
-          <a:p>
-            <a:endParaRPr lang="zh-CN" altLang="en-US" dirty="0"/>
-          </a:p>
-        </p:txBody>
-      </p:sp>
-      <p:pic>
-        <p:nvPicPr>
-          <p:cNvPr id="5" name="图片 4">
-            <a:extLst>
-              <a:ext uri="{FF2B5EF4-FFF2-40B4-BE49-F238E27FC236}">
-                <a16:creationId xmlns:a16="http://schemas.microsoft.com/office/drawing/2014/main" id="{66FA1B38-3828-B38E-3A3F-30AAD440E259}"/>
-              </a:ext>
-            </a:extLst>
-          </p:cNvPr>
-          <p:cNvPicPr>
-            <a:picLocks noChangeAspect="1"/>
-          </p:cNvPicPr>
+        </p:txBody>
+      </p:sp>
+      <p:sp>
+        <p:nvSpPr>
+          <p:cNvPr id="5" name="文本框 4">
+            <a:extLst>
+              <a:ext uri="{FF2B5EF4-FFF2-40B4-BE49-F238E27FC236}">
+                <a16:creationId xmlns:a16="http://schemas.microsoft.com/office/drawing/2014/main" id="{3E15AA0E-0BEA-45AF-BD19-223603A5DDA7}"/>
+              </a:ext>
+            </a:extLst>
+          </p:cNvPr>
+          <p:cNvSpPr txBox="1"/>
           <p:nvPr/>
-        </p:nvPicPr>
-        <p:blipFill>
-          <a:blip r:embed="rId2"/>
-          <a:stretch>
-            <a:fillRect/>
-          </a:stretch>
-        </p:blipFill>
+        </p:nvSpPr>
         <p:spPr>
           <a:xfrm>
-            <a:off x="6185309" y="1608156"/>
-            <a:ext cx="5203196" cy="4441579"/>
+            <a:off x="445760" y="1239051"/>
+            <a:ext cx="9383340" cy="400110"/>
           </a:xfrm>
           <a:prstGeom prst="rect">
             <a:avLst/>
           </a:prstGeom>
+          <a:noFill/>
         </p:spPr>
-      </p:pic>
+        <p:txBody>
+          <a:bodyPr wrap="square" rtlCol="0">
+            <a:spAutoFit/>
+          </a:bodyPr>
+          <a:lstStyle/>
+          <a:p>
+            <a:r>
+              <a:rPr lang="zh-CN" altLang="en-US" sz="2000" dirty="0">
+                <a:latin typeface="黑体" panose="02010609060101010101" pitchFamily="49" charset="-122"/>
+                <a:ea typeface="黑体" panose="02010609060101010101" pitchFamily="49" charset="-122"/>
+              </a:rPr>
+              <a:t>在完成上述设计后，使用</a:t>
+            </a:r>
+            <a:r>
+              <a:rPr lang="en-US" altLang="zh-CN" sz="2000" dirty="0" err="1">
+                <a:latin typeface="黑体" panose="02010609060101010101" pitchFamily="49" charset="-122"/>
+                <a:ea typeface="黑体" panose="02010609060101010101" pitchFamily="49" charset="-122"/>
+              </a:rPr>
+              <a:t>Pytorch</a:t>
+            </a:r>
+            <a:r>
+              <a:rPr lang="zh-CN" altLang="en-US" sz="2000" dirty="0">
+                <a:latin typeface="黑体" panose="02010609060101010101" pitchFamily="49" charset="-122"/>
+                <a:ea typeface="黑体" panose="02010609060101010101" pitchFamily="49" charset="-122"/>
+              </a:rPr>
+              <a:t>建立了相应的神经网络模型并进行训练：</a:t>
+            </a:r>
+          </a:p>
+        </p:txBody>
+      </p:sp>
+      <p:sp>
+        <p:nvSpPr>
+          <p:cNvPr id="6" name="文本框 5">
+            <a:extLst>
+              <a:ext uri="{FF2B5EF4-FFF2-40B4-BE49-F238E27FC236}">
+                <a16:creationId xmlns:a16="http://schemas.microsoft.com/office/drawing/2014/main" id="{F99D51DA-51FB-4A36-8D39-1AB718CCD08F}"/>
+              </a:ext>
+            </a:extLst>
+          </p:cNvPr>
+          <p:cNvSpPr txBox="1"/>
+          <p:nvPr/>
+        </p:nvSpPr>
+        <p:spPr>
+          <a:xfrm>
+            <a:off x="1590994" y="1933127"/>
+            <a:ext cx="9010011" cy="2104872"/>
+          </a:xfrm>
+          <a:prstGeom prst="rect">
+            <a:avLst/>
+          </a:prstGeom>
+          <a:noFill/>
+        </p:spPr>
+        <p:txBody>
+          <a:bodyPr wrap="square" rtlCol="0">
+            <a:spAutoFit/>
+          </a:bodyPr>
+          <a:lstStyle/>
+          <a:p>
+            <a:pPr marL="285750" indent="-285750">
+              <a:lnSpc>
+                <a:spcPct val="150000"/>
+              </a:lnSpc>
+              <a:buFont typeface="Arial" panose="020B0604020202020204" pitchFamily="34" charset="0"/>
+              <a:buChar char="•"/>
+            </a:pPr>
+            <a:r>
+              <a:rPr lang="zh-CN" altLang="en-US" dirty="0">
+                <a:latin typeface="宋体" panose="02010600030101010101" pitchFamily="2" charset="-122"/>
+                <a:ea typeface="宋体" panose="02010600030101010101" pitchFamily="2" charset="-122"/>
+              </a:rPr>
+              <a:t>由于问题本身接近分类问题（看涨或看跌），所以采用了</a:t>
+            </a:r>
+            <a:r>
+              <a:rPr lang="en-US" altLang="zh-CN" dirty="0" err="1">
+                <a:latin typeface="宋体" panose="02010600030101010101" pitchFamily="2" charset="-122"/>
+                <a:ea typeface="宋体" panose="02010600030101010101" pitchFamily="2" charset="-122"/>
+              </a:rPr>
+              <a:t>CrossEntropyLoss</a:t>
+            </a:r>
+            <a:r>
+              <a:rPr lang="zh-CN" altLang="en-US" dirty="0">
+                <a:latin typeface="宋体" panose="02010600030101010101" pitchFamily="2" charset="-122"/>
+                <a:ea typeface="宋体" panose="02010600030101010101" pitchFamily="2" charset="-122"/>
+              </a:rPr>
+              <a:t>（交错熵）作为损失函数。</a:t>
+            </a:r>
+            <a:endParaRPr lang="en-US" altLang="zh-CN" dirty="0">
+              <a:latin typeface="宋体" panose="02010600030101010101" pitchFamily="2" charset="-122"/>
+              <a:ea typeface="宋体" panose="02010600030101010101" pitchFamily="2" charset="-122"/>
+            </a:endParaRPr>
+          </a:p>
+          <a:p>
+            <a:pPr marL="285750" indent="-285750">
+              <a:lnSpc>
+                <a:spcPct val="150000"/>
+              </a:lnSpc>
+              <a:buFont typeface="Arial" panose="020B0604020202020204" pitchFamily="34" charset="0"/>
+              <a:buChar char="•"/>
+            </a:pPr>
+            <a:r>
+              <a:rPr lang="zh-CN" altLang="en-US" dirty="0">
+                <a:latin typeface="宋体" panose="02010600030101010101" pitchFamily="2" charset="-122"/>
+                <a:ea typeface="宋体" panose="02010600030101010101" pitchFamily="2" charset="-122"/>
+              </a:rPr>
+              <a:t>通过查阅资料，选择</a:t>
+            </a:r>
+            <a:r>
+              <a:rPr lang="en-US" altLang="zh-CN" dirty="0">
+                <a:latin typeface="宋体" panose="02010600030101010101" pitchFamily="2" charset="-122"/>
+                <a:ea typeface="宋体" panose="02010600030101010101" pitchFamily="2" charset="-122"/>
+              </a:rPr>
+              <a:t>Adam</a:t>
+            </a:r>
+            <a:r>
+              <a:rPr lang="zh-CN" altLang="en-US" dirty="0">
+                <a:latin typeface="宋体" panose="02010600030101010101" pitchFamily="2" charset="-122"/>
+                <a:ea typeface="宋体" panose="02010600030101010101" pitchFamily="2" charset="-122"/>
+              </a:rPr>
+              <a:t>优化器作为训练过程的优化器。</a:t>
+            </a:r>
+            <a:endParaRPr lang="en-US" altLang="zh-CN" dirty="0">
+              <a:latin typeface="宋体" panose="02010600030101010101" pitchFamily="2" charset="-122"/>
+              <a:ea typeface="宋体" panose="02010600030101010101" pitchFamily="2" charset="-122"/>
+            </a:endParaRPr>
+          </a:p>
+          <a:p>
+            <a:pPr marL="285750" indent="-285750">
+              <a:lnSpc>
+                <a:spcPct val="150000"/>
+              </a:lnSpc>
+              <a:buFont typeface="Arial" panose="020B0604020202020204" pitchFamily="34" charset="0"/>
+              <a:buChar char="•"/>
+            </a:pPr>
+            <a:r>
+              <a:rPr lang="zh-CN" altLang="en-US" dirty="0">
+                <a:latin typeface="宋体" panose="02010600030101010101" pitchFamily="2" charset="-122"/>
+                <a:ea typeface="宋体" panose="02010600030101010101" pitchFamily="2" charset="-122"/>
+              </a:rPr>
+              <a:t>为了克服过拟合现象，采取了</a:t>
+            </a:r>
+            <a:r>
+              <a:rPr lang="en-US" altLang="zh-CN" dirty="0">
+                <a:latin typeface="宋体" panose="02010600030101010101" pitchFamily="2" charset="-122"/>
+                <a:ea typeface="宋体" panose="02010600030101010101" pitchFamily="2" charset="-122"/>
+              </a:rPr>
+              <a:t>dropout</a:t>
+            </a:r>
+            <a:r>
+              <a:rPr lang="zh-CN" altLang="en-US" dirty="0">
+                <a:latin typeface="宋体" panose="02010600030101010101" pitchFamily="2" charset="-122"/>
+                <a:ea typeface="宋体" panose="02010600030101010101" pitchFamily="2" charset="-122"/>
+              </a:rPr>
+              <a:t>手段，在训练时会随机丢弃部分神经元。</a:t>
+            </a:r>
+            <a:endParaRPr lang="en-US" altLang="zh-CN" dirty="0">
+              <a:latin typeface="宋体" panose="02010600030101010101" pitchFamily="2" charset="-122"/>
+              <a:ea typeface="宋体" panose="02010600030101010101" pitchFamily="2" charset="-122"/>
+            </a:endParaRPr>
+          </a:p>
+          <a:p>
+            <a:pPr marL="285750" indent="-285750">
+              <a:lnSpc>
+                <a:spcPct val="150000"/>
+              </a:lnSpc>
+              <a:buFont typeface="Arial" panose="020B0604020202020204" pitchFamily="34" charset="0"/>
+              <a:buChar char="•"/>
+            </a:pPr>
+            <a:r>
+              <a:rPr lang="zh-CN" altLang="en-US" dirty="0">
+                <a:latin typeface="宋体" panose="02010600030101010101" pitchFamily="2" charset="-122"/>
+                <a:ea typeface="宋体" panose="02010600030101010101" pitchFamily="2" charset="-122"/>
+              </a:rPr>
+              <a:t>为了加速训练，使用了本地的</a:t>
+            </a:r>
+            <a:r>
+              <a:rPr lang="en-US" altLang="zh-CN" dirty="0">
+                <a:latin typeface="宋体" panose="02010600030101010101" pitchFamily="2" charset="-122"/>
+                <a:ea typeface="宋体" panose="02010600030101010101" pitchFamily="2" charset="-122"/>
+              </a:rPr>
+              <a:t>RTX3060</a:t>
+            </a:r>
+            <a:r>
+              <a:rPr lang="zh-CN" altLang="en-US" dirty="0">
+                <a:latin typeface="宋体" panose="02010600030101010101" pitchFamily="2" charset="-122"/>
+                <a:ea typeface="宋体" panose="02010600030101010101" pitchFamily="2" charset="-122"/>
+              </a:rPr>
+              <a:t>和</a:t>
+            </a:r>
+            <a:r>
+              <a:rPr lang="en-US" altLang="zh-CN" dirty="0">
+                <a:latin typeface="宋体" panose="02010600030101010101" pitchFamily="2" charset="-122"/>
+                <a:ea typeface="宋体" panose="02010600030101010101" pitchFamily="2" charset="-122"/>
+              </a:rPr>
+              <a:t>RTX4060</a:t>
+            </a:r>
+            <a:r>
+              <a:rPr lang="zh-CN" altLang="en-US" dirty="0">
+                <a:latin typeface="宋体" panose="02010600030101010101" pitchFamily="2" charset="-122"/>
+                <a:ea typeface="宋体" panose="02010600030101010101" pitchFamily="2" charset="-122"/>
+              </a:rPr>
+              <a:t>，利用</a:t>
+            </a:r>
+            <a:r>
+              <a:rPr lang="en-US" altLang="zh-CN" dirty="0">
+                <a:latin typeface="宋体" panose="02010600030101010101" pitchFamily="2" charset="-122"/>
+                <a:ea typeface="宋体" panose="02010600030101010101" pitchFamily="2" charset="-122"/>
+              </a:rPr>
+              <a:t>CUDA</a:t>
+            </a:r>
+            <a:r>
+              <a:rPr lang="zh-CN" altLang="en-US" dirty="0">
+                <a:latin typeface="宋体" panose="02010600030101010101" pitchFamily="2" charset="-122"/>
+                <a:ea typeface="宋体" panose="02010600030101010101" pitchFamily="2" charset="-122"/>
+              </a:rPr>
+              <a:t>进行了</a:t>
+            </a:r>
+            <a:r>
+              <a:rPr lang="en-US" altLang="zh-CN" dirty="0">
+                <a:latin typeface="宋体" panose="02010600030101010101" pitchFamily="2" charset="-122"/>
+                <a:ea typeface="宋体" panose="02010600030101010101" pitchFamily="2" charset="-122"/>
+              </a:rPr>
+              <a:t>GPU</a:t>
+            </a:r>
+            <a:r>
+              <a:rPr lang="zh-CN" altLang="en-US" dirty="0">
+                <a:latin typeface="宋体" panose="02010600030101010101" pitchFamily="2" charset="-122"/>
+                <a:ea typeface="宋体" panose="02010600030101010101" pitchFamily="2" charset="-122"/>
+              </a:rPr>
+              <a:t>加速计算。</a:t>
+            </a:r>
+            <a:endParaRPr lang="en-US" altLang="zh-CN" dirty="0">
+              <a:latin typeface="宋体" panose="02010600030101010101" pitchFamily="2" charset="-122"/>
+              <a:ea typeface="宋体" panose="02010600030101010101" pitchFamily="2" charset="-122"/>
+            </a:endParaRPr>
+          </a:p>
+        </p:txBody>
+      </p:sp>
+      <p:grpSp>
+        <p:nvGrpSpPr>
+          <p:cNvPr id="9" name="组合 8">
+            <a:extLst>
+              <a:ext uri="{FF2B5EF4-FFF2-40B4-BE49-F238E27FC236}">
+                <a16:creationId xmlns:a16="http://schemas.microsoft.com/office/drawing/2014/main" id="{A09A1535-14C5-48F0-A0D8-E7DAEAE57C00}"/>
+              </a:ext>
+            </a:extLst>
+          </p:cNvPr>
+          <p:cNvGrpSpPr/>
+          <p:nvPr/>
+        </p:nvGrpSpPr>
+        <p:grpSpPr>
+          <a:xfrm>
+            <a:off x="1678446" y="4423317"/>
+            <a:ext cx="8585540" cy="861495"/>
+            <a:chOff x="1678446" y="4423317"/>
+            <a:chExt cx="8585540" cy="861495"/>
+          </a:xfrm>
+        </p:grpSpPr>
+        <p:sp>
+          <p:nvSpPr>
+            <p:cNvPr id="7" name="文本框 6">
+              <a:extLst>
+                <a:ext uri="{FF2B5EF4-FFF2-40B4-BE49-F238E27FC236}">
+                  <a16:creationId xmlns:a16="http://schemas.microsoft.com/office/drawing/2014/main" id="{18763642-713C-4817-B2BA-748DCFAD41FB}"/>
+                </a:ext>
+              </a:extLst>
+            </p:cNvPr>
+            <p:cNvSpPr txBox="1"/>
+            <p:nvPr/>
+          </p:nvSpPr>
+          <p:spPr>
+            <a:xfrm>
+              <a:off x="1678446" y="4423317"/>
+              <a:ext cx="8585540" cy="400110"/>
+            </a:xfrm>
+            <a:prstGeom prst="rect">
+              <a:avLst/>
+            </a:prstGeom>
+            <a:noFill/>
+            <a:ln>
+              <a:solidFill>
+                <a:schemeClr val="accent1"/>
+              </a:solidFill>
+            </a:ln>
+          </p:spPr>
+          <p:txBody>
+            <a:bodyPr wrap="square" rtlCol="0">
+              <a:spAutoFit/>
+            </a:bodyPr>
+            <a:lstStyle/>
+            <a:p>
+              <a:pPr algn="ctr"/>
+              <a:r>
+                <a:rPr lang="zh-CN" altLang="en-US" sz="2000" b="1" dirty="0">
+                  <a:latin typeface="宋体" panose="02010600030101010101" pitchFamily="2" charset="-122"/>
+                  <a:ea typeface="宋体" panose="02010600030101010101" pitchFamily="2" charset="-122"/>
+                </a:rPr>
+                <a:t>模型成功训练并运行，但是可以调节超参数取得更好的效果</a:t>
+              </a:r>
+            </a:p>
+          </p:txBody>
+        </p:sp>
+        <p:sp>
+          <p:nvSpPr>
+            <p:cNvPr id="8" name="文本框 7">
+              <a:extLst>
+                <a:ext uri="{FF2B5EF4-FFF2-40B4-BE49-F238E27FC236}">
+                  <a16:creationId xmlns:a16="http://schemas.microsoft.com/office/drawing/2014/main" id="{B6F5B0D8-43D5-435D-8F76-FC481E3F69F2}"/>
+                </a:ext>
+              </a:extLst>
+            </p:cNvPr>
+            <p:cNvSpPr txBox="1"/>
+            <p:nvPr/>
+          </p:nvSpPr>
+          <p:spPr>
+            <a:xfrm>
+              <a:off x="2575969" y="4915480"/>
+              <a:ext cx="6790494" cy="369332"/>
+            </a:xfrm>
+            <a:prstGeom prst="rect">
+              <a:avLst/>
+            </a:prstGeom>
+            <a:noFill/>
+          </p:spPr>
+          <p:txBody>
+            <a:bodyPr wrap="square" rtlCol="0">
+              <a:spAutoFit/>
+            </a:bodyPr>
+            <a:lstStyle/>
+            <a:p>
+              <a:r>
+                <a:rPr lang="en-US" altLang="zh-CN" dirty="0" err="1">
+                  <a:latin typeface="Times New Roman" panose="02020603050405020304" pitchFamily="18" charset="0"/>
+                  <a:cs typeface="Times New Roman" panose="02020603050405020304" pitchFamily="18" charset="0"/>
+                </a:rPr>
+                <a:t>days_before</a:t>
+              </a:r>
+              <a:r>
+                <a:rPr lang="en-US" altLang="zh-CN" dirty="0">
+                  <a:latin typeface="Times New Roman" panose="02020603050405020304" pitchFamily="18" charset="0"/>
+                  <a:cs typeface="Times New Roman" panose="02020603050405020304" pitchFamily="18" charset="0"/>
+                </a:rPr>
+                <a:t>,</a:t>
+              </a:r>
+              <a:r>
+                <a:rPr lang="zh-CN" altLang="en-US" dirty="0">
+                  <a:latin typeface="Times New Roman" panose="02020603050405020304" pitchFamily="18" charset="0"/>
+                  <a:cs typeface="Times New Roman" panose="02020603050405020304" pitchFamily="18" charset="0"/>
+                </a:rPr>
+                <a:t> </a:t>
+              </a:r>
+              <a:r>
+                <a:rPr lang="en-US" altLang="zh-CN" dirty="0" err="1">
+                  <a:latin typeface="Times New Roman" panose="02020603050405020304" pitchFamily="18" charset="0"/>
+                  <a:cs typeface="Times New Roman" panose="02020603050405020304" pitchFamily="18" charset="0"/>
+                </a:rPr>
+                <a:t>days_after</a:t>
+              </a:r>
+              <a:r>
+                <a:rPr lang="en-US" altLang="zh-CN" dirty="0">
+                  <a:latin typeface="Times New Roman" panose="02020603050405020304" pitchFamily="18" charset="0"/>
+                  <a:cs typeface="Times New Roman" panose="02020603050405020304" pitchFamily="18" charset="0"/>
+                </a:rPr>
+                <a:t>, </a:t>
+              </a:r>
+              <a:r>
+                <a:rPr lang="en-US" altLang="zh-CN" dirty="0" err="1">
+                  <a:latin typeface="Times New Roman" panose="02020603050405020304" pitchFamily="18" charset="0"/>
+                  <a:cs typeface="Times New Roman" panose="02020603050405020304" pitchFamily="18" charset="0"/>
+                </a:rPr>
+                <a:t>batch_size</a:t>
+              </a:r>
+              <a:r>
+                <a:rPr lang="en-US" altLang="zh-CN" dirty="0">
+                  <a:latin typeface="Times New Roman" panose="02020603050405020304" pitchFamily="18" charset="0"/>
+                  <a:cs typeface="Times New Roman" panose="02020603050405020304" pitchFamily="18" charset="0"/>
+                </a:rPr>
+                <a:t>, </a:t>
+              </a:r>
+              <a:r>
+                <a:rPr lang="en-US" altLang="zh-CN" dirty="0" err="1">
+                  <a:latin typeface="Times New Roman" panose="02020603050405020304" pitchFamily="18" charset="0"/>
+                  <a:cs typeface="Times New Roman" panose="02020603050405020304" pitchFamily="18" charset="0"/>
+                </a:rPr>
+                <a:t>hidden_size</a:t>
+              </a:r>
+              <a:r>
+                <a:rPr lang="en-US" altLang="zh-CN" dirty="0">
+                  <a:latin typeface="Times New Roman" panose="02020603050405020304" pitchFamily="18" charset="0"/>
+                  <a:cs typeface="Times New Roman" panose="02020603050405020304" pitchFamily="18" charset="0"/>
+                </a:rPr>
+                <a:t>, </a:t>
+              </a:r>
+              <a:r>
+                <a:rPr lang="en-US" altLang="zh-CN" dirty="0" err="1">
+                  <a:latin typeface="Times New Roman" panose="02020603050405020304" pitchFamily="18" charset="0"/>
+                  <a:cs typeface="Times New Roman" panose="02020603050405020304" pitchFamily="18" charset="0"/>
+                </a:rPr>
+                <a:t>num_layer</a:t>
+              </a:r>
+              <a:r>
+                <a:rPr lang="en-US" altLang="zh-CN" dirty="0">
+                  <a:latin typeface="Times New Roman" panose="02020603050405020304" pitchFamily="18" charset="0"/>
+                  <a:cs typeface="Times New Roman" panose="02020603050405020304" pitchFamily="18" charset="0"/>
+                </a:rPr>
+                <a:t>, dropout…</a:t>
+              </a:r>
+              <a:endParaRPr lang="zh-CN" altLang="en-US" dirty="0"/>
+            </a:p>
+          </p:txBody>
+        </p:sp>
+      </p:grpSp>
+      <p:sp>
+        <p:nvSpPr>
+          <p:cNvPr id="10" name="文本框 9">
+            <a:extLst>
+              <a:ext uri="{FF2B5EF4-FFF2-40B4-BE49-F238E27FC236}">
+                <a16:creationId xmlns:a16="http://schemas.microsoft.com/office/drawing/2014/main" id="{2A5FDE61-C5A3-4688-A55C-BC17336EACB3}"/>
+              </a:ext>
+            </a:extLst>
+          </p:cNvPr>
+          <p:cNvSpPr txBox="1"/>
+          <p:nvPr/>
+        </p:nvSpPr>
+        <p:spPr>
+          <a:xfrm>
+            <a:off x="1929149" y="5774835"/>
+            <a:ext cx="8084133" cy="584775"/>
+          </a:xfrm>
+          <a:prstGeom prst="rect">
+            <a:avLst/>
+          </a:prstGeom>
+          <a:noFill/>
+          <a:ln>
+            <a:solidFill>
+              <a:schemeClr val="tx1"/>
+            </a:solidFill>
+          </a:ln>
+        </p:spPr>
+        <p:txBody>
+          <a:bodyPr wrap="square" rtlCol="0">
+            <a:spAutoFit/>
+          </a:bodyPr>
+          <a:lstStyle/>
+          <a:p>
+            <a:pPr algn="ctr"/>
+            <a:r>
+              <a:rPr lang="en-US" altLang="zh-CN" sz="3200" b="1" strike="sngStrike" dirty="0">
+                <a:latin typeface="Times New Roman" panose="02020603050405020304" pitchFamily="18" charset="0"/>
+                <a:ea typeface="黑体" panose="02010609060101010101" pitchFamily="49" charset="-122"/>
+                <a:cs typeface="Times New Roman" panose="02020603050405020304" pitchFamily="18" charset="0"/>
+              </a:rPr>
+              <a:t>Attention</a:t>
+            </a:r>
+            <a:r>
+              <a:rPr lang="en-US" altLang="zh-CN" sz="3200" b="1" dirty="0">
+                <a:latin typeface="Times New Roman" panose="02020603050405020304" pitchFamily="18" charset="0"/>
+                <a:ea typeface="黑体" panose="02010609060101010101" pitchFamily="49" charset="-122"/>
+                <a:cs typeface="Times New Roman" panose="02020603050405020304" pitchFamily="18" charset="0"/>
+              </a:rPr>
+              <a:t> Hyperparameters is all we need</a:t>
+            </a:r>
+            <a:r>
+              <a:rPr lang="en-US" altLang="zh-CN" sz="2000" b="1" dirty="0">
+                <a:latin typeface="宋体" panose="02010600030101010101" pitchFamily="2" charset="-122"/>
+                <a:ea typeface="宋体" panose="02010600030101010101" pitchFamily="2" charset="-122"/>
+              </a:rPr>
+              <a:t>.</a:t>
+            </a:r>
+            <a:endParaRPr lang="zh-CN" altLang="en-US" sz="2000" b="1" dirty="0">
+              <a:latin typeface="宋体" panose="02010600030101010101" pitchFamily="2" charset="-122"/>
+              <a:ea typeface="宋体" panose="02010600030101010101" pitchFamily="2" charset="-122"/>
+            </a:endParaRPr>
+          </a:p>
+        </p:txBody>
+      </p:sp>
     </p:spTree>
     <p:extLst>
       <p:ext uri="{BB962C8B-B14F-4D97-AF65-F5344CB8AC3E}">
-        <p14:creationId xmlns:p14="http://schemas.microsoft.com/office/powerpoint/2010/main" val="421035534"/>
+        <p14:creationId xmlns:p14="http://schemas.microsoft.com/office/powerpoint/2010/main" val="3911769047"/>
       </p:ext>
     </p:extLst>
   </p:cSld>

--- a/introToAi/FinalPre/人工智能导论 股票预测.pptx
+++ b/introToAi/FinalPre/人工智能导论 股票预测.pptx
@@ -1,11 +1,11 @@
 
 <file path=ppt/presentation.xml><?xml version="1.0" encoding="utf-8"?>
-<p:presentation xmlns:a="http://schemas.openxmlformats.org/drawingml/2006/main" xmlns:r="http://schemas.openxmlformats.org/officeDocument/2006/relationships" xmlns:p="http://schemas.openxmlformats.org/presentationml/2006/main" saveSubsetFonts="1">
+<p:presentation xmlns:a="http://schemas.openxmlformats.org/drawingml/2006/main" xmlns:r="http://schemas.openxmlformats.org/officeDocument/2006/relationships" xmlns:p="http://schemas.openxmlformats.org/presentationml/2006/main">
   <p:sldMasterIdLst>
     <p:sldMasterId id="2147483648" r:id="rId1"/>
   </p:sldMasterIdLst>
   <p:notesMasterIdLst>
-    <p:notesMasterId r:id="rId17"/>
+    <p:notesMasterId r:id="rId19"/>
   </p:notesMasterIdLst>
   <p:sldIdLst>
     <p:sldId id="256" r:id="rId2"/>
@@ -16,16 +16,21 @@
     <p:sldId id="266" r:id="rId7"/>
     <p:sldId id="267" r:id="rId8"/>
     <p:sldId id="270" r:id="rId9"/>
-    <p:sldId id="271" r:id="rId10"/>
-    <p:sldId id="273" r:id="rId11"/>
-    <p:sldId id="261" r:id="rId12"/>
-    <p:sldId id="262" r:id="rId13"/>
-    <p:sldId id="263" r:id="rId14"/>
-    <p:sldId id="264" r:id="rId15"/>
-    <p:sldId id="265" r:id="rId16"/>
+    <p:sldId id="286" r:id="rId10"/>
+    <p:sldId id="271" r:id="rId11"/>
+    <p:sldId id="287" r:id="rId12"/>
+    <p:sldId id="273" r:id="rId13"/>
+    <p:sldId id="261" r:id="rId14"/>
+    <p:sldId id="262" r:id="rId15"/>
+    <p:sldId id="263" r:id="rId16"/>
+    <p:sldId id="264" r:id="rId17"/>
+    <p:sldId id="265" r:id="rId18"/>
   </p:sldIdLst>
   <p:sldSz cx="12192000" cy="6858000"/>
   <p:notesSz cx="6858000" cy="9144000"/>
+  <p:custDataLst>
+    <p:tags r:id="rId20"/>
+  </p:custDataLst>
   <p:defaultTextStyle>
     <a:defPPr>
       <a:defRPr lang="zh-CN"/>
@@ -129,330 +134,6 @@
 </p:presentation>
 </file>
 
-<file path=ppt/revisionInfo.xml><?xml version="1.0" encoding="utf-8"?>
-<p1510:revInfo xmlns:a="http://schemas.openxmlformats.org/drawingml/2006/main" xmlns:r="http://schemas.openxmlformats.org/officeDocument/2006/relationships" xmlns:p1510="http://schemas.microsoft.com/office/powerpoint/2015/10/main">
-  <p1510:revLst>
-    <p1510:client id="{B9ACC14C-47CE-4129-A3F7-519BA5756F05}" v="132" dt="2024-06-11T10:42:37.968"/>
-  </p1510:revLst>
-</p1510:revInfo>
-</file>
-
-<file path=ppt/changesInfos/changesInfo1.xml><?xml version="1.0" encoding="utf-8"?>
-<pc:chgInfo xmlns:a="http://schemas.openxmlformats.org/drawingml/2006/main" xmlns:r="http://schemas.openxmlformats.org/officeDocument/2006/relationships" xmlns:ac="http://schemas.microsoft.com/office/drawing/2013/main/command" xmlns:pc="http://schemas.microsoft.com/office/powerpoint/2013/main/command">
-  <pc:docChgLst>
-    <pc:chgData name="锐冰 郭" userId="8db852230c2a21fa" providerId="LiveId" clId="{B9ACC14C-47CE-4129-A3F7-519BA5756F05}"/>
-    <pc:docChg chg="undo custSel addSld modSld">
-      <pc:chgData name="锐冰 郭" userId="8db852230c2a21fa" providerId="LiveId" clId="{B9ACC14C-47CE-4129-A3F7-519BA5756F05}" dt="2024-06-11T10:42:37.968" v="363"/>
-      <pc:docMkLst>
-        <pc:docMk/>
-      </pc:docMkLst>
-      <pc:sldChg chg="modSp new mod">
-        <pc:chgData name="锐冰 郭" userId="8db852230c2a21fa" providerId="LiveId" clId="{B9ACC14C-47CE-4129-A3F7-519BA5756F05}" dt="2024-06-11T10:29:09.815" v="31"/>
-        <pc:sldMkLst>
-          <pc:docMk/>
-          <pc:sldMk cId="1586879342" sldId="256"/>
-        </pc:sldMkLst>
-        <pc:spChg chg="mod">
-          <ac:chgData name="锐冰 郭" userId="8db852230c2a21fa" providerId="LiveId" clId="{B9ACC14C-47CE-4129-A3F7-519BA5756F05}" dt="2024-06-11T10:28:42.043" v="14"/>
-          <ac:spMkLst>
-            <pc:docMk/>
-            <pc:sldMk cId="1586879342" sldId="256"/>
-            <ac:spMk id="2" creationId="{28C1C572-F001-502E-C37D-A1F65B991E0B}"/>
-          </ac:spMkLst>
-        </pc:spChg>
-        <pc:spChg chg="mod">
-          <ac:chgData name="锐冰 郭" userId="8db852230c2a21fa" providerId="LiveId" clId="{B9ACC14C-47CE-4129-A3F7-519BA5756F05}" dt="2024-06-11T10:29:09.815" v="31"/>
-          <ac:spMkLst>
-            <pc:docMk/>
-            <pc:sldMk cId="1586879342" sldId="256"/>
-            <ac:spMk id="3" creationId="{FC341F45-3F03-4035-0864-565D94C4CCEB}"/>
-          </ac:spMkLst>
-        </pc:spChg>
-      </pc:sldChg>
-      <pc:sldChg chg="modSp new mod">
-        <pc:chgData name="锐冰 郭" userId="8db852230c2a21fa" providerId="LiveId" clId="{B9ACC14C-47CE-4129-A3F7-519BA5756F05}" dt="2024-06-11T10:31:37.825" v="131"/>
-        <pc:sldMkLst>
-          <pc:docMk/>
-          <pc:sldMk cId="2504791971" sldId="257"/>
-        </pc:sldMkLst>
-        <pc:spChg chg="mod">
-          <ac:chgData name="锐冰 郭" userId="8db852230c2a21fa" providerId="LiveId" clId="{B9ACC14C-47CE-4129-A3F7-519BA5756F05}" dt="2024-06-11T10:29:24.539" v="36"/>
-          <ac:spMkLst>
-            <pc:docMk/>
-            <pc:sldMk cId="2504791971" sldId="257"/>
-            <ac:spMk id="2" creationId="{B0922AE4-3663-42AC-2DB7-DC508EB2E187}"/>
-          </ac:spMkLst>
-        </pc:spChg>
-        <pc:spChg chg="mod">
-          <ac:chgData name="锐冰 郭" userId="8db852230c2a21fa" providerId="LiveId" clId="{B9ACC14C-47CE-4129-A3F7-519BA5756F05}" dt="2024-06-11T10:31:37.825" v="131"/>
-          <ac:spMkLst>
-            <pc:docMk/>
-            <pc:sldMk cId="2504791971" sldId="257"/>
-            <ac:spMk id="3" creationId="{C308F3CC-3672-897B-FD13-31BEE8518DA3}"/>
-          </ac:spMkLst>
-        </pc:spChg>
-      </pc:sldChg>
-      <pc:sldChg chg="addSp modSp new mod">
-        <pc:chgData name="锐冰 郭" userId="8db852230c2a21fa" providerId="LiveId" clId="{B9ACC14C-47CE-4129-A3F7-519BA5756F05}" dt="2024-06-11T10:33:27.041" v="147" actId="1076"/>
-        <pc:sldMkLst>
-          <pc:docMk/>
-          <pc:sldMk cId="1011521595" sldId="258"/>
-        </pc:sldMkLst>
-        <pc:spChg chg="mod">
-          <ac:chgData name="锐冰 郭" userId="8db852230c2a21fa" providerId="LiveId" clId="{B9ACC14C-47CE-4129-A3F7-519BA5756F05}" dt="2024-06-11T10:32:46.994" v="138"/>
-          <ac:spMkLst>
-            <pc:docMk/>
-            <pc:sldMk cId="1011521595" sldId="258"/>
-            <ac:spMk id="2" creationId="{3155945D-E79C-C5CA-0790-10BDCD8616CF}"/>
-          </ac:spMkLst>
-        </pc:spChg>
-        <pc:spChg chg="mod">
-          <ac:chgData name="锐冰 郭" userId="8db852230c2a21fa" providerId="LiveId" clId="{B9ACC14C-47CE-4129-A3F7-519BA5756F05}" dt="2024-06-11T10:33:08.017" v="143" actId="27636"/>
-          <ac:spMkLst>
-            <pc:docMk/>
-            <pc:sldMk cId="1011521595" sldId="258"/>
-            <ac:spMk id="3" creationId="{708D1F83-5AB9-6DCA-96C2-1B17636B6D32}"/>
-          </ac:spMkLst>
-        </pc:spChg>
-        <pc:picChg chg="add mod">
-          <ac:chgData name="锐冰 郭" userId="8db852230c2a21fa" providerId="LiveId" clId="{B9ACC14C-47CE-4129-A3F7-519BA5756F05}" dt="2024-06-11T10:33:27.041" v="147" actId="1076"/>
-          <ac:picMkLst>
-            <pc:docMk/>
-            <pc:sldMk cId="1011521595" sldId="258"/>
-            <ac:picMk id="5" creationId="{84F46C9B-BD8F-2790-EED7-4BAACC003A4C}"/>
-          </ac:picMkLst>
-        </pc:picChg>
-      </pc:sldChg>
-      <pc:sldChg chg="modSp new mod">
-        <pc:chgData name="锐冰 郭" userId="8db852230c2a21fa" providerId="LiveId" clId="{B9ACC14C-47CE-4129-A3F7-519BA5756F05}" dt="2024-06-11T10:33:49.597" v="153"/>
-        <pc:sldMkLst>
-          <pc:docMk/>
-          <pc:sldMk cId="3856643018" sldId="259"/>
-        </pc:sldMkLst>
-        <pc:spChg chg="mod">
-          <ac:chgData name="锐冰 郭" userId="8db852230c2a21fa" providerId="LiveId" clId="{B9ACC14C-47CE-4129-A3F7-519BA5756F05}" dt="2024-06-11T10:33:40.519" v="152"/>
-          <ac:spMkLst>
-            <pc:docMk/>
-            <pc:sldMk cId="3856643018" sldId="259"/>
-            <ac:spMk id="2" creationId="{3F22FE7D-9DAF-C443-2C6B-4B8F8197B981}"/>
-          </ac:spMkLst>
-        </pc:spChg>
-        <pc:spChg chg="mod">
-          <ac:chgData name="锐冰 郭" userId="8db852230c2a21fa" providerId="LiveId" clId="{B9ACC14C-47CE-4129-A3F7-519BA5756F05}" dt="2024-06-11T10:33:49.597" v="153"/>
-          <ac:spMkLst>
-            <pc:docMk/>
-            <pc:sldMk cId="3856643018" sldId="259"/>
-            <ac:spMk id="3" creationId="{B7636649-B9FC-2EFD-F1AF-B79E05ADAEE4}"/>
-          </ac:spMkLst>
-        </pc:spChg>
-      </pc:sldChg>
-      <pc:sldChg chg="new">
-        <pc:chgData name="锐冰 郭" userId="8db852230c2a21fa" providerId="LiveId" clId="{B9ACC14C-47CE-4129-A3F7-519BA5756F05}" dt="2024-06-11T10:33:52.526" v="154" actId="680"/>
-        <pc:sldMkLst>
-          <pc:docMk/>
-          <pc:sldMk cId="1059067748" sldId="260"/>
-        </pc:sldMkLst>
-      </pc:sldChg>
-      <pc:sldChg chg="addSp delSp modSp new mod">
-        <pc:chgData name="锐冰 郭" userId="8db852230c2a21fa" providerId="LiveId" clId="{B9ACC14C-47CE-4129-A3F7-519BA5756F05}" dt="2024-06-11T10:36:03.213" v="213"/>
-        <pc:sldMkLst>
-          <pc:docMk/>
-          <pc:sldMk cId="3964041085" sldId="261"/>
-        </pc:sldMkLst>
-        <pc:spChg chg="mod">
-          <ac:chgData name="锐冰 郭" userId="8db852230c2a21fa" providerId="LiveId" clId="{B9ACC14C-47CE-4129-A3F7-519BA5756F05}" dt="2024-06-11T10:34:23.477" v="171"/>
-          <ac:spMkLst>
-            <pc:docMk/>
-            <pc:sldMk cId="3964041085" sldId="261"/>
-            <ac:spMk id="2" creationId="{55A31B29-259F-0D0F-D6D9-295AB510EDCB}"/>
-          </ac:spMkLst>
-        </pc:spChg>
-        <pc:spChg chg="mod">
-          <ac:chgData name="锐冰 郭" userId="8db852230c2a21fa" providerId="LiveId" clId="{B9ACC14C-47CE-4129-A3F7-519BA5756F05}" dt="2024-06-11T10:36:03.213" v="213"/>
-          <ac:spMkLst>
-            <pc:docMk/>
-            <pc:sldMk cId="3964041085" sldId="261"/>
-            <ac:spMk id="3" creationId="{E7D6862A-662E-D2DB-33A4-C3A874BA5CD1}"/>
-          </ac:spMkLst>
-        </pc:spChg>
-        <pc:picChg chg="add del mod">
-          <ac:chgData name="锐冰 郭" userId="8db852230c2a21fa" providerId="LiveId" clId="{B9ACC14C-47CE-4129-A3F7-519BA5756F05}" dt="2024-06-11T10:35:35.268" v="206" actId="478"/>
-          <ac:picMkLst>
-            <pc:docMk/>
-            <pc:sldMk cId="3964041085" sldId="261"/>
-            <ac:picMk id="5" creationId="{3440325C-A625-9861-6C51-0F48032667AD}"/>
-          </ac:picMkLst>
-        </pc:picChg>
-        <pc:picChg chg="add mod">
-          <ac:chgData name="锐冰 郭" userId="8db852230c2a21fa" providerId="LiveId" clId="{B9ACC14C-47CE-4129-A3F7-519BA5756F05}" dt="2024-06-11T10:35:54.057" v="209" actId="1076"/>
-          <ac:picMkLst>
-            <pc:docMk/>
-            <pc:sldMk cId="3964041085" sldId="261"/>
-            <ac:picMk id="7" creationId="{6CE0690B-10DC-3314-5C9C-978907CCC68F}"/>
-          </ac:picMkLst>
-        </pc:picChg>
-      </pc:sldChg>
-      <pc:sldChg chg="addSp delSp modSp new mod">
-        <pc:chgData name="锐冰 郭" userId="8db852230c2a21fa" providerId="LiveId" clId="{B9ACC14C-47CE-4129-A3F7-519BA5756F05}" dt="2024-06-11T10:36:59.554" v="224"/>
-        <pc:sldMkLst>
-          <pc:docMk/>
-          <pc:sldMk cId="3858535594" sldId="262"/>
-        </pc:sldMkLst>
-        <pc:spChg chg="mod">
-          <ac:chgData name="锐冰 郭" userId="8db852230c2a21fa" providerId="LiveId" clId="{B9ACC14C-47CE-4129-A3F7-519BA5756F05}" dt="2024-06-11T10:36:59.554" v="224"/>
-          <ac:spMkLst>
-            <pc:docMk/>
-            <pc:sldMk cId="3858535594" sldId="262"/>
-            <ac:spMk id="2" creationId="{84F03362-BF2A-583F-6086-04703CB3915C}"/>
-          </ac:spMkLst>
-        </pc:spChg>
-        <pc:spChg chg="del">
-          <ac:chgData name="锐冰 郭" userId="8db852230c2a21fa" providerId="LiveId" clId="{B9ACC14C-47CE-4129-A3F7-519BA5756F05}" dt="2024-06-11T10:36:40.160" v="215" actId="22"/>
-          <ac:spMkLst>
-            <pc:docMk/>
-            <pc:sldMk cId="3858535594" sldId="262"/>
-            <ac:spMk id="3" creationId="{90E097D0-18EC-48F3-8268-EB2C615C6934}"/>
-          </ac:spMkLst>
-        </pc:spChg>
-        <pc:picChg chg="add mod ord">
-          <ac:chgData name="锐冰 郭" userId="8db852230c2a21fa" providerId="LiveId" clId="{B9ACC14C-47CE-4129-A3F7-519BA5756F05}" dt="2024-06-11T10:36:40.160" v="215" actId="22"/>
-          <ac:picMkLst>
-            <pc:docMk/>
-            <pc:sldMk cId="3858535594" sldId="262"/>
-            <ac:picMk id="5" creationId="{C1300B95-16E9-8192-C24F-D0070EDCDBE1}"/>
-          </ac:picMkLst>
-        </pc:picChg>
-      </pc:sldChg>
-      <pc:sldChg chg="addSp modSp new mod">
-        <pc:chgData name="锐冰 郭" userId="8db852230c2a21fa" providerId="LiveId" clId="{B9ACC14C-47CE-4129-A3F7-519BA5756F05}" dt="2024-06-11T10:40:09.413" v="336" actId="14100"/>
-        <pc:sldMkLst>
-          <pc:docMk/>
-          <pc:sldMk cId="421035534" sldId="263"/>
-        </pc:sldMkLst>
-        <pc:spChg chg="mod">
-          <ac:chgData name="锐冰 郭" userId="8db852230c2a21fa" providerId="LiveId" clId="{B9ACC14C-47CE-4129-A3F7-519BA5756F05}" dt="2024-06-11T10:37:16.805" v="229"/>
-          <ac:spMkLst>
-            <pc:docMk/>
-            <pc:sldMk cId="421035534" sldId="263"/>
-            <ac:spMk id="2" creationId="{92A799F5-019B-441D-2BA7-6AD12367267A}"/>
-          </ac:spMkLst>
-        </pc:spChg>
-        <pc:spChg chg="mod">
-          <ac:chgData name="锐冰 郭" userId="8db852230c2a21fa" providerId="LiveId" clId="{B9ACC14C-47CE-4129-A3F7-519BA5756F05}" dt="2024-06-11T10:39:43.507" v="332" actId="14100"/>
-          <ac:spMkLst>
-            <pc:docMk/>
-            <pc:sldMk cId="421035534" sldId="263"/>
-            <ac:spMk id="3" creationId="{0C8F96E2-0E6D-174A-A068-C4137E9B679A}"/>
-          </ac:spMkLst>
-        </pc:spChg>
-        <pc:picChg chg="add mod">
-          <ac:chgData name="锐冰 郭" userId="8db852230c2a21fa" providerId="LiveId" clId="{B9ACC14C-47CE-4129-A3F7-519BA5756F05}" dt="2024-06-11T10:40:09.413" v="336" actId="14100"/>
-          <ac:picMkLst>
-            <pc:docMk/>
-            <pc:sldMk cId="421035534" sldId="263"/>
-            <ac:picMk id="5" creationId="{66FA1B38-3828-B38E-3A3F-30AAD440E259}"/>
-          </ac:picMkLst>
-        </pc:picChg>
-      </pc:sldChg>
-      <pc:sldChg chg="addSp delSp modSp new mod">
-        <pc:chgData name="锐冰 郭" userId="8db852230c2a21fa" providerId="LiveId" clId="{B9ACC14C-47CE-4129-A3F7-519BA5756F05}" dt="2024-06-11T10:42:00.937" v="354" actId="1076"/>
-        <pc:sldMkLst>
-          <pc:docMk/>
-          <pc:sldMk cId="3475902319" sldId="264"/>
-        </pc:sldMkLst>
-        <pc:spChg chg="del">
-          <ac:chgData name="锐冰 郭" userId="8db852230c2a21fa" providerId="LiveId" clId="{B9ACC14C-47CE-4129-A3F7-519BA5756F05}" dt="2024-06-11T10:40:50.715" v="341" actId="478"/>
-          <ac:spMkLst>
-            <pc:docMk/>
-            <pc:sldMk cId="3475902319" sldId="264"/>
-            <ac:spMk id="2" creationId="{9520AC19-D518-2BEE-453A-CC9C756A206E}"/>
-          </ac:spMkLst>
-        </pc:spChg>
-        <pc:spChg chg="del">
-          <ac:chgData name="锐冰 郭" userId="8db852230c2a21fa" providerId="LiveId" clId="{B9ACC14C-47CE-4129-A3F7-519BA5756F05}" dt="2024-06-11T10:40:49.538" v="340" actId="478"/>
-          <ac:spMkLst>
-            <pc:docMk/>
-            <pc:sldMk cId="3475902319" sldId="264"/>
-            <ac:spMk id="3" creationId="{86834BE4-886C-E3CE-B91A-D24F8722DE86}"/>
-          </ac:spMkLst>
-        </pc:spChg>
-        <pc:picChg chg="add mod">
-          <ac:chgData name="锐冰 郭" userId="8db852230c2a21fa" providerId="LiveId" clId="{B9ACC14C-47CE-4129-A3F7-519BA5756F05}" dt="2024-06-11T10:40:54.426" v="343" actId="1076"/>
-          <ac:picMkLst>
-            <pc:docMk/>
-            <pc:sldMk cId="3475902319" sldId="264"/>
-            <ac:picMk id="5" creationId="{EC4B23A6-73CC-EE2E-5F36-91F92662A59F}"/>
-          </ac:picMkLst>
-        </pc:picChg>
-        <pc:picChg chg="add del mod">
-          <ac:chgData name="锐冰 郭" userId="8db852230c2a21fa" providerId="LiveId" clId="{B9ACC14C-47CE-4129-A3F7-519BA5756F05}" dt="2024-06-11T10:41:14.377" v="346" actId="478"/>
-          <ac:picMkLst>
-            <pc:docMk/>
-            <pc:sldMk cId="3475902319" sldId="264"/>
-            <ac:picMk id="7" creationId="{CDC110BE-F1EA-FD5B-7F99-1184E5A6224D}"/>
-          </ac:picMkLst>
-        </pc:picChg>
-        <pc:picChg chg="add mod">
-          <ac:chgData name="锐冰 郭" userId="8db852230c2a21fa" providerId="LiveId" clId="{B9ACC14C-47CE-4129-A3F7-519BA5756F05}" dt="2024-06-11T10:41:30.641" v="348" actId="1076"/>
-          <ac:picMkLst>
-            <pc:docMk/>
-            <pc:sldMk cId="3475902319" sldId="264"/>
-            <ac:picMk id="9" creationId="{01094B45-6080-FF46-9F87-07FFBF6D6E1B}"/>
-          </ac:picMkLst>
-        </pc:picChg>
-        <pc:picChg chg="add mod">
-          <ac:chgData name="锐冰 郭" userId="8db852230c2a21fa" providerId="LiveId" clId="{B9ACC14C-47CE-4129-A3F7-519BA5756F05}" dt="2024-06-11T10:41:49.019" v="352" actId="14100"/>
-          <ac:picMkLst>
-            <pc:docMk/>
-            <pc:sldMk cId="3475902319" sldId="264"/>
-            <ac:picMk id="11" creationId="{7162AE46-BC74-E676-77E1-FC2F65709B58}"/>
-          </ac:picMkLst>
-        </pc:picChg>
-        <pc:picChg chg="add mod">
-          <ac:chgData name="锐冰 郭" userId="8db852230c2a21fa" providerId="LiveId" clId="{B9ACC14C-47CE-4129-A3F7-519BA5756F05}" dt="2024-06-11T10:42:00.937" v="354" actId="1076"/>
-          <ac:picMkLst>
-            <pc:docMk/>
-            <pc:sldMk cId="3475902319" sldId="264"/>
-            <ac:picMk id="13" creationId="{463AF7C8-FF6A-6EC3-9996-2A5FF8543C0C}"/>
-          </ac:picMkLst>
-        </pc:picChg>
-      </pc:sldChg>
-      <pc:sldChg chg="addSp delSp modSp new mod">
-        <pc:chgData name="锐冰 郭" userId="8db852230c2a21fa" providerId="LiveId" clId="{B9ACC14C-47CE-4129-A3F7-519BA5756F05}" dt="2024-06-11T10:42:37.968" v="363"/>
-        <pc:sldMkLst>
-          <pc:docMk/>
-          <pc:sldMk cId="2062552370" sldId="265"/>
-        </pc:sldMkLst>
-        <pc:spChg chg="del">
-          <ac:chgData name="锐冰 郭" userId="8db852230c2a21fa" providerId="LiveId" clId="{B9ACC14C-47CE-4129-A3F7-519BA5756F05}" dt="2024-06-11T10:42:13.052" v="356" actId="478"/>
-          <ac:spMkLst>
-            <pc:docMk/>
-            <pc:sldMk cId="2062552370" sldId="265"/>
-            <ac:spMk id="2" creationId="{7A1BB1AC-071C-C48A-B5C5-4E8A78F6D417}"/>
-          </ac:spMkLst>
-        </pc:spChg>
-        <pc:spChg chg="del">
-          <ac:chgData name="锐冰 郭" userId="8db852230c2a21fa" providerId="LiveId" clId="{B9ACC14C-47CE-4129-A3F7-519BA5756F05}" dt="2024-06-11T10:42:16.346" v="357" actId="478"/>
-          <ac:spMkLst>
-            <pc:docMk/>
-            <pc:sldMk cId="2062552370" sldId="265"/>
-            <ac:spMk id="3" creationId="{0CDE1253-9B05-3B65-2E99-2A9711A0B433}"/>
-          </ac:spMkLst>
-        </pc:spChg>
-        <pc:spChg chg="add mod">
-          <ac:chgData name="锐冰 郭" userId="8db852230c2a21fa" providerId="LiveId" clId="{B9ACC14C-47CE-4129-A3F7-519BA5756F05}" dt="2024-06-11T10:42:37.968" v="363"/>
-          <ac:spMkLst>
-            <pc:docMk/>
-            <pc:sldMk cId="2062552370" sldId="265"/>
-            <ac:spMk id="4" creationId="{3B16728D-DE7D-BC50-B090-89BE5CA54C47}"/>
-          </ac:spMkLst>
-        </pc:spChg>
-      </pc:sldChg>
-    </pc:docChg>
-  </pc:docChgLst>
-</pc:chgInfo>
-</file>
-
 <file path=ppt/notesMasters/notesMaster1.xml><?xml version="1.0" encoding="utf-8"?>
 <p:notesMaster xmlns:a="http://schemas.openxmlformats.org/drawingml/2006/main" xmlns:r="http://schemas.openxmlformats.org/officeDocument/2006/relationships" xmlns:p="http://schemas.openxmlformats.org/presentationml/2006/main">
   <p:cSld>
@@ -535,7 +216,7 @@
           <a:p>
             <a:fld id="{EE735FA3-F676-412C-9550-996A1B1B64BF}" type="datetimeFigureOut">
               <a:rPr lang="zh-CN" altLang="en-US" smtClean="0"/>
-              <a:t>2024/6/11</a:t>
+              <a:t>2024/6/14</a:t>
             </a:fld>
             <a:endParaRPr lang="zh-CN" altLang="en-US"/>
           </a:p>
@@ -700,11 +381,6 @@
         </p:txBody>
       </p:sp>
     </p:spTree>
-    <p:extLst>
-      <p:ext uri="{BB962C8B-B14F-4D97-AF65-F5344CB8AC3E}">
-        <p14:creationId xmlns:p14="http://schemas.microsoft.com/office/powerpoint/2010/main" val="4273210838"/>
-      </p:ext>
-    </p:extLst>
   </p:cSld>
   <p:clrMap bg1="lt1" tx1="dk1" bg2="lt2" tx2="dk2" accent1="accent1" accent2="accent2" accent3="accent3" accent4="accent4" accent5="accent5" accent6="accent6" hlink="hlink" folHlink="folHlink"/>
   <p:notesStyle>
@@ -867,18 +543,13 @@
           <a:p>
             <a:fld id="{737FD16C-0BF2-4D2B-A449-806687E3285D}" type="slidenum">
               <a:rPr lang="zh-CN" altLang="en-US" smtClean="0"/>
-              <a:t>14</a:t>
+              <a:t>16</a:t>
             </a:fld>
             <a:endParaRPr lang="zh-CN" altLang="en-US"/>
           </a:p>
         </p:txBody>
       </p:sp>
     </p:spTree>
-    <p:extLst>
-      <p:ext uri="{BB962C8B-B14F-4D97-AF65-F5344CB8AC3E}">
-        <p14:creationId xmlns:p14="http://schemas.microsoft.com/office/powerpoint/2010/main" val="99398984"/>
-      </p:ext>
-    </p:extLst>
   </p:cSld>
   <p:clrMapOvr>
     <a:masterClrMapping/>
@@ -905,13 +576,7 @@
       </p:grpSpPr>
       <p:sp>
         <p:nvSpPr>
-          <p:cNvPr id="2" name="标题 1">
-            <a:extLst>
-              <a:ext uri="{FF2B5EF4-FFF2-40B4-BE49-F238E27FC236}">
-                <a16:creationId xmlns:a16="http://schemas.microsoft.com/office/drawing/2014/main" id="{49B8E2AE-B775-EF83-2F27-56B87FE0A2CB}"/>
-              </a:ext>
-            </a:extLst>
-          </p:cNvPr>
+          <p:cNvPr id="2" name="标题 1"/>
           <p:cNvSpPr>
             <a:spLocks noGrp="1"/>
           </p:cNvSpPr>
@@ -942,13 +607,7 @@
       </p:sp>
       <p:sp>
         <p:nvSpPr>
-          <p:cNvPr id="3" name="副标题 2">
-            <a:extLst>
-              <a:ext uri="{FF2B5EF4-FFF2-40B4-BE49-F238E27FC236}">
-                <a16:creationId xmlns:a16="http://schemas.microsoft.com/office/drawing/2014/main" id="{F0CC72BC-7457-0C5F-349E-6D1E882592DA}"/>
-              </a:ext>
-            </a:extLst>
-          </p:cNvPr>
+          <p:cNvPr id="3" name="副标题 2"/>
           <p:cNvSpPr>
             <a:spLocks noGrp="1"/>
           </p:cNvSpPr>
@@ -1012,13 +671,7 @@
       </p:sp>
       <p:sp>
         <p:nvSpPr>
-          <p:cNvPr id="4" name="日期占位符 3">
-            <a:extLst>
-              <a:ext uri="{FF2B5EF4-FFF2-40B4-BE49-F238E27FC236}">
-                <a16:creationId xmlns:a16="http://schemas.microsoft.com/office/drawing/2014/main" id="{A4112DBE-C45F-F1AD-E432-4FB4733B5F32}"/>
-              </a:ext>
-            </a:extLst>
-          </p:cNvPr>
+          <p:cNvPr id="4" name="日期占位符 3"/>
           <p:cNvSpPr>
             <a:spLocks noGrp="1"/>
           </p:cNvSpPr>
@@ -1033,7 +686,7 @@
           <a:p>
             <a:fld id="{1F55A17C-B346-4B1C-A3B9-E322F38847E5}" type="datetimeFigureOut">
               <a:rPr lang="zh-CN" altLang="en-US" smtClean="0"/>
-              <a:t>2024/6/11</a:t>
+              <a:t>2024/6/14</a:t>
             </a:fld>
             <a:endParaRPr lang="zh-CN" altLang="en-US"/>
           </a:p>
@@ -1041,13 +694,7 @@
       </p:sp>
       <p:sp>
         <p:nvSpPr>
-          <p:cNvPr id="5" name="页脚占位符 4">
-            <a:extLst>
-              <a:ext uri="{FF2B5EF4-FFF2-40B4-BE49-F238E27FC236}">
-                <a16:creationId xmlns:a16="http://schemas.microsoft.com/office/drawing/2014/main" id="{38804E96-8851-F1D0-F344-4BE69846BF5F}"/>
-              </a:ext>
-            </a:extLst>
-          </p:cNvPr>
+          <p:cNvPr id="5" name="页脚占位符 4"/>
           <p:cNvSpPr>
             <a:spLocks noGrp="1"/>
           </p:cNvSpPr>
@@ -1066,13 +713,7 @@
       </p:sp>
       <p:sp>
         <p:nvSpPr>
-          <p:cNvPr id="6" name="灯片编号占位符 5">
-            <a:extLst>
-              <a:ext uri="{FF2B5EF4-FFF2-40B4-BE49-F238E27FC236}">
-                <a16:creationId xmlns:a16="http://schemas.microsoft.com/office/drawing/2014/main" id="{8F36E274-B566-2D08-8927-4612CE8FF575}"/>
-              </a:ext>
-            </a:extLst>
-          </p:cNvPr>
+          <p:cNvPr id="6" name="灯片编号占位符 5"/>
           <p:cNvSpPr>
             <a:spLocks noGrp="1"/>
           </p:cNvSpPr>
@@ -1094,11 +735,6 @@
         </p:txBody>
       </p:sp>
     </p:spTree>
-    <p:extLst>
-      <p:ext uri="{BB962C8B-B14F-4D97-AF65-F5344CB8AC3E}">
-        <p14:creationId xmlns:p14="http://schemas.microsoft.com/office/powerpoint/2010/main" val="2829668115"/>
-      </p:ext>
-    </p:extLst>
   </p:cSld>
   <p:clrMapOvr>
     <a:masterClrMapping/>
@@ -1125,13 +761,7 @@
       </p:grpSpPr>
       <p:sp>
         <p:nvSpPr>
-          <p:cNvPr id="2" name="标题 1">
-            <a:extLst>
-              <a:ext uri="{FF2B5EF4-FFF2-40B4-BE49-F238E27FC236}">
-                <a16:creationId xmlns:a16="http://schemas.microsoft.com/office/drawing/2014/main" id="{9B90D558-5843-8D31-6743-6F81905CEFC5}"/>
-              </a:ext>
-            </a:extLst>
-          </p:cNvPr>
+          <p:cNvPr id="2" name="标题 1"/>
           <p:cNvSpPr>
             <a:spLocks noGrp="1"/>
           </p:cNvSpPr>
@@ -1153,13 +783,7 @@
       </p:sp>
       <p:sp>
         <p:nvSpPr>
-          <p:cNvPr id="3" name="竖排文字占位符 2">
-            <a:extLst>
-              <a:ext uri="{FF2B5EF4-FFF2-40B4-BE49-F238E27FC236}">
-                <a16:creationId xmlns:a16="http://schemas.microsoft.com/office/drawing/2014/main" id="{8FB3F852-52E2-B17C-6B76-44B6CC966C10}"/>
-              </a:ext>
-            </a:extLst>
-          </p:cNvPr>
+          <p:cNvPr id="3" name="竖排文字占位符 2"/>
           <p:cNvSpPr>
             <a:spLocks noGrp="1"/>
           </p:cNvSpPr>
@@ -1210,13 +834,7 @@
       </p:sp>
       <p:sp>
         <p:nvSpPr>
-          <p:cNvPr id="4" name="日期占位符 3">
-            <a:extLst>
-              <a:ext uri="{FF2B5EF4-FFF2-40B4-BE49-F238E27FC236}">
-                <a16:creationId xmlns:a16="http://schemas.microsoft.com/office/drawing/2014/main" id="{2BF69E17-69E8-DA9E-4CC4-2EC8D483FAAE}"/>
-              </a:ext>
-            </a:extLst>
-          </p:cNvPr>
+          <p:cNvPr id="4" name="日期占位符 3"/>
           <p:cNvSpPr>
             <a:spLocks noGrp="1"/>
           </p:cNvSpPr>
@@ -1231,7 +849,7 @@
           <a:p>
             <a:fld id="{1F55A17C-B346-4B1C-A3B9-E322F38847E5}" type="datetimeFigureOut">
               <a:rPr lang="zh-CN" altLang="en-US" smtClean="0"/>
-              <a:t>2024/6/11</a:t>
+              <a:t>2024/6/14</a:t>
             </a:fld>
             <a:endParaRPr lang="zh-CN" altLang="en-US"/>
           </a:p>
@@ -1239,13 +857,7 @@
       </p:sp>
       <p:sp>
         <p:nvSpPr>
-          <p:cNvPr id="5" name="页脚占位符 4">
-            <a:extLst>
-              <a:ext uri="{FF2B5EF4-FFF2-40B4-BE49-F238E27FC236}">
-                <a16:creationId xmlns:a16="http://schemas.microsoft.com/office/drawing/2014/main" id="{3D6C1F46-1AD2-15C0-4540-920AAD094C35}"/>
-              </a:ext>
-            </a:extLst>
-          </p:cNvPr>
+          <p:cNvPr id="5" name="页脚占位符 4"/>
           <p:cNvSpPr>
             <a:spLocks noGrp="1"/>
           </p:cNvSpPr>
@@ -1264,13 +876,7 @@
       </p:sp>
       <p:sp>
         <p:nvSpPr>
-          <p:cNvPr id="6" name="灯片编号占位符 5">
-            <a:extLst>
-              <a:ext uri="{FF2B5EF4-FFF2-40B4-BE49-F238E27FC236}">
-                <a16:creationId xmlns:a16="http://schemas.microsoft.com/office/drawing/2014/main" id="{6A37843D-E6DA-05F2-884C-20113A3BBE11}"/>
-              </a:ext>
-            </a:extLst>
-          </p:cNvPr>
+          <p:cNvPr id="6" name="灯片编号占位符 5"/>
           <p:cNvSpPr>
             <a:spLocks noGrp="1"/>
           </p:cNvSpPr>
@@ -1292,11 +898,6 @@
         </p:txBody>
       </p:sp>
     </p:spTree>
-    <p:extLst>
-      <p:ext uri="{BB962C8B-B14F-4D97-AF65-F5344CB8AC3E}">
-        <p14:creationId xmlns:p14="http://schemas.microsoft.com/office/powerpoint/2010/main" val="830202888"/>
-      </p:ext>
-    </p:extLst>
   </p:cSld>
   <p:clrMapOvr>
     <a:masterClrMapping/>
@@ -1323,13 +924,7 @@
       </p:grpSpPr>
       <p:sp>
         <p:nvSpPr>
-          <p:cNvPr id="2" name="竖排标题 1">
-            <a:extLst>
-              <a:ext uri="{FF2B5EF4-FFF2-40B4-BE49-F238E27FC236}">
-                <a16:creationId xmlns:a16="http://schemas.microsoft.com/office/drawing/2014/main" id="{B7D542D6-22A3-F6C7-777E-C0147C0A5A35}"/>
-              </a:ext>
-            </a:extLst>
-          </p:cNvPr>
+          <p:cNvPr id="2" name="竖排标题 1"/>
           <p:cNvSpPr>
             <a:spLocks noGrp="1"/>
           </p:cNvSpPr>
@@ -1356,13 +951,7 @@
       </p:sp>
       <p:sp>
         <p:nvSpPr>
-          <p:cNvPr id="3" name="竖排文字占位符 2">
-            <a:extLst>
-              <a:ext uri="{FF2B5EF4-FFF2-40B4-BE49-F238E27FC236}">
-                <a16:creationId xmlns:a16="http://schemas.microsoft.com/office/drawing/2014/main" id="{4953F338-C490-F112-6DB1-AA9551440B8C}"/>
-              </a:ext>
-            </a:extLst>
-          </p:cNvPr>
+          <p:cNvPr id="3" name="竖排文字占位符 2"/>
           <p:cNvSpPr>
             <a:spLocks noGrp="1"/>
           </p:cNvSpPr>
@@ -1418,13 +1007,7 @@
       </p:sp>
       <p:sp>
         <p:nvSpPr>
-          <p:cNvPr id="4" name="日期占位符 3">
-            <a:extLst>
-              <a:ext uri="{FF2B5EF4-FFF2-40B4-BE49-F238E27FC236}">
-                <a16:creationId xmlns:a16="http://schemas.microsoft.com/office/drawing/2014/main" id="{98EA6B05-8C1B-4669-1342-C9147EFF055D}"/>
-              </a:ext>
-            </a:extLst>
-          </p:cNvPr>
+          <p:cNvPr id="4" name="日期占位符 3"/>
           <p:cNvSpPr>
             <a:spLocks noGrp="1"/>
           </p:cNvSpPr>
@@ -1439,7 +1022,7 @@
           <a:p>
             <a:fld id="{1F55A17C-B346-4B1C-A3B9-E322F38847E5}" type="datetimeFigureOut">
               <a:rPr lang="zh-CN" altLang="en-US" smtClean="0"/>
-              <a:t>2024/6/11</a:t>
+              <a:t>2024/6/14</a:t>
             </a:fld>
             <a:endParaRPr lang="zh-CN" altLang="en-US"/>
           </a:p>
@@ -1447,13 +1030,7 @@
       </p:sp>
       <p:sp>
         <p:nvSpPr>
-          <p:cNvPr id="5" name="页脚占位符 4">
-            <a:extLst>
-              <a:ext uri="{FF2B5EF4-FFF2-40B4-BE49-F238E27FC236}">
-                <a16:creationId xmlns:a16="http://schemas.microsoft.com/office/drawing/2014/main" id="{0086C5A8-B89F-E66A-26E3-3BA181D58219}"/>
-              </a:ext>
-            </a:extLst>
-          </p:cNvPr>
+          <p:cNvPr id="5" name="页脚占位符 4"/>
           <p:cNvSpPr>
             <a:spLocks noGrp="1"/>
           </p:cNvSpPr>
@@ -1472,13 +1049,7 @@
       </p:sp>
       <p:sp>
         <p:nvSpPr>
-          <p:cNvPr id="6" name="灯片编号占位符 5">
-            <a:extLst>
-              <a:ext uri="{FF2B5EF4-FFF2-40B4-BE49-F238E27FC236}">
-                <a16:creationId xmlns:a16="http://schemas.microsoft.com/office/drawing/2014/main" id="{C3534663-2E0F-C210-75FF-F791B49C6A92}"/>
-              </a:ext>
-            </a:extLst>
-          </p:cNvPr>
+          <p:cNvPr id="6" name="灯片编号占位符 5"/>
           <p:cNvSpPr>
             <a:spLocks noGrp="1"/>
           </p:cNvSpPr>
@@ -1500,11 +1071,6 @@
         </p:txBody>
       </p:sp>
     </p:spTree>
-    <p:extLst>
-      <p:ext uri="{BB962C8B-B14F-4D97-AF65-F5344CB8AC3E}">
-        <p14:creationId xmlns:p14="http://schemas.microsoft.com/office/powerpoint/2010/main" val="2020813148"/>
-      </p:ext>
-    </p:extLst>
   </p:cSld>
   <p:clrMapOvr>
     <a:masterClrMapping/>
@@ -1531,13 +1097,7 @@
       </p:grpSpPr>
       <p:sp>
         <p:nvSpPr>
-          <p:cNvPr id="2" name="标题 1">
-            <a:extLst>
-              <a:ext uri="{FF2B5EF4-FFF2-40B4-BE49-F238E27FC236}">
-                <a16:creationId xmlns:a16="http://schemas.microsoft.com/office/drawing/2014/main" id="{B878D265-73BB-C322-0EDE-48F9A97684E0}"/>
-              </a:ext>
-            </a:extLst>
-          </p:cNvPr>
+          <p:cNvPr id="2" name="标题 1"/>
           <p:cNvSpPr>
             <a:spLocks noGrp="1"/>
           </p:cNvSpPr>
@@ -1559,13 +1119,7 @@
       </p:sp>
       <p:sp>
         <p:nvSpPr>
-          <p:cNvPr id="3" name="内容占位符 2">
-            <a:extLst>
-              <a:ext uri="{FF2B5EF4-FFF2-40B4-BE49-F238E27FC236}">
-                <a16:creationId xmlns:a16="http://schemas.microsoft.com/office/drawing/2014/main" id="{E3546063-23F0-5AC5-BA8E-FCB5987FD4CC}"/>
-              </a:ext>
-            </a:extLst>
-          </p:cNvPr>
+          <p:cNvPr id="3" name="内容占位符 2"/>
           <p:cNvSpPr>
             <a:spLocks noGrp="1"/>
           </p:cNvSpPr>
@@ -1616,13 +1170,7 @@
       </p:sp>
       <p:sp>
         <p:nvSpPr>
-          <p:cNvPr id="4" name="日期占位符 3">
-            <a:extLst>
-              <a:ext uri="{FF2B5EF4-FFF2-40B4-BE49-F238E27FC236}">
-                <a16:creationId xmlns:a16="http://schemas.microsoft.com/office/drawing/2014/main" id="{8D34B2E6-C9DE-AA33-F435-B65EA7904BDC}"/>
-              </a:ext>
-            </a:extLst>
-          </p:cNvPr>
+          <p:cNvPr id="4" name="日期占位符 3"/>
           <p:cNvSpPr>
             <a:spLocks noGrp="1"/>
           </p:cNvSpPr>
@@ -1637,7 +1185,7 @@
           <a:p>
             <a:fld id="{1F55A17C-B346-4B1C-A3B9-E322F38847E5}" type="datetimeFigureOut">
               <a:rPr lang="zh-CN" altLang="en-US" smtClean="0"/>
-              <a:t>2024/6/11</a:t>
+              <a:t>2024/6/14</a:t>
             </a:fld>
             <a:endParaRPr lang="zh-CN" altLang="en-US"/>
           </a:p>
@@ -1645,13 +1193,7 @@
       </p:sp>
       <p:sp>
         <p:nvSpPr>
-          <p:cNvPr id="5" name="页脚占位符 4">
-            <a:extLst>
-              <a:ext uri="{FF2B5EF4-FFF2-40B4-BE49-F238E27FC236}">
-                <a16:creationId xmlns:a16="http://schemas.microsoft.com/office/drawing/2014/main" id="{76F2FEB3-E862-7AD9-4668-CCAE3BA54EF7}"/>
-              </a:ext>
-            </a:extLst>
-          </p:cNvPr>
+          <p:cNvPr id="5" name="页脚占位符 4"/>
           <p:cNvSpPr>
             <a:spLocks noGrp="1"/>
           </p:cNvSpPr>
@@ -1670,13 +1212,7 @@
       </p:sp>
       <p:sp>
         <p:nvSpPr>
-          <p:cNvPr id="6" name="灯片编号占位符 5">
-            <a:extLst>
-              <a:ext uri="{FF2B5EF4-FFF2-40B4-BE49-F238E27FC236}">
-                <a16:creationId xmlns:a16="http://schemas.microsoft.com/office/drawing/2014/main" id="{89B3E677-9425-FBC8-5326-6D2553A70A0D}"/>
-              </a:ext>
-            </a:extLst>
-          </p:cNvPr>
+          <p:cNvPr id="6" name="灯片编号占位符 5"/>
           <p:cNvSpPr>
             <a:spLocks noGrp="1"/>
           </p:cNvSpPr>
@@ -1698,11 +1234,6 @@
         </p:txBody>
       </p:sp>
     </p:spTree>
-    <p:extLst>
-      <p:ext uri="{BB962C8B-B14F-4D97-AF65-F5344CB8AC3E}">
-        <p14:creationId xmlns:p14="http://schemas.microsoft.com/office/powerpoint/2010/main" val="224638876"/>
-      </p:ext>
-    </p:extLst>
   </p:cSld>
   <p:clrMapOvr>
     <a:masterClrMapping/>
@@ -1729,13 +1260,7 @@
       </p:grpSpPr>
       <p:sp>
         <p:nvSpPr>
-          <p:cNvPr id="2" name="标题 1">
-            <a:extLst>
-              <a:ext uri="{FF2B5EF4-FFF2-40B4-BE49-F238E27FC236}">
-                <a16:creationId xmlns:a16="http://schemas.microsoft.com/office/drawing/2014/main" id="{B87EEAC1-5879-266B-574D-6AF1C3D8D1A9}"/>
-              </a:ext>
-            </a:extLst>
-          </p:cNvPr>
+          <p:cNvPr id="2" name="标题 1"/>
           <p:cNvSpPr>
             <a:spLocks noGrp="1"/>
           </p:cNvSpPr>
@@ -1766,13 +1291,7 @@
       </p:sp>
       <p:sp>
         <p:nvSpPr>
-          <p:cNvPr id="3" name="文本占位符 2">
-            <a:extLst>
-              <a:ext uri="{FF2B5EF4-FFF2-40B4-BE49-F238E27FC236}">
-                <a16:creationId xmlns:a16="http://schemas.microsoft.com/office/drawing/2014/main" id="{129BBE8B-878F-6CD5-F56B-D0B1691922C1}"/>
-              </a:ext>
-            </a:extLst>
-          </p:cNvPr>
+          <p:cNvPr id="3" name="文本占位符 2"/>
           <p:cNvSpPr>
             <a:spLocks noGrp="1"/>
           </p:cNvSpPr>
@@ -1891,13 +1410,7 @@
       </p:sp>
       <p:sp>
         <p:nvSpPr>
-          <p:cNvPr id="4" name="日期占位符 3">
-            <a:extLst>
-              <a:ext uri="{FF2B5EF4-FFF2-40B4-BE49-F238E27FC236}">
-                <a16:creationId xmlns:a16="http://schemas.microsoft.com/office/drawing/2014/main" id="{7D6A2A7E-774F-1935-2E51-0F3AE98A6CF6}"/>
-              </a:ext>
-            </a:extLst>
-          </p:cNvPr>
+          <p:cNvPr id="4" name="日期占位符 3"/>
           <p:cNvSpPr>
             <a:spLocks noGrp="1"/>
           </p:cNvSpPr>
@@ -1912,7 +1425,7 @@
           <a:p>
             <a:fld id="{1F55A17C-B346-4B1C-A3B9-E322F38847E5}" type="datetimeFigureOut">
               <a:rPr lang="zh-CN" altLang="en-US" smtClean="0"/>
-              <a:t>2024/6/11</a:t>
+              <a:t>2024/6/14</a:t>
             </a:fld>
             <a:endParaRPr lang="zh-CN" altLang="en-US"/>
           </a:p>
@@ -1920,13 +1433,7 @@
       </p:sp>
       <p:sp>
         <p:nvSpPr>
-          <p:cNvPr id="5" name="页脚占位符 4">
-            <a:extLst>
-              <a:ext uri="{FF2B5EF4-FFF2-40B4-BE49-F238E27FC236}">
-                <a16:creationId xmlns:a16="http://schemas.microsoft.com/office/drawing/2014/main" id="{3B9F1F78-FDC4-AA2A-DA60-C9BE30A1EAA2}"/>
-              </a:ext>
-            </a:extLst>
-          </p:cNvPr>
+          <p:cNvPr id="5" name="页脚占位符 4"/>
           <p:cNvSpPr>
             <a:spLocks noGrp="1"/>
           </p:cNvSpPr>
@@ -1945,13 +1452,7 @@
       </p:sp>
       <p:sp>
         <p:nvSpPr>
-          <p:cNvPr id="6" name="灯片编号占位符 5">
-            <a:extLst>
-              <a:ext uri="{FF2B5EF4-FFF2-40B4-BE49-F238E27FC236}">
-                <a16:creationId xmlns:a16="http://schemas.microsoft.com/office/drawing/2014/main" id="{E44D4FF4-7BD4-5811-1BD8-81835C0E9ED8}"/>
-              </a:ext>
-            </a:extLst>
-          </p:cNvPr>
+          <p:cNvPr id="6" name="灯片编号占位符 5"/>
           <p:cNvSpPr>
             <a:spLocks noGrp="1"/>
           </p:cNvSpPr>
@@ -1973,11 +1474,6 @@
         </p:txBody>
       </p:sp>
     </p:spTree>
-    <p:extLst>
-      <p:ext uri="{BB962C8B-B14F-4D97-AF65-F5344CB8AC3E}">
-        <p14:creationId xmlns:p14="http://schemas.microsoft.com/office/powerpoint/2010/main" val="4137258070"/>
-      </p:ext>
-    </p:extLst>
   </p:cSld>
   <p:clrMapOvr>
     <a:masterClrMapping/>
@@ -2004,13 +1500,7 @@
       </p:grpSpPr>
       <p:sp>
         <p:nvSpPr>
-          <p:cNvPr id="2" name="标题 1">
-            <a:extLst>
-              <a:ext uri="{FF2B5EF4-FFF2-40B4-BE49-F238E27FC236}">
-                <a16:creationId xmlns:a16="http://schemas.microsoft.com/office/drawing/2014/main" id="{9B516C7D-56E1-3537-699A-62B4EAB35D04}"/>
-              </a:ext>
-            </a:extLst>
-          </p:cNvPr>
+          <p:cNvPr id="2" name="标题 1"/>
           <p:cNvSpPr>
             <a:spLocks noGrp="1"/>
           </p:cNvSpPr>
@@ -2032,13 +1522,7 @@
       </p:sp>
       <p:sp>
         <p:nvSpPr>
-          <p:cNvPr id="3" name="内容占位符 2">
-            <a:extLst>
-              <a:ext uri="{FF2B5EF4-FFF2-40B4-BE49-F238E27FC236}">
-                <a16:creationId xmlns:a16="http://schemas.microsoft.com/office/drawing/2014/main" id="{70AE85F1-DCC8-3730-4751-589380472412}"/>
-              </a:ext>
-            </a:extLst>
-          </p:cNvPr>
+          <p:cNvPr id="3" name="内容占位符 2"/>
           <p:cNvSpPr>
             <a:spLocks noGrp="1"/>
           </p:cNvSpPr>
@@ -2094,13 +1578,7 @@
       </p:sp>
       <p:sp>
         <p:nvSpPr>
-          <p:cNvPr id="4" name="内容占位符 3">
-            <a:extLst>
-              <a:ext uri="{FF2B5EF4-FFF2-40B4-BE49-F238E27FC236}">
-                <a16:creationId xmlns:a16="http://schemas.microsoft.com/office/drawing/2014/main" id="{0A0595EB-2C9E-FE99-B8D4-26A8EC7EB8E6}"/>
-              </a:ext>
-            </a:extLst>
-          </p:cNvPr>
+          <p:cNvPr id="4" name="内容占位符 3"/>
           <p:cNvSpPr>
             <a:spLocks noGrp="1"/>
           </p:cNvSpPr>
@@ -2156,13 +1634,7 @@
       </p:sp>
       <p:sp>
         <p:nvSpPr>
-          <p:cNvPr id="5" name="日期占位符 4">
-            <a:extLst>
-              <a:ext uri="{FF2B5EF4-FFF2-40B4-BE49-F238E27FC236}">
-                <a16:creationId xmlns:a16="http://schemas.microsoft.com/office/drawing/2014/main" id="{ADD6FA99-B505-B06D-461E-65D363F682D6}"/>
-              </a:ext>
-            </a:extLst>
-          </p:cNvPr>
+          <p:cNvPr id="5" name="日期占位符 4"/>
           <p:cNvSpPr>
             <a:spLocks noGrp="1"/>
           </p:cNvSpPr>
@@ -2177,7 +1649,7 @@
           <a:p>
             <a:fld id="{1F55A17C-B346-4B1C-A3B9-E322F38847E5}" type="datetimeFigureOut">
               <a:rPr lang="zh-CN" altLang="en-US" smtClean="0"/>
-              <a:t>2024/6/11</a:t>
+              <a:t>2024/6/14</a:t>
             </a:fld>
             <a:endParaRPr lang="zh-CN" altLang="en-US"/>
           </a:p>
@@ -2185,13 +1657,7 @@
       </p:sp>
       <p:sp>
         <p:nvSpPr>
-          <p:cNvPr id="6" name="页脚占位符 5">
-            <a:extLst>
-              <a:ext uri="{FF2B5EF4-FFF2-40B4-BE49-F238E27FC236}">
-                <a16:creationId xmlns:a16="http://schemas.microsoft.com/office/drawing/2014/main" id="{139D63C1-A900-A15F-EDC9-325F7ACDAD24}"/>
-              </a:ext>
-            </a:extLst>
-          </p:cNvPr>
+          <p:cNvPr id="6" name="页脚占位符 5"/>
           <p:cNvSpPr>
             <a:spLocks noGrp="1"/>
           </p:cNvSpPr>
@@ -2210,13 +1676,7 @@
       </p:sp>
       <p:sp>
         <p:nvSpPr>
-          <p:cNvPr id="7" name="灯片编号占位符 6">
-            <a:extLst>
-              <a:ext uri="{FF2B5EF4-FFF2-40B4-BE49-F238E27FC236}">
-                <a16:creationId xmlns:a16="http://schemas.microsoft.com/office/drawing/2014/main" id="{C5783DA1-757A-1DF5-53FC-B52D2AF62B2B}"/>
-              </a:ext>
-            </a:extLst>
-          </p:cNvPr>
+          <p:cNvPr id="7" name="灯片编号占位符 6"/>
           <p:cNvSpPr>
             <a:spLocks noGrp="1"/>
           </p:cNvSpPr>
@@ -2238,11 +1698,6 @@
         </p:txBody>
       </p:sp>
     </p:spTree>
-    <p:extLst>
-      <p:ext uri="{BB962C8B-B14F-4D97-AF65-F5344CB8AC3E}">
-        <p14:creationId xmlns:p14="http://schemas.microsoft.com/office/powerpoint/2010/main" val="141053932"/>
-      </p:ext>
-    </p:extLst>
   </p:cSld>
   <p:clrMapOvr>
     <a:masterClrMapping/>
@@ -2269,13 +1724,7 @@
       </p:grpSpPr>
       <p:sp>
         <p:nvSpPr>
-          <p:cNvPr id="2" name="标题 1">
-            <a:extLst>
-              <a:ext uri="{FF2B5EF4-FFF2-40B4-BE49-F238E27FC236}">
-                <a16:creationId xmlns:a16="http://schemas.microsoft.com/office/drawing/2014/main" id="{B73B0605-6820-F8BB-F80D-D5D6E14032FA}"/>
-              </a:ext>
-            </a:extLst>
-          </p:cNvPr>
+          <p:cNvPr id="2" name="标题 1"/>
           <p:cNvSpPr>
             <a:spLocks noGrp="1"/>
           </p:cNvSpPr>
@@ -2302,13 +1751,7 @@
       </p:sp>
       <p:sp>
         <p:nvSpPr>
-          <p:cNvPr id="3" name="文本占位符 2">
-            <a:extLst>
-              <a:ext uri="{FF2B5EF4-FFF2-40B4-BE49-F238E27FC236}">
-                <a16:creationId xmlns:a16="http://schemas.microsoft.com/office/drawing/2014/main" id="{A4F4826E-306E-6269-4E67-EC87716299BC}"/>
-              </a:ext>
-            </a:extLst>
-          </p:cNvPr>
+          <p:cNvPr id="3" name="文本占位符 2"/>
           <p:cNvSpPr>
             <a:spLocks noGrp="1"/>
           </p:cNvSpPr>
@@ -2373,13 +1816,7 @@
       </p:sp>
       <p:sp>
         <p:nvSpPr>
-          <p:cNvPr id="4" name="内容占位符 3">
-            <a:extLst>
-              <a:ext uri="{FF2B5EF4-FFF2-40B4-BE49-F238E27FC236}">
-                <a16:creationId xmlns:a16="http://schemas.microsoft.com/office/drawing/2014/main" id="{7443B1E3-E6B1-A576-2DA5-9468C3E00906}"/>
-              </a:ext>
-            </a:extLst>
-          </p:cNvPr>
+          <p:cNvPr id="4" name="内容占位符 3"/>
           <p:cNvSpPr>
             <a:spLocks noGrp="1"/>
           </p:cNvSpPr>
@@ -2435,13 +1872,7 @@
       </p:sp>
       <p:sp>
         <p:nvSpPr>
-          <p:cNvPr id="5" name="文本占位符 4">
-            <a:extLst>
-              <a:ext uri="{FF2B5EF4-FFF2-40B4-BE49-F238E27FC236}">
-                <a16:creationId xmlns:a16="http://schemas.microsoft.com/office/drawing/2014/main" id="{1B720230-D6F0-FC74-34A6-2D5DBB2728F8}"/>
-              </a:ext>
-            </a:extLst>
-          </p:cNvPr>
+          <p:cNvPr id="5" name="文本占位符 4"/>
           <p:cNvSpPr>
             <a:spLocks noGrp="1"/>
           </p:cNvSpPr>
@@ -2506,13 +1937,7 @@
       </p:sp>
       <p:sp>
         <p:nvSpPr>
-          <p:cNvPr id="6" name="内容占位符 5">
-            <a:extLst>
-              <a:ext uri="{FF2B5EF4-FFF2-40B4-BE49-F238E27FC236}">
-                <a16:creationId xmlns:a16="http://schemas.microsoft.com/office/drawing/2014/main" id="{3DFBFB82-16E1-07F1-7932-4F6AAFA48AE5}"/>
-              </a:ext>
-            </a:extLst>
-          </p:cNvPr>
+          <p:cNvPr id="6" name="内容占位符 5"/>
           <p:cNvSpPr>
             <a:spLocks noGrp="1"/>
           </p:cNvSpPr>
@@ -2568,13 +1993,7 @@
       </p:sp>
       <p:sp>
         <p:nvSpPr>
-          <p:cNvPr id="7" name="日期占位符 6">
-            <a:extLst>
-              <a:ext uri="{FF2B5EF4-FFF2-40B4-BE49-F238E27FC236}">
-                <a16:creationId xmlns:a16="http://schemas.microsoft.com/office/drawing/2014/main" id="{275AE5EB-BBC7-69E1-CF2E-776D79742231}"/>
-              </a:ext>
-            </a:extLst>
-          </p:cNvPr>
+          <p:cNvPr id="7" name="日期占位符 6"/>
           <p:cNvSpPr>
             <a:spLocks noGrp="1"/>
           </p:cNvSpPr>
@@ -2589,7 +2008,7 @@
           <a:p>
             <a:fld id="{1F55A17C-B346-4B1C-A3B9-E322F38847E5}" type="datetimeFigureOut">
               <a:rPr lang="zh-CN" altLang="en-US" smtClean="0"/>
-              <a:t>2024/6/11</a:t>
+              <a:t>2024/6/14</a:t>
             </a:fld>
             <a:endParaRPr lang="zh-CN" altLang="en-US"/>
           </a:p>
@@ -2597,13 +2016,7 @@
       </p:sp>
       <p:sp>
         <p:nvSpPr>
-          <p:cNvPr id="8" name="页脚占位符 7">
-            <a:extLst>
-              <a:ext uri="{FF2B5EF4-FFF2-40B4-BE49-F238E27FC236}">
-                <a16:creationId xmlns:a16="http://schemas.microsoft.com/office/drawing/2014/main" id="{72761A22-193F-2026-4131-D17597DA547E}"/>
-              </a:ext>
-            </a:extLst>
-          </p:cNvPr>
+          <p:cNvPr id="8" name="页脚占位符 7"/>
           <p:cNvSpPr>
             <a:spLocks noGrp="1"/>
           </p:cNvSpPr>
@@ -2622,13 +2035,7 @@
       </p:sp>
       <p:sp>
         <p:nvSpPr>
-          <p:cNvPr id="9" name="灯片编号占位符 8">
-            <a:extLst>
-              <a:ext uri="{FF2B5EF4-FFF2-40B4-BE49-F238E27FC236}">
-                <a16:creationId xmlns:a16="http://schemas.microsoft.com/office/drawing/2014/main" id="{4F589938-F794-B81D-700C-35A328D2196A}"/>
-              </a:ext>
-            </a:extLst>
-          </p:cNvPr>
+          <p:cNvPr id="9" name="灯片编号占位符 8"/>
           <p:cNvSpPr>
             <a:spLocks noGrp="1"/>
           </p:cNvSpPr>
@@ -2650,11 +2057,6 @@
         </p:txBody>
       </p:sp>
     </p:spTree>
-    <p:extLst>
-      <p:ext uri="{BB962C8B-B14F-4D97-AF65-F5344CB8AC3E}">
-        <p14:creationId xmlns:p14="http://schemas.microsoft.com/office/powerpoint/2010/main" val="2084403314"/>
-      </p:ext>
-    </p:extLst>
   </p:cSld>
   <p:clrMapOvr>
     <a:masterClrMapping/>
@@ -2681,13 +2083,7 @@
       </p:grpSpPr>
       <p:sp>
         <p:nvSpPr>
-          <p:cNvPr id="2" name="标题 1">
-            <a:extLst>
-              <a:ext uri="{FF2B5EF4-FFF2-40B4-BE49-F238E27FC236}">
-                <a16:creationId xmlns:a16="http://schemas.microsoft.com/office/drawing/2014/main" id="{A35A0329-204B-BC5F-9FC5-2CFA36244E8B}"/>
-              </a:ext>
-            </a:extLst>
-          </p:cNvPr>
+          <p:cNvPr id="2" name="标题 1"/>
           <p:cNvSpPr>
             <a:spLocks noGrp="1"/>
           </p:cNvSpPr>
@@ -2709,13 +2105,7 @@
       </p:sp>
       <p:sp>
         <p:nvSpPr>
-          <p:cNvPr id="3" name="日期占位符 2">
-            <a:extLst>
-              <a:ext uri="{FF2B5EF4-FFF2-40B4-BE49-F238E27FC236}">
-                <a16:creationId xmlns:a16="http://schemas.microsoft.com/office/drawing/2014/main" id="{96E20300-717C-A7A6-3A6E-53C376198DA9}"/>
-              </a:ext>
-            </a:extLst>
-          </p:cNvPr>
+          <p:cNvPr id="3" name="日期占位符 2"/>
           <p:cNvSpPr>
             <a:spLocks noGrp="1"/>
           </p:cNvSpPr>
@@ -2730,7 +2120,7 @@
           <a:p>
             <a:fld id="{1F55A17C-B346-4B1C-A3B9-E322F38847E5}" type="datetimeFigureOut">
               <a:rPr lang="zh-CN" altLang="en-US" smtClean="0"/>
-              <a:t>2024/6/11</a:t>
+              <a:t>2024/6/14</a:t>
             </a:fld>
             <a:endParaRPr lang="zh-CN" altLang="en-US"/>
           </a:p>
@@ -2738,13 +2128,7 @@
       </p:sp>
       <p:sp>
         <p:nvSpPr>
-          <p:cNvPr id="4" name="页脚占位符 3">
-            <a:extLst>
-              <a:ext uri="{FF2B5EF4-FFF2-40B4-BE49-F238E27FC236}">
-                <a16:creationId xmlns:a16="http://schemas.microsoft.com/office/drawing/2014/main" id="{9D5DD8D7-2824-EFEA-E0E8-B205EB7BA2B4}"/>
-              </a:ext>
-            </a:extLst>
-          </p:cNvPr>
+          <p:cNvPr id="4" name="页脚占位符 3"/>
           <p:cNvSpPr>
             <a:spLocks noGrp="1"/>
           </p:cNvSpPr>
@@ -2763,13 +2147,7 @@
       </p:sp>
       <p:sp>
         <p:nvSpPr>
-          <p:cNvPr id="5" name="灯片编号占位符 4">
-            <a:extLst>
-              <a:ext uri="{FF2B5EF4-FFF2-40B4-BE49-F238E27FC236}">
-                <a16:creationId xmlns:a16="http://schemas.microsoft.com/office/drawing/2014/main" id="{EBCE963D-6A9B-A456-0DA3-6D0555376FDA}"/>
-              </a:ext>
-            </a:extLst>
-          </p:cNvPr>
+          <p:cNvPr id="5" name="灯片编号占位符 4"/>
           <p:cNvSpPr>
             <a:spLocks noGrp="1"/>
           </p:cNvSpPr>
@@ -2791,11 +2169,6 @@
         </p:txBody>
       </p:sp>
     </p:spTree>
-    <p:extLst>
-      <p:ext uri="{BB962C8B-B14F-4D97-AF65-F5344CB8AC3E}">
-        <p14:creationId xmlns:p14="http://schemas.microsoft.com/office/powerpoint/2010/main" val="3290100921"/>
-      </p:ext>
-    </p:extLst>
   </p:cSld>
   <p:clrMapOvr>
     <a:masterClrMapping/>
@@ -2822,13 +2195,7 @@
       </p:grpSpPr>
       <p:sp>
         <p:nvSpPr>
-          <p:cNvPr id="2" name="日期占位符 1">
-            <a:extLst>
-              <a:ext uri="{FF2B5EF4-FFF2-40B4-BE49-F238E27FC236}">
-                <a16:creationId xmlns:a16="http://schemas.microsoft.com/office/drawing/2014/main" id="{374C1DF7-C399-FABE-CE4B-F50312733FB9}"/>
-              </a:ext>
-            </a:extLst>
-          </p:cNvPr>
+          <p:cNvPr id="2" name="日期占位符 1"/>
           <p:cNvSpPr>
             <a:spLocks noGrp="1"/>
           </p:cNvSpPr>
@@ -2843,7 +2210,7 @@
           <a:p>
             <a:fld id="{1F55A17C-B346-4B1C-A3B9-E322F38847E5}" type="datetimeFigureOut">
               <a:rPr lang="zh-CN" altLang="en-US" smtClean="0"/>
-              <a:t>2024/6/11</a:t>
+              <a:t>2024/6/14</a:t>
             </a:fld>
             <a:endParaRPr lang="zh-CN" altLang="en-US"/>
           </a:p>
@@ -2851,13 +2218,7 @@
       </p:sp>
       <p:sp>
         <p:nvSpPr>
-          <p:cNvPr id="3" name="页脚占位符 2">
-            <a:extLst>
-              <a:ext uri="{FF2B5EF4-FFF2-40B4-BE49-F238E27FC236}">
-                <a16:creationId xmlns:a16="http://schemas.microsoft.com/office/drawing/2014/main" id="{497588B4-BDA9-CBCA-EFE0-5063B0F72ADD}"/>
-              </a:ext>
-            </a:extLst>
-          </p:cNvPr>
+          <p:cNvPr id="3" name="页脚占位符 2"/>
           <p:cNvSpPr>
             <a:spLocks noGrp="1"/>
           </p:cNvSpPr>
@@ -2876,13 +2237,7 @@
       </p:sp>
       <p:sp>
         <p:nvSpPr>
-          <p:cNvPr id="4" name="灯片编号占位符 3">
-            <a:extLst>
-              <a:ext uri="{FF2B5EF4-FFF2-40B4-BE49-F238E27FC236}">
-                <a16:creationId xmlns:a16="http://schemas.microsoft.com/office/drawing/2014/main" id="{02EBC3C9-731D-7EE6-34F2-023FA95DD2F6}"/>
-              </a:ext>
-            </a:extLst>
-          </p:cNvPr>
+          <p:cNvPr id="4" name="灯片编号占位符 3"/>
           <p:cNvSpPr>
             <a:spLocks noGrp="1"/>
           </p:cNvSpPr>
@@ -2904,11 +2259,6 @@
         </p:txBody>
       </p:sp>
     </p:spTree>
-    <p:extLst>
-      <p:ext uri="{BB962C8B-B14F-4D97-AF65-F5344CB8AC3E}">
-        <p14:creationId xmlns:p14="http://schemas.microsoft.com/office/powerpoint/2010/main" val="1348585455"/>
-      </p:ext>
-    </p:extLst>
   </p:cSld>
   <p:clrMapOvr>
     <a:masterClrMapping/>
@@ -2935,13 +2285,7 @@
       </p:grpSpPr>
       <p:sp>
         <p:nvSpPr>
-          <p:cNvPr id="2" name="标题 1">
-            <a:extLst>
-              <a:ext uri="{FF2B5EF4-FFF2-40B4-BE49-F238E27FC236}">
-                <a16:creationId xmlns:a16="http://schemas.microsoft.com/office/drawing/2014/main" id="{58AD7C71-1AEB-7611-81C6-729A9391F885}"/>
-              </a:ext>
-            </a:extLst>
-          </p:cNvPr>
+          <p:cNvPr id="2" name="标题 1"/>
           <p:cNvSpPr>
             <a:spLocks noGrp="1"/>
           </p:cNvSpPr>
@@ -2972,13 +2316,7 @@
       </p:sp>
       <p:sp>
         <p:nvSpPr>
-          <p:cNvPr id="3" name="内容占位符 2">
-            <a:extLst>
-              <a:ext uri="{FF2B5EF4-FFF2-40B4-BE49-F238E27FC236}">
-                <a16:creationId xmlns:a16="http://schemas.microsoft.com/office/drawing/2014/main" id="{9C94FD2F-7667-5E69-65B5-E889187953AB}"/>
-              </a:ext>
-            </a:extLst>
-          </p:cNvPr>
+          <p:cNvPr id="3" name="内容占位符 2"/>
           <p:cNvSpPr>
             <a:spLocks noGrp="1"/>
           </p:cNvSpPr>
@@ -3062,13 +2400,7 @@
       </p:sp>
       <p:sp>
         <p:nvSpPr>
-          <p:cNvPr id="4" name="文本占位符 3">
-            <a:extLst>
-              <a:ext uri="{FF2B5EF4-FFF2-40B4-BE49-F238E27FC236}">
-                <a16:creationId xmlns:a16="http://schemas.microsoft.com/office/drawing/2014/main" id="{B9B7D697-CAE5-EAFB-BC83-DD13F55FCB9D}"/>
-              </a:ext>
-            </a:extLst>
-          </p:cNvPr>
+          <p:cNvPr id="4" name="文本占位符 3"/>
           <p:cNvSpPr>
             <a:spLocks noGrp="1"/>
           </p:cNvSpPr>
@@ -3133,13 +2465,7 @@
       </p:sp>
       <p:sp>
         <p:nvSpPr>
-          <p:cNvPr id="5" name="日期占位符 4">
-            <a:extLst>
-              <a:ext uri="{FF2B5EF4-FFF2-40B4-BE49-F238E27FC236}">
-                <a16:creationId xmlns:a16="http://schemas.microsoft.com/office/drawing/2014/main" id="{AF1C8F2E-DA78-DB0A-0F48-EA54F218464D}"/>
-              </a:ext>
-            </a:extLst>
-          </p:cNvPr>
+          <p:cNvPr id="5" name="日期占位符 4"/>
           <p:cNvSpPr>
             <a:spLocks noGrp="1"/>
           </p:cNvSpPr>
@@ -3154,7 +2480,7 @@
           <a:p>
             <a:fld id="{1F55A17C-B346-4B1C-A3B9-E322F38847E5}" type="datetimeFigureOut">
               <a:rPr lang="zh-CN" altLang="en-US" smtClean="0"/>
-              <a:t>2024/6/11</a:t>
+              <a:t>2024/6/14</a:t>
             </a:fld>
             <a:endParaRPr lang="zh-CN" altLang="en-US"/>
           </a:p>
@@ -3162,13 +2488,7 @@
       </p:sp>
       <p:sp>
         <p:nvSpPr>
-          <p:cNvPr id="6" name="页脚占位符 5">
-            <a:extLst>
-              <a:ext uri="{FF2B5EF4-FFF2-40B4-BE49-F238E27FC236}">
-                <a16:creationId xmlns:a16="http://schemas.microsoft.com/office/drawing/2014/main" id="{31C079D3-4158-FE23-223D-48AFC027955F}"/>
-              </a:ext>
-            </a:extLst>
-          </p:cNvPr>
+          <p:cNvPr id="6" name="页脚占位符 5"/>
           <p:cNvSpPr>
             <a:spLocks noGrp="1"/>
           </p:cNvSpPr>
@@ -3187,13 +2507,7 @@
       </p:sp>
       <p:sp>
         <p:nvSpPr>
-          <p:cNvPr id="7" name="灯片编号占位符 6">
-            <a:extLst>
-              <a:ext uri="{FF2B5EF4-FFF2-40B4-BE49-F238E27FC236}">
-                <a16:creationId xmlns:a16="http://schemas.microsoft.com/office/drawing/2014/main" id="{C4D6DDC7-9332-3A7C-3636-7F489FA4734C}"/>
-              </a:ext>
-            </a:extLst>
-          </p:cNvPr>
+          <p:cNvPr id="7" name="灯片编号占位符 6"/>
           <p:cNvSpPr>
             <a:spLocks noGrp="1"/>
           </p:cNvSpPr>
@@ -3215,11 +2529,6 @@
         </p:txBody>
       </p:sp>
     </p:spTree>
-    <p:extLst>
-      <p:ext uri="{BB962C8B-B14F-4D97-AF65-F5344CB8AC3E}">
-        <p14:creationId xmlns:p14="http://schemas.microsoft.com/office/powerpoint/2010/main" val="3491534384"/>
-      </p:ext>
-    </p:extLst>
   </p:cSld>
   <p:clrMapOvr>
     <a:masterClrMapping/>
@@ -3246,13 +2555,7 @@
       </p:grpSpPr>
       <p:sp>
         <p:nvSpPr>
-          <p:cNvPr id="2" name="标题 1">
-            <a:extLst>
-              <a:ext uri="{FF2B5EF4-FFF2-40B4-BE49-F238E27FC236}">
-                <a16:creationId xmlns:a16="http://schemas.microsoft.com/office/drawing/2014/main" id="{C096A5DA-4366-67EF-9A7E-D12452492696}"/>
-              </a:ext>
-            </a:extLst>
-          </p:cNvPr>
+          <p:cNvPr id="2" name="标题 1"/>
           <p:cNvSpPr>
             <a:spLocks noGrp="1"/>
           </p:cNvSpPr>
@@ -3283,13 +2586,7 @@
       </p:sp>
       <p:sp>
         <p:nvSpPr>
-          <p:cNvPr id="3" name="图片占位符 2">
-            <a:extLst>
-              <a:ext uri="{FF2B5EF4-FFF2-40B4-BE49-F238E27FC236}">
-                <a16:creationId xmlns:a16="http://schemas.microsoft.com/office/drawing/2014/main" id="{11D4957D-1518-82A9-0633-C20C87C7BD2E}"/>
-              </a:ext>
-            </a:extLst>
-          </p:cNvPr>
+          <p:cNvPr id="3" name="图片占位符 2"/>
           <p:cNvSpPr>
             <a:spLocks noGrp="1"/>
           </p:cNvSpPr>
@@ -3350,13 +2647,7 @@
       </p:sp>
       <p:sp>
         <p:nvSpPr>
-          <p:cNvPr id="4" name="文本占位符 3">
-            <a:extLst>
-              <a:ext uri="{FF2B5EF4-FFF2-40B4-BE49-F238E27FC236}">
-                <a16:creationId xmlns:a16="http://schemas.microsoft.com/office/drawing/2014/main" id="{2BC7E179-A9B0-F241-9266-888CE9DFEED6}"/>
-              </a:ext>
-            </a:extLst>
-          </p:cNvPr>
+          <p:cNvPr id="4" name="文本占位符 3"/>
           <p:cNvSpPr>
             <a:spLocks noGrp="1"/>
           </p:cNvSpPr>
@@ -3421,13 +2712,7 @@
       </p:sp>
       <p:sp>
         <p:nvSpPr>
-          <p:cNvPr id="5" name="日期占位符 4">
-            <a:extLst>
-              <a:ext uri="{FF2B5EF4-FFF2-40B4-BE49-F238E27FC236}">
-                <a16:creationId xmlns:a16="http://schemas.microsoft.com/office/drawing/2014/main" id="{6EBE30D3-48B1-2CB6-BC53-BE98CBC0E488}"/>
-              </a:ext>
-            </a:extLst>
-          </p:cNvPr>
+          <p:cNvPr id="5" name="日期占位符 4"/>
           <p:cNvSpPr>
             <a:spLocks noGrp="1"/>
           </p:cNvSpPr>
@@ -3442,7 +2727,7 @@
           <a:p>
             <a:fld id="{1F55A17C-B346-4B1C-A3B9-E322F38847E5}" type="datetimeFigureOut">
               <a:rPr lang="zh-CN" altLang="en-US" smtClean="0"/>
-              <a:t>2024/6/11</a:t>
+              <a:t>2024/6/14</a:t>
             </a:fld>
             <a:endParaRPr lang="zh-CN" altLang="en-US"/>
           </a:p>
@@ -3450,13 +2735,7 @@
       </p:sp>
       <p:sp>
         <p:nvSpPr>
-          <p:cNvPr id="6" name="页脚占位符 5">
-            <a:extLst>
-              <a:ext uri="{FF2B5EF4-FFF2-40B4-BE49-F238E27FC236}">
-                <a16:creationId xmlns:a16="http://schemas.microsoft.com/office/drawing/2014/main" id="{93F28590-E534-5975-269A-791525555CE8}"/>
-              </a:ext>
-            </a:extLst>
-          </p:cNvPr>
+          <p:cNvPr id="6" name="页脚占位符 5"/>
           <p:cNvSpPr>
             <a:spLocks noGrp="1"/>
           </p:cNvSpPr>
@@ -3475,13 +2754,7 @@
       </p:sp>
       <p:sp>
         <p:nvSpPr>
-          <p:cNvPr id="7" name="灯片编号占位符 6">
-            <a:extLst>
-              <a:ext uri="{FF2B5EF4-FFF2-40B4-BE49-F238E27FC236}">
-                <a16:creationId xmlns:a16="http://schemas.microsoft.com/office/drawing/2014/main" id="{7C4773F9-F699-C29A-3157-671674E2D578}"/>
-              </a:ext>
-            </a:extLst>
-          </p:cNvPr>
+          <p:cNvPr id="7" name="灯片编号占位符 6"/>
           <p:cNvSpPr>
             <a:spLocks noGrp="1"/>
           </p:cNvSpPr>
@@ -3503,11 +2776,6 @@
         </p:txBody>
       </p:sp>
     </p:spTree>
-    <p:extLst>
-      <p:ext uri="{BB962C8B-B14F-4D97-AF65-F5344CB8AC3E}">
-        <p14:creationId xmlns:p14="http://schemas.microsoft.com/office/powerpoint/2010/main" val="1040850705"/>
-      </p:ext>
-    </p:extLst>
   </p:cSld>
   <p:clrMapOvr>
     <a:masterClrMapping/>
@@ -3520,7 +2788,7 @@
   <p:cSld>
     <p:bg>
       <p:bgRef idx="1001">
-        <a:schemeClr val="bg1"/>
+        <a:schemeClr val="bg2"/>
       </p:bgRef>
     </p:bg>
     <p:spTree>
@@ -3539,13 +2807,7 @@
       </p:grpSpPr>
       <p:sp>
         <p:nvSpPr>
-          <p:cNvPr id="2" name="标题占位符 1">
-            <a:extLst>
-              <a:ext uri="{FF2B5EF4-FFF2-40B4-BE49-F238E27FC236}">
-                <a16:creationId xmlns:a16="http://schemas.microsoft.com/office/drawing/2014/main" id="{9936EB1F-0DE7-FDF4-DF4F-A4550913F8B1}"/>
-              </a:ext>
-            </a:extLst>
-          </p:cNvPr>
+          <p:cNvPr id="2" name="标题占位符 1"/>
           <p:cNvSpPr>
             <a:spLocks noGrp="1"/>
           </p:cNvSpPr>
@@ -3577,13 +2839,7 @@
       </p:sp>
       <p:sp>
         <p:nvSpPr>
-          <p:cNvPr id="3" name="文本占位符 2">
-            <a:extLst>
-              <a:ext uri="{FF2B5EF4-FFF2-40B4-BE49-F238E27FC236}">
-                <a16:creationId xmlns:a16="http://schemas.microsoft.com/office/drawing/2014/main" id="{09F651CA-090D-E312-8FD6-2A4934C53557}"/>
-              </a:ext>
-            </a:extLst>
-          </p:cNvPr>
+          <p:cNvPr id="3" name="文本占位符 2"/>
           <p:cNvSpPr>
             <a:spLocks noGrp="1"/>
           </p:cNvSpPr>
@@ -3644,13 +2900,7 @@
       </p:sp>
       <p:sp>
         <p:nvSpPr>
-          <p:cNvPr id="4" name="日期占位符 3">
-            <a:extLst>
-              <a:ext uri="{FF2B5EF4-FFF2-40B4-BE49-F238E27FC236}">
-                <a16:creationId xmlns:a16="http://schemas.microsoft.com/office/drawing/2014/main" id="{29F2E8AB-0040-F63B-4936-4756F34319EB}"/>
-              </a:ext>
-            </a:extLst>
-          </p:cNvPr>
+          <p:cNvPr id="4" name="日期占位符 3"/>
           <p:cNvSpPr>
             <a:spLocks noGrp="1"/>
           </p:cNvSpPr>
@@ -3683,7 +2933,7 @@
           <a:p>
             <a:fld id="{1F55A17C-B346-4B1C-A3B9-E322F38847E5}" type="datetimeFigureOut">
               <a:rPr lang="zh-CN" altLang="en-US" smtClean="0"/>
-              <a:t>2024/6/11</a:t>
+              <a:t>2024/6/14</a:t>
             </a:fld>
             <a:endParaRPr lang="zh-CN" altLang="en-US"/>
           </a:p>
@@ -3691,13 +2941,7 @@
       </p:sp>
       <p:sp>
         <p:nvSpPr>
-          <p:cNvPr id="5" name="页脚占位符 4">
-            <a:extLst>
-              <a:ext uri="{FF2B5EF4-FFF2-40B4-BE49-F238E27FC236}">
-                <a16:creationId xmlns:a16="http://schemas.microsoft.com/office/drawing/2014/main" id="{E7F4E922-7E4E-B52E-B264-2A052CEF6B83}"/>
-              </a:ext>
-            </a:extLst>
-          </p:cNvPr>
+          <p:cNvPr id="5" name="页脚占位符 4"/>
           <p:cNvSpPr>
             <a:spLocks noGrp="1"/>
           </p:cNvSpPr>
@@ -3734,13 +2978,7 @@
       </p:sp>
       <p:sp>
         <p:nvSpPr>
-          <p:cNvPr id="6" name="灯片编号占位符 5">
-            <a:extLst>
-              <a:ext uri="{FF2B5EF4-FFF2-40B4-BE49-F238E27FC236}">
-                <a16:creationId xmlns:a16="http://schemas.microsoft.com/office/drawing/2014/main" id="{69EF95C9-B5CE-49C7-8400-DEED0ED22730}"/>
-              </a:ext>
-            </a:extLst>
-          </p:cNvPr>
+          <p:cNvPr id="6" name="灯片编号占位符 5"/>
           <p:cNvSpPr>
             <a:spLocks noGrp="1"/>
           </p:cNvSpPr>
@@ -3780,11 +3018,6 @@
         </p:txBody>
       </p:sp>
     </p:spTree>
-    <p:extLst>
-      <p:ext uri="{BB962C8B-B14F-4D97-AF65-F5344CB8AC3E}">
-        <p14:creationId xmlns:p14="http://schemas.microsoft.com/office/powerpoint/2010/main" val="3831097856"/>
-      </p:ext>
-    </p:extLst>
   </p:cSld>
   <p:clrMap bg1="lt1" tx1="dk1" bg2="lt2" tx2="dk2" accent1="accent1" accent2="accent2" accent3="accent3" accent4="accent4" accent5="accent5" accent6="accent6" hlink="hlink" folHlink="folHlink"/>
   <p:sldLayoutIdLst>
@@ -4102,13 +3335,7 @@
       </p:grpSpPr>
       <p:sp>
         <p:nvSpPr>
-          <p:cNvPr id="2" name="标题 1">
-            <a:extLst>
-              <a:ext uri="{FF2B5EF4-FFF2-40B4-BE49-F238E27FC236}">
-                <a16:creationId xmlns:a16="http://schemas.microsoft.com/office/drawing/2014/main" id="{28C1C572-F001-502E-C37D-A1F65B991E0B}"/>
-              </a:ext>
-            </a:extLst>
-          </p:cNvPr>
+          <p:cNvPr id="2" name="标题 1"/>
           <p:cNvSpPr>
             <a:spLocks noGrp="1"/>
           </p:cNvSpPr>
@@ -4130,13 +3357,7 @@
       </p:sp>
       <p:sp>
         <p:nvSpPr>
-          <p:cNvPr id="3" name="副标题 2">
-            <a:extLst>
-              <a:ext uri="{FF2B5EF4-FFF2-40B4-BE49-F238E27FC236}">
-                <a16:creationId xmlns:a16="http://schemas.microsoft.com/office/drawing/2014/main" id="{FC341F45-3F03-4035-0864-565D94C4CCEB}"/>
-              </a:ext>
-            </a:extLst>
-          </p:cNvPr>
+          <p:cNvPr id="3" name="副标题 2"/>
           <p:cNvSpPr>
             <a:spLocks noGrp="1"/>
           </p:cNvSpPr>
@@ -4180,11 +3401,6 @@
         </p:txBody>
       </p:sp>
     </p:spTree>
-    <p:extLst>
-      <p:ext uri="{BB962C8B-B14F-4D97-AF65-F5344CB8AC3E}">
-        <p14:creationId xmlns:p14="http://schemas.microsoft.com/office/powerpoint/2010/main" val="1586879342"/>
-      </p:ext>
-    </p:extLst>
   </p:cSld>
   <p:clrMapOvr>
     <a:masterClrMapping/>
@@ -4211,13 +3427,668 @@
       </p:grpSpPr>
       <p:sp>
         <p:nvSpPr>
-          <p:cNvPr id="4" name="文本框 3">
-            <a:extLst>
-              <a:ext uri="{FF2B5EF4-FFF2-40B4-BE49-F238E27FC236}">
-                <a16:creationId xmlns:a16="http://schemas.microsoft.com/office/drawing/2014/main" id="{B83DC108-55EE-449D-84B4-4D07E3B05168}"/>
-              </a:ext>
-            </a:extLst>
-          </p:cNvPr>
+          <p:cNvPr id="4" name="标题 1"/>
+          <p:cNvSpPr>
+            <a:spLocks noGrp="1"/>
+          </p:cNvSpPr>
+          <p:nvPr>
+            <p:ph type="title"/>
+          </p:nvPr>
+        </p:nvSpPr>
+        <p:spPr>
+          <a:xfrm>
+            <a:off x="353706" y="272956"/>
+            <a:ext cx="5617510" cy="672129"/>
+          </a:xfrm>
+        </p:spPr>
+        <p:txBody>
+          <a:bodyPr>
+            <a:normAutofit/>
+          </a:bodyPr>
+          <a:lstStyle/>
+          <a:p>
+            <a:r>
+              <a:rPr lang="en-US" altLang="zh-CN" sz="3600" b="1" u="sng" dirty="0" err="1">
+                <a:latin typeface="Times New Roman" panose="02020603050405020304" pitchFamily="18" charset="0"/>
+                <a:ea typeface="黑体" panose="02010609060101010101" pitchFamily="49" charset="-122"/>
+                <a:cs typeface="Times New Roman" panose="02020603050405020304" pitchFamily="18" charset="0"/>
+              </a:rPr>
+              <a:t>Implementation&amp;Training</a:t>
+            </a:r>
+            <a:endParaRPr lang="zh-CN" altLang="en-US" sz="3600" b="1" u="sng" dirty="0">
+              <a:latin typeface="Times New Roman" panose="02020603050405020304" pitchFamily="18" charset="0"/>
+              <a:ea typeface="黑体" panose="02010609060101010101" pitchFamily="49" charset="-122"/>
+              <a:cs typeface="Times New Roman" panose="02020603050405020304" pitchFamily="18" charset="0"/>
+            </a:endParaRPr>
+          </a:p>
+        </p:txBody>
+      </p:sp>
+      <p:sp>
+        <p:nvSpPr>
+          <p:cNvPr id="5" name="文本框 4"/>
+          <p:cNvSpPr txBox="1"/>
+          <p:nvPr/>
+        </p:nvSpPr>
+        <p:spPr>
+          <a:xfrm>
+            <a:off x="445760" y="1239051"/>
+            <a:ext cx="9383340" cy="829945"/>
+          </a:xfrm>
+          <a:prstGeom prst="rect">
+            <a:avLst/>
+          </a:prstGeom>
+          <a:noFill/>
+        </p:spPr>
+        <p:txBody>
+          <a:bodyPr wrap="square" rtlCol="0">
+            <a:spAutoFit/>
+          </a:bodyPr>
+          <a:lstStyle/>
+          <a:p>
+            <a:r>
+              <a:rPr lang="zh-CN" altLang="en-US" sz="2400" dirty="0">
+                <a:latin typeface="黑体" panose="02010609060101010101" pitchFamily="49" charset="-122"/>
+                <a:ea typeface="黑体" panose="02010609060101010101" pitchFamily="49" charset="-122"/>
+              </a:rPr>
+              <a:t>在完成上述设计后，使用</a:t>
+            </a:r>
+            <a:r>
+              <a:rPr lang="en-US" altLang="zh-CN" sz="2400" dirty="0" err="1">
+                <a:latin typeface="黑体" panose="02010609060101010101" pitchFamily="49" charset="-122"/>
+                <a:ea typeface="黑体" panose="02010609060101010101" pitchFamily="49" charset="-122"/>
+              </a:rPr>
+              <a:t>Pytorch</a:t>
+            </a:r>
+            <a:r>
+              <a:rPr lang="zh-CN" altLang="en-US" sz="2400" dirty="0">
+                <a:latin typeface="黑体" panose="02010609060101010101" pitchFamily="49" charset="-122"/>
+                <a:ea typeface="黑体" panose="02010609060101010101" pitchFamily="49" charset="-122"/>
+              </a:rPr>
+              <a:t>建立了相应的神经网络模型并进行训练：</a:t>
+            </a:r>
+          </a:p>
+        </p:txBody>
+      </p:sp>
+      <p:sp>
+        <p:nvSpPr>
+          <p:cNvPr id="6" name="文本框 5"/>
+          <p:cNvSpPr txBox="1"/>
+          <p:nvPr/>
+        </p:nvSpPr>
+        <p:spPr>
+          <a:xfrm>
+            <a:off x="1590994" y="1933127"/>
+            <a:ext cx="9010011" cy="4154170"/>
+          </a:xfrm>
+          <a:prstGeom prst="rect">
+            <a:avLst/>
+          </a:prstGeom>
+          <a:noFill/>
+        </p:spPr>
+        <p:txBody>
+          <a:bodyPr wrap="square" rtlCol="0">
+            <a:spAutoFit/>
+          </a:bodyPr>
+          <a:lstStyle/>
+          <a:p>
+            <a:pPr marL="285750" indent="-285750">
+              <a:lnSpc>
+                <a:spcPct val="150000"/>
+              </a:lnSpc>
+              <a:buFont typeface="Arial" panose="020B0604020202020204" pitchFamily="34" charset="0"/>
+              <a:buChar char="•"/>
+            </a:pPr>
+            <a:r>
+              <a:rPr lang="zh-CN" altLang="en-US" sz="2400" dirty="0">
+                <a:latin typeface="宋体" panose="02010600030101010101" pitchFamily="2" charset="-122"/>
+                <a:ea typeface="宋体" panose="02010600030101010101" pitchFamily="2" charset="-122"/>
+              </a:rPr>
+              <a:t>由于问题本身接近分类问题（看涨或看跌），所以采用了</a:t>
+            </a:r>
+            <a:r>
+              <a:rPr lang="en-US" altLang="zh-CN" sz="2800" b="1" dirty="0" err="1">
+                <a:latin typeface="宋体" panose="02010600030101010101" pitchFamily="2" charset="-122"/>
+                <a:ea typeface="宋体" panose="02010600030101010101" pitchFamily="2" charset="-122"/>
+              </a:rPr>
+              <a:t>CrossEntropyLoss</a:t>
+            </a:r>
+            <a:r>
+              <a:rPr lang="zh-CN" altLang="en-US" sz="2400" dirty="0">
+                <a:latin typeface="宋体" panose="02010600030101010101" pitchFamily="2" charset="-122"/>
+                <a:ea typeface="宋体" panose="02010600030101010101" pitchFamily="2" charset="-122"/>
+              </a:rPr>
+              <a:t>（交错熵）作为损失函数。</a:t>
+            </a:r>
+            <a:endParaRPr lang="en-US" altLang="zh-CN" sz="2400" dirty="0">
+              <a:latin typeface="宋体" panose="02010600030101010101" pitchFamily="2" charset="-122"/>
+              <a:ea typeface="宋体" panose="02010600030101010101" pitchFamily="2" charset="-122"/>
+            </a:endParaRPr>
+          </a:p>
+          <a:p>
+            <a:pPr marL="285750" indent="-285750">
+              <a:lnSpc>
+                <a:spcPct val="150000"/>
+              </a:lnSpc>
+              <a:buFont typeface="Arial" panose="020B0604020202020204" pitchFamily="34" charset="0"/>
+              <a:buChar char="•"/>
+            </a:pPr>
+            <a:r>
+              <a:rPr lang="zh-CN" altLang="en-US" sz="2400" dirty="0">
+                <a:latin typeface="宋体" panose="02010600030101010101" pitchFamily="2" charset="-122"/>
+                <a:ea typeface="宋体" panose="02010600030101010101" pitchFamily="2" charset="-122"/>
+              </a:rPr>
+              <a:t>通过查阅资料，选择</a:t>
+            </a:r>
+            <a:r>
+              <a:rPr lang="en-US" altLang="zh-CN" sz="2400" dirty="0">
+                <a:latin typeface="宋体" panose="02010600030101010101" pitchFamily="2" charset="-122"/>
+                <a:ea typeface="宋体" panose="02010600030101010101" pitchFamily="2" charset="-122"/>
+              </a:rPr>
+              <a:t>Adam</a:t>
+            </a:r>
+            <a:r>
+              <a:rPr lang="zh-CN" altLang="en-US" sz="2400" dirty="0">
+                <a:latin typeface="宋体" panose="02010600030101010101" pitchFamily="2" charset="-122"/>
+                <a:ea typeface="宋体" panose="02010600030101010101" pitchFamily="2" charset="-122"/>
+              </a:rPr>
+              <a:t>优化器作为训练过程的优化器。</a:t>
+            </a:r>
+            <a:endParaRPr lang="en-US" altLang="zh-CN" sz="2400" dirty="0">
+              <a:latin typeface="宋体" panose="02010600030101010101" pitchFamily="2" charset="-122"/>
+              <a:ea typeface="宋体" panose="02010600030101010101" pitchFamily="2" charset="-122"/>
+            </a:endParaRPr>
+          </a:p>
+          <a:p>
+            <a:pPr marL="285750" indent="-285750">
+              <a:lnSpc>
+                <a:spcPct val="150000"/>
+              </a:lnSpc>
+              <a:buFont typeface="Arial" panose="020B0604020202020204" pitchFamily="34" charset="0"/>
+              <a:buChar char="•"/>
+            </a:pPr>
+            <a:r>
+              <a:rPr lang="zh-CN" altLang="en-US" sz="2400" dirty="0">
+                <a:latin typeface="宋体" panose="02010600030101010101" pitchFamily="2" charset="-122"/>
+                <a:ea typeface="宋体" panose="02010600030101010101" pitchFamily="2" charset="-122"/>
+              </a:rPr>
+              <a:t>为了克服过拟合现象，采取了</a:t>
+            </a:r>
+            <a:r>
+              <a:rPr lang="en-US" altLang="zh-CN" sz="2800" b="1" dirty="0">
+                <a:latin typeface="宋体" panose="02010600030101010101" pitchFamily="2" charset="-122"/>
+                <a:ea typeface="宋体" panose="02010600030101010101" pitchFamily="2" charset="-122"/>
+              </a:rPr>
+              <a:t>dropout</a:t>
+            </a:r>
+            <a:r>
+              <a:rPr lang="zh-CN" altLang="en-US" sz="2400" dirty="0">
+                <a:latin typeface="宋体" panose="02010600030101010101" pitchFamily="2" charset="-122"/>
+                <a:ea typeface="宋体" panose="02010600030101010101" pitchFamily="2" charset="-122"/>
+              </a:rPr>
+              <a:t>手段，在训练时会随机丢弃部分神经元。</a:t>
+            </a:r>
+            <a:endParaRPr lang="en-US" altLang="zh-CN" sz="2400" dirty="0">
+              <a:latin typeface="宋体" panose="02010600030101010101" pitchFamily="2" charset="-122"/>
+              <a:ea typeface="宋体" panose="02010600030101010101" pitchFamily="2" charset="-122"/>
+            </a:endParaRPr>
+          </a:p>
+          <a:p>
+            <a:pPr marL="285750" indent="-285750">
+              <a:lnSpc>
+                <a:spcPct val="150000"/>
+              </a:lnSpc>
+              <a:buFont typeface="Arial" panose="020B0604020202020204" pitchFamily="34" charset="0"/>
+              <a:buChar char="•"/>
+            </a:pPr>
+            <a:r>
+              <a:rPr lang="zh-CN" altLang="en-US" sz="2400" dirty="0">
+                <a:latin typeface="宋体" panose="02010600030101010101" pitchFamily="2" charset="-122"/>
+                <a:ea typeface="宋体" panose="02010600030101010101" pitchFamily="2" charset="-122"/>
+              </a:rPr>
+              <a:t>为了加速训练，使用了本地的</a:t>
+            </a:r>
+            <a:r>
+              <a:rPr lang="en-US" altLang="zh-CN" sz="2400" dirty="0">
+                <a:latin typeface="宋体" panose="02010600030101010101" pitchFamily="2" charset="-122"/>
+                <a:ea typeface="宋体" panose="02010600030101010101" pitchFamily="2" charset="-122"/>
+              </a:rPr>
+              <a:t>RTX3060</a:t>
+            </a:r>
+            <a:r>
+              <a:rPr lang="zh-CN" altLang="en-US" sz="2400" dirty="0">
+                <a:latin typeface="宋体" panose="02010600030101010101" pitchFamily="2" charset="-122"/>
+                <a:ea typeface="宋体" panose="02010600030101010101" pitchFamily="2" charset="-122"/>
+              </a:rPr>
+              <a:t>和</a:t>
+            </a:r>
+            <a:r>
+              <a:rPr lang="en-US" altLang="zh-CN" sz="2400" dirty="0">
+                <a:latin typeface="宋体" panose="02010600030101010101" pitchFamily="2" charset="-122"/>
+                <a:ea typeface="宋体" panose="02010600030101010101" pitchFamily="2" charset="-122"/>
+              </a:rPr>
+              <a:t>RTX4060</a:t>
+            </a:r>
+            <a:r>
+              <a:rPr lang="zh-CN" altLang="en-US" sz="2400" dirty="0">
+                <a:latin typeface="宋体" panose="02010600030101010101" pitchFamily="2" charset="-122"/>
+                <a:ea typeface="宋体" panose="02010600030101010101" pitchFamily="2" charset="-122"/>
+              </a:rPr>
+              <a:t>，利用</a:t>
+            </a:r>
+            <a:r>
+              <a:rPr lang="en-US" altLang="zh-CN" sz="2400" dirty="0">
+                <a:latin typeface="宋体" panose="02010600030101010101" pitchFamily="2" charset="-122"/>
+                <a:ea typeface="宋体" panose="02010600030101010101" pitchFamily="2" charset="-122"/>
+              </a:rPr>
+              <a:t>CUDA</a:t>
+            </a:r>
+            <a:r>
+              <a:rPr lang="zh-CN" altLang="en-US" sz="2400" dirty="0">
+                <a:latin typeface="宋体" panose="02010600030101010101" pitchFamily="2" charset="-122"/>
+                <a:ea typeface="宋体" panose="02010600030101010101" pitchFamily="2" charset="-122"/>
+              </a:rPr>
+              <a:t>进行了</a:t>
+            </a:r>
+            <a:r>
+              <a:rPr lang="en-US" altLang="zh-CN" sz="2400" dirty="0">
+                <a:latin typeface="宋体" panose="02010600030101010101" pitchFamily="2" charset="-122"/>
+                <a:ea typeface="宋体" panose="02010600030101010101" pitchFamily="2" charset="-122"/>
+              </a:rPr>
+              <a:t>GPU</a:t>
+            </a:r>
+            <a:r>
+              <a:rPr lang="zh-CN" altLang="en-US" sz="2400" dirty="0">
+                <a:latin typeface="宋体" panose="02010600030101010101" pitchFamily="2" charset="-122"/>
+                <a:ea typeface="宋体" panose="02010600030101010101" pitchFamily="2" charset="-122"/>
+              </a:rPr>
+              <a:t>加速计算。</a:t>
+            </a:r>
+          </a:p>
+        </p:txBody>
+      </p:sp>
+    </p:spTree>
+  </p:cSld>
+  <p:clrMapOvr>
+    <a:masterClrMapping/>
+  </p:clrMapOvr>
+</p:sld>
+</file>
+
+<file path=ppt/slides/slide11.xml><?xml version="1.0" encoding="utf-8"?>
+<p:sld xmlns:a="http://schemas.openxmlformats.org/drawingml/2006/main" xmlns:r="http://schemas.openxmlformats.org/officeDocument/2006/relationships" xmlns:p="http://schemas.openxmlformats.org/presentationml/2006/main">
+  <p:cSld>
+    <p:spTree>
+      <p:nvGrpSpPr>
+        <p:cNvPr id="1" name=""/>
+        <p:cNvGrpSpPr/>
+        <p:nvPr/>
+      </p:nvGrpSpPr>
+      <p:grpSpPr>
+        <a:xfrm>
+          <a:off x="0" y="0"/>
+          <a:ext cx="0" cy="0"/>
+          <a:chOff x="0" y="0"/>
+          <a:chExt cx="0" cy="0"/>
+        </a:xfrm>
+      </p:grpSpPr>
+      <p:grpSp>
+        <p:nvGrpSpPr>
+          <p:cNvPr id="9" name="组合 8"/>
+          <p:cNvGrpSpPr/>
+          <p:nvPr/>
+        </p:nvGrpSpPr>
+        <p:grpSpPr>
+          <a:xfrm>
+            <a:off x="1678446" y="1607092"/>
+            <a:ext cx="8585540" cy="1962188"/>
+            <a:chOff x="1678446" y="4423317"/>
+            <a:chExt cx="8585540" cy="1962188"/>
+          </a:xfrm>
+        </p:grpSpPr>
+        <p:sp>
+          <p:nvSpPr>
+            <p:cNvPr id="7" name="文本框 6"/>
+            <p:cNvSpPr txBox="1"/>
+            <p:nvPr/>
+          </p:nvSpPr>
+          <p:spPr>
+            <a:xfrm>
+              <a:off x="1678446" y="4423317"/>
+              <a:ext cx="8585540" cy="460375"/>
+            </a:xfrm>
+            <a:prstGeom prst="rect">
+              <a:avLst/>
+            </a:prstGeom>
+            <a:noFill/>
+            <a:ln>
+              <a:solidFill>
+                <a:schemeClr val="accent1"/>
+              </a:solidFill>
+            </a:ln>
+          </p:spPr>
+          <p:txBody>
+            <a:bodyPr wrap="square" rtlCol="0">
+              <a:spAutoFit/>
+            </a:bodyPr>
+            <a:lstStyle/>
+            <a:p>
+              <a:pPr algn="ctr"/>
+              <a:r>
+                <a:rPr lang="zh-CN" altLang="en-US" sz="2400" b="1" dirty="0">
+                  <a:latin typeface="宋体" panose="02010600030101010101" pitchFamily="2" charset="-122"/>
+                  <a:ea typeface="宋体" panose="02010600030101010101" pitchFamily="2" charset="-122"/>
+                </a:rPr>
+                <a:t>模型成功训练并运行，但是可以调节超参数取得更好的效果</a:t>
+              </a:r>
+            </a:p>
+          </p:txBody>
+        </p:sp>
+        <p:sp>
+          <p:nvSpPr>
+            <p:cNvPr id="8" name="文本框 7"/>
+            <p:cNvSpPr txBox="1"/>
+            <p:nvPr/>
+          </p:nvSpPr>
+          <p:spPr>
+            <a:xfrm>
+              <a:off x="2575969" y="5555560"/>
+              <a:ext cx="6790494" cy="829945"/>
+            </a:xfrm>
+            <a:prstGeom prst="rect">
+              <a:avLst/>
+            </a:prstGeom>
+            <a:noFill/>
+          </p:spPr>
+          <p:txBody>
+            <a:bodyPr wrap="square" rtlCol="0">
+              <a:spAutoFit/>
+            </a:bodyPr>
+            <a:lstStyle/>
+            <a:p>
+              <a:r>
+                <a:rPr lang="en-US" altLang="zh-CN" sz="2400" dirty="0" err="1">
+                  <a:latin typeface="Times New Roman" panose="02020603050405020304" pitchFamily="18" charset="0"/>
+                  <a:cs typeface="Times New Roman" panose="02020603050405020304" pitchFamily="18" charset="0"/>
+                </a:rPr>
+                <a:t>days_before</a:t>
+              </a:r>
+              <a:r>
+                <a:rPr lang="en-US" altLang="zh-CN" sz="2400" dirty="0">
+                  <a:latin typeface="Times New Roman" panose="02020603050405020304" pitchFamily="18" charset="0"/>
+                  <a:cs typeface="Times New Roman" panose="02020603050405020304" pitchFamily="18" charset="0"/>
+                </a:rPr>
+                <a:t>,</a:t>
+              </a:r>
+              <a:r>
+                <a:rPr lang="zh-CN" altLang="en-US" sz="2400" dirty="0">
+                  <a:latin typeface="Times New Roman" panose="02020603050405020304" pitchFamily="18" charset="0"/>
+                  <a:cs typeface="Times New Roman" panose="02020603050405020304" pitchFamily="18" charset="0"/>
+                </a:rPr>
+                <a:t> </a:t>
+              </a:r>
+              <a:r>
+                <a:rPr lang="en-US" altLang="zh-CN" sz="2400" dirty="0" err="1">
+                  <a:latin typeface="Times New Roman" panose="02020603050405020304" pitchFamily="18" charset="0"/>
+                  <a:cs typeface="Times New Roman" panose="02020603050405020304" pitchFamily="18" charset="0"/>
+                </a:rPr>
+                <a:t>days_after</a:t>
+              </a:r>
+              <a:r>
+                <a:rPr lang="en-US" altLang="zh-CN" sz="2400" dirty="0">
+                  <a:latin typeface="Times New Roman" panose="02020603050405020304" pitchFamily="18" charset="0"/>
+                  <a:cs typeface="Times New Roman" panose="02020603050405020304" pitchFamily="18" charset="0"/>
+                </a:rPr>
+                <a:t>, </a:t>
+              </a:r>
+              <a:r>
+                <a:rPr lang="en-US" altLang="zh-CN" sz="2400" dirty="0" err="1">
+                  <a:latin typeface="Times New Roman" panose="02020603050405020304" pitchFamily="18" charset="0"/>
+                  <a:cs typeface="Times New Roman" panose="02020603050405020304" pitchFamily="18" charset="0"/>
+                </a:rPr>
+                <a:t>batch_size</a:t>
+              </a:r>
+              <a:r>
+                <a:rPr lang="en-US" altLang="zh-CN" sz="2400" dirty="0">
+                  <a:latin typeface="Times New Roman" panose="02020603050405020304" pitchFamily="18" charset="0"/>
+                  <a:cs typeface="Times New Roman" panose="02020603050405020304" pitchFamily="18" charset="0"/>
+                </a:rPr>
+                <a:t>, </a:t>
+              </a:r>
+              <a:r>
+                <a:rPr lang="en-US" altLang="zh-CN" sz="2400" dirty="0" err="1">
+                  <a:latin typeface="Times New Roman" panose="02020603050405020304" pitchFamily="18" charset="0"/>
+                  <a:cs typeface="Times New Roman" panose="02020603050405020304" pitchFamily="18" charset="0"/>
+                </a:rPr>
+                <a:t>hidden_size</a:t>
+              </a:r>
+              <a:r>
+                <a:rPr lang="en-US" altLang="zh-CN" sz="2400" dirty="0">
+                  <a:latin typeface="Times New Roman" panose="02020603050405020304" pitchFamily="18" charset="0"/>
+                  <a:cs typeface="Times New Roman" panose="02020603050405020304" pitchFamily="18" charset="0"/>
+                </a:rPr>
+                <a:t>, </a:t>
+              </a:r>
+              <a:r>
+                <a:rPr lang="en-US" altLang="zh-CN" sz="2400" dirty="0" err="1">
+                  <a:latin typeface="Times New Roman" panose="02020603050405020304" pitchFamily="18" charset="0"/>
+                  <a:cs typeface="Times New Roman" panose="02020603050405020304" pitchFamily="18" charset="0"/>
+                </a:rPr>
+                <a:t>num_layer</a:t>
+              </a:r>
+              <a:r>
+                <a:rPr lang="en-US" altLang="zh-CN" sz="2400" dirty="0">
+                  <a:latin typeface="Times New Roman" panose="02020603050405020304" pitchFamily="18" charset="0"/>
+                  <a:cs typeface="Times New Roman" panose="02020603050405020304" pitchFamily="18" charset="0"/>
+                </a:rPr>
+                <a:t>, dropout…</a:t>
+              </a:r>
+            </a:p>
+          </p:txBody>
+        </p:sp>
+      </p:grpSp>
+      <p:sp>
+        <p:nvSpPr>
+          <p:cNvPr id="10" name="文本框 9"/>
+          <p:cNvSpPr txBox="1"/>
+          <p:nvPr/>
+        </p:nvSpPr>
+        <p:spPr>
+          <a:xfrm>
+            <a:off x="1929149" y="5774835"/>
+            <a:ext cx="8084133" cy="583565"/>
+          </a:xfrm>
+          <a:prstGeom prst="rect">
+            <a:avLst/>
+          </a:prstGeom>
+          <a:noFill/>
+          <a:ln>
+            <a:solidFill>
+              <a:schemeClr val="tx1"/>
+            </a:solidFill>
+          </a:ln>
+        </p:spPr>
+        <p:txBody>
+          <a:bodyPr wrap="square" rtlCol="0">
+            <a:spAutoFit/>
+          </a:bodyPr>
+          <a:lstStyle/>
+          <a:p>
+            <a:pPr algn="ctr"/>
+            <a:r>
+              <a:rPr lang="en-US" altLang="zh-CN" sz="3200" b="1" strike="sngStrike" dirty="0">
+                <a:latin typeface="Times New Roman" panose="02020603050405020304" pitchFamily="18" charset="0"/>
+                <a:ea typeface="黑体" panose="02010609060101010101" pitchFamily="49" charset="-122"/>
+                <a:cs typeface="Times New Roman" panose="02020603050405020304" pitchFamily="18" charset="0"/>
+              </a:rPr>
+              <a:t>Attention</a:t>
+            </a:r>
+            <a:r>
+              <a:rPr lang="en-US" altLang="zh-CN" sz="3200" b="1" dirty="0">
+                <a:latin typeface="Times New Roman" panose="02020603050405020304" pitchFamily="18" charset="0"/>
+                <a:ea typeface="黑体" panose="02010609060101010101" pitchFamily="49" charset="-122"/>
+                <a:cs typeface="Times New Roman" panose="02020603050405020304" pitchFamily="18" charset="0"/>
+              </a:rPr>
+              <a:t> Hyperparameters are all we need</a:t>
+            </a:r>
+            <a:r>
+              <a:rPr lang="en-US" altLang="zh-CN" sz="2000" b="1" dirty="0">
+                <a:latin typeface="宋体" panose="02010600030101010101" pitchFamily="2" charset="-122"/>
+                <a:ea typeface="宋体" panose="02010600030101010101" pitchFamily="2" charset="-122"/>
+              </a:rPr>
+              <a:t>.</a:t>
+            </a:r>
+            <a:endParaRPr lang="zh-CN" altLang="en-US" sz="2000" b="1" dirty="0">
+              <a:latin typeface="宋体" panose="02010600030101010101" pitchFamily="2" charset="-122"/>
+              <a:ea typeface="宋体" panose="02010600030101010101" pitchFamily="2" charset="-122"/>
+            </a:endParaRPr>
+          </a:p>
+        </p:txBody>
+      </p:sp>
+      <p:sp>
+        <p:nvSpPr>
+          <p:cNvPr id="4" name="标题 1"/>
+          <p:cNvSpPr>
+            <a:spLocks noGrp="1"/>
+          </p:cNvSpPr>
+          <p:nvPr>
+            <p:ph type="title"/>
+          </p:nvPr>
+        </p:nvSpPr>
+        <p:spPr>
+          <a:xfrm>
+            <a:off x="353706" y="272956"/>
+            <a:ext cx="5617510" cy="672129"/>
+          </a:xfrm>
+        </p:spPr>
+        <p:txBody>
+          <a:bodyPr>
+            <a:normAutofit/>
+          </a:bodyPr>
+          <a:lstStyle/>
+          <a:p>
+            <a:r>
+              <a:rPr lang="en-US" altLang="zh-CN" sz="3600" b="1" u="sng" dirty="0" err="1">
+                <a:latin typeface="Times New Roman" panose="02020603050405020304" pitchFamily="18" charset="0"/>
+                <a:ea typeface="黑体" panose="02010609060101010101" pitchFamily="49" charset="-122"/>
+                <a:cs typeface="Times New Roman" panose="02020603050405020304" pitchFamily="18" charset="0"/>
+              </a:rPr>
+              <a:t>Implementation&amp;Training</a:t>
+            </a:r>
+            <a:endParaRPr lang="zh-CN" altLang="en-US" sz="3600" b="1" u="sng" dirty="0">
+              <a:latin typeface="Times New Roman" panose="02020603050405020304" pitchFamily="18" charset="0"/>
+              <a:ea typeface="黑体" panose="02010609060101010101" pitchFamily="49" charset="-122"/>
+              <a:cs typeface="Times New Roman" panose="02020603050405020304" pitchFamily="18" charset="0"/>
+            </a:endParaRPr>
+          </a:p>
+        </p:txBody>
+      </p:sp>
+    </p:spTree>
+  </p:cSld>
+  <p:clrMapOvr>
+    <a:masterClrMapping/>
+  </p:clrMapOvr>
+  <p:timing>
+    <p:tnLst>
+      <p:par>
+        <p:cTn id="1" dur="indefinite" restart="never" nodeType="tmRoot">
+          <p:childTnLst>
+            <p:seq concurrent="1" nextAc="seek">
+              <p:cTn id="2" dur="indefinite" nodeType="mainSeq">
+                <p:childTnLst>
+                  <p:par>
+                    <p:cTn id="3" fill="hold">
+                      <p:stCondLst>
+                        <p:cond delay="indefinite"/>
+                      </p:stCondLst>
+                      <p:childTnLst>
+                        <p:par>
+                          <p:cTn id="4" fill="hold">
+                            <p:stCondLst>
+                              <p:cond delay="0"/>
+                            </p:stCondLst>
+                            <p:childTnLst>
+                              <p:par>
+                                <p:cTn id="5" presetID="1" presetClass="entr" presetSubtype="0" fill="hold" grpId="0" nodeType="clickEffect">
+                                  <p:stCondLst>
+                                    <p:cond delay="0"/>
+                                  </p:stCondLst>
+                                  <p:childTnLst>
+                                    <p:set>
+                                      <p:cBhvr>
+                                        <p:cTn id="6" dur="1" fill="hold">
+                                          <p:stCondLst>
+                                            <p:cond delay="0"/>
+                                          </p:stCondLst>
+                                        </p:cTn>
+                                        <p:tgtEl>
+                                          <p:spTgt spid="10"/>
+                                        </p:tgtEl>
+                                        <p:attrNameLst>
+                                          <p:attrName>style.visibility</p:attrName>
+                                        </p:attrNameLst>
+                                      </p:cBhvr>
+                                      <p:to>
+                                        <p:strVal val="visible"/>
+                                      </p:to>
+                                    </p:set>
+                                  </p:childTnLst>
+                                </p:cTn>
+                              </p:par>
+                            </p:childTnLst>
+                          </p:cTn>
+                        </p:par>
+                      </p:childTnLst>
+                    </p:cTn>
+                  </p:par>
+                </p:childTnLst>
+              </p:cTn>
+              <p:prevCondLst>
+                <p:cond evt="onPrev" delay="0">
+                  <p:tgtEl>
+                    <p:sldTgt/>
+                  </p:tgtEl>
+                </p:cond>
+              </p:prevCondLst>
+              <p:nextCondLst>
+                <p:cond evt="onNext" delay="0">
+                  <p:tgtEl>
+                    <p:sldTgt/>
+                  </p:tgtEl>
+                </p:cond>
+              </p:nextCondLst>
+            </p:seq>
+          </p:childTnLst>
+        </p:cTn>
+      </p:par>
+    </p:tnLst>
+    <p:bldLst>
+      <p:bldP spid="10" grpId="0" animBg="1"/>
+      <p:bldP spid="10" grpId="1" animBg="1"/>
+    </p:bldLst>
+  </p:timing>
+</p:sld>
+</file>
+
+<file path=ppt/slides/slide12.xml><?xml version="1.0" encoding="utf-8"?>
+<p:sld xmlns:a="http://schemas.openxmlformats.org/drawingml/2006/main" xmlns:r="http://schemas.openxmlformats.org/officeDocument/2006/relationships" xmlns:p="http://schemas.openxmlformats.org/presentationml/2006/main">
+  <p:cSld>
+    <p:spTree>
+      <p:nvGrpSpPr>
+        <p:cNvPr id="1" name=""/>
+        <p:cNvGrpSpPr/>
+        <p:nvPr/>
+      </p:nvGrpSpPr>
+      <p:grpSpPr>
+        <a:xfrm>
+          <a:off x="0" y="0"/>
+          <a:ext cx="0" cy="0"/>
+          <a:chOff x="0" y="0"/>
+          <a:chExt cx="0" cy="0"/>
+        </a:xfrm>
+      </p:grpSpPr>
+      <p:sp>
+        <p:nvSpPr>
+          <p:cNvPr id="4" name="文本框 3"/>
           <p:cNvSpPr txBox="1"/>
           <p:nvPr/>
         </p:nvSpPr>
@@ -4255,13 +4126,7 @@
       </p:sp>
       <p:sp>
         <p:nvSpPr>
-          <p:cNvPr id="5" name="文本框 4">
-            <a:extLst>
-              <a:ext uri="{FF2B5EF4-FFF2-40B4-BE49-F238E27FC236}">
-                <a16:creationId xmlns:a16="http://schemas.microsoft.com/office/drawing/2014/main" id="{3BD89DC0-29F1-4512-82A8-6232944602AE}"/>
-              </a:ext>
-            </a:extLst>
-          </p:cNvPr>
+          <p:cNvPr id="5" name="文本框 4"/>
           <p:cNvSpPr txBox="1"/>
           <p:nvPr/>
         </p:nvSpPr>
@@ -4294,13 +4159,7 @@
       </p:sp>
       <p:grpSp>
         <p:nvGrpSpPr>
-          <p:cNvPr id="6" name="组合 5">
-            <a:extLst>
-              <a:ext uri="{FF2B5EF4-FFF2-40B4-BE49-F238E27FC236}">
-                <a16:creationId xmlns:a16="http://schemas.microsoft.com/office/drawing/2014/main" id="{A1F7C032-9D6B-4EFB-AA66-031E24EAEBD9}"/>
-              </a:ext>
-            </a:extLst>
-          </p:cNvPr>
+          <p:cNvPr id="6" name="组合 5"/>
           <p:cNvGrpSpPr/>
           <p:nvPr/>
         </p:nvGrpSpPr>
@@ -4314,13 +4173,7 @@
         </p:grpSpPr>
         <p:sp>
           <p:nvSpPr>
-            <p:cNvPr id="7" name="文本框 6">
-              <a:extLst>
-                <a:ext uri="{FF2B5EF4-FFF2-40B4-BE49-F238E27FC236}">
-                  <a16:creationId xmlns:a16="http://schemas.microsoft.com/office/drawing/2014/main" id="{DDEA1DD3-1524-45FC-BB72-86A1CD0223F8}"/>
-                </a:ext>
-              </a:extLst>
-            </p:cNvPr>
+            <p:cNvPr id="7" name="文本框 6"/>
             <p:cNvSpPr txBox="1"/>
             <p:nvPr/>
           </p:nvSpPr>
@@ -4411,13 +4264,7 @@
         </p:sp>
         <p:sp>
           <p:nvSpPr>
-            <p:cNvPr id="8" name="左大括号 7">
-              <a:extLst>
-                <a:ext uri="{FF2B5EF4-FFF2-40B4-BE49-F238E27FC236}">
-                  <a16:creationId xmlns:a16="http://schemas.microsoft.com/office/drawing/2014/main" id="{1E10FCB5-5A1C-425F-81FA-8EDAB1F4BB4D}"/>
-                </a:ext>
-              </a:extLst>
-            </p:cNvPr>
+            <p:cNvPr id="8" name="左大括号 7"/>
             <p:cNvSpPr/>
             <p:nvPr/>
           </p:nvSpPr>
@@ -4456,16 +4303,8 @@
       </p:grpSp>
       <p:cxnSp>
         <p:nvCxnSpPr>
-          <p:cNvPr id="9" name="直接连接符 8">
-            <a:extLst>
-              <a:ext uri="{FF2B5EF4-FFF2-40B4-BE49-F238E27FC236}">
-                <a16:creationId xmlns:a16="http://schemas.microsoft.com/office/drawing/2014/main" id="{CA02B2B0-28DC-44E2-B492-4BCB2B25F976}"/>
-              </a:ext>
-            </a:extLst>
-          </p:cNvPr>
-          <p:cNvCxnSpPr>
-            <a:cxnSpLocks/>
-          </p:cNvCxnSpPr>
+          <p:cNvPr id="9" name="直接连接符 8"/>
+          <p:cNvCxnSpPr/>
           <p:nvPr/>
         </p:nvCxnSpPr>
         <p:spPr>
@@ -4492,223 +4331,106 @@
           </a:fontRef>
         </p:style>
       </p:cxnSp>
-    </p:spTree>
-    <p:extLst>
-      <p:ext uri="{BB962C8B-B14F-4D97-AF65-F5344CB8AC3E}">
-        <p14:creationId xmlns:p14="http://schemas.microsoft.com/office/powerpoint/2010/main" val="1406152244"/>
-      </p:ext>
-    </p:extLst>
-  </p:cSld>
-  <p:clrMapOvr>
-    <a:masterClrMapping/>
-  </p:clrMapOvr>
-</p:sld>
-</file>
-
-<file path=ppt/slides/slide11.xml><?xml version="1.0" encoding="utf-8"?>
-<p:sld xmlns:a="http://schemas.openxmlformats.org/drawingml/2006/main" xmlns:r="http://schemas.openxmlformats.org/officeDocument/2006/relationships" xmlns:p="http://schemas.openxmlformats.org/presentationml/2006/main">
-  <p:cSld>
-    <p:spTree>
-      <p:nvGrpSpPr>
-        <p:cNvPr id="1" name=""/>
-        <p:cNvGrpSpPr/>
-        <p:nvPr/>
-      </p:nvGrpSpPr>
-      <p:grpSpPr>
-        <a:xfrm>
-          <a:off x="0" y="0"/>
-          <a:ext cx="0" cy="0"/>
-          <a:chOff x="0" y="0"/>
-          <a:chExt cx="0" cy="0"/>
-        </a:xfrm>
-      </p:grpSpPr>
-      <p:sp>
-        <p:nvSpPr>
-          <p:cNvPr id="2" name="标题 1">
-            <a:extLst>
-              <a:ext uri="{FF2B5EF4-FFF2-40B4-BE49-F238E27FC236}">
-                <a16:creationId xmlns:a16="http://schemas.microsoft.com/office/drawing/2014/main" id="{55A31B29-259F-0D0F-D6D9-295AB510EDCB}"/>
-              </a:ext>
-            </a:extLst>
-          </p:cNvPr>
-          <p:cNvSpPr>
-            <a:spLocks noGrp="1"/>
-          </p:cNvSpPr>
-          <p:nvPr>
-            <p:ph type="title"/>
-          </p:nvPr>
-        </p:nvSpPr>
-        <p:spPr/>
-        <p:txBody>
-          <a:bodyPr/>
-          <a:lstStyle/>
-          <a:p>
-            <a:r>
-              <a:rPr lang="zh-CN" altLang="en-US" dirty="0"/>
-              <a:t>优化结果与策略</a:t>
-            </a:r>
-          </a:p>
-        </p:txBody>
-      </p:sp>
-      <p:sp>
-        <p:nvSpPr>
-          <p:cNvPr id="3" name="内容占位符 2">
-            <a:extLst>
-              <a:ext uri="{FF2B5EF4-FFF2-40B4-BE49-F238E27FC236}">
-                <a16:creationId xmlns:a16="http://schemas.microsoft.com/office/drawing/2014/main" id="{E7D6862A-662E-D2DB-33A4-C3A874BA5CD1}"/>
-              </a:ext>
-            </a:extLst>
-          </p:cNvPr>
-          <p:cNvSpPr>
-            <a:spLocks noGrp="1"/>
-          </p:cNvSpPr>
-          <p:nvPr>
-            <p:ph idx="1"/>
-          </p:nvPr>
-        </p:nvSpPr>
-        <p:spPr/>
-        <p:txBody>
-          <a:bodyPr/>
-          <a:lstStyle/>
-          <a:p>
-            <a:r>
-              <a:rPr lang="zh-CN" altLang="en-US" dirty="0"/>
-              <a:t>优化各种超参数，使得测试集正确率与训练集接近。训练成果</a:t>
-            </a:r>
-            <a:endParaRPr lang="en-US" altLang="zh-CN" dirty="0"/>
-          </a:p>
-          <a:p>
-            <a:endParaRPr lang="en-US" altLang="zh-CN" dirty="0"/>
-          </a:p>
-          <a:p>
-            <a:endParaRPr lang="zh-CN" altLang="en-US" dirty="0"/>
-          </a:p>
-        </p:txBody>
-      </p:sp>
-      <p:pic>
-        <p:nvPicPr>
-          <p:cNvPr id="7" name="图片 6">
-            <a:extLst>
-              <a:ext uri="{FF2B5EF4-FFF2-40B4-BE49-F238E27FC236}">
-                <a16:creationId xmlns:a16="http://schemas.microsoft.com/office/drawing/2014/main" id="{6CE0690B-10DC-3314-5C9C-978907CCC68F}"/>
-              </a:ext>
-            </a:extLst>
-          </p:cNvPr>
-          <p:cNvPicPr>
-            <a:picLocks noChangeAspect="1"/>
-          </p:cNvPicPr>
+      <p:sp>
+        <p:nvSpPr>
+          <p:cNvPr id="2" name="文本框 1"/>
+          <p:cNvSpPr txBox="1"/>
           <p:nvPr/>
-        </p:nvPicPr>
-        <p:blipFill>
-          <a:blip r:embed="rId2"/>
-          <a:stretch>
-            <a:fillRect/>
-          </a:stretch>
-        </p:blipFill>
+        </p:nvSpPr>
         <p:spPr>
           <a:xfrm>
-            <a:off x="1365126" y="2617190"/>
-            <a:ext cx="5020376" cy="2048161"/>
+            <a:off x="7585225" y="1886542"/>
+            <a:ext cx="2461925" cy="3222998"/>
           </a:xfrm>
           <a:prstGeom prst="rect">
             <a:avLst/>
           </a:prstGeom>
+          <a:noFill/>
         </p:spPr>
-      </p:pic>
+        <p:txBody>
+          <a:bodyPr wrap="square" rtlCol="0">
+            <a:spAutoFit/>
+          </a:bodyPr>
+          <a:lstStyle/>
+          <a:p>
+            <a:pPr>
+              <a:lnSpc>
+                <a:spcPct val="150000"/>
+              </a:lnSpc>
+            </a:pPr>
+            <a:r>
+              <a:rPr lang="zh-CN" altLang="en-US" sz="2800" b="1" dirty="0">
+                <a:latin typeface="宋体" panose="02010600030101010101" pitchFamily="2" charset="-122"/>
+                <a:ea typeface="宋体" panose="02010600030101010101" pitchFamily="2" charset="-122"/>
+              </a:rPr>
+              <a:t>超参调节</a:t>
+            </a:r>
+            <a:endParaRPr lang="en-US" altLang="zh-CN" sz="2800" b="1" dirty="0">
+              <a:latin typeface="宋体" panose="02010600030101010101" pitchFamily="2" charset="-122"/>
+              <a:ea typeface="宋体" panose="02010600030101010101" pitchFamily="2" charset="-122"/>
+            </a:endParaRPr>
+          </a:p>
+          <a:p>
+            <a:pPr>
+              <a:lnSpc>
+                <a:spcPct val="150000"/>
+              </a:lnSpc>
+            </a:pPr>
+            <a:endParaRPr lang="en-US" altLang="zh-CN" sz="2800" b="1" dirty="0">
+              <a:latin typeface="宋体" panose="02010600030101010101" pitchFamily="2" charset="-122"/>
+              <a:ea typeface="宋体" panose="02010600030101010101" pitchFamily="2" charset="-122"/>
+            </a:endParaRPr>
+          </a:p>
+          <a:p>
+            <a:pPr>
+              <a:lnSpc>
+                <a:spcPct val="150000"/>
+              </a:lnSpc>
+            </a:pPr>
+            <a:r>
+              <a:rPr lang="zh-CN" altLang="en-US" sz="2800" b="1" dirty="0">
+                <a:latin typeface="宋体" panose="02010600030101010101" pitchFamily="2" charset="-122"/>
+                <a:ea typeface="宋体" panose="02010600030101010101" pitchFamily="2" charset="-122"/>
+              </a:rPr>
+              <a:t>模型训练</a:t>
+            </a:r>
+            <a:endParaRPr lang="en-US" altLang="zh-CN" sz="2800" b="1" dirty="0">
+              <a:latin typeface="宋体" panose="02010600030101010101" pitchFamily="2" charset="-122"/>
+              <a:ea typeface="宋体" panose="02010600030101010101" pitchFamily="2" charset="-122"/>
+            </a:endParaRPr>
+          </a:p>
+          <a:p>
+            <a:pPr>
+              <a:lnSpc>
+                <a:spcPct val="150000"/>
+              </a:lnSpc>
+            </a:pPr>
+            <a:endParaRPr lang="en-US" altLang="zh-CN" sz="2800" b="1" dirty="0">
+              <a:latin typeface="宋体" panose="02010600030101010101" pitchFamily="2" charset="-122"/>
+              <a:ea typeface="宋体" panose="02010600030101010101" pitchFamily="2" charset="-122"/>
+            </a:endParaRPr>
+          </a:p>
+          <a:p>
+            <a:pPr>
+              <a:lnSpc>
+                <a:spcPct val="150000"/>
+              </a:lnSpc>
+            </a:pPr>
+            <a:r>
+              <a:rPr lang="zh-CN" altLang="en-US" sz="2800" b="1" dirty="0">
+                <a:latin typeface="宋体" panose="02010600030101010101" pitchFamily="2" charset="-122"/>
+                <a:ea typeface="宋体" panose="02010600030101010101" pitchFamily="2" charset="-122"/>
+              </a:rPr>
+              <a:t>策略实现</a:t>
+            </a:r>
+            <a:endParaRPr lang="zh-CN" altLang="en-US" b="1" dirty="0">
+              <a:latin typeface="宋体" panose="02010600030101010101" pitchFamily="2" charset="-122"/>
+              <a:ea typeface="宋体" panose="02010600030101010101" pitchFamily="2" charset="-122"/>
+            </a:endParaRPr>
+          </a:p>
+        </p:txBody>
+      </p:sp>
     </p:spTree>
-    <p:extLst>
-      <p:ext uri="{BB962C8B-B14F-4D97-AF65-F5344CB8AC3E}">
-        <p14:creationId xmlns:p14="http://schemas.microsoft.com/office/powerpoint/2010/main" val="3964041085"/>
-      </p:ext>
-    </p:extLst>
-  </p:cSld>
-  <p:clrMapOvr>
-    <a:masterClrMapping/>
-  </p:clrMapOvr>
-</p:sld>
-</file>
-
-<file path=ppt/slides/slide12.xml><?xml version="1.0" encoding="utf-8"?>
-<p:sld xmlns:a="http://schemas.openxmlformats.org/drawingml/2006/main" xmlns:r="http://schemas.openxmlformats.org/officeDocument/2006/relationships" xmlns:p="http://schemas.openxmlformats.org/presentationml/2006/main">
-  <p:cSld>
-    <p:spTree>
-      <p:nvGrpSpPr>
-        <p:cNvPr id="1" name=""/>
-        <p:cNvGrpSpPr/>
-        <p:nvPr/>
-      </p:nvGrpSpPr>
-      <p:grpSpPr>
-        <a:xfrm>
-          <a:off x="0" y="0"/>
-          <a:ext cx="0" cy="0"/>
-          <a:chOff x="0" y="0"/>
-          <a:chExt cx="0" cy="0"/>
-        </a:xfrm>
-      </p:grpSpPr>
-      <p:sp>
-        <p:nvSpPr>
-          <p:cNvPr id="2" name="标题 1">
-            <a:extLst>
-              <a:ext uri="{FF2B5EF4-FFF2-40B4-BE49-F238E27FC236}">
-                <a16:creationId xmlns:a16="http://schemas.microsoft.com/office/drawing/2014/main" id="{84F03362-BF2A-583F-6086-04703CB3915C}"/>
-              </a:ext>
-            </a:extLst>
-          </p:cNvPr>
-          <p:cNvSpPr>
-            <a:spLocks noGrp="1"/>
-          </p:cNvSpPr>
-          <p:nvPr>
-            <p:ph type="title"/>
-          </p:nvPr>
-        </p:nvSpPr>
-        <p:spPr/>
-        <p:txBody>
-          <a:bodyPr/>
-          <a:lstStyle/>
-          <a:p>
-            <a:r>
-              <a:rPr lang="en-US" altLang="zh-CN" dirty="0"/>
-              <a:t>002765.XSHE</a:t>
-            </a:r>
-            <a:endParaRPr lang="zh-CN" altLang="en-US" dirty="0"/>
-          </a:p>
-        </p:txBody>
-      </p:sp>
-      <p:pic>
-        <p:nvPicPr>
-          <p:cNvPr id="5" name="内容占位符 4">
-            <a:extLst>
-              <a:ext uri="{FF2B5EF4-FFF2-40B4-BE49-F238E27FC236}">
-                <a16:creationId xmlns:a16="http://schemas.microsoft.com/office/drawing/2014/main" id="{C1300B95-16E9-8192-C24F-D0070EDCDBE1}"/>
-              </a:ext>
-            </a:extLst>
-          </p:cNvPr>
-          <p:cNvPicPr>
-            <a:picLocks noGrp="1" noChangeAspect="1"/>
-          </p:cNvPicPr>
-          <p:nvPr>
-            <p:ph idx="1"/>
-          </p:nvPr>
-        </p:nvPicPr>
-        <p:blipFill>
-          <a:blip r:embed="rId2"/>
-          <a:stretch>
-            <a:fillRect/>
-          </a:stretch>
-        </p:blipFill>
-        <p:spPr>
-          <a:xfrm>
-            <a:off x="3152821" y="1825625"/>
-            <a:ext cx="5886358" cy="4351338"/>
-          </a:xfrm>
-        </p:spPr>
-      </p:pic>
-    </p:spTree>
-    <p:extLst>
-      <p:ext uri="{BB962C8B-B14F-4D97-AF65-F5344CB8AC3E}">
-        <p14:creationId xmlns:p14="http://schemas.microsoft.com/office/powerpoint/2010/main" val="3858535594"/>
-      </p:ext>
-    </p:extLst>
   </p:cSld>
   <p:clrMapOvr>
     <a:masterClrMapping/>
@@ -4735,41 +4457,7 @@
       </p:grpSpPr>
       <p:sp>
         <p:nvSpPr>
-          <p:cNvPr id="2" name="标题 1">
-            <a:extLst>
-              <a:ext uri="{FF2B5EF4-FFF2-40B4-BE49-F238E27FC236}">
-                <a16:creationId xmlns:a16="http://schemas.microsoft.com/office/drawing/2014/main" id="{92A799F5-019B-441D-2BA7-6AD12367267A}"/>
-              </a:ext>
-            </a:extLst>
-          </p:cNvPr>
-          <p:cNvSpPr>
-            <a:spLocks noGrp="1"/>
-          </p:cNvSpPr>
-          <p:nvPr>
-            <p:ph type="title"/>
-          </p:nvPr>
-        </p:nvSpPr>
-        <p:spPr/>
-        <p:txBody>
-          <a:bodyPr/>
-          <a:lstStyle/>
-          <a:p>
-            <a:r>
-              <a:rPr lang="zh-CN" altLang="en-US" dirty="0"/>
-              <a:t>简单策略</a:t>
-            </a:r>
-          </a:p>
-        </p:txBody>
-      </p:sp>
-      <p:sp>
-        <p:nvSpPr>
-          <p:cNvPr id="3" name="内容占位符 2">
-            <a:extLst>
-              <a:ext uri="{FF2B5EF4-FFF2-40B4-BE49-F238E27FC236}">
-                <a16:creationId xmlns:a16="http://schemas.microsoft.com/office/drawing/2014/main" id="{0C8F96E2-0E6D-174A-A068-C4137E9B679A}"/>
-              </a:ext>
-            </a:extLst>
-          </p:cNvPr>
+          <p:cNvPr id="3" name="内容占位符 2"/>
           <p:cNvSpPr>
             <a:spLocks noGrp="1"/>
           </p:cNvSpPr>
@@ -4777,133 +4465,16 @@
             <p:ph idx="1"/>
           </p:nvPr>
         </p:nvSpPr>
-        <p:spPr>
-          <a:xfrm>
-            <a:off x="838200" y="2188029"/>
-            <a:ext cx="4280807" cy="3988934"/>
-          </a:xfrm>
-        </p:spPr>
+        <p:spPr/>
         <p:txBody>
           <a:bodyPr/>
           <a:lstStyle/>
           <a:p>
             <a:r>
               <a:rPr lang="zh-CN" altLang="en-US" dirty="0"/>
-              <a:t>使用训练的结果，在测试集上尝试建立策略：</a:t>
+              <a:t>优化各种超参数，使得测试集正确率与训练集接近。训练成果</a:t>
             </a:r>
             <a:endParaRPr lang="en-US" altLang="zh-CN" dirty="0"/>
-          </a:p>
-          <a:p>
-            <a:r>
-              <a:rPr lang="en-US" altLang="zh-CN" dirty="0"/>
-              <a:t>1</a:t>
-            </a:r>
-            <a:r>
-              <a:rPr lang="zh-CN" altLang="en-US" dirty="0"/>
-              <a:t>）当上涨概率大于</a:t>
-            </a:r>
-            <a:r>
-              <a:rPr lang="en-US" altLang="zh-CN" b="0" dirty="0" err="1">
-                <a:solidFill>
-                  <a:srgbClr val="001080"/>
-                </a:solidFill>
-                <a:effectLst/>
-                <a:highlight>
-                  <a:srgbClr val="FFFFFF"/>
-                </a:highlight>
-                <a:latin typeface="Consolas" panose="020B0609020204030204" pitchFamily="49" charset="0"/>
-              </a:rPr>
-              <a:t>P_b</a:t>
-            </a:r>
-            <a:r>
-              <a:rPr lang="zh-CN" altLang="en-US" dirty="0"/>
-              <a:t>时以收盘价买入</a:t>
-            </a:r>
-            <a:endParaRPr lang="en-US" altLang="zh-CN" dirty="0"/>
-          </a:p>
-          <a:p>
-            <a:r>
-              <a:rPr lang="en-US" altLang="zh-CN" dirty="0"/>
-              <a:t>2</a:t>
-            </a:r>
-            <a:r>
-              <a:rPr lang="zh-CN" altLang="en-US" dirty="0"/>
-              <a:t>）买入后若上涨概率小于</a:t>
-            </a:r>
-            <a:r>
-              <a:rPr lang="en-US" altLang="zh-CN" b="0" dirty="0">
-                <a:solidFill>
-                  <a:srgbClr val="001080"/>
-                </a:solidFill>
-                <a:effectLst/>
-                <a:highlight>
-                  <a:srgbClr val="FFFFFF"/>
-                </a:highlight>
-                <a:latin typeface="Consolas" panose="020B0609020204030204" pitchFamily="49" charset="0"/>
-              </a:rPr>
-              <a:t>P_s</a:t>
-            </a:r>
-            <a:r>
-              <a:rPr lang="zh-CN" altLang="en-US" b="0" dirty="0">
-                <a:solidFill>
-                  <a:srgbClr val="001080"/>
-                </a:solidFill>
-                <a:effectLst/>
-                <a:highlight>
-                  <a:srgbClr val="FFFFFF"/>
-                </a:highlight>
-                <a:latin typeface="Consolas" panose="020B0609020204030204" pitchFamily="49" charset="0"/>
-              </a:rPr>
-              <a:t>卖出，或跌幅大于</a:t>
-            </a:r>
-            <a:r>
-              <a:rPr lang="en-US" altLang="zh-CN" b="0" dirty="0">
-                <a:solidFill>
-                  <a:srgbClr val="001080"/>
-                </a:solidFill>
-                <a:effectLst/>
-                <a:highlight>
-                  <a:srgbClr val="FFFFFF"/>
-                </a:highlight>
-                <a:latin typeface="Consolas" panose="020B0609020204030204" pitchFamily="49" charset="0"/>
-              </a:rPr>
-              <a:t>20%</a:t>
-            </a:r>
-            <a:r>
-              <a:rPr lang="zh-CN" altLang="en-US" b="0" dirty="0">
-                <a:solidFill>
-                  <a:srgbClr val="001080"/>
-                </a:solidFill>
-                <a:effectLst/>
-                <a:highlight>
-                  <a:srgbClr val="FFFFFF"/>
-                </a:highlight>
-                <a:latin typeface="Consolas" panose="020B0609020204030204" pitchFamily="49" charset="0"/>
-              </a:rPr>
-              <a:t>止损</a:t>
-            </a:r>
-            <a:endParaRPr lang="en-US" altLang="zh-CN" b="0" dirty="0">
-              <a:solidFill>
-                <a:srgbClr val="001080"/>
-              </a:solidFill>
-              <a:effectLst/>
-              <a:highlight>
-                <a:srgbClr val="FFFFFF"/>
-              </a:highlight>
-              <a:latin typeface="Consolas" panose="020B0609020204030204" pitchFamily="49" charset="0"/>
-            </a:endParaRPr>
-          </a:p>
-          <a:p>
-            <a:endParaRPr lang="en-US" altLang="zh-CN" b="0" dirty="0">
-              <a:solidFill>
-                <a:srgbClr val="3B3B3B"/>
-              </a:solidFill>
-              <a:effectLst/>
-              <a:highlight>
-                <a:srgbClr val="FFFFFF"/>
-              </a:highlight>
-              <a:latin typeface="Consolas" panose="020B0609020204030204" pitchFamily="49" charset="0"/>
-            </a:endParaRPr>
           </a:p>
           <a:p>
             <a:endParaRPr lang="en-US" altLang="zh-CN" dirty="0"/>
@@ -4915,13 +4486,7 @@
       </p:sp>
       <p:pic>
         <p:nvPicPr>
-          <p:cNvPr id="5" name="图片 4">
-            <a:extLst>
-              <a:ext uri="{FF2B5EF4-FFF2-40B4-BE49-F238E27FC236}">
-                <a16:creationId xmlns:a16="http://schemas.microsoft.com/office/drawing/2014/main" id="{66FA1B38-3828-B38E-3A3F-30AAD440E259}"/>
-              </a:ext>
-            </a:extLst>
-          </p:cNvPr>
+          <p:cNvPr id="7" name="图片 6"/>
           <p:cNvPicPr>
             <a:picLocks noChangeAspect="1"/>
           </p:cNvPicPr>
@@ -4935,24 +4500,482 @@
         </p:blipFill>
         <p:spPr>
           <a:xfrm>
-            <a:off x="6185309" y="1608156"/>
-            <a:ext cx="5203196" cy="4441579"/>
+            <a:off x="1365126" y="2617190"/>
+            <a:ext cx="5020376" cy="2048161"/>
           </a:xfrm>
           <a:prstGeom prst="rect">
             <a:avLst/>
           </a:prstGeom>
         </p:spPr>
       </p:pic>
+      <p:sp>
+        <p:nvSpPr>
+          <p:cNvPr id="5" name="文本框 4"/>
+          <p:cNvSpPr txBox="1"/>
+          <p:nvPr/>
+        </p:nvSpPr>
+        <p:spPr>
+          <a:xfrm>
+            <a:off x="6912428" y="2755475"/>
+            <a:ext cx="2918906" cy="1815882"/>
+          </a:xfrm>
+          <a:prstGeom prst="rect">
+            <a:avLst/>
+          </a:prstGeom>
+          <a:noFill/>
+        </p:spPr>
+        <p:txBody>
+          <a:bodyPr wrap="square">
+            <a:spAutoFit/>
+          </a:bodyPr>
+          <a:lstStyle/>
+          <a:p>
+            <a:r>
+              <a:rPr lang="en-US" altLang="zh-CN" sz="2800" dirty="0" err="1">
+                <a:ln w="0"/>
+                <a:solidFill>
+                  <a:schemeClr val="accent1"/>
+                </a:solidFill>
+                <a:effectLst>
+                  <a:outerShdw blurRad="38100" dist="25400" dir="5400000" algn="ctr" rotWithShape="0">
+                    <a:srgbClr val="6E747A">
+                      <a:alpha val="43000"/>
+                    </a:srgbClr>
+                  </a:outerShdw>
+                </a:effectLst>
+                <a:latin typeface="Times New Roman" panose="02020603050405020304" pitchFamily="18" charset="0"/>
+                <a:cs typeface="Times New Roman" panose="02020603050405020304" pitchFamily="18" charset="0"/>
+              </a:rPr>
+              <a:t>days_before</a:t>
+            </a:r>
+            <a:r>
+              <a:rPr lang="en-US" altLang="zh-CN" sz="2800" dirty="0">
+                <a:ln w="0"/>
+                <a:solidFill>
+                  <a:schemeClr val="accent1"/>
+                </a:solidFill>
+                <a:effectLst>
+                  <a:outerShdw blurRad="38100" dist="25400" dir="5400000" algn="ctr" rotWithShape="0">
+                    <a:srgbClr val="6E747A">
+                      <a:alpha val="43000"/>
+                    </a:srgbClr>
+                  </a:outerShdw>
+                </a:effectLst>
+                <a:latin typeface="Times New Roman" panose="02020603050405020304" pitchFamily="18" charset="0"/>
+                <a:cs typeface="Times New Roman" panose="02020603050405020304" pitchFamily="18" charset="0"/>
+              </a:rPr>
+              <a:t> = </a:t>
+            </a:r>
+            <a:r>
+              <a:rPr lang="zh-CN" altLang="en-US" sz="2800" dirty="0">
+                <a:ln w="0"/>
+                <a:solidFill>
+                  <a:schemeClr val="accent1"/>
+                </a:solidFill>
+                <a:effectLst>
+                  <a:outerShdw blurRad="38100" dist="25400" dir="5400000" algn="ctr" rotWithShape="0">
+                    <a:srgbClr val="6E747A">
+                      <a:alpha val="43000"/>
+                    </a:srgbClr>
+                  </a:outerShdw>
+                </a:effectLst>
+                <a:latin typeface="Times New Roman" panose="02020603050405020304" pitchFamily="18" charset="0"/>
+                <a:cs typeface="Times New Roman" panose="02020603050405020304" pitchFamily="18" charset="0"/>
+              </a:rPr>
+              <a:t>？</a:t>
+            </a:r>
+            <a:r>
+              <a:rPr lang="en-US" altLang="zh-CN" sz="2800" dirty="0" err="1">
+                <a:ln w="0"/>
+                <a:solidFill>
+                  <a:schemeClr val="accent1"/>
+                </a:solidFill>
+                <a:effectLst>
+                  <a:outerShdw blurRad="38100" dist="25400" dir="5400000" algn="ctr" rotWithShape="0">
+                    <a:srgbClr val="6E747A">
+                      <a:alpha val="43000"/>
+                    </a:srgbClr>
+                  </a:outerShdw>
+                </a:effectLst>
+                <a:latin typeface="Times New Roman" panose="02020603050405020304" pitchFamily="18" charset="0"/>
+                <a:cs typeface="Times New Roman" panose="02020603050405020304" pitchFamily="18" charset="0"/>
+              </a:rPr>
+              <a:t>days_after</a:t>
+            </a:r>
+            <a:r>
+              <a:rPr lang="en-US" altLang="zh-CN" sz="2800" dirty="0">
+                <a:ln w="0"/>
+                <a:solidFill>
+                  <a:schemeClr val="accent1"/>
+                </a:solidFill>
+                <a:effectLst>
+                  <a:outerShdw blurRad="38100" dist="25400" dir="5400000" algn="ctr" rotWithShape="0">
+                    <a:srgbClr val="6E747A">
+                      <a:alpha val="43000"/>
+                    </a:srgbClr>
+                  </a:outerShdw>
+                </a:effectLst>
+                <a:latin typeface="Times New Roman" panose="02020603050405020304" pitchFamily="18" charset="0"/>
+                <a:cs typeface="Times New Roman" panose="02020603050405020304" pitchFamily="18" charset="0"/>
+              </a:rPr>
+              <a:t> = </a:t>
+            </a:r>
+            <a:r>
+              <a:rPr lang="zh-CN" altLang="en-US" sz="2800" dirty="0">
+                <a:ln w="0"/>
+                <a:solidFill>
+                  <a:schemeClr val="accent1"/>
+                </a:solidFill>
+                <a:effectLst>
+                  <a:outerShdw blurRad="38100" dist="25400" dir="5400000" algn="ctr" rotWithShape="0">
+                    <a:srgbClr val="6E747A">
+                      <a:alpha val="43000"/>
+                    </a:srgbClr>
+                  </a:outerShdw>
+                </a:effectLst>
+                <a:latin typeface="Times New Roman" panose="02020603050405020304" pitchFamily="18" charset="0"/>
+                <a:cs typeface="Times New Roman" panose="02020603050405020304" pitchFamily="18" charset="0"/>
+              </a:rPr>
+              <a:t>？</a:t>
+            </a:r>
+            <a:endParaRPr lang="en-US" altLang="zh-CN" sz="2800" dirty="0">
+              <a:ln w="0"/>
+              <a:solidFill>
+                <a:schemeClr val="accent1"/>
+              </a:solidFill>
+              <a:effectLst>
+                <a:outerShdw blurRad="38100" dist="25400" dir="5400000" algn="ctr" rotWithShape="0">
+                  <a:srgbClr val="6E747A">
+                    <a:alpha val="43000"/>
+                  </a:srgbClr>
+                </a:outerShdw>
+              </a:effectLst>
+              <a:latin typeface="Times New Roman" panose="02020603050405020304" pitchFamily="18" charset="0"/>
+              <a:cs typeface="Times New Roman" panose="02020603050405020304" pitchFamily="18" charset="0"/>
+            </a:endParaRPr>
+          </a:p>
+          <a:p>
+            <a:r>
+              <a:rPr lang="en-US" altLang="zh-CN" sz="2800" dirty="0" err="1">
+                <a:ln w="0"/>
+                <a:solidFill>
+                  <a:schemeClr val="accent1"/>
+                </a:solidFill>
+                <a:effectLst>
+                  <a:outerShdw blurRad="38100" dist="25400" dir="5400000" algn="ctr" rotWithShape="0">
+                    <a:srgbClr val="6E747A">
+                      <a:alpha val="43000"/>
+                    </a:srgbClr>
+                  </a:outerShdw>
+                </a:effectLst>
+                <a:latin typeface="Times New Roman" panose="02020603050405020304" pitchFamily="18" charset="0"/>
+                <a:cs typeface="Times New Roman" panose="02020603050405020304" pitchFamily="18" charset="0"/>
+              </a:rPr>
+              <a:t>batch_size</a:t>
+            </a:r>
+            <a:r>
+              <a:rPr lang="en-US" altLang="zh-CN" sz="2800" dirty="0">
+                <a:ln w="0"/>
+                <a:solidFill>
+                  <a:schemeClr val="accent1"/>
+                </a:solidFill>
+                <a:effectLst>
+                  <a:outerShdw blurRad="38100" dist="25400" dir="5400000" algn="ctr" rotWithShape="0">
+                    <a:srgbClr val="6E747A">
+                      <a:alpha val="43000"/>
+                    </a:srgbClr>
+                  </a:outerShdw>
+                </a:effectLst>
+                <a:latin typeface="Times New Roman" panose="02020603050405020304" pitchFamily="18" charset="0"/>
+                <a:cs typeface="Times New Roman" panose="02020603050405020304" pitchFamily="18" charset="0"/>
+              </a:rPr>
+              <a:t> = </a:t>
+            </a:r>
+            <a:r>
+              <a:rPr lang="zh-CN" altLang="en-US" sz="2800" dirty="0">
+                <a:ln w="0"/>
+                <a:solidFill>
+                  <a:schemeClr val="accent1"/>
+                </a:solidFill>
+                <a:effectLst>
+                  <a:outerShdw blurRad="38100" dist="25400" dir="5400000" algn="ctr" rotWithShape="0">
+                    <a:srgbClr val="6E747A">
+                      <a:alpha val="43000"/>
+                    </a:srgbClr>
+                  </a:outerShdw>
+                </a:effectLst>
+                <a:latin typeface="Times New Roman" panose="02020603050405020304" pitchFamily="18" charset="0"/>
+                <a:cs typeface="Times New Roman" panose="02020603050405020304" pitchFamily="18" charset="0"/>
+              </a:rPr>
+              <a:t>？</a:t>
+            </a:r>
+            <a:endParaRPr lang="en-US" altLang="zh-CN" sz="2800" dirty="0">
+              <a:ln w="0"/>
+              <a:solidFill>
+                <a:schemeClr val="accent1"/>
+              </a:solidFill>
+              <a:effectLst>
+                <a:outerShdw blurRad="38100" dist="25400" dir="5400000" algn="ctr" rotWithShape="0">
+                  <a:srgbClr val="6E747A">
+                    <a:alpha val="43000"/>
+                  </a:srgbClr>
+                </a:outerShdw>
+              </a:effectLst>
+              <a:latin typeface="Times New Roman" panose="02020603050405020304" pitchFamily="18" charset="0"/>
+              <a:cs typeface="Times New Roman" panose="02020603050405020304" pitchFamily="18" charset="0"/>
+            </a:endParaRPr>
+          </a:p>
+          <a:p>
+            <a:r>
+              <a:rPr lang="en-US" altLang="zh-CN" sz="2800" dirty="0" err="1">
+                <a:ln w="0"/>
+                <a:solidFill>
+                  <a:schemeClr val="accent1"/>
+                </a:solidFill>
+                <a:effectLst>
+                  <a:outerShdw blurRad="38100" dist="25400" dir="5400000" algn="ctr" rotWithShape="0">
+                    <a:srgbClr val="6E747A">
+                      <a:alpha val="43000"/>
+                    </a:srgbClr>
+                  </a:outerShdw>
+                </a:effectLst>
+                <a:latin typeface="Times New Roman" panose="02020603050405020304" pitchFamily="18" charset="0"/>
+                <a:cs typeface="Times New Roman" panose="02020603050405020304" pitchFamily="18" charset="0"/>
+              </a:rPr>
+              <a:t>hidden_size</a:t>
+            </a:r>
+            <a:r>
+              <a:rPr lang="en-US" altLang="zh-CN" sz="2800" dirty="0">
+                <a:ln w="0"/>
+                <a:solidFill>
+                  <a:schemeClr val="accent1"/>
+                </a:solidFill>
+                <a:effectLst>
+                  <a:outerShdw blurRad="38100" dist="25400" dir="5400000" algn="ctr" rotWithShape="0">
+                    <a:srgbClr val="6E747A">
+                      <a:alpha val="43000"/>
+                    </a:srgbClr>
+                  </a:outerShdw>
+                </a:effectLst>
+                <a:latin typeface="Times New Roman" panose="02020603050405020304" pitchFamily="18" charset="0"/>
+                <a:cs typeface="Times New Roman" panose="02020603050405020304" pitchFamily="18" charset="0"/>
+              </a:rPr>
+              <a:t> = </a:t>
+            </a:r>
+            <a:r>
+              <a:rPr lang="zh-CN" altLang="en-US" sz="2800" dirty="0">
+                <a:ln w="0"/>
+                <a:solidFill>
+                  <a:schemeClr val="accent1"/>
+                </a:solidFill>
+                <a:effectLst>
+                  <a:outerShdw blurRad="38100" dist="25400" dir="5400000" algn="ctr" rotWithShape="0">
+                    <a:srgbClr val="6E747A">
+                      <a:alpha val="43000"/>
+                    </a:srgbClr>
+                  </a:outerShdw>
+                </a:effectLst>
+                <a:latin typeface="Times New Roman" panose="02020603050405020304" pitchFamily="18" charset="0"/>
+                <a:cs typeface="Times New Roman" panose="02020603050405020304" pitchFamily="18" charset="0"/>
+              </a:rPr>
+              <a:t>？</a:t>
+            </a:r>
+            <a:endParaRPr lang="zh-CN" altLang="en-US" sz="2800" dirty="0">
+              <a:ln w="0"/>
+              <a:solidFill>
+                <a:schemeClr val="accent1"/>
+              </a:solidFill>
+              <a:effectLst>
+                <a:outerShdw blurRad="38100" dist="25400" dir="5400000" algn="ctr" rotWithShape="0">
+                  <a:srgbClr val="6E747A">
+                    <a:alpha val="43000"/>
+                  </a:srgbClr>
+                </a:outerShdw>
+              </a:effectLst>
+            </a:endParaRPr>
+          </a:p>
+        </p:txBody>
+      </p:sp>
+      <p:sp>
+        <p:nvSpPr>
+          <p:cNvPr id="6" name="标题 1"/>
+          <p:cNvSpPr>
+            <a:spLocks noGrp="1"/>
+          </p:cNvSpPr>
+          <p:nvPr>
+            <p:ph type="title"/>
+          </p:nvPr>
+        </p:nvSpPr>
+        <p:spPr>
+          <a:xfrm>
+            <a:off x="353706" y="272956"/>
+            <a:ext cx="5617510" cy="672129"/>
+          </a:xfrm>
+        </p:spPr>
+        <p:txBody>
+          <a:bodyPr>
+            <a:normAutofit/>
+          </a:bodyPr>
+          <a:lstStyle/>
+          <a:p>
+            <a:r>
+              <a:rPr lang="en-US" altLang="zh-CN" sz="3600" b="1" u="sng" dirty="0" err="1">
+                <a:latin typeface="Times New Roman" panose="02020603050405020304" pitchFamily="18" charset="0"/>
+                <a:ea typeface="黑体" panose="02010609060101010101" pitchFamily="49" charset="-122"/>
+                <a:cs typeface="Times New Roman" panose="02020603050405020304" pitchFamily="18" charset="0"/>
+              </a:rPr>
+              <a:t>Parameters Optimization</a:t>
+            </a:r>
+            <a:endParaRPr lang="zh-CN" altLang="en-US" sz="3600" b="1" u="sng" dirty="0">
+              <a:latin typeface="Times New Roman" panose="02020603050405020304" pitchFamily="18" charset="0"/>
+              <a:ea typeface="黑体" panose="02010609060101010101" pitchFamily="49" charset="-122"/>
+              <a:cs typeface="Times New Roman" panose="02020603050405020304" pitchFamily="18" charset="0"/>
+            </a:endParaRPr>
+          </a:p>
+        </p:txBody>
+      </p:sp>
+      <p:sp>
+        <p:nvSpPr>
+          <p:cNvPr id="10" name="文本框 9"/>
+          <p:cNvSpPr txBox="1"/>
+          <p:nvPr/>
+        </p:nvSpPr>
+        <p:spPr>
+          <a:xfrm>
+            <a:off x="1929149" y="5774835"/>
+            <a:ext cx="8084133" cy="583565"/>
+          </a:xfrm>
+          <a:prstGeom prst="rect">
+            <a:avLst/>
+          </a:prstGeom>
+          <a:noFill/>
+          <a:ln>
+            <a:solidFill>
+              <a:schemeClr val="tx1"/>
+            </a:solidFill>
+          </a:ln>
+        </p:spPr>
+        <p:txBody>
+          <a:bodyPr wrap="square" rtlCol="0">
+            <a:spAutoFit/>
+          </a:bodyPr>
+          <a:lstStyle/>
+          <a:p>
+            <a:pPr algn="ctr"/>
+            <a:r>
+              <a:rPr lang="en-US" altLang="zh-CN" sz="3200" b="1" strike="sngStrike" dirty="0">
+                <a:latin typeface="Times New Roman" panose="02020603050405020304" pitchFamily="18" charset="0"/>
+                <a:ea typeface="黑体" panose="02010609060101010101" pitchFamily="49" charset="-122"/>
+                <a:cs typeface="Times New Roman" panose="02020603050405020304" pitchFamily="18" charset="0"/>
+              </a:rPr>
+              <a:t>Attention</a:t>
+            </a:r>
+            <a:r>
+              <a:rPr lang="en-US" altLang="zh-CN" sz="3200" b="1" dirty="0">
+                <a:latin typeface="Times New Roman" panose="02020603050405020304" pitchFamily="18" charset="0"/>
+                <a:ea typeface="黑体" panose="02010609060101010101" pitchFamily="49" charset="-122"/>
+                <a:cs typeface="Times New Roman" panose="02020603050405020304" pitchFamily="18" charset="0"/>
+              </a:rPr>
+              <a:t> Training is all we need</a:t>
+            </a:r>
+            <a:r>
+              <a:rPr lang="en-US" altLang="zh-CN" sz="2000" b="1" dirty="0">
+                <a:latin typeface="宋体" panose="02010600030101010101" pitchFamily="2" charset="-122"/>
+                <a:ea typeface="宋体" panose="02010600030101010101" pitchFamily="2" charset="-122"/>
+              </a:rPr>
+              <a:t>.</a:t>
+            </a:r>
+            <a:endParaRPr lang="zh-CN" altLang="en-US" sz="2000" b="1" dirty="0">
+              <a:latin typeface="宋体" panose="02010600030101010101" pitchFamily="2" charset="-122"/>
+              <a:ea typeface="宋体" panose="02010600030101010101" pitchFamily="2" charset="-122"/>
+            </a:endParaRPr>
+          </a:p>
+        </p:txBody>
+      </p:sp>
     </p:spTree>
-    <p:extLst>
-      <p:ext uri="{BB962C8B-B14F-4D97-AF65-F5344CB8AC3E}">
-        <p14:creationId xmlns:p14="http://schemas.microsoft.com/office/powerpoint/2010/main" val="421035534"/>
-      </p:ext>
-    </p:extLst>
   </p:cSld>
   <p:clrMapOvr>
     <a:masterClrMapping/>
   </p:clrMapOvr>
+  <p:timing>
+    <p:tnLst>
+      <p:par>
+        <p:cTn id="1" dur="indefinite" restart="never" nodeType="tmRoot">
+          <p:childTnLst>
+            <p:seq concurrent="1" nextAc="seek">
+              <p:cTn id="2" dur="indefinite" nodeType="mainSeq">
+                <p:childTnLst>
+                  <p:par>
+                    <p:cTn id="3" fill="hold">
+                      <p:stCondLst>
+                        <p:cond delay="indefinite"/>
+                      </p:stCondLst>
+                      <p:childTnLst>
+                        <p:par>
+                          <p:cTn id="4" fill="hold">
+                            <p:stCondLst>
+                              <p:cond delay="0"/>
+                            </p:stCondLst>
+                            <p:childTnLst>
+                              <p:par>
+                                <p:cTn id="5" presetID="1" presetClass="entr" presetSubtype="0" fill="hold" grpId="0" nodeType="clickEffect">
+                                  <p:stCondLst>
+                                    <p:cond delay="0"/>
+                                  </p:stCondLst>
+                                  <p:childTnLst>
+                                    <p:set>
+                                      <p:cBhvr>
+                                        <p:cTn id="6" dur="1" fill="hold">
+                                          <p:stCondLst>
+                                            <p:cond delay="0"/>
+                                          </p:stCondLst>
+                                        </p:cTn>
+                                        <p:tgtEl>
+                                          <p:spTgt spid="10"/>
+                                        </p:tgtEl>
+                                        <p:attrNameLst>
+                                          <p:attrName>style.visibility</p:attrName>
+                                        </p:attrNameLst>
+                                      </p:cBhvr>
+                                      <p:to>
+                                        <p:strVal val="visible"/>
+                                      </p:to>
+                                    </p:set>
+                                  </p:childTnLst>
+                                </p:cTn>
+                              </p:par>
+                            </p:childTnLst>
+                          </p:cTn>
+                        </p:par>
+                      </p:childTnLst>
+                    </p:cTn>
+                  </p:par>
+                </p:childTnLst>
+              </p:cTn>
+              <p:prevCondLst>
+                <p:cond evt="onPrev" delay="0">
+                  <p:tgtEl>
+                    <p:sldTgt/>
+                  </p:tgtEl>
+                </p:cond>
+              </p:prevCondLst>
+              <p:nextCondLst>
+                <p:cond evt="onNext" delay="0">
+                  <p:tgtEl>
+                    <p:sldTgt/>
+                  </p:tgtEl>
+                </p:cond>
+              </p:nextCondLst>
+            </p:seq>
+          </p:childTnLst>
+        </p:cTn>
+      </p:par>
+    </p:tnLst>
+    <p:bldLst>
+      <p:bldP spid="10" grpId="0" animBg="1"/>
+      <p:bldP spid="10" grpId="1" animBg="1"/>
+    </p:bldLst>
+  </p:timing>
 </p:sld>
 </file>
 
@@ -4975,130 +4998,149 @@
       </p:grpSpPr>
       <p:pic>
         <p:nvPicPr>
-          <p:cNvPr id="5" name="图片 4">
-            <a:extLst>
-              <a:ext uri="{FF2B5EF4-FFF2-40B4-BE49-F238E27FC236}">
-                <a16:creationId xmlns:a16="http://schemas.microsoft.com/office/drawing/2014/main" id="{EC4B23A6-73CC-EE2E-5F36-91F92662A59F}"/>
-              </a:ext>
-            </a:extLst>
-          </p:cNvPr>
+          <p:cNvPr id="5" name="内容占位符 4"/>
           <p:cNvPicPr>
-            <a:picLocks noChangeAspect="1"/>
+            <a:picLocks noGrp="1" noChangeAspect="1"/>
           </p:cNvPicPr>
-          <p:nvPr/>
+          <p:nvPr>
+            <p:ph idx="1"/>
+          </p:nvPr>
         </p:nvPicPr>
         <p:blipFill>
-          <a:blip r:embed="rId3"/>
+          <a:blip r:embed="rId2"/>
           <a:stretch>
             <a:fillRect/>
           </a:stretch>
         </p:blipFill>
         <p:spPr>
           <a:xfrm>
-            <a:off x="195943" y="694285"/>
-            <a:ext cx="7405008" cy="5293967"/>
+            <a:off x="3152821" y="1269365"/>
+            <a:ext cx="5886358" cy="4351338"/>
+          </a:xfrm>
+        </p:spPr>
+      </p:pic>
+      <p:sp>
+        <p:nvSpPr>
+          <p:cNvPr id="6" name="标题 1"/>
+          <p:cNvSpPr>
+            <a:spLocks noGrp="1"/>
+          </p:cNvSpPr>
+          <p:nvPr/>
+        </p:nvSpPr>
+        <p:spPr>
+          <a:xfrm>
+            <a:off x="353706" y="272956"/>
+            <a:ext cx="5617510" cy="672129"/>
           </a:xfrm>
           <a:prstGeom prst="rect">
             <a:avLst/>
           </a:prstGeom>
         </p:spPr>
-      </p:pic>
-      <p:pic>
-        <p:nvPicPr>
-          <p:cNvPr id="9" name="图片 8">
-            <a:extLst>
-              <a:ext uri="{FF2B5EF4-FFF2-40B4-BE49-F238E27FC236}">
-                <a16:creationId xmlns:a16="http://schemas.microsoft.com/office/drawing/2014/main" id="{01094B45-6080-FF46-9F87-07FFBF6D6E1B}"/>
-              </a:ext>
-            </a:extLst>
-          </p:cNvPr>
-          <p:cNvPicPr>
-            <a:picLocks noChangeAspect="1"/>
-          </p:cNvPicPr>
+        <p:txBody>
+          <a:bodyPr vert="horz" lIns="91440" tIns="45720" rIns="91440" bIns="45720" rtlCol="0" anchor="ctr">
+            <a:normAutofit/>
+          </a:bodyPr>
+          <a:lstStyle>
+            <a:lvl1pPr algn="l" defTabSz="914400" rtl="0" eaLnBrk="1" latinLnBrk="0" hangingPunct="1">
+              <a:lnSpc>
+                <a:spcPct val="90000"/>
+              </a:lnSpc>
+              <a:spcBef>
+                <a:spcPct val="0"/>
+              </a:spcBef>
+              <a:buNone/>
+              <a:defRPr sz="4400" kern="1200">
+                <a:solidFill>
+                  <a:schemeClr val="tx1"/>
+                </a:solidFill>
+                <a:latin typeface="+mj-lt"/>
+                <a:ea typeface="+mj-ea"/>
+                <a:cs typeface="+mj-cs"/>
+              </a:defRPr>
+            </a:lvl1pPr>
+          </a:lstStyle>
+          <a:p>
+            <a:r>
+              <a:rPr lang="en-US" altLang="zh-CN" sz="3600" b="1" u="sng" dirty="0" err="1">
+                <a:latin typeface="Times New Roman" panose="02020603050405020304" pitchFamily="18" charset="0"/>
+                <a:ea typeface="黑体" panose="02010609060101010101" pitchFamily="49" charset="-122"/>
+                <a:cs typeface="Times New Roman" panose="02020603050405020304" pitchFamily="18" charset="0"/>
+              </a:rPr>
+              <a:t>Results</a:t>
+            </a:r>
+            <a:endParaRPr lang="zh-CN" altLang="en-US" sz="3600" b="1" u="sng" dirty="0">
+              <a:latin typeface="Times New Roman" panose="02020603050405020304" pitchFamily="18" charset="0"/>
+              <a:ea typeface="黑体" panose="02010609060101010101" pitchFamily="49" charset="-122"/>
+              <a:cs typeface="Times New Roman" panose="02020603050405020304" pitchFamily="18" charset="0"/>
+            </a:endParaRPr>
+          </a:p>
+        </p:txBody>
+      </p:sp>
+      <p:sp>
+        <p:nvSpPr>
+          <p:cNvPr id="40" name="文本框 39"/>
+          <p:cNvSpPr txBox="1"/>
           <p:nvPr/>
-        </p:nvPicPr>
-        <p:blipFill>
-          <a:blip r:embed="rId4"/>
-          <a:stretch>
-            <a:fillRect/>
-          </a:stretch>
-        </p:blipFill>
+        </p:nvSpPr>
         <p:spPr>
           <a:xfrm>
-            <a:off x="7357178" y="0"/>
-            <a:ext cx="1984329" cy="6858000"/>
+            <a:off x="2898224" y="5744871"/>
+            <a:ext cx="6387152" cy="368300"/>
           </a:xfrm>
           <a:prstGeom prst="rect">
             <a:avLst/>
           </a:prstGeom>
+          <a:noFill/>
         </p:spPr>
-      </p:pic>
-      <p:pic>
-        <p:nvPicPr>
-          <p:cNvPr id="11" name="图片 10">
-            <a:extLst>
-              <a:ext uri="{FF2B5EF4-FFF2-40B4-BE49-F238E27FC236}">
-                <a16:creationId xmlns:a16="http://schemas.microsoft.com/office/drawing/2014/main" id="{7162AE46-BC74-E676-77E1-FC2F65709B58}"/>
-              </a:ext>
-            </a:extLst>
-          </p:cNvPr>
-          <p:cNvPicPr>
-            <a:picLocks noChangeAspect="1"/>
-          </p:cNvPicPr>
-          <p:nvPr/>
-        </p:nvPicPr>
-        <p:blipFill>
-          <a:blip r:embed="rId5"/>
-          <a:stretch>
-            <a:fillRect/>
-          </a:stretch>
-        </p:blipFill>
-        <p:spPr>
-          <a:xfrm>
-            <a:off x="9205269" y="0"/>
-            <a:ext cx="2025857" cy="5151664"/>
-          </a:xfrm>
-          <a:prstGeom prst="rect">
-            <a:avLst/>
-          </a:prstGeom>
-        </p:spPr>
-      </p:pic>
-      <p:pic>
-        <p:nvPicPr>
-          <p:cNvPr id="13" name="图片 12">
-            <a:extLst>
-              <a:ext uri="{FF2B5EF4-FFF2-40B4-BE49-F238E27FC236}">
-                <a16:creationId xmlns:a16="http://schemas.microsoft.com/office/drawing/2014/main" id="{463AF7C8-FF6A-6EC3-9996-2A5FF8543C0C}"/>
-              </a:ext>
-            </a:extLst>
-          </p:cNvPr>
-          <p:cNvPicPr>
-            <a:picLocks noChangeAspect="1"/>
-          </p:cNvPicPr>
-          <p:nvPr/>
-        </p:nvPicPr>
-        <p:blipFill>
-          <a:blip r:embed="rId6"/>
-          <a:stretch>
-            <a:fillRect/>
-          </a:stretch>
-        </p:blipFill>
-        <p:spPr>
-          <a:xfrm>
-            <a:off x="2634241" y="6091905"/>
-            <a:ext cx="2200582" cy="590632"/>
-          </a:xfrm>
-          <a:prstGeom prst="rect">
-            <a:avLst/>
-          </a:prstGeom>
-        </p:spPr>
-      </p:pic>
+        <p:txBody>
+          <a:bodyPr wrap="square" rtlCol="0">
+            <a:spAutoFit/>
+          </a:bodyPr>
+          <a:lstStyle/>
+          <a:p>
+            <a:pPr algn="ctr"/>
+            <a:r>
+              <a:rPr lang="zh-CN" altLang="en-US" b="1" dirty="0">
+                <a:latin typeface="黑体" panose="02010609060101010101" pitchFamily="49" charset="-122"/>
+                <a:ea typeface="黑体" panose="02010609060101010101" pitchFamily="49" charset="-122"/>
+              </a:rPr>
+              <a:t>图</a:t>
+            </a:r>
+            <a:r>
+              <a:rPr lang="en-US" altLang="zh-CN" b="1" dirty="0">
+                <a:latin typeface="黑体" panose="02010609060101010101" pitchFamily="49" charset="-122"/>
+                <a:ea typeface="黑体" panose="02010609060101010101" pitchFamily="49" charset="-122"/>
+              </a:rPr>
+              <a:t>4.</a:t>
+            </a:r>
+            <a:r>
+              <a:rPr lang="zh-CN" altLang="en-US" b="1" dirty="0">
+                <a:latin typeface="黑体" panose="02010609060101010101" pitchFamily="49" charset="-122"/>
+                <a:ea typeface="黑体" panose="02010609060101010101" pitchFamily="49" charset="-122"/>
+              </a:rPr>
+              <a:t>股票</a:t>
+            </a:r>
+            <a:r>
+              <a:rPr lang="en-US" altLang="zh-CN" b="1" dirty="0">
+                <a:sym typeface="+mn-ea"/>
+              </a:rPr>
+              <a:t>002765.XSHE</a:t>
+            </a:r>
+            <a:r>
+              <a:rPr lang="zh-CN" altLang="en-US" b="1" dirty="0">
+                <a:sym typeface="+mn-ea"/>
+              </a:rPr>
+              <a:t>预测图</a:t>
+            </a:r>
+            <a:endParaRPr lang="zh-CN" altLang="en-US" b="1" dirty="0">
+              <a:latin typeface="黑体" panose="02010609060101010101" pitchFamily="49" charset="-122"/>
+              <a:ea typeface="黑体" panose="02010609060101010101" pitchFamily="49" charset="-122"/>
+              <a:sym typeface="+mn-ea"/>
+            </a:endParaRPr>
+          </a:p>
+        </p:txBody>
+      </p:sp>
     </p:spTree>
-    <p:extLst>
-      <p:ext uri="{BB962C8B-B14F-4D97-AF65-F5344CB8AC3E}">
-        <p14:creationId xmlns:p14="http://schemas.microsoft.com/office/powerpoint/2010/main" val="3475902319"/>
-      </p:ext>
-    </p:extLst>
   </p:cSld>
   <p:clrMapOvr>
     <a:masterClrMapping/>
@@ -5125,13 +5167,389 @@
       </p:grpSpPr>
       <p:sp>
         <p:nvSpPr>
-          <p:cNvPr id="4" name="矩形 3">
-            <a:extLst>
-              <a:ext uri="{FF2B5EF4-FFF2-40B4-BE49-F238E27FC236}">
-                <a16:creationId xmlns:a16="http://schemas.microsoft.com/office/drawing/2014/main" id="{3B16728D-DE7D-BC50-B090-89BE5CA54C47}"/>
-              </a:ext>
-            </a:extLst>
-          </p:cNvPr>
+          <p:cNvPr id="3" name="内容占位符 2"/>
+          <p:cNvSpPr>
+            <a:spLocks noGrp="1"/>
+          </p:cNvSpPr>
+          <p:nvPr>
+            <p:ph idx="1"/>
+          </p:nvPr>
+        </p:nvSpPr>
+        <p:spPr>
+          <a:xfrm>
+            <a:off x="838200" y="2188029"/>
+            <a:ext cx="4280807" cy="3988934"/>
+          </a:xfrm>
+        </p:spPr>
+        <p:txBody>
+          <a:bodyPr/>
+          <a:lstStyle/>
+          <a:p>
+            <a:r>
+              <a:rPr lang="zh-CN" altLang="en-US" dirty="0"/>
+              <a:t>使用训练的结果，在测试集上尝试建立策略：</a:t>
+            </a:r>
+            <a:endParaRPr lang="en-US" altLang="zh-CN" dirty="0"/>
+          </a:p>
+          <a:p>
+            <a:r>
+              <a:rPr lang="en-US" altLang="zh-CN" dirty="0"/>
+              <a:t>1</a:t>
+            </a:r>
+            <a:r>
+              <a:rPr lang="zh-CN" altLang="en-US" dirty="0"/>
+              <a:t>）当上涨概率大于</a:t>
+            </a:r>
+            <a:r>
+              <a:rPr lang="en-US" altLang="zh-CN" dirty="0"/>
+              <a:t>P_b</a:t>
+            </a:r>
+            <a:r>
+              <a:rPr lang="zh-CN" altLang="en-US" dirty="0"/>
+              <a:t>时以收盘价</a:t>
+            </a:r>
+            <a:r>
+              <a:rPr lang="zh-CN" altLang="en-US" b="1" dirty="0"/>
+              <a:t>买入</a:t>
+            </a:r>
+            <a:endParaRPr lang="en-US" altLang="zh-CN" dirty="0"/>
+          </a:p>
+          <a:p>
+            <a:r>
+              <a:rPr lang="en-US" altLang="zh-CN" dirty="0"/>
+              <a:t>2</a:t>
+            </a:r>
+            <a:r>
+              <a:rPr lang="zh-CN" altLang="en-US" dirty="0"/>
+              <a:t>）买入后若上涨概率小于</a:t>
+            </a:r>
+            <a:r>
+              <a:rPr lang="en-US" altLang="zh-CN" dirty="0"/>
+              <a:t>P_s</a:t>
+            </a:r>
+            <a:r>
+              <a:rPr lang="zh-CN" altLang="en-US" b="1" dirty="0"/>
+              <a:t>卖出</a:t>
+            </a:r>
+            <a:r>
+              <a:rPr lang="zh-CN" altLang="en-US" dirty="0"/>
+              <a:t>，或跌幅大于</a:t>
+            </a:r>
+            <a:r>
+              <a:rPr lang="en-US" altLang="zh-CN" dirty="0"/>
+              <a:t>20%</a:t>
+            </a:r>
+            <a:r>
+              <a:rPr lang="zh-CN" altLang="en-US" b="1" dirty="0"/>
+              <a:t>止损</a:t>
+            </a:r>
+            <a:endParaRPr lang="en-US" altLang="zh-CN" b="0" dirty="0">
+              <a:solidFill>
+                <a:srgbClr val="3B3B3B"/>
+              </a:solidFill>
+              <a:effectLst/>
+              <a:highlight>
+                <a:srgbClr val="FFFFFF"/>
+              </a:highlight>
+              <a:latin typeface="Consolas" panose="020B0609020204030204" pitchFamily="49" charset="0"/>
+            </a:endParaRPr>
+          </a:p>
+          <a:p>
+            <a:endParaRPr lang="en-US" altLang="zh-CN" dirty="0"/>
+          </a:p>
+          <a:p>
+            <a:endParaRPr lang="zh-CN" altLang="en-US" dirty="0"/>
+          </a:p>
+        </p:txBody>
+      </p:sp>
+      <p:pic>
+        <p:nvPicPr>
+          <p:cNvPr id="5" name="图片 4"/>
+          <p:cNvPicPr>
+            <a:picLocks noChangeAspect="1"/>
+          </p:cNvPicPr>
+          <p:nvPr/>
+        </p:nvPicPr>
+        <p:blipFill>
+          <a:blip r:embed="rId2"/>
+          <a:stretch>
+            <a:fillRect/>
+          </a:stretch>
+        </p:blipFill>
+        <p:spPr>
+          <a:xfrm>
+            <a:off x="6185309" y="1608156"/>
+            <a:ext cx="5203196" cy="4441579"/>
+          </a:xfrm>
+          <a:prstGeom prst="rect">
+            <a:avLst/>
+          </a:prstGeom>
+        </p:spPr>
+      </p:pic>
+      <p:sp>
+        <p:nvSpPr>
+          <p:cNvPr id="6" name="标题 1"/>
+          <p:cNvSpPr>
+            <a:spLocks noGrp="1"/>
+          </p:cNvSpPr>
+          <p:nvPr/>
+        </p:nvSpPr>
+        <p:spPr>
+          <a:xfrm>
+            <a:off x="353706" y="272956"/>
+            <a:ext cx="5617510" cy="672129"/>
+          </a:xfrm>
+          <a:prstGeom prst="rect">
+            <a:avLst/>
+          </a:prstGeom>
+        </p:spPr>
+        <p:txBody>
+          <a:bodyPr vert="horz" lIns="91440" tIns="45720" rIns="91440" bIns="45720" rtlCol="0" anchor="ctr">
+            <a:normAutofit/>
+          </a:bodyPr>
+          <a:lstStyle>
+            <a:lvl1pPr algn="l" defTabSz="914400" rtl="0" eaLnBrk="1" latinLnBrk="0" hangingPunct="1">
+              <a:lnSpc>
+                <a:spcPct val="90000"/>
+              </a:lnSpc>
+              <a:spcBef>
+                <a:spcPct val="0"/>
+              </a:spcBef>
+              <a:buNone/>
+              <a:defRPr sz="4400" kern="1200">
+                <a:solidFill>
+                  <a:schemeClr val="tx1"/>
+                </a:solidFill>
+                <a:latin typeface="+mj-lt"/>
+                <a:ea typeface="+mj-ea"/>
+                <a:cs typeface="+mj-cs"/>
+              </a:defRPr>
+            </a:lvl1pPr>
+          </a:lstStyle>
+          <a:p>
+            <a:r>
+              <a:rPr lang="en-US" altLang="zh-CN" sz="3600" b="1" u="sng" dirty="0" err="1">
+                <a:latin typeface="Times New Roman" panose="02020603050405020304" pitchFamily="18" charset="0"/>
+                <a:ea typeface="黑体" panose="02010609060101010101" pitchFamily="49" charset="-122"/>
+                <a:cs typeface="Times New Roman" panose="02020603050405020304" pitchFamily="18" charset="0"/>
+              </a:rPr>
+              <a:t>Exchange Strategy</a:t>
+            </a:r>
+            <a:endParaRPr lang="zh-CN" altLang="en-US" sz="3600" b="1" u="sng" dirty="0">
+              <a:latin typeface="Times New Roman" panose="02020603050405020304" pitchFamily="18" charset="0"/>
+              <a:ea typeface="黑体" panose="02010609060101010101" pitchFamily="49" charset="-122"/>
+              <a:cs typeface="Times New Roman" panose="02020603050405020304" pitchFamily="18" charset="0"/>
+            </a:endParaRPr>
+          </a:p>
+        </p:txBody>
+      </p:sp>
+    </p:spTree>
+  </p:cSld>
+  <p:clrMapOvr>
+    <a:masterClrMapping/>
+  </p:clrMapOvr>
+</p:sld>
+</file>
+
+<file path=ppt/slides/slide16.xml><?xml version="1.0" encoding="utf-8"?>
+<p:sld xmlns:a="http://schemas.openxmlformats.org/drawingml/2006/main" xmlns:r="http://schemas.openxmlformats.org/officeDocument/2006/relationships" xmlns:p="http://schemas.openxmlformats.org/presentationml/2006/main">
+  <p:cSld>
+    <p:spTree>
+      <p:nvGrpSpPr>
+        <p:cNvPr id="1" name=""/>
+        <p:cNvGrpSpPr/>
+        <p:nvPr/>
+      </p:nvGrpSpPr>
+      <p:grpSpPr>
+        <a:xfrm>
+          <a:off x="0" y="0"/>
+          <a:ext cx="0" cy="0"/>
+          <a:chOff x="0" y="0"/>
+          <a:chExt cx="0" cy="0"/>
+        </a:xfrm>
+      </p:grpSpPr>
+      <p:pic>
+        <p:nvPicPr>
+          <p:cNvPr id="5" name="图片 4"/>
+          <p:cNvPicPr>
+            <a:picLocks noChangeAspect="1"/>
+          </p:cNvPicPr>
+          <p:nvPr/>
+        </p:nvPicPr>
+        <p:blipFill>
+          <a:blip r:embed="rId3"/>
+          <a:srcRect t="2607"/>
+          <a:stretch>
+            <a:fillRect/>
+          </a:stretch>
+        </p:blipFill>
+        <p:spPr>
+          <a:xfrm>
+            <a:off x="310515" y="1119505"/>
+            <a:ext cx="6881495" cy="4791710"/>
+          </a:xfrm>
+          <a:prstGeom prst="rect">
+            <a:avLst/>
+          </a:prstGeom>
+        </p:spPr>
+      </p:pic>
+      <p:pic>
+        <p:nvPicPr>
+          <p:cNvPr id="9" name="图片 8"/>
+          <p:cNvPicPr>
+            <a:picLocks noChangeAspect="1"/>
+          </p:cNvPicPr>
+          <p:nvPr/>
+        </p:nvPicPr>
+        <p:blipFill>
+          <a:blip r:embed="rId4"/>
+          <a:stretch>
+            <a:fillRect/>
+          </a:stretch>
+        </p:blipFill>
+        <p:spPr>
+          <a:xfrm>
+            <a:off x="7220653" y="0"/>
+            <a:ext cx="1984329" cy="6858000"/>
+          </a:xfrm>
+          <a:prstGeom prst="rect">
+            <a:avLst/>
+          </a:prstGeom>
+        </p:spPr>
+      </p:pic>
+      <p:pic>
+        <p:nvPicPr>
+          <p:cNvPr id="11" name="图片 10"/>
+          <p:cNvPicPr>
+            <a:picLocks noChangeAspect="1"/>
+          </p:cNvPicPr>
+          <p:nvPr/>
+        </p:nvPicPr>
+        <p:blipFill>
+          <a:blip r:embed="rId5"/>
+          <a:stretch>
+            <a:fillRect/>
+          </a:stretch>
+        </p:blipFill>
+        <p:spPr>
+          <a:xfrm>
+            <a:off x="9205269" y="0"/>
+            <a:ext cx="2025857" cy="5151664"/>
+          </a:xfrm>
+          <a:prstGeom prst="rect">
+            <a:avLst/>
+          </a:prstGeom>
+        </p:spPr>
+      </p:pic>
+      <p:pic>
+        <p:nvPicPr>
+          <p:cNvPr id="13" name="图片 12"/>
+          <p:cNvPicPr>
+            <a:picLocks noChangeAspect="1"/>
+          </p:cNvPicPr>
+          <p:nvPr/>
+        </p:nvPicPr>
+        <p:blipFill>
+          <a:blip r:embed="rId6"/>
+          <a:stretch>
+            <a:fillRect/>
+          </a:stretch>
+        </p:blipFill>
+        <p:spPr>
+          <a:xfrm>
+            <a:off x="2634241" y="6091905"/>
+            <a:ext cx="2200582" cy="590632"/>
+          </a:xfrm>
+          <a:prstGeom prst="rect">
+            <a:avLst/>
+          </a:prstGeom>
+        </p:spPr>
+      </p:pic>
+      <p:sp>
+        <p:nvSpPr>
+          <p:cNvPr id="6" name="标题 1"/>
+          <p:cNvSpPr>
+            <a:spLocks noGrp="1"/>
+          </p:cNvSpPr>
+          <p:nvPr/>
+        </p:nvSpPr>
+        <p:spPr>
+          <a:xfrm>
+            <a:off x="353706" y="272956"/>
+            <a:ext cx="5617510" cy="672129"/>
+          </a:xfrm>
+          <a:prstGeom prst="rect">
+            <a:avLst/>
+          </a:prstGeom>
+        </p:spPr>
+        <p:txBody>
+          <a:bodyPr vert="horz" lIns="91440" tIns="45720" rIns="91440" bIns="45720" rtlCol="0" anchor="ctr">
+            <a:normAutofit/>
+          </a:bodyPr>
+          <a:lstStyle>
+            <a:lvl1pPr algn="l" defTabSz="914400" rtl="0" eaLnBrk="1" latinLnBrk="0" hangingPunct="1">
+              <a:lnSpc>
+                <a:spcPct val="90000"/>
+              </a:lnSpc>
+              <a:spcBef>
+                <a:spcPct val="0"/>
+              </a:spcBef>
+              <a:buNone/>
+              <a:defRPr sz="4400" kern="1200">
+                <a:solidFill>
+                  <a:schemeClr val="tx1"/>
+                </a:solidFill>
+                <a:latin typeface="+mj-lt"/>
+                <a:ea typeface="+mj-ea"/>
+                <a:cs typeface="+mj-cs"/>
+              </a:defRPr>
+            </a:lvl1pPr>
+          </a:lstStyle>
+          <a:p>
+            <a:r>
+              <a:rPr lang="en-US" altLang="zh-CN" sz="3600" b="1" u="sng" dirty="0" err="1">
+                <a:latin typeface="Times New Roman" panose="02020603050405020304" pitchFamily="18" charset="0"/>
+                <a:ea typeface="黑体" panose="02010609060101010101" pitchFamily="49" charset="-122"/>
+                <a:cs typeface="Times New Roman" panose="02020603050405020304" pitchFamily="18" charset="0"/>
+              </a:rPr>
+              <a:t>Strategy Implemented</a:t>
+            </a:r>
+            <a:endParaRPr lang="zh-CN" altLang="en-US" sz="3600" b="1" u="sng" dirty="0">
+              <a:latin typeface="Times New Roman" panose="02020603050405020304" pitchFamily="18" charset="0"/>
+              <a:ea typeface="黑体" panose="02010609060101010101" pitchFamily="49" charset="-122"/>
+              <a:cs typeface="Times New Roman" panose="02020603050405020304" pitchFamily="18" charset="0"/>
+            </a:endParaRPr>
+          </a:p>
+        </p:txBody>
+      </p:sp>
+    </p:spTree>
+  </p:cSld>
+  <p:clrMapOvr>
+    <a:masterClrMapping/>
+  </p:clrMapOvr>
+</p:sld>
+</file>
+
+<file path=ppt/slides/slide17.xml><?xml version="1.0" encoding="utf-8"?>
+<p:sld xmlns:a="http://schemas.openxmlformats.org/drawingml/2006/main" xmlns:r="http://schemas.openxmlformats.org/officeDocument/2006/relationships" xmlns:p="http://schemas.openxmlformats.org/presentationml/2006/main">
+  <p:cSld>
+    <p:spTree>
+      <p:nvGrpSpPr>
+        <p:cNvPr id="1" name=""/>
+        <p:cNvGrpSpPr/>
+        <p:nvPr/>
+      </p:nvGrpSpPr>
+      <p:grpSpPr>
+        <a:xfrm>
+          <a:off x="0" y="0"/>
+          <a:ext cx="0" cy="0"/>
+          <a:chOff x="0" y="0"/>
+          <a:chExt cx="0" cy="0"/>
+        </a:xfrm>
+      </p:grpSpPr>
+      <p:sp>
+        <p:nvSpPr>
+          <p:cNvPr id="4" name="矩形 3"/>
           <p:cNvSpPr/>
           <p:nvPr/>
         </p:nvSpPr>
@@ -5154,15 +5572,15 @@
             <a:pPr algn="ctr"/>
             <a:r>
               <a:rPr lang="zh-CN" altLang="en-US" sz="5400" b="0" cap="none" spc="0" dirty="0">
-                <a:ln w="0"/>
+                <a:ln/>
                 <a:solidFill>
-                  <a:schemeClr val="accent1"/>
+                  <a:schemeClr val="tx1"/>
                 </a:solidFill>
                 <a:effectLst>
-                  <a:outerShdw blurRad="38100" dist="25400" dir="5400000" algn="ctr" rotWithShape="0">
-                    <a:srgbClr val="6E747A">
-                      <a:alpha val="43000"/>
-                    </a:srgbClr>
+                  <a:outerShdw blurRad="38100" dist="19050" dir="2700000" algn="tl" rotWithShape="0">
+                    <a:schemeClr val="dk1">
+                      <a:alpha val="40000"/>
+                    </a:schemeClr>
                   </a:outerShdw>
                 </a:effectLst>
               </a:rPr>
@@ -5172,11 +5590,6 @@
         </p:txBody>
       </p:sp>
     </p:spTree>
-    <p:extLst>
-      <p:ext uri="{BB962C8B-B14F-4D97-AF65-F5344CB8AC3E}">
-        <p14:creationId xmlns:p14="http://schemas.microsoft.com/office/powerpoint/2010/main" val="2062552370"/>
-      </p:ext>
-    </p:extLst>
   </p:cSld>
   <p:clrMapOvr>
     <a:masterClrMapping/>
@@ -5203,13 +5616,7 @@
       </p:grpSpPr>
       <p:sp>
         <p:nvSpPr>
-          <p:cNvPr id="4" name="文本框 3">
-            <a:extLst>
-              <a:ext uri="{FF2B5EF4-FFF2-40B4-BE49-F238E27FC236}">
-                <a16:creationId xmlns:a16="http://schemas.microsoft.com/office/drawing/2014/main" id="{3F564C77-420C-4DC4-ABAA-C8CC12889A6E}"/>
-              </a:ext>
-            </a:extLst>
-          </p:cNvPr>
+          <p:cNvPr id="4" name="文本框 3"/>
           <p:cNvSpPr txBox="1"/>
           <p:nvPr/>
         </p:nvSpPr>
@@ -5247,13 +5654,7 @@
       </p:sp>
       <p:grpSp>
         <p:nvGrpSpPr>
-          <p:cNvPr id="10" name="组合 9">
-            <a:extLst>
-              <a:ext uri="{FF2B5EF4-FFF2-40B4-BE49-F238E27FC236}">
-                <a16:creationId xmlns:a16="http://schemas.microsoft.com/office/drawing/2014/main" id="{A4F8173F-3F34-4A0B-8F68-594B45667F3F}"/>
-              </a:ext>
-            </a:extLst>
-          </p:cNvPr>
+          <p:cNvPr id="10" name="组合 9"/>
           <p:cNvGrpSpPr/>
           <p:nvPr/>
         </p:nvGrpSpPr>
@@ -5267,13 +5668,7 @@
         </p:grpSpPr>
         <p:sp>
           <p:nvSpPr>
-            <p:cNvPr id="5" name="文本框 4">
-              <a:extLst>
-                <a:ext uri="{FF2B5EF4-FFF2-40B4-BE49-F238E27FC236}">
-                  <a16:creationId xmlns:a16="http://schemas.microsoft.com/office/drawing/2014/main" id="{ACCA4885-254A-4E77-B864-23C2A9C23985}"/>
-                </a:ext>
-              </a:extLst>
-            </p:cNvPr>
+            <p:cNvPr id="5" name="文本框 4"/>
             <p:cNvSpPr txBox="1"/>
             <p:nvPr/>
           </p:nvSpPr>
@@ -5372,13 +5767,7 @@
         </p:sp>
         <p:sp>
           <p:nvSpPr>
-            <p:cNvPr id="6" name="左大括号 5">
-              <a:extLst>
-                <a:ext uri="{FF2B5EF4-FFF2-40B4-BE49-F238E27FC236}">
-                  <a16:creationId xmlns:a16="http://schemas.microsoft.com/office/drawing/2014/main" id="{B579D9CF-BADF-4BA7-A6E9-FB4619AA643A}"/>
-                </a:ext>
-              </a:extLst>
-            </p:cNvPr>
+            <p:cNvPr id="6" name="左大括号 5"/>
             <p:cNvSpPr/>
             <p:nvPr/>
           </p:nvSpPr>
@@ -5417,16 +5806,8 @@
       </p:grpSp>
       <p:cxnSp>
         <p:nvCxnSpPr>
-          <p:cNvPr id="8" name="直接连接符 7">
-            <a:extLst>
-              <a:ext uri="{FF2B5EF4-FFF2-40B4-BE49-F238E27FC236}">
-                <a16:creationId xmlns:a16="http://schemas.microsoft.com/office/drawing/2014/main" id="{9ADEC96B-EBE7-427E-9B7D-5952A5927881}"/>
-              </a:ext>
-            </a:extLst>
-          </p:cNvPr>
-          <p:cNvCxnSpPr>
-            <a:cxnSpLocks/>
-          </p:cNvCxnSpPr>
+          <p:cNvPr id="8" name="直接连接符 7"/>
+          <p:cNvCxnSpPr/>
           <p:nvPr/>
         </p:nvCxnSpPr>
         <p:spPr>
@@ -5455,13 +5836,7 @@
       </p:cxnSp>
       <p:sp>
         <p:nvSpPr>
-          <p:cNvPr id="11" name="文本框 10">
-            <a:extLst>
-              <a:ext uri="{FF2B5EF4-FFF2-40B4-BE49-F238E27FC236}">
-                <a16:creationId xmlns:a16="http://schemas.microsoft.com/office/drawing/2014/main" id="{377AE1E2-8077-4BEE-B6B9-8923E481DC28}"/>
-              </a:ext>
-            </a:extLst>
-          </p:cNvPr>
+          <p:cNvPr id="11" name="文本框 10"/>
           <p:cNvSpPr txBox="1"/>
           <p:nvPr/>
         </p:nvSpPr>
@@ -5493,11 +5868,6 @@
         </p:txBody>
       </p:sp>
     </p:spTree>
-    <p:extLst>
-      <p:ext uri="{BB962C8B-B14F-4D97-AF65-F5344CB8AC3E}">
-        <p14:creationId xmlns:p14="http://schemas.microsoft.com/office/powerpoint/2010/main" val="2866836021"/>
-      </p:ext>
-    </p:extLst>
   </p:cSld>
   <p:clrMapOvr>
     <a:masterClrMapping/>
@@ -5524,13 +5894,7 @@
       </p:grpSpPr>
       <p:sp>
         <p:nvSpPr>
-          <p:cNvPr id="4" name="标题 1">
-            <a:extLst>
-              <a:ext uri="{FF2B5EF4-FFF2-40B4-BE49-F238E27FC236}">
-                <a16:creationId xmlns:a16="http://schemas.microsoft.com/office/drawing/2014/main" id="{85317ACB-348F-1AA9-D861-5F82526CEC22}"/>
-              </a:ext>
-            </a:extLst>
-          </p:cNvPr>
+          <p:cNvPr id="4" name="标题 1"/>
           <p:cNvSpPr>
             <a:spLocks noGrp="1"/>
           </p:cNvSpPr>
@@ -5568,13 +5932,7 @@
       </p:sp>
       <p:sp>
         <p:nvSpPr>
-          <p:cNvPr id="5" name="文本框 4">
-            <a:extLst>
-              <a:ext uri="{FF2B5EF4-FFF2-40B4-BE49-F238E27FC236}">
-                <a16:creationId xmlns:a16="http://schemas.microsoft.com/office/drawing/2014/main" id="{4DD0080B-6C26-4D5C-2217-FDB56FE87E23}"/>
-              </a:ext>
-            </a:extLst>
-          </p:cNvPr>
+          <p:cNvPr id="5" name="文本框 4"/>
           <p:cNvSpPr txBox="1"/>
           <p:nvPr/>
         </p:nvSpPr>
@@ -5637,11 +5995,18 @@
               <a:t>)</a:t>
             </a:r>
             <a:r>
+              <a:rPr lang="zh-CN" altLang="en-US" sz="2000" b="1" dirty="0">
+                <a:latin typeface="宋体" panose="02010600030101010101" pitchFamily="2" charset="-122"/>
+                <a:ea typeface="宋体" panose="02010600030101010101" pitchFamily="2" charset="-122"/>
+              </a:rPr>
+              <a:t>一支股票的交易数据</a:t>
+            </a:r>
+            <a:r>
               <a:rPr lang="zh-CN" altLang="en-US" sz="2000" dirty="0">
                 <a:latin typeface="宋体" panose="02010600030101010101" pitchFamily="2" charset="-122"/>
                 <a:ea typeface="宋体" panose="02010600030101010101" pitchFamily="2" charset="-122"/>
               </a:rPr>
-              <a:t>一支股票的交易数据，判断接下来一段时间</a:t>
+              <a:t>，判断接下来一段时间</a:t>
             </a:r>
             <a:r>
               <a:rPr lang="en-US" altLang="zh-CN" sz="2000" dirty="0">
@@ -5652,8 +6017,9 @@
             </a:r>
             <a:r>
               <a:rPr lang="en-US" altLang="zh-CN" sz="2000" dirty="0" err="1">
-                <a:latin typeface="宋体" panose="02010600030101010101" pitchFamily="2" charset="-122"/>
+                <a:latin typeface="Times New Roman" panose="02020603050405020304" pitchFamily="18" charset="0"/>
                 <a:ea typeface="宋体" panose="02010600030101010101" pitchFamily="2" charset="-122"/>
+                <a:cs typeface="Times New Roman" panose="02020603050405020304" pitchFamily="18" charset="0"/>
               </a:rPr>
               <a:t>days_after</a:t>
             </a:r>
@@ -5669,7 +6035,21 @@
                 <a:latin typeface="宋体" panose="02010600030101010101" pitchFamily="2" charset="-122"/>
                 <a:ea typeface="宋体" panose="02010600030101010101" pitchFamily="2" charset="-122"/>
               </a:rPr>
-              <a:t>内，股票呈现多头趋势还是空头趋势（股价是上涨还是下跌）</a:t>
+              <a:t>内，</a:t>
+            </a:r>
+            <a:r>
+              <a:rPr lang="zh-CN" altLang="en-US" sz="2000" b="1" dirty="0">
+                <a:latin typeface="宋体" panose="02010600030101010101" pitchFamily="2" charset="-122"/>
+                <a:ea typeface="宋体" panose="02010600030101010101" pitchFamily="2" charset="-122"/>
+              </a:rPr>
+              <a:t>股票呈现多头趋势还是空头趋势</a:t>
+            </a:r>
+            <a:r>
+              <a:rPr lang="zh-CN" altLang="en-US" sz="2000" dirty="0">
+                <a:latin typeface="宋体" panose="02010600030101010101" pitchFamily="2" charset="-122"/>
+                <a:ea typeface="宋体" panose="02010600030101010101" pitchFamily="2" charset="-122"/>
+              </a:rPr>
+              <a:t>（股价是上涨还是下跌）</a:t>
             </a:r>
             <a:r>
               <a:rPr lang="en-US" altLang="zh-CN" sz="2000" dirty="0">
@@ -5690,13 +6070,7 @@
       </p:sp>
       <p:sp>
         <p:nvSpPr>
-          <p:cNvPr id="6" name="文本框 5">
-            <a:extLst>
-              <a:ext uri="{FF2B5EF4-FFF2-40B4-BE49-F238E27FC236}">
-                <a16:creationId xmlns:a16="http://schemas.microsoft.com/office/drawing/2014/main" id="{D3A72288-65C9-4B31-AE27-2A335213EF62}"/>
-              </a:ext>
-            </a:extLst>
-          </p:cNvPr>
+          <p:cNvPr id="6" name="文本框 5"/>
           <p:cNvSpPr txBox="1"/>
           <p:nvPr/>
         </p:nvSpPr>
@@ -5749,13 +6123,7 @@
       </p:sp>
       <p:sp>
         <p:nvSpPr>
-          <p:cNvPr id="2" name="文本框 1">
-            <a:extLst>
-              <a:ext uri="{FF2B5EF4-FFF2-40B4-BE49-F238E27FC236}">
-                <a16:creationId xmlns:a16="http://schemas.microsoft.com/office/drawing/2014/main" id="{845574DB-9BE3-4B10-92B6-177421289D25}"/>
-              </a:ext>
-            </a:extLst>
-          </p:cNvPr>
+          <p:cNvPr id="2" name="文本框 1"/>
           <p:cNvSpPr txBox="1"/>
           <p:nvPr/>
         </p:nvSpPr>
@@ -5788,13 +6156,7 @@
       </p:sp>
       <p:sp>
         <p:nvSpPr>
-          <p:cNvPr id="8" name="文本框 7">
-            <a:extLst>
-              <a:ext uri="{FF2B5EF4-FFF2-40B4-BE49-F238E27FC236}">
-                <a16:creationId xmlns:a16="http://schemas.microsoft.com/office/drawing/2014/main" id="{34FDEF46-4223-4F84-A898-FA23E5467E51}"/>
-              </a:ext>
-            </a:extLst>
-          </p:cNvPr>
+          <p:cNvPr id="8" name="文本框 7"/>
           <p:cNvSpPr txBox="1"/>
           <p:nvPr/>
         </p:nvSpPr>
@@ -5851,15 +6213,89 @@
         </p:txBody>
       </p:sp>
     </p:spTree>
-    <p:extLst>
-      <p:ext uri="{BB962C8B-B14F-4D97-AF65-F5344CB8AC3E}">
-        <p14:creationId xmlns:p14="http://schemas.microsoft.com/office/powerpoint/2010/main" val="2422765380"/>
-      </p:ext>
-    </p:extLst>
   </p:cSld>
   <p:clrMapOvr>
     <a:masterClrMapping/>
   </p:clrMapOvr>
+  <p:timing>
+    <p:tnLst>
+      <p:par>
+        <p:cTn id="1" dur="indefinite" restart="never" nodeType="tmRoot">
+          <p:childTnLst>
+            <p:seq concurrent="1" nextAc="seek">
+              <p:cTn id="2" dur="indefinite" nodeType="mainSeq">
+                <p:childTnLst>
+                  <p:par>
+                    <p:cTn id="3" fill="hold">
+                      <p:stCondLst>
+                        <p:cond delay="indefinite"/>
+                      </p:stCondLst>
+                      <p:childTnLst>
+                        <p:par>
+                          <p:cTn id="4" fill="hold">
+                            <p:stCondLst>
+                              <p:cond delay="0"/>
+                            </p:stCondLst>
+                            <p:childTnLst>
+                              <p:par>
+                                <p:cTn id="5" presetID="1" presetClass="entr" presetSubtype="0" fill="hold" grpId="0" nodeType="clickEffect">
+                                  <p:stCondLst>
+                                    <p:cond delay="0"/>
+                                  </p:stCondLst>
+                                  <p:childTnLst>
+                                    <p:set>
+                                      <p:cBhvr>
+                                        <p:cTn id="6" dur="1" fill="hold">
+                                          <p:stCondLst>
+                                            <p:cond delay="0"/>
+                                          </p:stCondLst>
+                                        </p:cTn>
+                                        <p:tgtEl>
+                                          <p:spTgt spid="8"/>
+                                        </p:tgtEl>
+                                        <p:attrNameLst>
+                                          <p:attrName>style.visibility</p:attrName>
+                                        </p:attrNameLst>
+                                      </p:cBhvr>
+                                      <p:to>
+                                        <p:strVal val="visible"/>
+                                      </p:to>
+                                    </p:set>
+                                  </p:childTnLst>
+                                </p:cTn>
+                              </p:par>
+                            </p:childTnLst>
+                          </p:cTn>
+                        </p:par>
+                      </p:childTnLst>
+                    </p:cTn>
+                  </p:par>
+                </p:childTnLst>
+              </p:cTn>
+              <p:prevCondLst>
+                <p:cond evt="onPrev" delay="0">
+                  <p:tgtEl>
+                    <p:sldTgt/>
+                  </p:tgtEl>
+                </p:cond>
+              </p:prevCondLst>
+              <p:nextCondLst>
+                <p:cond evt="onNext" delay="0">
+                  <p:tgtEl>
+                    <p:sldTgt/>
+                  </p:tgtEl>
+                </p:cond>
+              </p:nextCondLst>
+            </p:seq>
+          </p:childTnLst>
+        </p:cTn>
+      </p:par>
+    </p:tnLst>
+    <p:bldLst>
+      <p:bldP spid="8" grpId="0" animBg="1"/>
+      <p:bldP spid="8" grpId="1" animBg="1"/>
+    </p:bldLst>
+  </p:timing>
 </p:sld>
 </file>
 
@@ -5882,13 +6318,7 @@
       </p:grpSpPr>
       <p:sp>
         <p:nvSpPr>
-          <p:cNvPr id="4" name="标题 1">
-            <a:extLst>
-              <a:ext uri="{FF2B5EF4-FFF2-40B4-BE49-F238E27FC236}">
-                <a16:creationId xmlns:a16="http://schemas.microsoft.com/office/drawing/2014/main" id="{85317ACB-348F-1AA9-D861-5F82526CEC22}"/>
-              </a:ext>
-            </a:extLst>
-          </p:cNvPr>
+          <p:cNvPr id="4" name="标题 1"/>
           <p:cNvSpPr>
             <a:spLocks noGrp="1"/>
           </p:cNvSpPr>
@@ -5926,13 +6356,7 @@
       </p:sp>
       <p:sp>
         <p:nvSpPr>
-          <p:cNvPr id="2" name="文本框 1">
-            <a:extLst>
-              <a:ext uri="{FF2B5EF4-FFF2-40B4-BE49-F238E27FC236}">
-                <a16:creationId xmlns:a16="http://schemas.microsoft.com/office/drawing/2014/main" id="{E9C0AC8B-54DA-4EE1-B2B6-21853F9EA285}"/>
-              </a:ext>
-            </a:extLst>
-          </p:cNvPr>
+          <p:cNvPr id="2" name="文本框 1"/>
           <p:cNvSpPr txBox="1"/>
           <p:nvPr/>
         </p:nvSpPr>
@@ -6008,13 +6432,7 @@
       </p:sp>
       <p:pic>
         <p:nvPicPr>
-          <p:cNvPr id="6" name="图片 5">
-            <a:extLst>
-              <a:ext uri="{FF2B5EF4-FFF2-40B4-BE49-F238E27FC236}">
-                <a16:creationId xmlns:a16="http://schemas.microsoft.com/office/drawing/2014/main" id="{76AB3F68-EC8C-4BBA-A101-53AE0A5BACCC}"/>
-              </a:ext>
-            </a:extLst>
-          </p:cNvPr>
+          <p:cNvPr id="6" name="图片 5"/>
           <p:cNvPicPr>
             <a:picLocks noChangeAspect="1"/>
           </p:cNvPicPr>
@@ -6044,13 +6462,7 @@
       </p:pic>
       <p:pic>
         <p:nvPicPr>
-          <p:cNvPr id="8" name="图片 7">
-            <a:extLst>
-              <a:ext uri="{FF2B5EF4-FFF2-40B4-BE49-F238E27FC236}">
-                <a16:creationId xmlns:a16="http://schemas.microsoft.com/office/drawing/2014/main" id="{736D725C-A579-4C69-906E-32C73163E82F}"/>
-              </a:ext>
-            </a:extLst>
-          </p:cNvPr>
+          <p:cNvPr id="8" name="图片 7"/>
           <p:cNvPicPr>
             <a:picLocks noChangeAspect="1"/>
           </p:cNvPicPr>
@@ -6074,13 +6486,7 @@
       </p:pic>
       <p:sp>
         <p:nvSpPr>
-          <p:cNvPr id="9" name="文本框 8">
-            <a:extLst>
-              <a:ext uri="{FF2B5EF4-FFF2-40B4-BE49-F238E27FC236}">
-                <a16:creationId xmlns:a16="http://schemas.microsoft.com/office/drawing/2014/main" id="{3B4EE254-3F5E-4381-8375-9FBC07F92655}"/>
-              </a:ext>
-            </a:extLst>
-          </p:cNvPr>
+          <p:cNvPr id="9" name="文本框 8"/>
           <p:cNvSpPr txBox="1"/>
           <p:nvPr/>
         </p:nvSpPr>
@@ -6137,15 +6543,89 @@
         </p:txBody>
       </p:sp>
     </p:spTree>
-    <p:extLst>
-      <p:ext uri="{BB962C8B-B14F-4D97-AF65-F5344CB8AC3E}">
-        <p14:creationId xmlns:p14="http://schemas.microsoft.com/office/powerpoint/2010/main" val="1668058154"/>
-      </p:ext>
-    </p:extLst>
   </p:cSld>
   <p:clrMapOvr>
     <a:masterClrMapping/>
   </p:clrMapOvr>
+  <p:timing>
+    <p:tnLst>
+      <p:par>
+        <p:cTn id="1" dur="indefinite" restart="never" nodeType="tmRoot">
+          <p:childTnLst>
+            <p:seq concurrent="1" nextAc="seek">
+              <p:cTn id="2" dur="indefinite" nodeType="mainSeq">
+                <p:childTnLst>
+                  <p:par>
+                    <p:cTn id="3" fill="hold">
+                      <p:stCondLst>
+                        <p:cond delay="indefinite"/>
+                      </p:stCondLst>
+                      <p:childTnLst>
+                        <p:par>
+                          <p:cTn id="4" fill="hold">
+                            <p:stCondLst>
+                              <p:cond delay="0"/>
+                            </p:stCondLst>
+                            <p:childTnLst>
+                              <p:par>
+                                <p:cTn id="5" presetID="1" presetClass="entr" presetSubtype="0" fill="hold" grpId="0" nodeType="clickEffect">
+                                  <p:stCondLst>
+                                    <p:cond delay="0"/>
+                                  </p:stCondLst>
+                                  <p:childTnLst>
+                                    <p:set>
+                                      <p:cBhvr>
+                                        <p:cTn id="6" dur="1" fill="hold">
+                                          <p:stCondLst>
+                                            <p:cond delay="0"/>
+                                          </p:stCondLst>
+                                        </p:cTn>
+                                        <p:tgtEl>
+                                          <p:spTgt spid="9"/>
+                                        </p:tgtEl>
+                                        <p:attrNameLst>
+                                          <p:attrName>style.visibility</p:attrName>
+                                        </p:attrNameLst>
+                                      </p:cBhvr>
+                                      <p:to>
+                                        <p:strVal val="visible"/>
+                                      </p:to>
+                                    </p:set>
+                                  </p:childTnLst>
+                                </p:cTn>
+                              </p:par>
+                            </p:childTnLst>
+                          </p:cTn>
+                        </p:par>
+                      </p:childTnLst>
+                    </p:cTn>
+                  </p:par>
+                </p:childTnLst>
+              </p:cTn>
+              <p:prevCondLst>
+                <p:cond evt="onPrev" delay="0">
+                  <p:tgtEl>
+                    <p:sldTgt/>
+                  </p:tgtEl>
+                </p:cond>
+              </p:prevCondLst>
+              <p:nextCondLst>
+                <p:cond evt="onNext" delay="0">
+                  <p:tgtEl>
+                    <p:sldTgt/>
+                  </p:tgtEl>
+                </p:cond>
+              </p:nextCondLst>
+            </p:seq>
+          </p:childTnLst>
+        </p:cTn>
+      </p:par>
+    </p:tnLst>
+    <p:bldLst>
+      <p:bldP spid="9" grpId="0" animBg="1"/>
+      <p:bldP spid="9" grpId="1" animBg="1"/>
+    </p:bldLst>
+  </p:timing>
 </p:sld>
 </file>
 
@@ -6168,13 +6648,7 @@
       </p:grpSpPr>
       <p:sp>
         <p:nvSpPr>
-          <p:cNvPr id="2" name="标题 1">
-            <a:extLst>
-              <a:ext uri="{FF2B5EF4-FFF2-40B4-BE49-F238E27FC236}">
-                <a16:creationId xmlns:a16="http://schemas.microsoft.com/office/drawing/2014/main" id="{7F9D8106-DEE1-BBF3-AAE7-083D7906F9A9}"/>
-              </a:ext>
-            </a:extLst>
-          </p:cNvPr>
+          <p:cNvPr id="2" name="标题 1"/>
           <p:cNvSpPr>
             <a:spLocks noGrp="1"/>
           </p:cNvSpPr>
@@ -6227,20 +6701,14 @@
       </p:sp>
       <p:sp>
         <p:nvSpPr>
-          <p:cNvPr id="4" name="文本框 3">
-            <a:extLst>
-              <a:ext uri="{FF2B5EF4-FFF2-40B4-BE49-F238E27FC236}">
-                <a16:creationId xmlns:a16="http://schemas.microsoft.com/office/drawing/2014/main" id="{2F3C4457-666F-8B12-7AB1-44F80D1980EF}"/>
-              </a:ext>
-            </a:extLst>
-          </p:cNvPr>
+          <p:cNvPr id="4" name="文本框 3"/>
           <p:cNvSpPr txBox="1"/>
           <p:nvPr/>
         </p:nvSpPr>
         <p:spPr>
           <a:xfrm>
             <a:off x="1302223" y="1026994"/>
-            <a:ext cx="9587553" cy="707886"/>
+            <a:ext cx="9587553" cy="706755"/>
           </a:xfrm>
           <a:prstGeom prst="rect">
             <a:avLst/>
@@ -6258,7 +6726,7 @@
                 <a:latin typeface="宋体" panose="02010600030101010101" pitchFamily="2" charset="-122"/>
                 <a:ea typeface="宋体" panose="02010600030101010101" pitchFamily="2" charset="-122"/>
               </a:rPr>
-              <a:t>股票数据属于典型的时间序列数据，在查阅相关资料中发现，</a:t>
+              <a:t>股票数据属于典型的时间序列数据，查阅相关资料发现，</a:t>
             </a:r>
             <a:r>
               <a:rPr lang="en-US" altLang="zh-CN" sz="2000" b="1" dirty="0">
@@ -6304,33 +6772,21 @@
       </p:sp>
       <p:grpSp>
         <p:nvGrpSpPr>
-          <p:cNvPr id="8" name="组合 7">
-            <a:extLst>
-              <a:ext uri="{FF2B5EF4-FFF2-40B4-BE49-F238E27FC236}">
-                <a16:creationId xmlns:a16="http://schemas.microsoft.com/office/drawing/2014/main" id="{82E49745-244F-7333-6122-7B11F62A114B}"/>
-              </a:ext>
-            </a:extLst>
-          </p:cNvPr>
+          <p:cNvPr id="8" name="组合 7"/>
           <p:cNvGrpSpPr/>
           <p:nvPr/>
         </p:nvGrpSpPr>
         <p:grpSpPr>
           <a:xfrm>
-            <a:off x="2257392" y="1734880"/>
-            <a:ext cx="6858352" cy="4852662"/>
+            <a:off x="2666824" y="1955860"/>
+            <a:ext cx="6858352" cy="4851630"/>
             <a:chOff x="2257392" y="1734880"/>
-            <a:chExt cx="6858352" cy="4852662"/>
+            <a:chExt cx="6858352" cy="4851630"/>
           </a:xfrm>
         </p:grpSpPr>
         <p:pic>
           <p:nvPicPr>
-            <p:cNvPr id="6" name="图片 5">
-              <a:extLst>
-                <a:ext uri="{FF2B5EF4-FFF2-40B4-BE49-F238E27FC236}">
-                  <a16:creationId xmlns:a16="http://schemas.microsoft.com/office/drawing/2014/main" id="{CB844356-32E5-9A8B-2A49-DA75394638A2}"/>
-                </a:ext>
-              </a:extLst>
-            </p:cNvPr>
+            <p:cNvPr id="6" name="图片 5"/>
             <p:cNvPicPr>
               <a:picLocks noChangeAspect="1"/>
             </p:cNvPicPr>
@@ -6360,20 +6816,14 @@
         </p:pic>
         <p:sp>
           <p:nvSpPr>
-            <p:cNvPr id="7" name="文本框 6">
-              <a:extLst>
-                <a:ext uri="{FF2B5EF4-FFF2-40B4-BE49-F238E27FC236}">
-                  <a16:creationId xmlns:a16="http://schemas.microsoft.com/office/drawing/2014/main" id="{2F807634-831F-AE78-B9AF-5D495EB21054}"/>
-                </a:ext>
-              </a:extLst>
-            </p:cNvPr>
+            <p:cNvPr id="7" name="文本框 6"/>
             <p:cNvSpPr txBox="1"/>
             <p:nvPr/>
           </p:nvSpPr>
           <p:spPr>
             <a:xfrm>
               <a:off x="3386737" y="6218210"/>
-              <a:ext cx="5090615" cy="369332"/>
+              <a:ext cx="5090615" cy="368300"/>
             </a:xfrm>
             <a:prstGeom prst="rect">
               <a:avLst/>
@@ -6399,7 +6849,7 @@
                   <a:latin typeface="黑体" panose="02010609060101010101" pitchFamily="49" charset="-122"/>
                   <a:ea typeface="黑体" panose="02010609060101010101" pitchFamily="49" charset="-122"/>
                 </a:rPr>
-                <a:t>. RNN</a:t>
+                <a:t>1. RNN</a:t>
               </a:r>
               <a:r>
                 <a:rPr lang="zh-CN" altLang="en-US" b="1" dirty="0">
@@ -6413,11 +6863,6 @@
         </p:sp>
       </p:grpSp>
     </p:spTree>
-    <p:extLst>
-      <p:ext uri="{BB962C8B-B14F-4D97-AF65-F5344CB8AC3E}">
-        <p14:creationId xmlns:p14="http://schemas.microsoft.com/office/powerpoint/2010/main" val="1059067748"/>
-      </p:ext>
-    </p:extLst>
   </p:cSld>
   <p:clrMapOvr>
     <a:masterClrMapping/>
@@ -6444,13 +6889,7 @@
       </p:grpSpPr>
       <p:sp>
         <p:nvSpPr>
-          <p:cNvPr id="4" name="标题 1">
-            <a:extLst>
-              <a:ext uri="{FF2B5EF4-FFF2-40B4-BE49-F238E27FC236}">
-                <a16:creationId xmlns:a16="http://schemas.microsoft.com/office/drawing/2014/main" id="{00AB66FE-E900-A10C-4618-8B28FC9D2ED7}"/>
-              </a:ext>
-            </a:extLst>
-          </p:cNvPr>
+          <p:cNvPr id="4" name="标题 1"/>
           <p:cNvSpPr>
             <a:spLocks noGrp="1"/>
           </p:cNvSpPr>
@@ -6504,13 +6943,7 @@
       </p:sp>
       <p:sp>
         <p:nvSpPr>
-          <p:cNvPr id="5" name="文本框 4">
-            <a:extLst>
-              <a:ext uri="{FF2B5EF4-FFF2-40B4-BE49-F238E27FC236}">
-                <a16:creationId xmlns:a16="http://schemas.microsoft.com/office/drawing/2014/main" id="{7DC76871-F2A7-94BD-C514-B3F40145D54B}"/>
-              </a:ext>
-            </a:extLst>
-          </p:cNvPr>
+          <p:cNvPr id="5" name="文本框 4"/>
           <p:cNvSpPr txBox="1"/>
           <p:nvPr/>
         </p:nvSpPr>
@@ -6595,33 +7028,21 @@
       </p:sp>
       <p:grpSp>
         <p:nvGrpSpPr>
-          <p:cNvPr id="17" name="组合 16">
-            <a:extLst>
-              <a:ext uri="{FF2B5EF4-FFF2-40B4-BE49-F238E27FC236}">
-                <a16:creationId xmlns:a16="http://schemas.microsoft.com/office/drawing/2014/main" id="{185E402B-327F-1A4E-6D82-9C27BD63B0B4}"/>
-              </a:ext>
-            </a:extLst>
-          </p:cNvPr>
+          <p:cNvPr id="17" name="组合 16"/>
           <p:cNvGrpSpPr/>
           <p:nvPr/>
         </p:nvGrpSpPr>
         <p:grpSpPr>
           <a:xfrm>
-            <a:off x="2886501" y="2087012"/>
-            <a:ext cx="6418998" cy="4498032"/>
-            <a:chOff x="2886501" y="2087012"/>
-            <a:chExt cx="6418998" cy="4498032"/>
+            <a:off x="2901837" y="2193692"/>
+            <a:ext cx="6387152" cy="4527480"/>
+            <a:chOff x="2597037" y="2087012"/>
+            <a:chExt cx="6387152" cy="4527480"/>
           </a:xfrm>
         </p:grpSpPr>
         <p:pic>
           <p:nvPicPr>
-            <p:cNvPr id="15" name="图片 14">
-              <a:extLst>
-                <a:ext uri="{FF2B5EF4-FFF2-40B4-BE49-F238E27FC236}">
-                  <a16:creationId xmlns:a16="http://schemas.microsoft.com/office/drawing/2014/main" id="{2B8563BF-6F25-E6D6-3CD7-57D9584CC3A6}"/>
-                </a:ext>
-              </a:extLst>
-            </p:cNvPr>
+            <p:cNvPr id="15" name="图片 14"/>
             <p:cNvPicPr>
               <a:picLocks noChangeAspect="1"/>
             </p:cNvPicPr>
@@ -6651,20 +7072,14 @@
         </p:pic>
         <p:sp>
           <p:nvSpPr>
-            <p:cNvPr id="16" name="文本框 15">
-              <a:extLst>
-                <a:ext uri="{FF2B5EF4-FFF2-40B4-BE49-F238E27FC236}">
-                  <a16:creationId xmlns:a16="http://schemas.microsoft.com/office/drawing/2014/main" id="{80DBB18E-0540-AA13-9502-E9C90A21B32D}"/>
-                </a:ext>
-              </a:extLst>
-            </p:cNvPr>
+            <p:cNvPr id="16" name="文本框 15"/>
             <p:cNvSpPr txBox="1"/>
             <p:nvPr/>
           </p:nvSpPr>
           <p:spPr>
             <a:xfrm>
-              <a:off x="2918347" y="6215712"/>
-              <a:ext cx="6387152" cy="369332"/>
+              <a:off x="2597037" y="6246192"/>
+              <a:ext cx="6387152" cy="368300"/>
             </a:xfrm>
             <a:prstGeom prst="rect">
               <a:avLst/>
@@ -6690,7 +7105,7 @@
                   <a:latin typeface="黑体" panose="02010609060101010101" pitchFamily="49" charset="-122"/>
                   <a:ea typeface="黑体" panose="02010609060101010101" pitchFamily="49" charset="-122"/>
                 </a:rPr>
-                <a:t>.LSTM</a:t>
+                <a:t>2.LSTM</a:t>
               </a:r>
               <a:r>
                 <a:rPr lang="zh-CN" altLang="en-US" b="1" dirty="0">
@@ -6704,11 +7119,6 @@
         </p:sp>
       </p:grpSp>
     </p:spTree>
-    <p:extLst>
-      <p:ext uri="{BB962C8B-B14F-4D97-AF65-F5344CB8AC3E}">
-        <p14:creationId xmlns:p14="http://schemas.microsoft.com/office/powerpoint/2010/main" val="1869828729"/>
-      </p:ext>
-    </p:extLst>
   </p:cSld>
   <p:clrMapOvr>
     <a:masterClrMapping/>
@@ -6735,13 +7145,7 @@
       </p:grpSpPr>
       <p:sp>
         <p:nvSpPr>
-          <p:cNvPr id="4" name="标题 1">
-            <a:extLst>
-              <a:ext uri="{FF2B5EF4-FFF2-40B4-BE49-F238E27FC236}">
-                <a16:creationId xmlns:a16="http://schemas.microsoft.com/office/drawing/2014/main" id="{08D5872F-1C94-6E41-B8F5-09C6EA3EC814}"/>
-              </a:ext>
-            </a:extLst>
-          </p:cNvPr>
+          <p:cNvPr id="4" name="标题 1"/>
           <p:cNvSpPr>
             <a:spLocks noGrp="1"/>
           </p:cNvSpPr>
@@ -6779,13 +7183,7 @@
       </p:sp>
       <p:sp>
         <p:nvSpPr>
-          <p:cNvPr id="9" name="文本框 8">
-            <a:extLst>
-              <a:ext uri="{FF2B5EF4-FFF2-40B4-BE49-F238E27FC236}">
-                <a16:creationId xmlns:a16="http://schemas.microsoft.com/office/drawing/2014/main" id="{1E00BFD7-06EB-A958-F687-E128DC581203}"/>
-              </a:ext>
-            </a:extLst>
-          </p:cNvPr>
+          <p:cNvPr id="9" name="文本框 8"/>
           <p:cNvSpPr txBox="1"/>
           <p:nvPr/>
         </p:nvSpPr>
@@ -6821,60 +7219,42 @@
       </p:sp>
       <p:grpSp>
         <p:nvGrpSpPr>
-          <p:cNvPr id="3" name="组合 2">
-            <a:extLst>
-              <a:ext uri="{FF2B5EF4-FFF2-40B4-BE49-F238E27FC236}">
-                <a16:creationId xmlns:a16="http://schemas.microsoft.com/office/drawing/2014/main" id="{4D5914BE-02FD-4CE5-B0F3-F82AD622B072}"/>
-              </a:ext>
-            </a:extLst>
-          </p:cNvPr>
+          <p:cNvPr id="3" name="组合 2"/>
           <p:cNvGrpSpPr/>
           <p:nvPr/>
         </p:nvGrpSpPr>
         <p:grpSpPr>
           <a:xfrm>
-            <a:off x="2463065" y="2281990"/>
-            <a:ext cx="7265869" cy="3298813"/>
-            <a:chOff x="2540917" y="1765279"/>
-            <a:chExt cx="7265869" cy="3298813"/>
+            <a:off x="2463065" y="1956870"/>
+            <a:ext cx="7265869" cy="3622901"/>
+            <a:chOff x="2540917" y="1440159"/>
+            <a:chExt cx="7265869" cy="3622901"/>
           </a:xfrm>
         </p:grpSpPr>
         <p:grpSp>
           <p:nvGrpSpPr>
-            <p:cNvPr id="39" name="组合 38">
-              <a:extLst>
-                <a:ext uri="{FF2B5EF4-FFF2-40B4-BE49-F238E27FC236}">
-                  <a16:creationId xmlns:a16="http://schemas.microsoft.com/office/drawing/2014/main" id="{EEF5D73B-ACD7-346E-2E9A-8BCB317286A4}"/>
-                </a:ext>
-              </a:extLst>
-            </p:cNvPr>
+            <p:cNvPr id="39" name="组合 38"/>
             <p:cNvGrpSpPr/>
             <p:nvPr/>
           </p:nvGrpSpPr>
           <p:grpSpPr>
             <a:xfrm>
-              <a:off x="2540917" y="1765279"/>
-              <a:ext cx="7265869" cy="2671387"/>
-              <a:chOff x="1806738" y="2510095"/>
-              <a:chExt cx="8648525" cy="3466424"/>
+              <a:off x="2540917" y="1440159"/>
+              <a:ext cx="7265869" cy="2996507"/>
+              <a:chOff x="1806738" y="2088215"/>
+              <a:chExt cx="8648525" cy="3888304"/>
             </a:xfrm>
           </p:grpSpPr>
           <p:sp>
             <p:nvSpPr>
-              <p:cNvPr id="31" name="矩形 30">
-                <a:extLst>
-                  <a:ext uri="{FF2B5EF4-FFF2-40B4-BE49-F238E27FC236}">
-                    <a16:creationId xmlns:a16="http://schemas.microsoft.com/office/drawing/2014/main" id="{7EFE995B-3943-D18F-DC83-4EEB0DCBD168}"/>
-                  </a:ext>
-                </a:extLst>
-              </p:cNvPr>
+              <p:cNvPr id="31" name="矩形 30"/>
               <p:cNvSpPr/>
               <p:nvPr/>
             </p:nvSpPr>
             <p:spPr>
               <a:xfrm>
-                <a:off x="6743701" y="2510095"/>
-                <a:ext cx="2503226" cy="1032798"/>
+                <a:off x="6743866" y="2088215"/>
+                <a:ext cx="2503332" cy="1454331"/>
               </a:xfrm>
               <a:prstGeom prst="rect">
                 <a:avLst/>
@@ -6914,27 +7294,21 @@
                     <a:latin typeface="Times New Roman" panose="02020603050405020304" pitchFamily="18" charset="0"/>
                     <a:cs typeface="Times New Roman" panose="02020603050405020304" pitchFamily="18" charset="0"/>
                   </a:rPr>
-                  <a:t>FC Layer</a:t>
+                  <a:t>Fully Connected Layer</a:t>
                 </a:r>
               </a:p>
             </p:txBody>
           </p:sp>
           <p:sp>
             <p:nvSpPr>
-              <p:cNvPr id="18" name="矩形 17">
-                <a:extLst>
-                  <a:ext uri="{FF2B5EF4-FFF2-40B4-BE49-F238E27FC236}">
-                    <a16:creationId xmlns:a16="http://schemas.microsoft.com/office/drawing/2014/main" id="{18949C03-D914-381E-BDA0-84E66352D1B2}"/>
-                  </a:ext>
-                </a:extLst>
-              </p:cNvPr>
+              <p:cNvPr id="18" name="矩形 17"/>
               <p:cNvSpPr/>
               <p:nvPr/>
             </p:nvSpPr>
             <p:spPr>
               <a:xfrm>
-                <a:off x="1806738" y="2510095"/>
-                <a:ext cx="2503225" cy="1032798"/>
+                <a:off x="1806738" y="2088215"/>
+                <a:ext cx="2503332" cy="1454331"/>
               </a:xfrm>
               <a:prstGeom prst="rect">
                 <a:avLst/>
@@ -6981,13 +7355,7 @@
           </p:sp>
           <p:sp>
             <p:nvSpPr>
-              <p:cNvPr id="13" name="矩形 12">
-                <a:extLst>
-                  <a:ext uri="{FF2B5EF4-FFF2-40B4-BE49-F238E27FC236}">
-                    <a16:creationId xmlns:a16="http://schemas.microsoft.com/office/drawing/2014/main" id="{FD3A2994-E04C-A864-DF2D-EBC8A3DE68C1}"/>
-                  </a:ext>
-                </a:extLst>
-              </p:cNvPr>
+              <p:cNvPr id="13" name="矩形 12"/>
               <p:cNvSpPr/>
               <p:nvPr/>
             </p:nvSpPr>
@@ -7124,15 +7492,8 @@
           </p:sp>
           <p:cxnSp>
             <p:nvCxnSpPr>
-              <p:cNvPr id="16" name="直接箭头连接符 15">
-                <a:extLst>
-                  <a:ext uri="{FF2B5EF4-FFF2-40B4-BE49-F238E27FC236}">
-                    <a16:creationId xmlns:a16="http://schemas.microsoft.com/office/drawing/2014/main" id="{89090A5A-6E7B-9562-5BC9-8E1ECB91FD84}"/>
-                  </a:ext>
-                </a:extLst>
-              </p:cNvPr>
+              <p:cNvPr id="16" name="直接箭头连接符 15"/>
               <p:cNvCxnSpPr>
-                <a:cxnSpLocks/>
                 <a:stCxn id="13" idx="0"/>
                 <a:endCxn id="18" idx="2"/>
               </p:cNvCxnSpPr>
@@ -7140,8 +7501,8 @@
             </p:nvCxnSpPr>
             <p:spPr>
               <a:xfrm flipV="1">
-                <a:off x="3058351" y="3542893"/>
-                <a:ext cx="0" cy="1042572"/>
+                <a:off x="3058351" y="3543126"/>
+                <a:ext cx="0" cy="1042339"/>
               </a:xfrm>
               <a:prstGeom prst="straightConnector1">
                 <a:avLst/>
@@ -7167,15 +7528,8 @@
           </p:cxnSp>
           <p:cxnSp>
             <p:nvCxnSpPr>
-              <p:cNvPr id="26" name="直接箭头连接符 25">
-                <a:extLst>
-                  <a:ext uri="{FF2B5EF4-FFF2-40B4-BE49-F238E27FC236}">
-                    <a16:creationId xmlns:a16="http://schemas.microsoft.com/office/drawing/2014/main" id="{A7E99F9B-711A-4930-4F08-A4B8453F7052}"/>
-                  </a:ext>
-                </a:extLst>
-              </p:cNvPr>
+              <p:cNvPr id="26" name="直接箭头连接符 25"/>
               <p:cNvCxnSpPr>
-                <a:cxnSpLocks/>
                 <a:stCxn id="18" idx="3"/>
                 <a:endCxn id="31" idx="1"/>
               </p:cNvCxnSpPr>
@@ -7183,8 +7537,8 @@
             </p:nvCxnSpPr>
             <p:spPr>
               <a:xfrm>
-                <a:off x="4309963" y="3026494"/>
-                <a:ext cx="2433738" cy="0"/>
+                <a:off x="4309963" y="2816378"/>
+                <a:ext cx="2433795" cy="0"/>
               </a:xfrm>
               <a:prstGeom prst="straightConnector1">
                 <a:avLst/>
@@ -7210,15 +7564,8 @@
           </p:cxnSp>
           <p:cxnSp>
             <p:nvCxnSpPr>
-              <p:cNvPr id="32" name="直接箭头连接符 31">
-                <a:extLst>
-                  <a:ext uri="{FF2B5EF4-FFF2-40B4-BE49-F238E27FC236}">
-                    <a16:creationId xmlns:a16="http://schemas.microsoft.com/office/drawing/2014/main" id="{5035EC65-432D-1A0D-E48C-CEF419438F43}"/>
-                  </a:ext>
-                </a:extLst>
-              </p:cNvPr>
+              <p:cNvPr id="32" name="直接箭头连接符 31"/>
               <p:cNvCxnSpPr>
-                <a:cxnSpLocks/>
                 <a:stCxn id="31" idx="2"/>
                 <a:endCxn id="35" idx="0"/>
               </p:cNvCxnSpPr>
@@ -7227,7 +7574,7 @@
             <p:spPr>
               <a:xfrm>
                 <a:off x="7995314" y="3542893"/>
-                <a:ext cx="0" cy="1042572"/>
+                <a:ext cx="0" cy="1042339"/>
               </a:xfrm>
               <a:prstGeom prst="straightConnector1">
                 <a:avLst/>
@@ -7253,13 +7600,7 @@
           </p:cxnSp>
           <p:sp>
             <p:nvSpPr>
-              <p:cNvPr id="35" name="矩形 34">
-                <a:extLst>
-                  <a:ext uri="{FF2B5EF4-FFF2-40B4-BE49-F238E27FC236}">
-                    <a16:creationId xmlns:a16="http://schemas.microsoft.com/office/drawing/2014/main" id="{9EF01715-7E78-41E9-9D88-ECEE8C336710}"/>
-                  </a:ext>
-                </a:extLst>
-              </p:cNvPr>
+              <p:cNvPr id="35" name="矩形 34"/>
               <p:cNvSpPr/>
               <p:nvPr/>
             </p:nvSpPr>
@@ -7373,13 +7714,7 @@
           </p:sp>
           <p:sp>
             <p:nvSpPr>
-              <p:cNvPr id="36" name="文本框 35">
-                <a:extLst>
-                  <a:ext uri="{FF2B5EF4-FFF2-40B4-BE49-F238E27FC236}">
-                    <a16:creationId xmlns:a16="http://schemas.microsoft.com/office/drawing/2014/main" id="{970C0C5D-0DF7-9BA9-0D40-87AB6B29A373}"/>
-                  </a:ext>
-                </a:extLst>
-              </p:cNvPr>
+              <p:cNvPr id="36" name="文本框 35"/>
               <p:cNvSpPr txBox="1"/>
               <p:nvPr/>
             </p:nvSpPr>
@@ -7418,13 +7753,7 @@
           </p:sp>
           <p:sp>
             <p:nvSpPr>
-              <p:cNvPr id="30" name="文本框 29">
-                <a:extLst>
-                  <a:ext uri="{FF2B5EF4-FFF2-40B4-BE49-F238E27FC236}">
-                    <a16:creationId xmlns:a16="http://schemas.microsoft.com/office/drawing/2014/main" id="{551DAB21-CED7-64A5-A377-94E8EF60701D}"/>
-                  </a:ext>
-                </a:extLst>
-              </p:cNvPr>
+              <p:cNvPr id="30" name="文本框 29"/>
               <p:cNvSpPr txBox="1"/>
               <p:nvPr/>
             </p:nvSpPr>
@@ -7464,20 +7793,14 @@
         </p:grpSp>
         <p:sp>
           <p:nvSpPr>
-            <p:cNvPr id="40" name="文本框 39">
-              <a:extLst>
-                <a:ext uri="{FF2B5EF4-FFF2-40B4-BE49-F238E27FC236}">
-                  <a16:creationId xmlns:a16="http://schemas.microsoft.com/office/drawing/2014/main" id="{6C78AB09-4512-5673-3D54-70F79E2CF996}"/>
-                </a:ext>
-              </a:extLst>
-            </p:cNvPr>
+            <p:cNvPr id="40" name="文本框 39"/>
             <p:cNvSpPr txBox="1"/>
             <p:nvPr/>
           </p:nvSpPr>
           <p:spPr>
             <a:xfrm>
               <a:off x="2663656" y="4694760"/>
-              <a:ext cx="6387152" cy="369332"/>
+              <a:ext cx="6387152" cy="368300"/>
             </a:xfrm>
             <a:prstGeom prst="rect">
               <a:avLst/>
@@ -7503,7 +7826,7 @@
                   <a:latin typeface="黑体" panose="02010609060101010101" pitchFamily="49" charset="-122"/>
                   <a:ea typeface="黑体" panose="02010609060101010101" pitchFamily="49" charset="-122"/>
                 </a:rPr>
-                <a:t>.</a:t>
+                <a:t>3.</a:t>
               </a:r>
               <a:r>
                 <a:rPr lang="zh-CN" altLang="en-US" b="1" dirty="0">
@@ -7517,11 +7840,6 @@
         </p:sp>
       </p:grpSp>
     </p:spTree>
-    <p:extLst>
-      <p:ext uri="{BB962C8B-B14F-4D97-AF65-F5344CB8AC3E}">
-        <p14:creationId xmlns:p14="http://schemas.microsoft.com/office/powerpoint/2010/main" val="3233867358"/>
-      </p:ext>
-    </p:extLst>
   </p:cSld>
   <p:clrMapOvr>
     <a:masterClrMapping/>
@@ -7548,13 +7866,7 @@
       </p:grpSpPr>
       <p:sp>
         <p:nvSpPr>
-          <p:cNvPr id="4" name="标题 1">
-            <a:extLst>
-              <a:ext uri="{FF2B5EF4-FFF2-40B4-BE49-F238E27FC236}">
-                <a16:creationId xmlns:a16="http://schemas.microsoft.com/office/drawing/2014/main" id="{2086FC6B-64BD-43C0-BFDB-2F3F3A3587E6}"/>
-              </a:ext>
-            </a:extLst>
-          </p:cNvPr>
+          <p:cNvPr id="4" name="标题 1"/>
           <p:cNvSpPr>
             <a:spLocks noGrp="1"/>
           </p:cNvSpPr>
@@ -7592,20 +7904,14 @@
       </p:sp>
       <p:sp>
         <p:nvSpPr>
-          <p:cNvPr id="8" name="文本框 7">
-            <a:extLst>
-              <a:ext uri="{FF2B5EF4-FFF2-40B4-BE49-F238E27FC236}">
-                <a16:creationId xmlns:a16="http://schemas.microsoft.com/office/drawing/2014/main" id="{AE302547-B465-4B37-9908-1163496BB91A}"/>
-              </a:ext>
-            </a:extLst>
-          </p:cNvPr>
+          <p:cNvPr id="8" name="文本框 7"/>
           <p:cNvSpPr txBox="1"/>
           <p:nvPr/>
         </p:nvSpPr>
         <p:spPr>
           <a:xfrm>
             <a:off x="1717313" y="1141467"/>
-            <a:ext cx="8757374" cy="707886"/>
+            <a:ext cx="8757374" cy="706755"/>
           </a:xfrm>
           <a:prstGeom prst="rect">
             <a:avLst/>
@@ -7630,7 +7936,7 @@
                 <a:latin typeface="宋体" panose="02010600030101010101" pitchFamily="2" charset="-122"/>
                 <a:ea typeface="宋体" panose="02010600030101010101" pitchFamily="2" charset="-122"/>
               </a:rPr>
-              <a:t>开盘价、收盘价、盘中高价、盘中低价、成交量、成交额、前天收盘价、成交均价</a:t>
+              <a:t>开盘价、收盘价、盘中高价、盘中低价、成交量、成交额、前一天收盘价、成交均价</a:t>
             </a:r>
             <a:r>
               <a:rPr lang="zh-CN" altLang="en-US" sz="2000" dirty="0">
@@ -7644,13 +7950,7 @@
       </p:sp>
       <p:pic>
         <p:nvPicPr>
-          <p:cNvPr id="10" name="图片 9">
-            <a:extLst>
-              <a:ext uri="{FF2B5EF4-FFF2-40B4-BE49-F238E27FC236}">
-                <a16:creationId xmlns:a16="http://schemas.microsoft.com/office/drawing/2014/main" id="{AC9AAB93-D243-4D2F-BC46-48F36E2D99EC}"/>
-              </a:ext>
-            </a:extLst>
-          </p:cNvPr>
+          <p:cNvPr id="10" name="图片 9"/>
           <p:cNvPicPr>
             <a:picLocks noChangeAspect="1"/>
           </p:cNvPicPr>
@@ -7659,403 +7959,21 @@
         <p:blipFill rotWithShape="1">
           <a:blip r:embed="rId2"/>
           <a:srcRect b="44208"/>
-          <a:stretch/>
+          <a:stretch>
+            <a:fillRect/>
+          </a:stretch>
         </p:blipFill>
         <p:spPr>
           <a:xfrm>
-            <a:off x="1948470" y="1849353"/>
-            <a:ext cx="7815359" cy="1476854"/>
+            <a:off x="1328103" y="2376170"/>
+            <a:ext cx="9535795" cy="1802130"/>
           </a:xfrm>
           <a:prstGeom prst="rect">
             <a:avLst/>
           </a:prstGeom>
         </p:spPr>
       </p:pic>
-      <p:sp>
-        <p:nvSpPr>
-          <p:cNvPr id="12" name="文本框 11">
-            <a:extLst>
-              <a:ext uri="{FF2B5EF4-FFF2-40B4-BE49-F238E27FC236}">
-                <a16:creationId xmlns:a16="http://schemas.microsoft.com/office/drawing/2014/main" id="{F18E0FF9-E484-4927-AAC0-C731B41A5DDB}"/>
-              </a:ext>
-            </a:extLst>
-          </p:cNvPr>
-          <p:cNvSpPr txBox="1"/>
-          <p:nvPr/>
-        </p:nvSpPr>
-        <p:spPr>
-          <a:xfrm>
-            <a:off x="693473" y="3654763"/>
-            <a:ext cx="10322286" cy="1231106"/>
-          </a:xfrm>
-          <a:prstGeom prst="rect">
-            <a:avLst/>
-          </a:prstGeom>
-          <a:noFill/>
-        </p:spPr>
-        <p:txBody>
-          <a:bodyPr wrap="square" rtlCol="0">
-            <a:spAutoFit/>
-          </a:bodyPr>
-          <a:lstStyle/>
-          <a:p>
-            <a:r>
-              <a:rPr lang="zh-CN" altLang="en-US" sz="2000" b="1" dirty="0">
-                <a:latin typeface="黑体" panose="02010609060101010101" pitchFamily="49" charset="-122"/>
-                <a:ea typeface="黑体" panose="02010609060101010101" pitchFamily="49" charset="-122"/>
-              </a:rPr>
-              <a:t>数据预处理：</a:t>
-            </a:r>
-            <a:r>
-              <a:rPr lang="zh-CN" altLang="en-US" dirty="0">
-                <a:latin typeface="宋体" panose="02010600030101010101" pitchFamily="2" charset="-122"/>
-                <a:ea typeface="宋体" panose="02010600030101010101" pitchFamily="2" charset="-122"/>
-              </a:rPr>
-              <a:t>为了使数据中的特征能够更好的被模型捕捉，对数据进行了预处理。借鉴到股票市场常用的一些技术形态（放量上涨，缩量下跌），（尤其是</a:t>
-            </a:r>
-            <a:r>
-              <a:rPr lang="en-US" altLang="zh-CN" dirty="0">
-                <a:latin typeface="宋体" panose="02010600030101010101" pitchFamily="2" charset="-122"/>
-                <a:ea typeface="宋体" panose="02010600030101010101" pitchFamily="2" charset="-122"/>
-              </a:rPr>
-              <a:t>A</a:t>
-            </a:r>
-            <a:r>
-              <a:rPr lang="zh-CN" altLang="en-US" dirty="0">
-                <a:latin typeface="宋体" panose="02010600030101010101" pitchFamily="2" charset="-122"/>
-                <a:ea typeface="宋体" panose="02010600030101010101" pitchFamily="2" charset="-122"/>
-              </a:rPr>
-              <a:t>股市场）交易数据直接的值并不很好的反应多头空头趋势，其量比更反应市场情绪（例如今日交易量与昨日交易量的比值），因此将上述八项数据分别与前一天的比值作为每天的处理后数据，得到预处理后的数据。</a:t>
-            </a:r>
-            <a:endParaRPr lang="zh-CN" altLang="en-US" sz="2000" dirty="0">
-              <a:latin typeface="宋体" panose="02010600030101010101" pitchFamily="2" charset="-122"/>
-              <a:ea typeface="宋体" panose="02010600030101010101" pitchFamily="2" charset="-122"/>
-            </a:endParaRPr>
-          </a:p>
-        </p:txBody>
-      </p:sp>
-      <p:sp>
-        <p:nvSpPr>
-          <p:cNvPr id="13" name="文本框 12">
-            <a:extLst>
-              <a:ext uri="{FF2B5EF4-FFF2-40B4-BE49-F238E27FC236}">
-                <a16:creationId xmlns:a16="http://schemas.microsoft.com/office/drawing/2014/main" id="{282E2C29-DF12-4382-AA1D-10F5B885F28C}"/>
-              </a:ext>
-            </a:extLst>
-          </p:cNvPr>
-          <p:cNvSpPr txBox="1"/>
-          <p:nvPr/>
-        </p:nvSpPr>
-        <p:spPr>
-          <a:xfrm>
-            <a:off x="693473" y="4950539"/>
-            <a:ext cx="10969732" cy="923330"/>
-          </a:xfrm>
-          <a:prstGeom prst="rect">
-            <a:avLst/>
-          </a:prstGeom>
-          <a:noFill/>
-        </p:spPr>
-        <p:txBody>
-          <a:bodyPr wrap="square" rtlCol="0">
-            <a:spAutoFit/>
-          </a:bodyPr>
-          <a:lstStyle/>
-          <a:p>
-            <a:r>
-              <a:rPr lang="en-US" altLang="zh-CN" b="0" dirty="0">
-                <a:solidFill>
-                  <a:srgbClr val="C586C0"/>
-                </a:solidFill>
-                <a:effectLst/>
-                <a:latin typeface="Consolas" panose="020B0609020204030204" pitchFamily="49" charset="0"/>
-              </a:rPr>
-              <a:t>for </a:t>
-            </a:r>
-            <a:r>
-              <a:rPr lang="en-US" altLang="zh-CN" b="0" dirty="0" err="1">
-                <a:solidFill>
-                  <a:srgbClr val="C586C0"/>
-                </a:solidFill>
-                <a:effectLst/>
-                <a:latin typeface="Consolas" panose="020B0609020204030204" pitchFamily="49" charset="0"/>
-              </a:rPr>
-              <a:t>i</a:t>
-            </a:r>
-            <a:r>
-              <a:rPr lang="en-US" altLang="zh-CN" b="0" dirty="0">
-                <a:solidFill>
-                  <a:srgbClr val="C586C0"/>
-                </a:solidFill>
-                <a:effectLst/>
-                <a:latin typeface="Consolas" panose="020B0609020204030204" pitchFamily="49" charset="0"/>
-              </a:rPr>
-              <a:t> in range(</a:t>
-            </a:r>
-            <a:r>
-              <a:rPr lang="en-US" altLang="zh-CN" b="0" dirty="0" err="1">
-                <a:solidFill>
-                  <a:srgbClr val="C586C0"/>
-                </a:solidFill>
-                <a:effectLst/>
-                <a:latin typeface="Consolas" panose="020B0609020204030204" pitchFamily="49" charset="0"/>
-              </a:rPr>
-              <a:t>num_samples</a:t>
-            </a:r>
-            <a:r>
-              <a:rPr lang="en-US" altLang="zh-CN" b="0" dirty="0">
-                <a:solidFill>
-                  <a:srgbClr val="C586C0"/>
-                </a:solidFill>
-                <a:effectLst/>
-                <a:latin typeface="Consolas" panose="020B0609020204030204" pitchFamily="49" charset="0"/>
-              </a:rPr>
-              <a:t>):</a:t>
-            </a:r>
-          </a:p>
-          <a:p>
-            <a:r>
-              <a:rPr lang="en-US" altLang="zh-CN" b="0" dirty="0">
-                <a:solidFill>
-                  <a:srgbClr val="C586C0"/>
-                </a:solidFill>
-                <a:effectLst/>
-                <a:latin typeface="Consolas" panose="020B0609020204030204" pitchFamily="49" charset="0"/>
-              </a:rPr>
-              <a:t>    x[</a:t>
-            </a:r>
-            <a:r>
-              <a:rPr lang="en-US" altLang="zh-CN" b="0" dirty="0" err="1">
-                <a:solidFill>
-                  <a:srgbClr val="C586C0"/>
-                </a:solidFill>
-                <a:effectLst/>
-                <a:latin typeface="Consolas" panose="020B0609020204030204" pitchFamily="49" charset="0"/>
-              </a:rPr>
-              <a:t>i</a:t>
-            </a:r>
-            <a:r>
-              <a:rPr lang="en-US" altLang="zh-CN" b="0" dirty="0">
-                <a:solidFill>
-                  <a:srgbClr val="C586C0"/>
-                </a:solidFill>
-                <a:effectLst/>
-                <a:latin typeface="Consolas" panose="020B0609020204030204" pitchFamily="49" charset="0"/>
-              </a:rPr>
-              <a:t>] = </a:t>
-            </a:r>
-            <a:r>
-              <a:rPr lang="en-US" altLang="zh-CN" b="0" dirty="0" err="1">
-                <a:solidFill>
-                  <a:srgbClr val="C586C0"/>
-                </a:solidFill>
-                <a:effectLst/>
-                <a:latin typeface="Consolas" panose="020B0609020204030204" pitchFamily="49" charset="0"/>
-              </a:rPr>
-              <a:t>original_data.loc</a:t>
-            </a:r>
-            <a:r>
-              <a:rPr lang="en-US" altLang="zh-CN" b="0" dirty="0">
-                <a:solidFill>
-                  <a:srgbClr val="C586C0"/>
-                </a:solidFill>
-                <a:effectLst/>
-                <a:latin typeface="Consolas" panose="020B0609020204030204" pitchFamily="49" charset="0"/>
-              </a:rPr>
-              <a:t>[i+1:i + </a:t>
-            </a:r>
-            <a:r>
-              <a:rPr lang="en-US" altLang="zh-CN" b="0" dirty="0" err="1">
-                <a:solidFill>
-                  <a:srgbClr val="C586C0"/>
-                </a:solidFill>
-                <a:effectLst/>
-                <a:latin typeface="Consolas" panose="020B0609020204030204" pitchFamily="49" charset="0"/>
-              </a:rPr>
-              <a:t>days_before,‘open</a:t>
-            </a:r>
-            <a:r>
-              <a:rPr lang="en-US" altLang="zh-CN" b="0" dirty="0">
-                <a:solidFill>
-                  <a:srgbClr val="C586C0"/>
-                </a:solidFill>
-                <a:effectLst/>
-                <a:latin typeface="Consolas" panose="020B0609020204030204" pitchFamily="49" charset="0"/>
-              </a:rPr>
-              <a:t>’:].values/</a:t>
-            </a:r>
-            <a:r>
-              <a:rPr lang="zh-CN" altLang="en-US" dirty="0">
-                <a:solidFill>
-                  <a:srgbClr val="C586C0"/>
-                </a:solidFill>
-                <a:latin typeface="Consolas" panose="020B0609020204030204" pitchFamily="49" charset="0"/>
-              </a:rPr>
-              <a:t> </a:t>
-            </a:r>
-            <a:r>
-              <a:rPr lang="en-US" altLang="zh-CN" dirty="0">
-                <a:solidFill>
-                  <a:srgbClr val="C586C0"/>
-                </a:solidFill>
-                <a:latin typeface="Consolas" panose="020B0609020204030204" pitchFamily="49" charset="0"/>
-              </a:rPr>
-              <a:t>\...</a:t>
-            </a:r>
-            <a:endParaRPr lang="en-US" altLang="zh-CN" b="0" dirty="0">
-              <a:solidFill>
-                <a:srgbClr val="C586C0"/>
-              </a:solidFill>
-              <a:effectLst/>
-              <a:latin typeface="Consolas" panose="020B0609020204030204" pitchFamily="49" charset="0"/>
-            </a:endParaRPr>
-          </a:p>
-          <a:p>
-            <a:r>
-              <a:rPr lang="en-US" altLang="zh-CN" dirty="0">
-                <a:solidFill>
-                  <a:srgbClr val="C586C0"/>
-                </a:solidFill>
-                <a:latin typeface="Consolas" panose="020B0609020204030204" pitchFamily="49" charset="0"/>
-              </a:rPr>
-              <a:t>           </a:t>
-            </a:r>
-            <a:r>
-              <a:rPr lang="en-US" altLang="zh-CN" b="0" dirty="0" err="1">
-                <a:solidFill>
-                  <a:srgbClr val="C586C0"/>
-                </a:solidFill>
-                <a:effectLst/>
-                <a:latin typeface="Consolas" panose="020B0609020204030204" pitchFamily="49" charset="0"/>
-              </a:rPr>
-              <a:t>original_data.loc</a:t>
-            </a:r>
-            <a:r>
-              <a:rPr lang="en-US" altLang="zh-CN" b="0" dirty="0">
-                <a:solidFill>
-                  <a:srgbClr val="C586C0"/>
-                </a:solidFill>
-                <a:effectLst/>
-                <a:latin typeface="Consolas" panose="020B0609020204030204" pitchFamily="49" charset="0"/>
-              </a:rPr>
-              <a:t>[</a:t>
-            </a:r>
-            <a:r>
-              <a:rPr lang="en-US" altLang="zh-CN" b="0" dirty="0" err="1">
-                <a:solidFill>
-                  <a:srgbClr val="C586C0"/>
-                </a:solidFill>
-                <a:effectLst/>
-                <a:latin typeface="Consolas" panose="020B0609020204030204" pitchFamily="49" charset="0"/>
-              </a:rPr>
-              <a:t>i:i</a:t>
-            </a:r>
-            <a:r>
-              <a:rPr lang="en-US" altLang="zh-CN" b="0" dirty="0">
-                <a:solidFill>
-                  <a:srgbClr val="C586C0"/>
-                </a:solidFill>
-                <a:effectLst/>
-                <a:latin typeface="Consolas" panose="020B0609020204030204" pitchFamily="49" charset="0"/>
-              </a:rPr>
-              <a:t> + days_before-1, 'open':].values</a:t>
-            </a:r>
-            <a:endParaRPr lang="en-US" altLang="zh-CN" b="0" dirty="0">
-              <a:solidFill>
-                <a:srgbClr val="CCCCCC"/>
-              </a:solidFill>
-              <a:effectLst/>
-              <a:latin typeface="Consolas" panose="020B0609020204030204" pitchFamily="49" charset="0"/>
-            </a:endParaRPr>
-          </a:p>
-        </p:txBody>
-      </p:sp>
-      <p:sp>
-        <p:nvSpPr>
-          <p:cNvPr id="14" name="文本框 13">
-            <a:extLst>
-              <a:ext uri="{FF2B5EF4-FFF2-40B4-BE49-F238E27FC236}">
-                <a16:creationId xmlns:a16="http://schemas.microsoft.com/office/drawing/2014/main" id="{B9CA6E58-6957-41F2-9998-909CD4D667D4}"/>
-              </a:ext>
-            </a:extLst>
-          </p:cNvPr>
-          <p:cNvSpPr txBox="1"/>
-          <p:nvPr/>
-        </p:nvSpPr>
-        <p:spPr>
-          <a:xfrm>
-            <a:off x="583007" y="6044859"/>
-            <a:ext cx="10549354" cy="646331"/>
-          </a:xfrm>
-          <a:prstGeom prst="rect">
-            <a:avLst/>
-          </a:prstGeom>
-          <a:noFill/>
-        </p:spPr>
-        <p:txBody>
-          <a:bodyPr wrap="square" rtlCol="0">
-            <a:spAutoFit/>
-          </a:bodyPr>
-          <a:lstStyle/>
-          <a:p>
-            <a:r>
-              <a:rPr lang="zh-CN" altLang="en-US" dirty="0">
-                <a:latin typeface="宋体" panose="02010600030101010101" pitchFamily="2" charset="-122"/>
-                <a:ea typeface="宋体" panose="02010600030101010101" pitchFamily="2" charset="-122"/>
-              </a:rPr>
-              <a:t>而每个样本的训练标签则由</a:t>
-            </a:r>
-            <a:r>
-              <a:rPr lang="en-US" altLang="zh-CN" dirty="0" err="1">
-                <a:latin typeface="宋体" panose="02010600030101010101" pitchFamily="2" charset="-122"/>
-                <a:ea typeface="宋体" panose="02010600030101010101" pitchFamily="2" charset="-122"/>
-              </a:rPr>
-              <a:t>days_after</a:t>
-            </a:r>
-            <a:r>
-              <a:rPr lang="zh-CN" altLang="en-US" dirty="0">
-                <a:latin typeface="宋体" panose="02010600030101010101" pitchFamily="2" charset="-122"/>
-                <a:ea typeface="宋体" panose="02010600030101010101" pitchFamily="2" charset="-122"/>
-              </a:rPr>
-              <a:t>后股票涨跌决定，相对今日上涨涨则为</a:t>
-            </a:r>
-            <a:r>
-              <a:rPr lang="en-US" altLang="zh-CN" dirty="0">
-                <a:latin typeface="宋体" panose="02010600030101010101" pitchFamily="2" charset="-122"/>
-                <a:ea typeface="宋体" panose="02010600030101010101" pitchFamily="2" charset="-122"/>
-              </a:rPr>
-              <a:t>[0, 1]</a:t>
-            </a:r>
-            <a:r>
-              <a:rPr lang="zh-CN" altLang="en-US" dirty="0">
-                <a:latin typeface="宋体" panose="02010600030101010101" pitchFamily="2" charset="-122"/>
-                <a:ea typeface="宋体" panose="02010600030101010101" pitchFamily="2" charset="-122"/>
-              </a:rPr>
-              <a:t>，下跌则为</a:t>
-            </a:r>
-            <a:r>
-              <a:rPr lang="en-US" altLang="zh-CN" dirty="0">
-                <a:latin typeface="宋体" panose="02010600030101010101" pitchFamily="2" charset="-122"/>
-                <a:ea typeface="宋体" panose="02010600030101010101" pitchFamily="2" charset="-122"/>
-              </a:rPr>
-              <a:t>[1, 0],</a:t>
-            </a:r>
-            <a:r>
-              <a:rPr lang="zh-CN" altLang="en-US" dirty="0">
-                <a:latin typeface="宋体" panose="02010600030101010101" pitchFamily="2" charset="-122"/>
-                <a:ea typeface="宋体" panose="02010600030101010101" pitchFamily="2" charset="-122"/>
-              </a:rPr>
-              <a:t>这使模型的训练目标输出。</a:t>
-            </a:r>
-          </a:p>
-        </p:txBody>
-      </p:sp>
     </p:spTree>
-    <p:extLst>
-      <p:ext uri="{BB962C8B-B14F-4D97-AF65-F5344CB8AC3E}">
-        <p14:creationId xmlns:p14="http://schemas.microsoft.com/office/powerpoint/2010/main" val="2711404437"/>
-      </p:ext>
-    </p:extLst>
   </p:cSld>
   <p:clrMapOvr>
     <a:masterClrMapping/>
@@ -8082,39 +8000,52 @@
       </p:grpSpPr>
       <p:sp>
         <p:nvSpPr>
-          <p:cNvPr id="4" name="标题 1">
-            <a:extLst>
-              <a:ext uri="{FF2B5EF4-FFF2-40B4-BE49-F238E27FC236}">
-                <a16:creationId xmlns:a16="http://schemas.microsoft.com/office/drawing/2014/main" id="{0F0E57E2-86DB-40C1-876E-D9F3864E1A5A}"/>
-              </a:ext>
-            </a:extLst>
-          </p:cNvPr>
+          <p:cNvPr id="4" name="标题 1"/>
           <p:cNvSpPr>
             <a:spLocks noGrp="1"/>
           </p:cNvSpPr>
-          <p:nvPr>
-            <p:ph type="title"/>
-          </p:nvPr>
+          <p:nvPr/>
         </p:nvSpPr>
         <p:spPr>
           <a:xfrm>
             <a:off x="353706" y="272956"/>
-            <a:ext cx="5617510" cy="672129"/>
+            <a:ext cx="4143231" cy="600501"/>
           </a:xfrm>
+          <a:prstGeom prst="rect">
+            <a:avLst/>
+          </a:prstGeom>
         </p:spPr>
         <p:txBody>
-          <a:bodyPr>
-            <a:normAutofit/>
+          <a:bodyPr vert="horz" lIns="91440" tIns="45720" rIns="91440" bIns="45720" rtlCol="0" anchor="ctr">
+            <a:normAutofit lnSpcReduction="10000"/>
           </a:bodyPr>
-          <a:lstStyle/>
-          <a:p>
-            <a:r>
-              <a:rPr lang="en-US" altLang="zh-CN" sz="3600" b="1" u="sng" dirty="0" err="1">
+          <a:lstStyle>
+            <a:lvl1pPr algn="l" defTabSz="914400" rtl="0" eaLnBrk="1" latinLnBrk="0" hangingPunct="1">
+              <a:lnSpc>
+                <a:spcPct val="90000"/>
+              </a:lnSpc>
+              <a:spcBef>
+                <a:spcPct val="0"/>
+              </a:spcBef>
+              <a:buNone/>
+              <a:defRPr sz="4400" kern="1200">
+                <a:solidFill>
+                  <a:schemeClr val="tx1"/>
+                </a:solidFill>
+                <a:latin typeface="+mj-lt"/>
+                <a:ea typeface="+mj-ea"/>
+                <a:cs typeface="+mj-cs"/>
+              </a:defRPr>
+            </a:lvl1pPr>
+          </a:lstStyle>
+          <a:p>
+            <a:r>
+              <a:rPr lang="en-US" altLang="zh-CN" sz="3600" b="1" u="sng" dirty="0">
                 <a:latin typeface="Times New Roman" panose="02020603050405020304" pitchFamily="18" charset="0"/>
                 <a:ea typeface="黑体" panose="02010609060101010101" pitchFamily="49" charset="-122"/>
                 <a:cs typeface="Times New Roman" panose="02020603050405020304" pitchFamily="18" charset="0"/>
               </a:rPr>
-              <a:t>Implementation&amp;Training</a:t>
+              <a:t>Data Processing</a:t>
             </a:r>
             <a:endParaRPr lang="zh-CN" altLang="en-US" sz="3600" b="1" u="sng" dirty="0">
               <a:latin typeface="Times New Roman" panose="02020603050405020304" pitchFamily="18" charset="0"/>
@@ -8126,20 +8057,14 @@
       </p:sp>
       <p:sp>
         <p:nvSpPr>
-          <p:cNvPr id="5" name="文本框 4">
-            <a:extLst>
-              <a:ext uri="{FF2B5EF4-FFF2-40B4-BE49-F238E27FC236}">
-                <a16:creationId xmlns:a16="http://schemas.microsoft.com/office/drawing/2014/main" id="{3E15AA0E-0BEA-45AF-BD19-223603A5DDA7}"/>
-              </a:ext>
-            </a:extLst>
-          </p:cNvPr>
+          <p:cNvPr id="12" name="文本框 11"/>
           <p:cNvSpPr txBox="1"/>
           <p:nvPr/>
         </p:nvSpPr>
         <p:spPr>
           <a:xfrm>
-            <a:off x="445760" y="1239051"/>
-            <a:ext cx="9383340" cy="400110"/>
+            <a:off x="693473" y="1132543"/>
+            <a:ext cx="10322286" cy="1999615"/>
           </a:xfrm>
           <a:prstGeom prst="rect">
             <a:avLst/>
@@ -8153,45 +8078,60 @@
           <a:lstStyle/>
           <a:p>
             <a:r>
-              <a:rPr lang="zh-CN" altLang="en-US" sz="2000" dirty="0">
+              <a:rPr lang="zh-CN" altLang="en-US" sz="2800" b="1" dirty="0">
                 <a:latin typeface="黑体" panose="02010609060101010101" pitchFamily="49" charset="-122"/>
                 <a:ea typeface="黑体" panose="02010609060101010101" pitchFamily="49" charset="-122"/>
               </a:rPr>
-              <a:t>在完成上述设计后，使用</a:t>
-            </a:r>
-            <a:r>
-              <a:rPr lang="en-US" altLang="zh-CN" sz="2000" dirty="0" err="1">
-                <a:latin typeface="黑体" panose="02010609060101010101" pitchFamily="49" charset="-122"/>
-                <a:ea typeface="黑体" panose="02010609060101010101" pitchFamily="49" charset="-122"/>
-              </a:rPr>
-              <a:t>Pytorch</a:t>
-            </a:r>
-            <a:r>
-              <a:rPr lang="zh-CN" altLang="en-US" sz="2000" dirty="0">
-                <a:latin typeface="黑体" panose="02010609060101010101" pitchFamily="49" charset="-122"/>
-                <a:ea typeface="黑体" panose="02010609060101010101" pitchFamily="49" charset="-122"/>
-              </a:rPr>
-              <a:t>建立了相应的神经网络模型并进行训练：</a:t>
-            </a:r>
-          </a:p>
-        </p:txBody>
-      </p:sp>
-      <p:sp>
-        <p:nvSpPr>
-          <p:cNvPr id="6" name="文本框 5">
-            <a:extLst>
-              <a:ext uri="{FF2B5EF4-FFF2-40B4-BE49-F238E27FC236}">
-                <a16:creationId xmlns:a16="http://schemas.microsoft.com/office/drawing/2014/main" id="{F99D51DA-51FB-4A36-8D39-1AB718CCD08F}"/>
-              </a:ext>
-            </a:extLst>
-          </p:cNvPr>
+              <a:t>数据预处理：</a:t>
+            </a:r>
+            <a:r>
+              <a:rPr lang="zh-CN" altLang="en-US" sz="2400" dirty="0">
+                <a:latin typeface="宋体" panose="02010600030101010101" pitchFamily="2" charset="-122"/>
+                <a:ea typeface="宋体" panose="02010600030101010101" pitchFamily="2" charset="-122"/>
+              </a:rPr>
+              <a:t>为了使数据中的特征能够更好的被模型捕捉，对数据进行了预处理。借鉴到股票市场常用的一些技术形态（放量上涨，缩量下跌），（尤其是</a:t>
+            </a:r>
+            <a:r>
+              <a:rPr lang="en-US" altLang="zh-CN" sz="2400" dirty="0">
+                <a:latin typeface="宋体" panose="02010600030101010101" pitchFamily="2" charset="-122"/>
+                <a:ea typeface="宋体" panose="02010600030101010101" pitchFamily="2" charset="-122"/>
+              </a:rPr>
+              <a:t>A</a:t>
+            </a:r>
+            <a:r>
+              <a:rPr lang="zh-CN" altLang="en-US" sz="2400" dirty="0">
+                <a:latin typeface="宋体" panose="02010600030101010101" pitchFamily="2" charset="-122"/>
+                <a:ea typeface="宋体" panose="02010600030101010101" pitchFamily="2" charset="-122"/>
+              </a:rPr>
+              <a:t>股市场）交易数据直接的值并不很好的反映多头空头趋势，</a:t>
+            </a:r>
+            <a:r>
+              <a:rPr lang="zh-CN" altLang="en-US" sz="2400" b="1" dirty="0">
+                <a:latin typeface="宋体" panose="02010600030101010101" pitchFamily="2" charset="-122"/>
+                <a:ea typeface="宋体" panose="02010600030101010101" pitchFamily="2" charset="-122"/>
+              </a:rPr>
+              <a:t>其量比更反应市场情绪</a:t>
+            </a:r>
+            <a:r>
+              <a:rPr lang="zh-CN" altLang="en-US" sz="2400" dirty="0">
+                <a:latin typeface="宋体" panose="02010600030101010101" pitchFamily="2" charset="-122"/>
+                <a:ea typeface="宋体" panose="02010600030101010101" pitchFamily="2" charset="-122"/>
+              </a:rPr>
+              <a:t>（例如今日交易量与昨日交易量的比值），因此将上述八项数据分别与前一天的比值作为每天的处理后数据，得到预处理后的数据。</a:t>
+            </a:r>
+          </a:p>
+        </p:txBody>
+      </p:sp>
+      <p:sp>
+        <p:nvSpPr>
+          <p:cNvPr id="13" name="文本框 12"/>
           <p:cNvSpPr txBox="1"/>
           <p:nvPr/>
         </p:nvSpPr>
         <p:spPr>
           <a:xfrm>
-            <a:off x="1590994" y="1933127"/>
-            <a:ext cx="9010011" cy="2104872"/>
+            <a:off x="693473" y="3350339"/>
+            <a:ext cx="10969732" cy="923330"/>
           </a:xfrm>
           <a:prstGeom prst="rect">
             <a:avLst/>
@@ -8204,385 +8144,229 @@
           </a:bodyPr>
           <a:lstStyle/>
           <a:p>
-            <a:pPr marL="285750" indent="-285750">
-              <a:lnSpc>
-                <a:spcPct val="150000"/>
-              </a:lnSpc>
-              <a:buFont typeface="Arial" panose="020B0604020202020204" pitchFamily="34" charset="0"/>
-              <a:buChar char="•"/>
-            </a:pPr>
+            <a:r>
+              <a:rPr lang="en-US" altLang="zh-CN" b="0" dirty="0">
+                <a:solidFill>
+                  <a:srgbClr val="C586C0"/>
+                </a:solidFill>
+                <a:effectLst/>
+                <a:latin typeface="Consolas" panose="020B0609020204030204" pitchFamily="49" charset="0"/>
+              </a:rPr>
+              <a:t>for </a:t>
+            </a:r>
+            <a:r>
+              <a:rPr lang="en-US" altLang="zh-CN" b="0" dirty="0" err="1">
+                <a:solidFill>
+                  <a:srgbClr val="C586C0"/>
+                </a:solidFill>
+                <a:effectLst/>
+                <a:latin typeface="Consolas" panose="020B0609020204030204" pitchFamily="49" charset="0"/>
+              </a:rPr>
+              <a:t>i</a:t>
+            </a:r>
+            <a:r>
+              <a:rPr lang="en-US" altLang="zh-CN" b="0" dirty="0">
+                <a:solidFill>
+                  <a:srgbClr val="C586C0"/>
+                </a:solidFill>
+                <a:effectLst/>
+                <a:latin typeface="Consolas" panose="020B0609020204030204" pitchFamily="49" charset="0"/>
+              </a:rPr>
+              <a:t> in range(</a:t>
+            </a:r>
+            <a:r>
+              <a:rPr lang="en-US" altLang="zh-CN" b="0" dirty="0" err="1">
+                <a:solidFill>
+                  <a:srgbClr val="C586C0"/>
+                </a:solidFill>
+                <a:effectLst/>
+                <a:latin typeface="Consolas" panose="020B0609020204030204" pitchFamily="49" charset="0"/>
+              </a:rPr>
+              <a:t>num_samples</a:t>
+            </a:r>
+            <a:r>
+              <a:rPr lang="en-US" altLang="zh-CN" b="0" dirty="0">
+                <a:solidFill>
+                  <a:srgbClr val="C586C0"/>
+                </a:solidFill>
+                <a:effectLst/>
+                <a:latin typeface="Consolas" panose="020B0609020204030204" pitchFamily="49" charset="0"/>
+              </a:rPr>
+              <a:t>):</a:t>
+            </a:r>
+          </a:p>
+          <a:p>
+            <a:r>
+              <a:rPr lang="en-US" altLang="zh-CN" b="0" dirty="0">
+                <a:solidFill>
+                  <a:srgbClr val="C586C0"/>
+                </a:solidFill>
+                <a:effectLst/>
+                <a:latin typeface="Consolas" panose="020B0609020204030204" pitchFamily="49" charset="0"/>
+              </a:rPr>
+              <a:t>    x[</a:t>
+            </a:r>
+            <a:r>
+              <a:rPr lang="en-US" altLang="zh-CN" b="0" dirty="0" err="1">
+                <a:solidFill>
+                  <a:srgbClr val="C586C0"/>
+                </a:solidFill>
+                <a:effectLst/>
+                <a:latin typeface="Consolas" panose="020B0609020204030204" pitchFamily="49" charset="0"/>
+              </a:rPr>
+              <a:t>i</a:t>
+            </a:r>
+            <a:r>
+              <a:rPr lang="en-US" altLang="zh-CN" b="0" dirty="0">
+                <a:solidFill>
+                  <a:srgbClr val="C586C0"/>
+                </a:solidFill>
+                <a:effectLst/>
+                <a:latin typeface="Consolas" panose="020B0609020204030204" pitchFamily="49" charset="0"/>
+              </a:rPr>
+              <a:t>] = </a:t>
+            </a:r>
+            <a:r>
+              <a:rPr lang="en-US" altLang="zh-CN" b="0" dirty="0" err="1">
+                <a:solidFill>
+                  <a:srgbClr val="C586C0"/>
+                </a:solidFill>
+                <a:effectLst/>
+                <a:latin typeface="Consolas" panose="020B0609020204030204" pitchFamily="49" charset="0"/>
+              </a:rPr>
+              <a:t>original_data.loc</a:t>
+            </a:r>
+            <a:r>
+              <a:rPr lang="en-US" altLang="zh-CN" b="0" dirty="0">
+                <a:solidFill>
+                  <a:srgbClr val="C586C0"/>
+                </a:solidFill>
+                <a:effectLst/>
+                <a:latin typeface="Consolas" panose="020B0609020204030204" pitchFamily="49" charset="0"/>
+              </a:rPr>
+              <a:t>[i+1:i + </a:t>
+            </a:r>
+            <a:r>
+              <a:rPr lang="en-US" altLang="zh-CN" b="0" dirty="0" err="1">
+                <a:solidFill>
+                  <a:srgbClr val="C586C0"/>
+                </a:solidFill>
+                <a:effectLst/>
+                <a:latin typeface="Consolas" panose="020B0609020204030204" pitchFamily="49" charset="0"/>
+              </a:rPr>
+              <a:t>days_before,‘open</a:t>
+            </a:r>
+            <a:r>
+              <a:rPr lang="en-US" altLang="zh-CN" b="0" dirty="0">
+                <a:solidFill>
+                  <a:srgbClr val="C586C0"/>
+                </a:solidFill>
+                <a:effectLst/>
+                <a:latin typeface="Consolas" panose="020B0609020204030204" pitchFamily="49" charset="0"/>
+              </a:rPr>
+              <a:t>’:].values/</a:t>
+            </a:r>
             <a:r>
               <a:rPr lang="zh-CN" altLang="en-US" dirty="0">
-                <a:latin typeface="宋体" panose="02010600030101010101" pitchFamily="2" charset="-122"/>
-                <a:ea typeface="宋体" panose="02010600030101010101" pitchFamily="2" charset="-122"/>
-              </a:rPr>
-              <a:t>由于问题本身接近分类问题（看涨或看跌），所以采用了</a:t>
-            </a:r>
-            <a:r>
-              <a:rPr lang="en-US" altLang="zh-CN" dirty="0" err="1">
-                <a:latin typeface="宋体" panose="02010600030101010101" pitchFamily="2" charset="-122"/>
-                <a:ea typeface="宋体" panose="02010600030101010101" pitchFamily="2" charset="-122"/>
-              </a:rPr>
-              <a:t>CrossEntropyLoss</a:t>
-            </a:r>
-            <a:r>
-              <a:rPr lang="zh-CN" altLang="en-US" dirty="0">
-                <a:latin typeface="宋体" panose="02010600030101010101" pitchFamily="2" charset="-122"/>
-                <a:ea typeface="宋体" panose="02010600030101010101" pitchFamily="2" charset="-122"/>
-              </a:rPr>
-              <a:t>（交错熵）作为损失函数。</a:t>
-            </a:r>
-            <a:endParaRPr lang="en-US" altLang="zh-CN" dirty="0">
-              <a:latin typeface="宋体" panose="02010600030101010101" pitchFamily="2" charset="-122"/>
-              <a:ea typeface="宋体" panose="02010600030101010101" pitchFamily="2" charset="-122"/>
+                <a:solidFill>
+                  <a:srgbClr val="C586C0"/>
+                </a:solidFill>
+                <a:latin typeface="Consolas" panose="020B0609020204030204" pitchFamily="49" charset="0"/>
+              </a:rPr>
+              <a:t> </a:t>
+            </a:r>
+            <a:r>
+              <a:rPr lang="en-US" altLang="zh-CN" dirty="0">
+                <a:solidFill>
+                  <a:srgbClr val="C586C0"/>
+                </a:solidFill>
+                <a:latin typeface="Consolas" panose="020B0609020204030204" pitchFamily="49" charset="0"/>
+              </a:rPr>
+              <a:t>\...</a:t>
+            </a:r>
+            <a:endParaRPr lang="en-US" altLang="zh-CN" b="0" dirty="0">
+              <a:solidFill>
+                <a:srgbClr val="C586C0"/>
+              </a:solidFill>
+              <a:effectLst/>
+              <a:latin typeface="Consolas" panose="020B0609020204030204" pitchFamily="49" charset="0"/>
             </a:endParaRPr>
           </a:p>
           <a:p>
-            <a:pPr marL="285750" indent="-285750">
-              <a:lnSpc>
-                <a:spcPct val="150000"/>
-              </a:lnSpc>
-              <a:buFont typeface="Arial" panose="020B0604020202020204" pitchFamily="34" charset="0"/>
-              <a:buChar char="•"/>
-            </a:pPr>
-            <a:r>
-              <a:rPr lang="zh-CN" altLang="en-US" dirty="0">
-                <a:latin typeface="宋体" panose="02010600030101010101" pitchFamily="2" charset="-122"/>
-                <a:ea typeface="宋体" panose="02010600030101010101" pitchFamily="2" charset="-122"/>
-              </a:rPr>
-              <a:t>通过查阅资料，选择</a:t>
-            </a:r>
             <a:r>
               <a:rPr lang="en-US" altLang="zh-CN" dirty="0">
-                <a:latin typeface="宋体" panose="02010600030101010101" pitchFamily="2" charset="-122"/>
-                <a:ea typeface="宋体" panose="02010600030101010101" pitchFamily="2" charset="-122"/>
-              </a:rPr>
-              <a:t>Adam</a:t>
-            </a:r>
-            <a:r>
-              <a:rPr lang="zh-CN" altLang="en-US" dirty="0">
-                <a:latin typeface="宋体" panose="02010600030101010101" pitchFamily="2" charset="-122"/>
-                <a:ea typeface="宋体" panose="02010600030101010101" pitchFamily="2" charset="-122"/>
-              </a:rPr>
-              <a:t>优化器作为训练过程的优化器。</a:t>
-            </a:r>
-            <a:endParaRPr lang="en-US" altLang="zh-CN" dirty="0">
-              <a:latin typeface="宋体" panose="02010600030101010101" pitchFamily="2" charset="-122"/>
-              <a:ea typeface="宋体" panose="02010600030101010101" pitchFamily="2" charset="-122"/>
+                <a:solidFill>
+                  <a:srgbClr val="C586C0"/>
+                </a:solidFill>
+                <a:latin typeface="Consolas" panose="020B0609020204030204" pitchFamily="49" charset="0"/>
+              </a:rPr>
+              <a:t>           </a:t>
+            </a:r>
+            <a:r>
+              <a:rPr lang="en-US" altLang="zh-CN" b="0" dirty="0" err="1">
+                <a:solidFill>
+                  <a:srgbClr val="C586C0"/>
+                </a:solidFill>
+                <a:effectLst/>
+                <a:latin typeface="Consolas" panose="020B0609020204030204" pitchFamily="49" charset="0"/>
+              </a:rPr>
+              <a:t>original_data.loc</a:t>
+            </a:r>
+            <a:r>
+              <a:rPr lang="en-US" altLang="zh-CN" b="0" dirty="0">
+                <a:solidFill>
+                  <a:srgbClr val="C586C0"/>
+                </a:solidFill>
+                <a:effectLst/>
+                <a:latin typeface="Consolas" panose="020B0609020204030204" pitchFamily="49" charset="0"/>
+              </a:rPr>
+              <a:t>[</a:t>
+            </a:r>
+            <a:r>
+              <a:rPr lang="en-US" altLang="zh-CN" b="0" dirty="0" err="1">
+                <a:solidFill>
+                  <a:srgbClr val="C586C0"/>
+                </a:solidFill>
+                <a:effectLst/>
+                <a:latin typeface="Consolas" panose="020B0609020204030204" pitchFamily="49" charset="0"/>
+              </a:rPr>
+              <a:t>i:i</a:t>
+            </a:r>
+            <a:r>
+              <a:rPr lang="en-US" altLang="zh-CN" b="0" dirty="0">
+                <a:solidFill>
+                  <a:srgbClr val="C586C0"/>
+                </a:solidFill>
+                <a:effectLst/>
+                <a:latin typeface="Consolas" panose="020B0609020204030204" pitchFamily="49" charset="0"/>
+              </a:rPr>
+              <a:t> + days_before-1, 'open':].values</a:t>
+            </a:r>
+            <a:endParaRPr lang="en-US" altLang="zh-CN" b="0" dirty="0">
+              <a:solidFill>
+                <a:srgbClr val="CCCCCC"/>
+              </a:solidFill>
+              <a:effectLst/>
+              <a:latin typeface="Consolas" panose="020B0609020204030204" pitchFamily="49" charset="0"/>
             </a:endParaRPr>
           </a:p>
-          <a:p>
-            <a:pPr marL="285750" indent="-285750">
-              <a:lnSpc>
-                <a:spcPct val="150000"/>
-              </a:lnSpc>
-              <a:buFont typeface="Arial" panose="020B0604020202020204" pitchFamily="34" charset="0"/>
-              <a:buChar char="•"/>
-            </a:pPr>
-            <a:r>
-              <a:rPr lang="zh-CN" altLang="en-US" dirty="0">
-                <a:latin typeface="宋体" panose="02010600030101010101" pitchFamily="2" charset="-122"/>
-                <a:ea typeface="宋体" panose="02010600030101010101" pitchFamily="2" charset="-122"/>
-              </a:rPr>
-              <a:t>为了克服过拟合现象，采取了</a:t>
-            </a:r>
-            <a:r>
-              <a:rPr lang="en-US" altLang="zh-CN" dirty="0">
-                <a:latin typeface="宋体" panose="02010600030101010101" pitchFamily="2" charset="-122"/>
-                <a:ea typeface="宋体" panose="02010600030101010101" pitchFamily="2" charset="-122"/>
-              </a:rPr>
-              <a:t>dropout</a:t>
-            </a:r>
-            <a:r>
-              <a:rPr lang="zh-CN" altLang="en-US" dirty="0">
-                <a:latin typeface="宋体" panose="02010600030101010101" pitchFamily="2" charset="-122"/>
-                <a:ea typeface="宋体" panose="02010600030101010101" pitchFamily="2" charset="-122"/>
-              </a:rPr>
-              <a:t>手段，在训练时会随机丢弃部分神经元。</a:t>
-            </a:r>
-            <a:endParaRPr lang="en-US" altLang="zh-CN" dirty="0">
-              <a:latin typeface="宋体" panose="02010600030101010101" pitchFamily="2" charset="-122"/>
-              <a:ea typeface="宋体" panose="02010600030101010101" pitchFamily="2" charset="-122"/>
-            </a:endParaRPr>
-          </a:p>
-          <a:p>
-            <a:pPr marL="285750" indent="-285750">
-              <a:lnSpc>
-                <a:spcPct val="150000"/>
-              </a:lnSpc>
-              <a:buFont typeface="Arial" panose="020B0604020202020204" pitchFamily="34" charset="0"/>
-              <a:buChar char="•"/>
-            </a:pPr>
-            <a:r>
-              <a:rPr lang="zh-CN" altLang="en-US" dirty="0">
-                <a:latin typeface="宋体" panose="02010600030101010101" pitchFamily="2" charset="-122"/>
-                <a:ea typeface="宋体" panose="02010600030101010101" pitchFamily="2" charset="-122"/>
-              </a:rPr>
-              <a:t>为了加速训练，使用了本地的</a:t>
-            </a:r>
-            <a:r>
-              <a:rPr lang="en-US" altLang="zh-CN" dirty="0">
-                <a:latin typeface="宋体" panose="02010600030101010101" pitchFamily="2" charset="-122"/>
-                <a:ea typeface="宋体" panose="02010600030101010101" pitchFamily="2" charset="-122"/>
-              </a:rPr>
-              <a:t>RTX3060</a:t>
-            </a:r>
-            <a:r>
-              <a:rPr lang="zh-CN" altLang="en-US" dirty="0">
-                <a:latin typeface="宋体" panose="02010600030101010101" pitchFamily="2" charset="-122"/>
-                <a:ea typeface="宋体" panose="02010600030101010101" pitchFamily="2" charset="-122"/>
-              </a:rPr>
-              <a:t>和</a:t>
-            </a:r>
-            <a:r>
-              <a:rPr lang="en-US" altLang="zh-CN" dirty="0">
-                <a:latin typeface="宋体" panose="02010600030101010101" pitchFamily="2" charset="-122"/>
-                <a:ea typeface="宋体" panose="02010600030101010101" pitchFamily="2" charset="-122"/>
-              </a:rPr>
-              <a:t>RTX4060</a:t>
-            </a:r>
-            <a:r>
-              <a:rPr lang="zh-CN" altLang="en-US" dirty="0">
-                <a:latin typeface="宋体" panose="02010600030101010101" pitchFamily="2" charset="-122"/>
-                <a:ea typeface="宋体" panose="02010600030101010101" pitchFamily="2" charset="-122"/>
-              </a:rPr>
-              <a:t>，利用</a:t>
-            </a:r>
-            <a:r>
-              <a:rPr lang="en-US" altLang="zh-CN" dirty="0">
-                <a:latin typeface="宋体" panose="02010600030101010101" pitchFamily="2" charset="-122"/>
-                <a:ea typeface="宋体" panose="02010600030101010101" pitchFamily="2" charset="-122"/>
-              </a:rPr>
-              <a:t>CUDA</a:t>
-            </a:r>
-            <a:r>
-              <a:rPr lang="zh-CN" altLang="en-US" dirty="0">
-                <a:latin typeface="宋体" panose="02010600030101010101" pitchFamily="2" charset="-122"/>
-                <a:ea typeface="宋体" panose="02010600030101010101" pitchFamily="2" charset="-122"/>
-              </a:rPr>
-              <a:t>进行了</a:t>
-            </a:r>
-            <a:r>
-              <a:rPr lang="en-US" altLang="zh-CN" dirty="0">
-                <a:latin typeface="宋体" panose="02010600030101010101" pitchFamily="2" charset="-122"/>
-                <a:ea typeface="宋体" panose="02010600030101010101" pitchFamily="2" charset="-122"/>
-              </a:rPr>
-              <a:t>GPU</a:t>
-            </a:r>
-            <a:r>
-              <a:rPr lang="zh-CN" altLang="en-US" dirty="0">
-                <a:latin typeface="宋体" panose="02010600030101010101" pitchFamily="2" charset="-122"/>
-                <a:ea typeface="宋体" panose="02010600030101010101" pitchFamily="2" charset="-122"/>
-              </a:rPr>
-              <a:t>加速计算。</a:t>
-            </a:r>
-            <a:endParaRPr lang="en-US" altLang="zh-CN" dirty="0">
-              <a:latin typeface="宋体" panose="02010600030101010101" pitchFamily="2" charset="-122"/>
-              <a:ea typeface="宋体" panose="02010600030101010101" pitchFamily="2" charset="-122"/>
-            </a:endParaRPr>
-          </a:p>
-        </p:txBody>
-      </p:sp>
-      <p:grpSp>
-        <p:nvGrpSpPr>
-          <p:cNvPr id="9" name="组合 8">
-            <a:extLst>
-              <a:ext uri="{FF2B5EF4-FFF2-40B4-BE49-F238E27FC236}">
-                <a16:creationId xmlns:a16="http://schemas.microsoft.com/office/drawing/2014/main" id="{A09A1535-14C5-48F0-A0D8-E7DAEAE57C00}"/>
-              </a:ext>
-            </a:extLst>
-          </p:cNvPr>
-          <p:cNvGrpSpPr/>
-          <p:nvPr/>
-        </p:nvGrpSpPr>
-        <p:grpSpPr>
-          <a:xfrm>
-            <a:off x="1678446" y="4423317"/>
-            <a:ext cx="8585540" cy="861495"/>
-            <a:chOff x="1678446" y="4423317"/>
-            <a:chExt cx="8585540" cy="861495"/>
-          </a:xfrm>
-        </p:grpSpPr>
-        <p:sp>
-          <p:nvSpPr>
-            <p:cNvPr id="7" name="文本框 6">
-              <a:extLst>
-                <a:ext uri="{FF2B5EF4-FFF2-40B4-BE49-F238E27FC236}">
-                  <a16:creationId xmlns:a16="http://schemas.microsoft.com/office/drawing/2014/main" id="{18763642-713C-4817-B2BA-748DCFAD41FB}"/>
-                </a:ext>
-              </a:extLst>
-            </p:cNvPr>
-            <p:cNvSpPr txBox="1"/>
-            <p:nvPr/>
-          </p:nvSpPr>
-          <p:spPr>
-            <a:xfrm>
-              <a:off x="1678446" y="4423317"/>
-              <a:ext cx="8585540" cy="400110"/>
-            </a:xfrm>
-            <a:prstGeom prst="rect">
-              <a:avLst/>
-            </a:prstGeom>
-            <a:noFill/>
-            <a:ln>
-              <a:solidFill>
-                <a:schemeClr val="accent1"/>
-              </a:solidFill>
-            </a:ln>
-          </p:spPr>
-          <p:txBody>
-            <a:bodyPr wrap="square" rtlCol="0">
-              <a:spAutoFit/>
-            </a:bodyPr>
-            <a:lstStyle/>
-            <a:p>
-              <a:pPr algn="ctr"/>
-              <a:r>
-                <a:rPr lang="zh-CN" altLang="en-US" sz="2000" b="1" dirty="0">
-                  <a:latin typeface="宋体" panose="02010600030101010101" pitchFamily="2" charset="-122"/>
-                  <a:ea typeface="宋体" panose="02010600030101010101" pitchFamily="2" charset="-122"/>
-                </a:rPr>
-                <a:t>模型成功训练并运行，但是可以调节超参数取得更好的效果</a:t>
-              </a:r>
-            </a:p>
-          </p:txBody>
-        </p:sp>
-        <p:sp>
-          <p:nvSpPr>
-            <p:cNvPr id="8" name="文本框 7">
-              <a:extLst>
-                <a:ext uri="{FF2B5EF4-FFF2-40B4-BE49-F238E27FC236}">
-                  <a16:creationId xmlns:a16="http://schemas.microsoft.com/office/drawing/2014/main" id="{B6F5B0D8-43D5-435D-8F76-FC481E3F69F2}"/>
-                </a:ext>
-              </a:extLst>
-            </p:cNvPr>
-            <p:cNvSpPr txBox="1"/>
-            <p:nvPr/>
-          </p:nvSpPr>
-          <p:spPr>
-            <a:xfrm>
-              <a:off x="2575969" y="4915480"/>
-              <a:ext cx="6790494" cy="369332"/>
-            </a:xfrm>
-            <a:prstGeom prst="rect">
-              <a:avLst/>
-            </a:prstGeom>
-            <a:noFill/>
-          </p:spPr>
-          <p:txBody>
-            <a:bodyPr wrap="square" rtlCol="0">
-              <a:spAutoFit/>
-            </a:bodyPr>
-            <a:lstStyle/>
-            <a:p>
-              <a:r>
-                <a:rPr lang="en-US" altLang="zh-CN" dirty="0" err="1">
-                  <a:latin typeface="Times New Roman" panose="02020603050405020304" pitchFamily="18" charset="0"/>
-                  <a:cs typeface="Times New Roman" panose="02020603050405020304" pitchFamily="18" charset="0"/>
-                </a:rPr>
-                <a:t>days_before</a:t>
-              </a:r>
-              <a:r>
-                <a:rPr lang="en-US" altLang="zh-CN" dirty="0">
-                  <a:latin typeface="Times New Roman" panose="02020603050405020304" pitchFamily="18" charset="0"/>
-                  <a:cs typeface="Times New Roman" panose="02020603050405020304" pitchFamily="18" charset="0"/>
-                </a:rPr>
-                <a:t>,</a:t>
-              </a:r>
-              <a:r>
-                <a:rPr lang="zh-CN" altLang="en-US" dirty="0">
-                  <a:latin typeface="Times New Roman" panose="02020603050405020304" pitchFamily="18" charset="0"/>
-                  <a:cs typeface="Times New Roman" panose="02020603050405020304" pitchFamily="18" charset="0"/>
-                </a:rPr>
-                <a:t> </a:t>
-              </a:r>
-              <a:r>
-                <a:rPr lang="en-US" altLang="zh-CN" dirty="0" err="1">
-                  <a:latin typeface="Times New Roman" panose="02020603050405020304" pitchFamily="18" charset="0"/>
-                  <a:cs typeface="Times New Roman" panose="02020603050405020304" pitchFamily="18" charset="0"/>
-                </a:rPr>
-                <a:t>days_after</a:t>
-              </a:r>
-              <a:r>
-                <a:rPr lang="en-US" altLang="zh-CN" dirty="0">
-                  <a:latin typeface="Times New Roman" panose="02020603050405020304" pitchFamily="18" charset="0"/>
-                  <a:cs typeface="Times New Roman" panose="02020603050405020304" pitchFamily="18" charset="0"/>
-                </a:rPr>
-                <a:t>, </a:t>
-              </a:r>
-              <a:r>
-                <a:rPr lang="en-US" altLang="zh-CN" dirty="0" err="1">
-                  <a:latin typeface="Times New Roman" panose="02020603050405020304" pitchFamily="18" charset="0"/>
-                  <a:cs typeface="Times New Roman" panose="02020603050405020304" pitchFamily="18" charset="0"/>
-                </a:rPr>
-                <a:t>batch_size</a:t>
-              </a:r>
-              <a:r>
-                <a:rPr lang="en-US" altLang="zh-CN" dirty="0">
-                  <a:latin typeface="Times New Roman" panose="02020603050405020304" pitchFamily="18" charset="0"/>
-                  <a:cs typeface="Times New Roman" panose="02020603050405020304" pitchFamily="18" charset="0"/>
-                </a:rPr>
-                <a:t>, </a:t>
-              </a:r>
-              <a:r>
-                <a:rPr lang="en-US" altLang="zh-CN" dirty="0" err="1">
-                  <a:latin typeface="Times New Roman" panose="02020603050405020304" pitchFamily="18" charset="0"/>
-                  <a:cs typeface="Times New Roman" panose="02020603050405020304" pitchFamily="18" charset="0"/>
-                </a:rPr>
-                <a:t>hidden_size</a:t>
-              </a:r>
-              <a:r>
-                <a:rPr lang="en-US" altLang="zh-CN" dirty="0">
-                  <a:latin typeface="Times New Roman" panose="02020603050405020304" pitchFamily="18" charset="0"/>
-                  <a:cs typeface="Times New Roman" panose="02020603050405020304" pitchFamily="18" charset="0"/>
-                </a:rPr>
-                <a:t>, </a:t>
-              </a:r>
-              <a:r>
-                <a:rPr lang="en-US" altLang="zh-CN" dirty="0" err="1">
-                  <a:latin typeface="Times New Roman" panose="02020603050405020304" pitchFamily="18" charset="0"/>
-                  <a:cs typeface="Times New Roman" panose="02020603050405020304" pitchFamily="18" charset="0"/>
-                </a:rPr>
-                <a:t>num_layer</a:t>
-              </a:r>
-              <a:r>
-                <a:rPr lang="en-US" altLang="zh-CN" dirty="0">
-                  <a:latin typeface="Times New Roman" panose="02020603050405020304" pitchFamily="18" charset="0"/>
-                  <a:cs typeface="Times New Roman" panose="02020603050405020304" pitchFamily="18" charset="0"/>
-                </a:rPr>
-                <a:t>, dropout…</a:t>
-              </a:r>
-              <a:endParaRPr lang="zh-CN" altLang="en-US" dirty="0"/>
-            </a:p>
-          </p:txBody>
-        </p:sp>
-      </p:grpSp>
-      <p:sp>
-        <p:nvSpPr>
-          <p:cNvPr id="10" name="文本框 9">
-            <a:extLst>
-              <a:ext uri="{FF2B5EF4-FFF2-40B4-BE49-F238E27FC236}">
-                <a16:creationId xmlns:a16="http://schemas.microsoft.com/office/drawing/2014/main" id="{2A5FDE61-C5A3-4688-A55C-BC17336EACB3}"/>
-              </a:ext>
-            </a:extLst>
-          </p:cNvPr>
+        </p:txBody>
+      </p:sp>
+      <p:sp>
+        <p:nvSpPr>
+          <p:cNvPr id="14" name="文本框 13"/>
           <p:cNvSpPr txBox="1"/>
           <p:nvPr/>
         </p:nvSpPr>
         <p:spPr>
           <a:xfrm>
-            <a:off x="1929149" y="5774835"/>
-            <a:ext cx="8084133" cy="584775"/>
+            <a:off x="583007" y="4467519"/>
+            <a:ext cx="10549354" cy="829945"/>
           </a:xfrm>
           <a:prstGeom prst="rect">
             <a:avLst/>
           </a:prstGeom>
           <a:noFill/>
-          <a:ln>
-            <a:solidFill>
-              <a:schemeClr val="tx1"/>
-            </a:solidFill>
-          </a:ln>
         </p:spPr>
         <p:txBody>
           <a:bodyPr wrap="square" rtlCol="0">
@@ -8590,43 +8374,73 @@
           </a:bodyPr>
           <a:lstStyle/>
           <a:p>
-            <a:pPr algn="ctr"/>
-            <a:r>
-              <a:rPr lang="en-US" altLang="zh-CN" sz="3200" b="1" strike="sngStrike" dirty="0">
-                <a:latin typeface="Times New Roman" panose="02020603050405020304" pitchFamily="18" charset="0"/>
-                <a:ea typeface="黑体" panose="02010609060101010101" pitchFamily="49" charset="-122"/>
-                <a:cs typeface="Times New Roman" panose="02020603050405020304" pitchFamily="18" charset="0"/>
-              </a:rPr>
-              <a:t>Attention</a:t>
-            </a:r>
-            <a:r>
-              <a:rPr lang="en-US" altLang="zh-CN" sz="3200" b="1" dirty="0">
-                <a:latin typeface="Times New Roman" panose="02020603050405020304" pitchFamily="18" charset="0"/>
-                <a:ea typeface="黑体" panose="02010609060101010101" pitchFamily="49" charset="-122"/>
-                <a:cs typeface="Times New Roman" panose="02020603050405020304" pitchFamily="18" charset="0"/>
-              </a:rPr>
-              <a:t> Hyperparameters is all we need</a:t>
-            </a:r>
-            <a:r>
-              <a:rPr lang="en-US" altLang="zh-CN" sz="2000" b="1" dirty="0">
+            <a:r>
+              <a:rPr lang="zh-CN" altLang="en-US" sz="2400" dirty="0">
                 <a:latin typeface="宋体" panose="02010600030101010101" pitchFamily="2" charset="-122"/>
                 <a:ea typeface="宋体" panose="02010600030101010101" pitchFamily="2" charset="-122"/>
               </a:rPr>
-              <a:t>.</a:t>
-            </a:r>
-            <a:endParaRPr lang="zh-CN" altLang="en-US" sz="2000" b="1" dirty="0">
-              <a:latin typeface="宋体" panose="02010600030101010101" pitchFamily="2" charset="-122"/>
-              <a:ea typeface="宋体" panose="02010600030101010101" pitchFamily="2" charset="-122"/>
-            </a:endParaRPr>
+              <a:t>而每个样本的训练标签则由</a:t>
+            </a:r>
+            <a:r>
+              <a:rPr lang="en-US" altLang="zh-CN" sz="2400" dirty="0" err="1">
+                <a:latin typeface="宋体" panose="02010600030101010101" pitchFamily="2" charset="-122"/>
+                <a:ea typeface="宋体" panose="02010600030101010101" pitchFamily="2" charset="-122"/>
+              </a:rPr>
+              <a:t>days_after</a:t>
+            </a:r>
+            <a:r>
+              <a:rPr lang="zh-CN" altLang="en-US" sz="2400" dirty="0">
+                <a:latin typeface="宋体" panose="02010600030101010101" pitchFamily="2" charset="-122"/>
+                <a:ea typeface="宋体" panose="02010600030101010101" pitchFamily="2" charset="-122"/>
+              </a:rPr>
+              <a:t>后股票涨跌决定，</a:t>
+            </a:r>
+            <a:r>
+              <a:rPr lang="zh-CN" altLang="en-US" sz="2400" b="1" dirty="0">
+                <a:latin typeface="宋体" panose="02010600030101010101" pitchFamily="2" charset="-122"/>
+                <a:ea typeface="宋体" panose="02010600030101010101" pitchFamily="2" charset="-122"/>
+              </a:rPr>
+              <a:t>相对今日上涨则为</a:t>
+            </a:r>
+            <a:r>
+              <a:rPr lang="en-US" altLang="zh-CN" sz="2400" b="1" dirty="0">
+                <a:latin typeface="宋体" panose="02010600030101010101" pitchFamily="2" charset="-122"/>
+                <a:ea typeface="宋体" panose="02010600030101010101" pitchFamily="2" charset="-122"/>
+              </a:rPr>
+              <a:t>[0, 1]</a:t>
+            </a:r>
+            <a:r>
+              <a:rPr lang="zh-CN" altLang="en-US" sz="2400" b="1" dirty="0">
+                <a:latin typeface="宋体" panose="02010600030101010101" pitchFamily="2" charset="-122"/>
+                <a:ea typeface="宋体" panose="02010600030101010101" pitchFamily="2" charset="-122"/>
+              </a:rPr>
+              <a:t>，下跌则为</a:t>
+            </a:r>
+            <a:r>
+              <a:rPr lang="en-US" altLang="zh-CN" sz="2400" b="1" dirty="0">
+                <a:latin typeface="宋体" panose="02010600030101010101" pitchFamily="2" charset="-122"/>
+                <a:ea typeface="宋体" panose="02010600030101010101" pitchFamily="2" charset="-122"/>
+              </a:rPr>
+              <a:t>[1, 0]</a:t>
+            </a:r>
+            <a:r>
+              <a:rPr lang="en-US" altLang="zh-CN" sz="2400" dirty="0">
+                <a:latin typeface="宋体" panose="02010600030101010101" pitchFamily="2" charset="-122"/>
+                <a:ea typeface="宋体" panose="02010600030101010101" pitchFamily="2" charset="-122"/>
+              </a:rPr>
+              <a:t>,</a:t>
+            </a:r>
+            <a:r>
+              <a:rPr lang="zh-CN" altLang="en-US" sz="2400" dirty="0">
+                <a:latin typeface="宋体" panose="02010600030101010101" pitchFamily="2" charset="-122"/>
+                <a:ea typeface="宋体" panose="02010600030101010101" pitchFamily="2" charset="-122"/>
+              </a:rPr>
+              <a:t>这是模型的训练目标输出。</a:t>
+            </a:r>
           </a:p>
         </p:txBody>
       </p:sp>
     </p:spTree>
-    <p:extLst>
-      <p:ext uri="{BB962C8B-B14F-4D97-AF65-F5344CB8AC3E}">
-        <p14:creationId xmlns:p14="http://schemas.microsoft.com/office/powerpoint/2010/main" val="3911769047"/>
-      </p:ext>
-    </p:extLst>
   </p:cSld>
   <p:clrMapOvr>
     <a:masterClrMapping/>
@@ -8634,50 +8448,57 @@
 </p:sld>
 </file>
 
+<file path=ppt/tags/tag1.xml><?xml version="1.0" encoding="utf-8"?>
+<p:tagLst xmlns:a="http://schemas.openxmlformats.org/drawingml/2006/main" xmlns:r="http://schemas.openxmlformats.org/officeDocument/2006/relationships" xmlns:p="http://schemas.openxmlformats.org/presentationml/2006/main">
+  <p:tag name="RESOURCE_RECORD_KEY" val="{&quot;71&quot;:[76235679587]}"/>
+  <p:tag name="COMMONDATA" val="eyJoZGlkIjoiMDkxZTNkYTE4MzcwZjBiNTE3ZTU5YTYxZWM3NjgzODMifQ=="/>
+</p:tagLst>
+</file>
+
 <file path=ppt/theme/theme1.xml><?xml version="1.0" encoding="utf-8"?>
 <a:theme xmlns:a="http://schemas.openxmlformats.org/drawingml/2006/main" name="Office 主题​​">
   <a:themeElements>
-    <a:clrScheme name="Office">
+    <a:clrScheme name="">
       <a:dk1>
-        <a:sysClr val="windowText" lastClr="000000"/>
+        <a:srgbClr val="000000"/>
       </a:dk1>
       <a:lt1>
-        <a:sysClr val="window" lastClr="FFFFFF"/>
+        <a:srgbClr val="FFFFFF"/>
       </a:lt1>
       <a:dk2>
-        <a:srgbClr val="0E2841"/>
+        <a:srgbClr val="461102"/>
       </a:dk2>
       <a:lt2>
-        <a:srgbClr val="E8E8E8"/>
+        <a:srgbClr val="FEF6F4"/>
       </a:lt2>
       <a:accent1>
-        <a:srgbClr val="156082"/>
+        <a:srgbClr val="F86338"/>
       </a:accent1>
       <a:accent2>
-        <a:srgbClr val="E97132"/>
+        <a:srgbClr val="E44A6E"/>
       </a:accent2>
       <a:accent3>
-        <a:srgbClr val="196B24"/>
+        <a:srgbClr val="B34E8E"/>
       </a:accent3>
       <a:accent4>
-        <a:srgbClr val="0F9ED5"/>
+        <a:srgbClr val="745693"/>
       </a:accent4>
       <a:accent5>
-        <a:srgbClr val="A02B93"/>
+        <a:srgbClr val="40537C"/>
       </a:accent5>
       <a:accent6>
-        <a:srgbClr val="4EA72E"/>
+        <a:srgbClr val="2F4858"/>
       </a:accent6>
       <a:hlink>
-        <a:srgbClr val="467886"/>
+        <a:srgbClr val="5FCBFB"/>
       </a:hlink>
       <a:folHlink>
-        <a:srgbClr val="96607D"/>
+        <a:srgbClr val="B759BC"/>
       </a:folHlink>
     </a:clrScheme>
     <a:fontScheme name="Office">
       <a:majorFont>
-        <a:latin typeface="等线 Light" panose="02110004020202020204"/>
+        <a:latin typeface="等线 Light"/>
         <a:ea typeface=""/>
         <a:cs typeface=""/>
         <a:font script="Jpan" typeface="游ゴシック Light"/>
@@ -8710,26 +8531,9 @@
         <a:font script="Viet" typeface="Times New Roman"/>
         <a:font script="Uigh" typeface="Microsoft Uighur"/>
         <a:font script="Geor" typeface="Sylfaen"/>
-        <a:font script="Armn" typeface="Arial"/>
-        <a:font script="Bugi" typeface="Leelawadee UI"/>
-        <a:font script="Bopo" typeface="Microsoft JhengHei"/>
-        <a:font script="Java" typeface="Javanese Text"/>
-        <a:font script="Lisu" typeface="Segoe UI"/>
-        <a:font script="Mymr" typeface="Myanmar Text"/>
-        <a:font script="Nkoo" typeface="Ebrima"/>
-        <a:font script="Olck" typeface="Nirmala UI"/>
-        <a:font script="Osma" typeface="Ebrima"/>
-        <a:font script="Phag" typeface="Phagspa"/>
-        <a:font script="Syrn" typeface="Estrangelo Edessa"/>
-        <a:font script="Syrj" typeface="Estrangelo Edessa"/>
-        <a:font script="Syre" typeface="Estrangelo Edessa"/>
-        <a:font script="Sora" typeface="Nirmala UI"/>
-        <a:font script="Tale" typeface="Microsoft Tai Le"/>
-        <a:font script="Talu" typeface="Microsoft New Tai Lue"/>
-        <a:font script="Tfng" typeface="Ebrima"/>
       </a:majorFont>
       <a:minorFont>
-        <a:latin typeface="等线" panose="02110004020202020204"/>
+        <a:latin typeface="等线"/>
         <a:ea typeface=""/>
         <a:cs typeface=""/>
         <a:font script="Jpan" typeface="游ゴシック"/>
@@ -8762,23 +8566,6 @@
         <a:font script="Viet" typeface="Arial"/>
         <a:font script="Uigh" typeface="Microsoft Uighur"/>
         <a:font script="Geor" typeface="Sylfaen"/>
-        <a:font script="Armn" typeface="Arial"/>
-        <a:font script="Bugi" typeface="Leelawadee UI"/>
-        <a:font script="Bopo" typeface="Microsoft JhengHei"/>
-        <a:font script="Java" typeface="Javanese Text"/>
-        <a:font script="Lisu" typeface="Segoe UI"/>
-        <a:font script="Mymr" typeface="Myanmar Text"/>
-        <a:font script="Nkoo" typeface="Ebrima"/>
-        <a:font script="Olck" typeface="Nirmala UI"/>
-        <a:font script="Osma" typeface="Ebrima"/>
-        <a:font script="Phag" typeface="Phagspa"/>
-        <a:font script="Syrn" typeface="Estrangelo Edessa"/>
-        <a:font script="Syrj" typeface="Estrangelo Edessa"/>
-        <a:font script="Syre" typeface="Estrangelo Edessa"/>
-        <a:font script="Sora" typeface="Nirmala UI"/>
-        <a:font script="Tale" typeface="Microsoft Tai Le"/>
-        <a:font script="Talu" typeface="Microsoft New Tai Lue"/>
-        <a:font script="Tfng" typeface="Ebrima"/>
       </a:minorFont>
     </a:fontScheme>
     <a:fmtScheme name="Office">
@@ -8943,7 +8730,7 @@
   <a:extraClrSchemeLst/>
   <a:extLst>
     <a:ext uri="{05A4C25C-085E-4340-85A3-A5531E510DB2}">
-      <thm15:themeFamily xmlns:thm15="http://schemas.microsoft.com/office/thememl/2012/main" name="Office Theme" id="{2E142A2C-CD16-42D6-873A-C26D2A0506FA}" vid="{1BDDFF52-6CD6-40A5-AB3C-68EB2F1E4D0A}"/>
+      <thm15:themeFamily xmlns:thm15="http://schemas.microsoft.com/office/thememl/2012/main" name="Office Theme" id="{62F939B6-93AF-4DB8-9C6B-D6C7DFDC589F}" vid="{4A3C46E8-61CC-4603-A589-7422A47A8E4A}"/>
     </a:ext>
   </a:extLst>
 </a:theme>
@@ -8992,7 +8779,7 @@
     </a:clrScheme>
     <a:fontScheme name="Office">
       <a:majorFont>
-        <a:latin typeface="等线 Light" panose="02110004020202020204"/>
+        <a:latin typeface="等线 Light"/>
         <a:ea typeface=""/>
         <a:cs typeface=""/>
         <a:font script="Jpan" typeface="游ゴシック Light"/>
@@ -9025,26 +8812,9 @@
         <a:font script="Viet" typeface="Times New Roman"/>
         <a:font script="Uigh" typeface="Microsoft Uighur"/>
         <a:font script="Geor" typeface="Sylfaen"/>
-        <a:font script="Armn" typeface="Arial"/>
-        <a:font script="Bugi" typeface="Leelawadee UI"/>
-        <a:font script="Bopo" typeface="Microsoft JhengHei"/>
-        <a:font script="Java" typeface="Javanese Text"/>
-        <a:font script="Lisu" typeface="Segoe UI"/>
-        <a:font script="Mymr" typeface="Myanmar Text"/>
-        <a:font script="Nkoo" typeface="Ebrima"/>
-        <a:font script="Olck" typeface="Nirmala UI"/>
-        <a:font script="Osma" typeface="Ebrima"/>
-        <a:font script="Phag" typeface="Phagspa"/>
-        <a:font script="Syrn" typeface="Estrangelo Edessa"/>
-        <a:font script="Syrj" typeface="Estrangelo Edessa"/>
-        <a:font script="Syre" typeface="Estrangelo Edessa"/>
-        <a:font script="Sora" typeface="Nirmala UI"/>
-        <a:font script="Tale" typeface="Microsoft Tai Le"/>
-        <a:font script="Talu" typeface="Microsoft New Tai Lue"/>
-        <a:font script="Tfng" typeface="Ebrima"/>
       </a:majorFont>
       <a:minorFont>
-        <a:latin typeface="等线" panose="02110004020202020204"/>
+        <a:latin typeface="等线"/>
         <a:ea typeface=""/>
         <a:cs typeface=""/>
         <a:font script="Jpan" typeface="游ゴシック"/>
@@ -9077,23 +8847,6 @@
         <a:font script="Viet" typeface="Arial"/>
         <a:font script="Uigh" typeface="Microsoft Uighur"/>
         <a:font script="Geor" typeface="Sylfaen"/>
-        <a:font script="Armn" typeface="Arial"/>
-        <a:font script="Bugi" typeface="Leelawadee UI"/>
-        <a:font script="Bopo" typeface="Microsoft JhengHei"/>
-        <a:font script="Java" typeface="Javanese Text"/>
-        <a:font script="Lisu" typeface="Segoe UI"/>
-        <a:font script="Mymr" typeface="Myanmar Text"/>
-        <a:font script="Nkoo" typeface="Ebrima"/>
-        <a:font script="Olck" typeface="Nirmala UI"/>
-        <a:font script="Osma" typeface="Ebrima"/>
-        <a:font script="Phag" typeface="Phagspa"/>
-        <a:font script="Syrn" typeface="Estrangelo Edessa"/>
-        <a:font script="Syrj" typeface="Estrangelo Edessa"/>
-        <a:font script="Syre" typeface="Estrangelo Edessa"/>
-        <a:font script="Sora" typeface="Nirmala UI"/>
-        <a:font script="Tale" typeface="Microsoft Tai Le"/>
-        <a:font script="Talu" typeface="Microsoft New Tai Lue"/>
-        <a:font script="Tfng" typeface="Ebrima"/>
       </a:minorFont>
     </a:fontScheme>
     <a:fmtScheme name="Office">
@@ -9258,7 +9011,7 @@
   <a:extraClrSchemeLst/>
   <a:extLst>
     <a:ext uri="{05A4C25C-085E-4340-85A3-A5531E510DB2}">
-      <thm15:themeFamily xmlns:thm15="http://schemas.microsoft.com/office/thememl/2012/main" name="Office Theme" id="{2E142A2C-CD16-42D6-873A-C26D2A0506FA}" vid="{1BDDFF52-6CD6-40A5-AB3C-68EB2F1E4D0A}"/>
+      <thm15:themeFamily xmlns:thm15="http://schemas.microsoft.com/office/thememl/2012/main" name="Office Theme" id="{62F939B6-93AF-4DB8-9C6B-D6C7DFDC589F}" vid="{4A3C46E8-61CC-4603-A589-7422A47A8E4A}"/>
     </a:ext>
   </a:extLst>
 </a:theme>
